--- a/aws_memo.pptx
+++ b/aws_memo.pptx
@@ -8,9 +8,11 @@
     <p:sldId id="256" r:id="rId2"/>
     <p:sldId id="260" r:id="rId3"/>
     <p:sldId id="257" r:id="rId4"/>
-    <p:sldId id="258" r:id="rId5"/>
-    <p:sldId id="259" r:id="rId6"/>
-    <p:sldId id="270" r:id="rId7"/>
+    <p:sldId id="259" r:id="rId5"/>
+    <p:sldId id="272" r:id="rId6"/>
+    <p:sldId id="258" r:id="rId7"/>
+    <p:sldId id="271" r:id="rId8"/>
+    <p:sldId id="270" r:id="rId9"/>
   </p:sldIdLst>
   <p:sldSz cx="12192000" cy="6858000"/>
   <p:notesSz cx="6858000" cy="9144000"/>
@@ -109,6 +111,11 @@
       </a:defRPr>
     </a:lvl9pPr>
   </p:defaultTextStyle>
+  <p:extLst>
+    <p:ext uri="{EFAFB233-063F-42B5-8137-9DF3F51BA10A}">
+      <p15:sldGuideLst xmlns:p15="http://schemas.microsoft.com/office/powerpoint/2012/main"/>
+    </p:ext>
+  </p:extLst>
 </p:presentation>
 </file>
 
@@ -3816,7 +3823,7 @@
         <p:spPr>
           <a:xfrm>
             <a:off x="1438318" y="4127541"/>
-            <a:ext cx="4840428" cy="461665"/>
+            <a:ext cx="5137460" cy="461665"/>
           </a:xfrm>
           <a:prstGeom prst="rect">
             <a:avLst/>
@@ -3824,7 +3831,7 @@
           <a:noFill/>
         </p:spPr>
         <p:txBody>
-          <a:bodyPr wrap="none" rtlCol="0">
+          <a:bodyPr wrap="square" rtlCol="0">
             <a:spAutoFit/>
           </a:bodyPr>
           <a:lstStyle/>
@@ -3837,56 +3844,28 @@
               <a:t>AWS</a:t>
             </a:r>
             <a:r>
+              <a:rPr lang="ja-JP" altLang="en-US" sz="2400" dirty="0">
+                <a:latin typeface="Meiryo UI" panose="020B0604030504040204" pitchFamily="50" charset="-128"/>
+                <a:ea typeface="Meiryo UI" panose="020B0604030504040204" pitchFamily="50" charset="-128"/>
+              </a:rPr>
+              <a:t>に適した開発環境</a:t>
+            </a:r>
+            <a:r>
               <a:rPr kumimoji="1" lang="ja-JP" altLang="en-US" sz="2400" dirty="0">
                 <a:latin typeface="Meiryo UI" panose="020B0604030504040204" pitchFamily="50" charset="-128"/>
                 <a:ea typeface="Meiryo UI" panose="020B0604030504040204" pitchFamily="50" charset="-128"/>
               </a:rPr>
-              <a:t> </a:t>
-            </a:r>
-            <a:r>
-              <a:rPr kumimoji="1" lang="en-US" altLang="ja-JP" sz="2400" dirty="0">
-                <a:latin typeface="Meiryo UI" panose="020B0604030504040204" pitchFamily="50" charset="-128"/>
-                <a:ea typeface="Meiryo UI" panose="020B0604030504040204" pitchFamily="50" charset="-128"/>
-              </a:rPr>
-              <a:t>AI</a:t>
-            </a:r>
-            <a:r>
-              <a:rPr lang="ja-JP" altLang="en-US" sz="2400" dirty="0">
-                <a:latin typeface="Meiryo UI" panose="020B0604030504040204" pitchFamily="50" charset="-128"/>
-                <a:ea typeface="Meiryo UI" panose="020B0604030504040204" pitchFamily="50" charset="-128"/>
-              </a:rPr>
-              <a:t>環境</a:t>
-            </a:r>
-            <a:r>
-              <a:rPr kumimoji="1" lang="ja-JP" altLang="en-US" sz="2400" dirty="0">
-                <a:latin typeface="Meiryo UI" panose="020B0604030504040204" pitchFamily="50" charset="-128"/>
-                <a:ea typeface="Meiryo UI" panose="020B0604030504040204" pitchFamily="50" charset="-128"/>
-              </a:rPr>
-              <a:t>での</a:t>
-            </a:r>
-            <a:r>
-              <a:rPr kumimoji="1" lang="en-US" altLang="ja-JP" sz="2400" dirty="0">
-                <a:latin typeface="Meiryo UI" panose="020B0604030504040204" pitchFamily="50" charset="-128"/>
-                <a:ea typeface="Meiryo UI" panose="020B0604030504040204" pitchFamily="50" charset="-128"/>
-              </a:rPr>
-              <a:t>AI</a:t>
-            </a:r>
-            <a:r>
-              <a:rPr kumimoji="1" lang="ja-JP" altLang="en-US" sz="2400" dirty="0">
-                <a:latin typeface="Meiryo UI" panose="020B0604030504040204" pitchFamily="50" charset="-128"/>
-                <a:ea typeface="Meiryo UI" panose="020B0604030504040204" pitchFamily="50" charset="-128"/>
-              </a:rPr>
-              <a:t>ツール開発試行 </a:t>
+              <a:t>での試行 </a:t>
             </a:r>
           </a:p>
         </p:txBody>
       </p:sp>
       <p:pic>
         <p:nvPicPr>
-          <p:cNvPr id="7" name="図 6">
-            <a:extLst>
-              <a:ext uri="{FF2B5EF4-FFF2-40B4-BE49-F238E27FC236}">
-                <a16:creationId xmlns:a16="http://schemas.microsoft.com/office/drawing/2014/main" id="{7782C85B-74CD-D776-EC21-7F3D1D34874B}"/>
+          <p:cNvPr id="9" name="図 8">
+            <a:extLst>
+              <a:ext uri="{FF2B5EF4-FFF2-40B4-BE49-F238E27FC236}">
+                <a16:creationId xmlns:a16="http://schemas.microsoft.com/office/drawing/2014/main" id="{04A263C3-D53F-17DE-AD81-FE0A08654A86}"/>
               </a:ext>
             </a:extLst>
           </p:cNvPr>
@@ -3903,8 +3882,8 @@
         </p:blipFill>
         <p:spPr>
           <a:xfrm>
-            <a:off x="7916239" y="3905607"/>
-            <a:ext cx="2034212" cy="940200"/>
+            <a:off x="7779538" y="2257787"/>
+            <a:ext cx="2908784" cy="683244"/>
           </a:xfrm>
           <a:prstGeom prst="rect">
             <a:avLst/>
@@ -3913,10 +3892,10 @@
       </p:pic>
       <p:pic>
         <p:nvPicPr>
-          <p:cNvPr id="9" name="図 8">
-            <a:extLst>
-              <a:ext uri="{FF2B5EF4-FFF2-40B4-BE49-F238E27FC236}">
-                <a16:creationId xmlns:a16="http://schemas.microsoft.com/office/drawing/2014/main" id="{04A263C3-D53F-17DE-AD81-FE0A08654A86}"/>
+          <p:cNvPr id="17" name="図 16">
+            <a:extLst>
+              <a:ext uri="{FF2B5EF4-FFF2-40B4-BE49-F238E27FC236}">
+                <a16:creationId xmlns:a16="http://schemas.microsoft.com/office/drawing/2014/main" id="{37351E68-391E-8646-D719-7C3D1194FD77}"/>
               </a:ext>
             </a:extLst>
           </p:cNvPr>
@@ -3933,44 +3912,8 @@
         </p:blipFill>
         <p:spPr>
           <a:xfrm>
-            <a:off x="7779538" y="2257787"/>
-            <a:ext cx="2908784" cy="683244"/>
-          </a:xfrm>
-          <a:prstGeom prst="rect">
-            <a:avLst/>
-          </a:prstGeom>
-        </p:spPr>
-      </p:pic>
-      <p:pic>
-        <p:nvPicPr>
-          <p:cNvPr id="10" name="グラフィックス 9">
-            <a:extLst>
-              <a:ext uri="{FF2B5EF4-FFF2-40B4-BE49-F238E27FC236}">
-                <a16:creationId xmlns:a16="http://schemas.microsoft.com/office/drawing/2014/main" id="{8826419D-5A46-6AD5-3DC2-B2BB60BE18EF}"/>
-              </a:ext>
-            </a:extLst>
-          </p:cNvPr>
-          <p:cNvPicPr>
-            <a:picLocks noChangeAspect="1"/>
-          </p:cNvPicPr>
-          <p:nvPr/>
-        </p:nvPicPr>
-        <p:blipFill>
-          <a:blip r:embed="rId4">
-            <a:extLst>
-              <a:ext uri="{96DAC541-7B7A-43D3-8B79-37D633B846F1}">
-                <asvg:svgBlip xmlns:asvg="http://schemas.microsoft.com/office/drawing/2016/SVG/main" r:embed="rId5"/>
-              </a:ext>
-            </a:extLst>
-          </a:blip>
-          <a:stretch>
-            <a:fillRect/>
-          </a:stretch>
-        </p:blipFill>
-        <p:spPr>
-          <a:xfrm>
-            <a:off x="9950451" y="3979607"/>
-            <a:ext cx="609599" cy="609599"/>
+            <a:off x="7779538" y="3998268"/>
+            <a:ext cx="3234268" cy="889532"/>
           </a:xfrm>
           <a:prstGeom prst="rect">
             <a:avLst/>
@@ -4021,7 +3964,7 @@
         </p:nvSpPr>
         <p:spPr>
           <a:xfrm>
-            <a:off x="6096000" y="3139664"/>
+            <a:off x="6086362" y="2679334"/>
             <a:ext cx="4242908" cy="1452475"/>
           </a:xfrm>
           <a:prstGeom prst="rect">
@@ -4032,7 +3975,9 @@
           </a:solidFill>
           <a:ln w="15875">
             <a:solidFill>
-              <a:schemeClr val="accent2"/>
+              <a:schemeClr val="bg1">
+                <a:lumMod val="65000"/>
+              </a:schemeClr>
             </a:solidFill>
           </a:ln>
         </p:spPr>
@@ -4079,13 +4024,13 @@
         </p:nvCxnSpPr>
         <p:spPr>
           <a:xfrm flipV="1">
-            <a:off x="7203289" y="3912090"/>
+            <a:off x="7193651" y="3451760"/>
             <a:ext cx="675518" cy="5360"/>
           </a:xfrm>
           <a:prstGeom prst="straightConnector1">
             <a:avLst/>
           </a:prstGeom>
-          <a:ln>
+          <a:ln w="31750">
             <a:tailEnd type="triangle"/>
           </a:ln>
         </p:spPr>
@@ -4104,36 +4049,6 @@
           </a:fontRef>
         </p:style>
       </p:cxnSp>
-      <p:pic>
-        <p:nvPicPr>
-          <p:cNvPr id="62" name="図 61">
-            <a:extLst>
-              <a:ext uri="{FF2B5EF4-FFF2-40B4-BE49-F238E27FC236}">
-                <a16:creationId xmlns:a16="http://schemas.microsoft.com/office/drawing/2014/main" id="{A56F8984-E8A7-B54C-E85D-08527FA73DB6}"/>
-              </a:ext>
-            </a:extLst>
-          </p:cNvPr>
-          <p:cNvPicPr>
-            <a:picLocks noChangeAspect="1"/>
-          </p:cNvPicPr>
-          <p:nvPr/>
-        </p:nvPicPr>
-        <p:blipFill>
-          <a:blip r:embed="rId2"/>
-          <a:stretch>
-            <a:fillRect/>
-          </a:stretch>
-        </p:blipFill>
-        <p:spPr>
-          <a:xfrm>
-            <a:off x="2882381" y="2080007"/>
-            <a:ext cx="349385" cy="337396"/>
-          </a:xfrm>
-          <a:prstGeom prst="rect">
-            <a:avLst/>
-          </a:prstGeom>
-        </p:spPr>
-      </p:pic>
       <p:sp>
         <p:nvSpPr>
           <p:cNvPr id="53" name="正方形/長方形 52">
@@ -4149,7 +4064,7 @@
         <p:spPr>
           <a:xfrm>
             <a:off x="4543877" y="2080007"/>
-            <a:ext cx="7271498" cy="4376737"/>
+            <a:ext cx="7271498" cy="4686230"/>
           </a:xfrm>
           <a:prstGeom prst="rect">
             <a:avLst/>
@@ -4203,10 +4118,10 @@
           <p:nvPr/>
         </p:nvPicPr>
         <p:blipFill>
-          <a:blip r:embed="rId3">
+          <a:blip r:embed="rId2">
             <a:extLst>
               <a:ext uri="{96DAC541-7B7A-43D3-8B79-37D633B846F1}">
-                <asvg:svgBlip xmlns:asvg="http://schemas.microsoft.com/office/drawing/2016/SVG/main" r:embed="rId4"/>
+                <asvg:svgBlip xmlns:asvg="http://schemas.microsoft.com/office/drawing/2016/SVG/main" r:embed="rId3"/>
               </a:ext>
             </a:extLst>
           </a:blip>
@@ -4216,7 +4131,7 @@
         </p:blipFill>
         <p:spPr>
           <a:xfrm>
-            <a:off x="6593689" y="3612650"/>
+            <a:off x="6584051" y="3152320"/>
             <a:ext cx="609600" cy="609600"/>
           </a:xfrm>
           <a:prstGeom prst="rect">
@@ -4239,10 +4154,10 @@
           <p:nvPr/>
         </p:nvPicPr>
         <p:blipFill>
-          <a:blip r:embed="rId5">
+          <a:blip r:embed="rId4">
             <a:extLst>
               <a:ext uri="{96DAC541-7B7A-43D3-8B79-37D633B846F1}">
-                <asvg:svgBlip xmlns:asvg="http://schemas.microsoft.com/office/drawing/2016/SVG/main" r:embed="rId6"/>
+                <asvg:svgBlip xmlns:asvg="http://schemas.microsoft.com/office/drawing/2016/SVG/main" r:embed="rId5"/>
               </a:ext>
             </a:extLst>
           </a:blip>
@@ -4252,7 +4167,7 @@
         </p:blipFill>
         <p:spPr>
           <a:xfrm>
-            <a:off x="9263871" y="4885076"/>
+            <a:off x="9254233" y="4424746"/>
             <a:ext cx="609600" cy="609600"/>
           </a:xfrm>
           <a:prstGeom prst="rect">
@@ -4275,10 +4190,10 @@
           <p:nvPr/>
         </p:nvPicPr>
         <p:blipFill>
-          <a:blip r:embed="rId7">
+          <a:blip r:embed="rId6">
             <a:extLst>
               <a:ext uri="{96DAC541-7B7A-43D3-8B79-37D633B846F1}">
-                <asvg:svgBlip xmlns:asvg="http://schemas.microsoft.com/office/drawing/2016/SVG/main" r:embed="rId8"/>
+                <asvg:svgBlip xmlns:asvg="http://schemas.microsoft.com/office/drawing/2016/SVG/main" r:embed="rId7"/>
               </a:ext>
             </a:extLst>
           </a:blip>
@@ -4288,7 +4203,7 @@
         </p:blipFill>
         <p:spPr>
           <a:xfrm>
-            <a:off x="10639134" y="4885076"/>
+            <a:off x="10629496" y="4424746"/>
             <a:ext cx="609600" cy="609600"/>
           </a:xfrm>
           <a:prstGeom prst="rect">
@@ -4311,10 +4226,10 @@
           <p:nvPr/>
         </p:nvPicPr>
         <p:blipFill>
-          <a:blip r:embed="rId9">
+          <a:blip r:embed="rId8">
             <a:extLst>
               <a:ext uri="{96DAC541-7B7A-43D3-8B79-37D633B846F1}">
-                <asvg:svgBlip xmlns:asvg="http://schemas.microsoft.com/office/drawing/2016/SVG/main" r:embed="rId10"/>
+                <asvg:svgBlip xmlns:asvg="http://schemas.microsoft.com/office/drawing/2016/SVG/main" r:embed="rId9"/>
               </a:ext>
             </a:extLst>
           </a:blip>
@@ -4324,7 +4239,7 @@
         </p:blipFill>
         <p:spPr>
           <a:xfrm>
-            <a:off x="7878807" y="3607290"/>
+            <a:off x="7869169" y="3146960"/>
             <a:ext cx="609600" cy="609600"/>
           </a:xfrm>
           <a:prstGeom prst="rect">
@@ -4346,7 +4261,7 @@
         </p:nvSpPr>
         <p:spPr>
           <a:xfrm>
-            <a:off x="6600842" y="4193675"/>
+            <a:off x="6651508" y="3712034"/>
             <a:ext cx="470000" cy="276999"/>
           </a:xfrm>
           <a:prstGeom prst="rect">
@@ -4382,7 +4297,7 @@
         </p:nvSpPr>
         <p:spPr>
           <a:xfrm>
-            <a:off x="2827149" y="3612650"/>
+            <a:off x="2817576" y="3187346"/>
             <a:ext cx="1636987" cy="369332"/>
           </a:xfrm>
           <a:prstGeom prst="rect">
@@ -4445,7 +4360,7 @@
         </p:nvSpPr>
         <p:spPr>
           <a:xfrm>
-            <a:off x="6214287" y="3278344"/>
+            <a:off x="6217676" y="2869058"/>
             <a:ext cx="1338828" cy="369332"/>
           </a:xfrm>
           <a:prstGeom prst="rect">
@@ -4493,10 +4408,10 @@
           <p:nvPr/>
         </p:nvPicPr>
         <p:blipFill>
-          <a:blip r:embed="rId11">
+          <a:blip r:embed="rId10">
             <a:extLst>
               <a:ext uri="{96DAC541-7B7A-43D3-8B79-37D633B846F1}">
-                <asvg:svgBlip xmlns:asvg="http://schemas.microsoft.com/office/drawing/2016/SVG/main" r:embed="rId12"/>
+                <asvg:svgBlip xmlns:asvg="http://schemas.microsoft.com/office/drawing/2016/SVG/main" r:embed="rId11"/>
               </a:ext>
             </a:extLst>
           </a:blip>
@@ -4506,7 +4421,7 @@
         </p:blipFill>
         <p:spPr>
           <a:xfrm>
-            <a:off x="7909103" y="4888111"/>
+            <a:off x="7899465" y="4427781"/>
             <a:ext cx="609600" cy="609600"/>
           </a:xfrm>
           <a:prstGeom prst="rect">
@@ -4529,14 +4444,14 @@
           <p:nvPr/>
         </p:nvPicPr>
         <p:blipFill>
-          <a:blip r:embed="rId13"/>
+          <a:blip r:embed="rId12"/>
           <a:stretch>
             <a:fillRect/>
           </a:stretch>
         </p:blipFill>
         <p:spPr>
           <a:xfrm>
-            <a:off x="9296372" y="3604871"/>
+            <a:off x="9286734" y="3144541"/>
             <a:ext cx="602594" cy="609600"/>
           </a:xfrm>
           <a:prstGeom prst="rect">
@@ -4558,7 +4473,7 @@
         </p:nvSpPr>
         <p:spPr>
           <a:xfrm>
-            <a:off x="9270261" y="4165484"/>
+            <a:off x="9260623" y="3705154"/>
             <a:ext cx="681597" cy="276999"/>
           </a:xfrm>
           <a:prstGeom prst="rect">
@@ -4594,7 +4509,7 @@
         </p:nvSpPr>
         <p:spPr>
           <a:xfrm>
-            <a:off x="7798725" y="4165484"/>
+            <a:off x="7789087" y="3705154"/>
             <a:ext cx="769763" cy="276999"/>
           </a:xfrm>
           <a:prstGeom prst="rect">
@@ -4630,7 +4545,7 @@
         </p:nvSpPr>
         <p:spPr>
           <a:xfrm>
-            <a:off x="7814623" y="5499749"/>
+            <a:off x="7757766" y="4993285"/>
             <a:ext cx="914033" cy="276999"/>
           </a:xfrm>
           <a:prstGeom prst="rect">
@@ -4666,7 +4581,7 @@
         </p:nvSpPr>
         <p:spPr>
           <a:xfrm>
-            <a:off x="9091617" y="5479207"/>
+            <a:off x="9081978" y="4967932"/>
             <a:ext cx="954107" cy="276999"/>
           </a:xfrm>
           <a:prstGeom prst="rect">
@@ -4702,7 +4617,7 @@
         </p:nvSpPr>
         <p:spPr>
           <a:xfrm>
-            <a:off x="10521883" y="5510146"/>
+            <a:off x="10508538" y="4967932"/>
             <a:ext cx="864339" cy="276999"/>
           </a:xfrm>
           <a:prstGeom prst="rect">
@@ -4738,8 +4653,8 @@
         </p:nvSpPr>
         <p:spPr>
           <a:xfrm>
-            <a:off x="5310100" y="4237947"/>
-            <a:ext cx="607859" cy="276999"/>
+            <a:off x="5112280" y="3780057"/>
+            <a:ext cx="936475" cy="276999"/>
           </a:xfrm>
           <a:prstGeom prst="rect">
             <a:avLst/>
@@ -4754,6 +4669,14 @@
           <a:p>
             <a:r>
               <a:rPr lang="en-US" altLang="ja-JP" sz="1200" dirty="0"/>
+              <a:t>IAM</a:t>
+            </a:r>
+            <a:r>
+              <a:rPr lang="ja-JP" altLang="en-US" sz="1200" dirty="0"/>
+              <a:t> </a:t>
+            </a:r>
+            <a:r>
+              <a:rPr lang="en-US" altLang="ja-JP" sz="1200" dirty="0"/>
               <a:t>Policy</a:t>
             </a:r>
             <a:endParaRPr kumimoji="1" lang="ja-JP" altLang="en-US" sz="1200" dirty="0"/>
@@ -4774,7 +4697,7 @@
         </p:nvSpPr>
         <p:spPr>
           <a:xfrm>
-            <a:off x="5203481" y="3294285"/>
+            <a:off x="5193843" y="2833955"/>
             <a:ext cx="986226" cy="369332"/>
           </a:xfrm>
           <a:prstGeom prst="rect">
@@ -4886,10 +4809,10 @@
           <p:nvPr/>
         </p:nvPicPr>
         <p:blipFill>
-          <a:blip r:embed="rId14">
+          <a:blip r:embed="rId13">
             <a:extLst>
               <a:ext uri="{96DAC541-7B7A-43D3-8B79-37D633B846F1}">
-                <asvg:svgBlip xmlns:asvg="http://schemas.microsoft.com/office/drawing/2016/SVG/main" r:embed="rId15"/>
+                <asvg:svgBlip xmlns:asvg="http://schemas.microsoft.com/office/drawing/2016/SVG/main" r:embed="rId14"/>
               </a:ext>
             </a:extLst>
           </a:blip>
@@ -4922,10 +4845,10 @@
           <p:nvPr/>
         </p:nvPicPr>
         <p:blipFill>
-          <a:blip r:embed="rId16">
+          <a:blip r:embed="rId15">
             <a:extLst>
               <a:ext uri="{96DAC541-7B7A-43D3-8B79-37D633B846F1}">
-                <asvg:svgBlip xmlns:asvg="http://schemas.microsoft.com/office/drawing/2016/SVG/main" r:embed="rId17"/>
+                <asvg:svgBlip xmlns:asvg="http://schemas.microsoft.com/office/drawing/2016/SVG/main" r:embed="rId16"/>
               </a:ext>
             </a:extLst>
           </a:blip>
@@ -4958,7 +4881,7 @@
         <p:spPr>
           <a:xfrm>
             <a:off x="5044130" y="2239108"/>
-            <a:ext cx="6390245" cy="4040409"/>
+            <a:ext cx="6390245" cy="4415692"/>
           </a:xfrm>
           <a:prstGeom prst="rect">
             <a:avLst/>
@@ -5012,14 +4935,14 @@
           <p:nvPr/>
         </p:nvPicPr>
         <p:blipFill>
-          <a:blip r:embed="rId18"/>
+          <a:blip r:embed="rId17"/>
           <a:stretch>
             <a:fillRect/>
           </a:stretch>
         </p:blipFill>
         <p:spPr>
           <a:xfrm>
-            <a:off x="1381556" y="3577330"/>
+            <a:off x="1371918" y="3117000"/>
             <a:ext cx="767245" cy="645873"/>
           </a:xfrm>
           <a:prstGeom prst="rect">
@@ -5042,7 +4965,7 @@
         <p:spPr>
           <a:xfrm>
             <a:off x="2882381" y="2080007"/>
-            <a:ext cx="1392465" cy="4376737"/>
+            <a:ext cx="1392465" cy="4686230"/>
           </a:xfrm>
           <a:prstGeom prst="rect">
             <a:avLst/>
@@ -5096,7 +5019,7 @@
         <p:spPr>
           <a:xfrm>
             <a:off x="730288" y="2080007"/>
-            <a:ext cx="1847352" cy="4376737"/>
+            <a:ext cx="1847352" cy="4686230"/>
           </a:xfrm>
           <a:prstGeom prst="rect">
             <a:avLst/>
@@ -5149,13 +5072,15 @@
         </p:nvSpPr>
         <p:spPr>
           <a:xfrm>
-            <a:off x="3139159" y="2080264"/>
+            <a:off x="3249560" y="1946206"/>
             <a:ext cx="723275" cy="276999"/>
           </a:xfrm>
           <a:prstGeom prst="rect">
             <a:avLst/>
           </a:prstGeom>
-          <a:noFill/>
+          <a:solidFill>
+            <a:schemeClr val="bg1"/>
+          </a:solidFill>
         </p:spPr>
         <p:txBody>
           <a:bodyPr wrap="none" rtlCol="0">
@@ -5184,13 +5109,15 @@
         </p:nvSpPr>
         <p:spPr>
           <a:xfrm>
-            <a:off x="1292326" y="2080264"/>
+            <a:off x="1381556" y="1962109"/>
             <a:ext cx="490840" cy="276999"/>
           </a:xfrm>
           <a:prstGeom prst="rect">
             <a:avLst/>
           </a:prstGeom>
-          <a:noFill/>
+          <a:solidFill>
+            <a:schemeClr val="bg1"/>
+          </a:solidFill>
         </p:spPr>
         <p:txBody>
           <a:bodyPr wrap="none" rtlCol="0">
@@ -5223,13 +5150,13 @@
         </p:nvCxnSpPr>
         <p:spPr>
           <a:xfrm>
-            <a:off x="2148801" y="3900267"/>
+            <a:off x="2139163" y="3439937"/>
             <a:ext cx="4444888" cy="17183"/>
           </a:xfrm>
           <a:prstGeom prst="straightConnector1">
             <a:avLst/>
           </a:prstGeom>
-          <a:ln>
+          <a:ln w="31750">
             <a:tailEnd type="triangle"/>
           </a:ln>
         </p:spPr>
@@ -5266,13 +5193,13 @@
         </p:nvCxnSpPr>
         <p:spPr>
           <a:xfrm flipV="1">
-            <a:off x="8488407" y="3909671"/>
+            <a:off x="8478769" y="3449341"/>
             <a:ext cx="807965" cy="2419"/>
           </a:xfrm>
           <a:prstGeom prst="straightConnector1">
             <a:avLst/>
           </a:prstGeom>
-          <a:ln>
+          <a:ln w="31750">
             <a:tailEnd type="triangle"/>
           </a:ln>
         </p:spPr>
@@ -5305,7 +5232,7 @@
         </p:nvSpPr>
         <p:spPr>
           <a:xfrm>
-            <a:off x="7529002" y="3286945"/>
+            <a:off x="7661764" y="2860537"/>
             <a:ext cx="1450637" cy="369332"/>
           </a:xfrm>
           <a:prstGeom prst="rect">
@@ -5333,7 +5260,7 @@
                   </a:outerShdw>
                 </a:effectLst>
               </a:rPr>
-              <a:t>データ保護</a:t>
+              <a:t>ﾃﾞｰﾀ保護</a:t>
             </a:r>
             <a:endParaRPr kumimoji="1" lang="en-US" altLang="ja-JP" dirty="0">
               <a:ln w="0"/>
@@ -5365,7 +5292,7 @@
         </p:nvSpPr>
         <p:spPr>
           <a:xfrm>
-            <a:off x="8985209" y="3286945"/>
+            <a:off x="8983893" y="2848569"/>
             <a:ext cx="1450637" cy="369332"/>
           </a:xfrm>
           <a:prstGeom prst="rect">
@@ -5441,8 +5368,8 @@
         </p:nvSpPr>
         <p:spPr>
           <a:xfrm>
-            <a:off x="701503" y="1151052"/>
-            <a:ext cx="8346516" cy="646331"/>
+            <a:off x="701502" y="1151052"/>
+            <a:ext cx="10243076" cy="646331"/>
           </a:xfrm>
           <a:prstGeom prst="rect">
             <a:avLst/>
@@ -5450,7 +5377,7 @@
           <a:noFill/>
         </p:spPr>
         <p:txBody>
-          <a:bodyPr wrap="none" rtlCol="0">
+          <a:bodyPr wrap="square" rtlCol="0">
             <a:spAutoFit/>
           </a:bodyPr>
           <a:lstStyle/>
@@ -5531,8 +5458,8 @@
         </p:nvSpPr>
         <p:spPr>
           <a:xfrm>
-            <a:off x="7717642" y="5761578"/>
-            <a:ext cx="1107996" cy="369332"/>
+            <a:off x="7020344" y="4382412"/>
+            <a:ext cx="992579" cy="369332"/>
           </a:xfrm>
           <a:prstGeom prst="rect">
             <a:avLst/>
@@ -5559,7 +5486,7 @@
                   </a:outerShdw>
                 </a:effectLst>
               </a:rPr>
-              <a:t>操作履歴</a:t>
+              <a:t>ﾛｸﾞ抽出</a:t>
             </a:r>
             <a:endParaRPr kumimoji="1" lang="ja-JP" altLang="en-US" dirty="0">
               <a:ln w="0"/>
@@ -5592,7 +5519,7 @@
           <p:nvPr/>
         </p:nvPicPr>
         <p:blipFill>
-          <a:blip r:embed="rId19">
+          <a:blip r:embed="rId18">
             <a:extLst>
               <a:ext uri="{28A0092B-C50C-407E-A947-70E740481C1C}">
                 <a14:useLocalDpi xmlns:a14="http://schemas.microsoft.com/office/drawing/2010/main" val="0"/>
@@ -5605,7 +5532,7 @@
         </p:blipFill>
         <p:spPr>
           <a:xfrm>
-            <a:off x="5175966" y="3558699"/>
+            <a:off x="5166328" y="3098369"/>
             <a:ext cx="760683" cy="760683"/>
           </a:xfrm>
           <a:prstGeom prst="rect">
@@ -5627,7 +5554,7 @@
         </p:nvSpPr>
         <p:spPr>
           <a:xfrm>
-            <a:off x="9014672" y="5766014"/>
+            <a:off x="9021945" y="4156124"/>
             <a:ext cx="1107996" cy="369332"/>
           </a:xfrm>
           <a:prstGeom prst="rect">
@@ -5674,7 +5601,7 @@
         </p:nvSpPr>
         <p:spPr>
           <a:xfrm>
-            <a:off x="10505352" y="5776748"/>
+            <a:off x="10516057" y="4146294"/>
             <a:ext cx="877163" cy="369332"/>
           </a:xfrm>
           <a:prstGeom prst="rect">
@@ -5725,7 +5652,7 @@
         </p:nvCxnSpPr>
         <p:spPr>
           <a:xfrm flipV="1">
-            <a:off x="8518703" y="5189876"/>
+            <a:off x="8509065" y="4729546"/>
             <a:ext cx="745168" cy="3035"/>
           </a:xfrm>
           <a:prstGeom prst="straightConnector1">
@@ -5733,7 +5660,9 @@
           </a:prstGeom>
           <a:ln>
             <a:solidFill>
-              <a:schemeClr val="accent2"/>
+              <a:schemeClr val="bg1">
+                <a:lumMod val="65000"/>
+              </a:schemeClr>
             </a:solidFill>
             <a:tailEnd type="triangle"/>
           </a:ln>
@@ -5771,7 +5700,7 @@
         </p:nvCxnSpPr>
         <p:spPr>
           <a:xfrm>
-            <a:off x="9873471" y="5189876"/>
+            <a:off x="9863833" y="4729546"/>
             <a:ext cx="765663" cy="0"/>
           </a:xfrm>
           <a:prstGeom prst="straightConnector1">
@@ -5779,7 +5708,9 @@
           </a:prstGeom>
           <a:ln>
             <a:solidFill>
-              <a:schemeClr val="accent2"/>
+              <a:schemeClr val="bg1">
+                <a:lumMod val="65000"/>
+              </a:schemeClr>
             </a:solidFill>
             <a:tailEnd type="triangle"/>
           </a:ln>
@@ -5817,7 +5748,7 @@
         </p:nvCxnSpPr>
         <p:spPr>
           <a:xfrm flipH="1">
-            <a:off x="8213903" y="4592139"/>
+            <a:off x="8204265" y="4131809"/>
             <a:ext cx="3551" cy="295972"/>
           </a:xfrm>
           <a:prstGeom prst="straightConnector1">
@@ -5825,7 +5756,9 @@
           </a:prstGeom>
           <a:ln w="15875">
             <a:solidFill>
-              <a:schemeClr val="accent2"/>
+              <a:schemeClr val="bg1">
+                <a:lumMod val="65000"/>
+              </a:schemeClr>
             </a:solidFill>
             <a:tailEnd type="triangle"/>
           </a:ln>
@@ -5901,6 +5834,562 @@
           </a:p>
         </p:txBody>
       </p:sp>
+      <p:pic>
+        <p:nvPicPr>
+          <p:cNvPr id="62" name="図 61">
+            <a:extLst>
+              <a:ext uri="{FF2B5EF4-FFF2-40B4-BE49-F238E27FC236}">
+                <a16:creationId xmlns:a16="http://schemas.microsoft.com/office/drawing/2014/main" id="{A56F8984-E8A7-B54C-E85D-08527FA73DB6}"/>
+              </a:ext>
+            </a:extLst>
+          </p:cNvPr>
+          <p:cNvPicPr>
+            <a:picLocks noChangeAspect="1"/>
+          </p:cNvPicPr>
+          <p:nvPr/>
+        </p:nvPicPr>
+        <p:blipFill>
+          <a:blip r:embed="rId19"/>
+          <a:stretch>
+            <a:fillRect/>
+          </a:stretch>
+        </p:blipFill>
+        <p:spPr>
+          <a:xfrm>
+            <a:off x="3395782" y="2146611"/>
+            <a:ext cx="349385" cy="337396"/>
+          </a:xfrm>
+          <a:prstGeom prst="rect">
+            <a:avLst/>
+          </a:prstGeom>
+        </p:spPr>
+      </p:pic>
+      <p:pic>
+        <p:nvPicPr>
+          <p:cNvPr id="4" name="グラフィックス 3">
+            <a:extLst>
+              <a:ext uri="{FF2B5EF4-FFF2-40B4-BE49-F238E27FC236}">
+                <a16:creationId xmlns:a16="http://schemas.microsoft.com/office/drawing/2014/main" id="{B576B24B-0A4F-C7BB-9A70-78D237745DFF}"/>
+              </a:ext>
+            </a:extLst>
+          </p:cNvPr>
+          <p:cNvPicPr>
+            <a:picLocks noChangeAspect="1"/>
+          </p:cNvPicPr>
+          <p:nvPr/>
+        </p:nvPicPr>
+        <p:blipFill>
+          <a:blip r:embed="rId20">
+            <a:extLst>
+              <a:ext uri="{96DAC541-7B7A-43D3-8B79-37D633B846F1}">
+                <asvg:svgBlip xmlns:asvg="http://schemas.microsoft.com/office/drawing/2016/SVG/main" r:embed="rId21"/>
+              </a:ext>
+            </a:extLst>
+          </a:blip>
+          <a:stretch>
+            <a:fillRect/>
+          </a:stretch>
+        </p:blipFill>
+        <p:spPr>
+          <a:xfrm>
+            <a:off x="7899465" y="5413986"/>
+            <a:ext cx="609600" cy="609600"/>
+          </a:xfrm>
+          <a:prstGeom prst="rect">
+            <a:avLst/>
+          </a:prstGeom>
+        </p:spPr>
+      </p:pic>
+      <p:pic>
+        <p:nvPicPr>
+          <p:cNvPr id="6" name="グラフィックス 5">
+            <a:extLst>
+              <a:ext uri="{FF2B5EF4-FFF2-40B4-BE49-F238E27FC236}">
+                <a16:creationId xmlns:a16="http://schemas.microsoft.com/office/drawing/2014/main" id="{40A05042-E1D5-C296-7BE3-6B724B145BEB}"/>
+              </a:ext>
+            </a:extLst>
+          </p:cNvPr>
+          <p:cNvPicPr>
+            <a:picLocks noChangeAspect="1"/>
+          </p:cNvPicPr>
+          <p:nvPr/>
+        </p:nvPicPr>
+        <p:blipFill>
+          <a:blip r:embed="rId22">
+            <a:extLst>
+              <a:ext uri="{96DAC541-7B7A-43D3-8B79-37D633B846F1}">
+                <asvg:svgBlip xmlns:asvg="http://schemas.microsoft.com/office/drawing/2016/SVG/main" r:embed="rId23"/>
+              </a:ext>
+            </a:extLst>
+          </a:blip>
+          <a:stretch>
+            <a:fillRect/>
+          </a:stretch>
+        </p:blipFill>
+        <p:spPr>
+          <a:xfrm>
+            <a:off x="9209720" y="5413986"/>
+            <a:ext cx="609600" cy="609600"/>
+          </a:xfrm>
+          <a:prstGeom prst="rect">
+            <a:avLst/>
+          </a:prstGeom>
+        </p:spPr>
+      </p:pic>
+      <p:cxnSp>
+        <p:nvCxnSpPr>
+          <p:cNvPr id="7" name="直線矢印コネクタ 6">
+            <a:extLst>
+              <a:ext uri="{FF2B5EF4-FFF2-40B4-BE49-F238E27FC236}">
+                <a16:creationId xmlns:a16="http://schemas.microsoft.com/office/drawing/2014/main" id="{96C2A0BE-B461-858B-8B07-8EBA17AC8F89}"/>
+              </a:ext>
+            </a:extLst>
+          </p:cNvPr>
+          <p:cNvCxnSpPr>
+            <a:cxnSpLocks/>
+            <a:stCxn id="30" idx="2"/>
+            <a:endCxn id="4" idx="0"/>
+          </p:cNvCxnSpPr>
+          <p:nvPr/>
+        </p:nvCxnSpPr>
+        <p:spPr>
+          <a:xfrm>
+            <a:off x="8204265" y="5037381"/>
+            <a:ext cx="0" cy="376605"/>
+          </a:xfrm>
+          <a:prstGeom prst="straightConnector1">
+            <a:avLst/>
+          </a:prstGeom>
+          <a:ln>
+            <a:solidFill>
+              <a:schemeClr val="bg1">
+                <a:lumMod val="65000"/>
+              </a:schemeClr>
+            </a:solidFill>
+            <a:tailEnd type="triangle"/>
+          </a:ln>
+        </p:spPr>
+        <p:style>
+          <a:lnRef idx="3">
+            <a:schemeClr val="accent1"/>
+          </a:lnRef>
+          <a:fillRef idx="0">
+            <a:schemeClr val="accent1"/>
+          </a:fillRef>
+          <a:effectRef idx="2">
+            <a:schemeClr val="accent1"/>
+          </a:effectRef>
+          <a:fontRef idx="minor">
+            <a:schemeClr val="tx1"/>
+          </a:fontRef>
+        </p:style>
+      </p:cxnSp>
+      <p:cxnSp>
+        <p:nvCxnSpPr>
+          <p:cNvPr id="11" name="直線矢印コネクタ 10">
+            <a:extLst>
+              <a:ext uri="{FF2B5EF4-FFF2-40B4-BE49-F238E27FC236}">
+                <a16:creationId xmlns:a16="http://schemas.microsoft.com/office/drawing/2014/main" id="{DB08459C-4479-E255-D77C-B9887F74131F}"/>
+              </a:ext>
+            </a:extLst>
+          </p:cNvPr>
+          <p:cNvCxnSpPr>
+            <a:cxnSpLocks/>
+            <a:stCxn id="4" idx="3"/>
+            <a:endCxn id="6" idx="1"/>
+          </p:cNvCxnSpPr>
+          <p:nvPr/>
+        </p:nvCxnSpPr>
+        <p:spPr>
+          <a:xfrm>
+            <a:off x="8509065" y="5718786"/>
+            <a:ext cx="700655" cy="0"/>
+          </a:xfrm>
+          <a:prstGeom prst="straightConnector1">
+            <a:avLst/>
+          </a:prstGeom>
+          <a:ln>
+            <a:solidFill>
+              <a:schemeClr val="bg1">
+                <a:lumMod val="65000"/>
+              </a:schemeClr>
+            </a:solidFill>
+            <a:tailEnd type="triangle"/>
+          </a:ln>
+        </p:spPr>
+        <p:style>
+          <a:lnRef idx="3">
+            <a:schemeClr val="accent1"/>
+          </a:lnRef>
+          <a:fillRef idx="0">
+            <a:schemeClr val="accent1"/>
+          </a:fillRef>
+          <a:effectRef idx="2">
+            <a:schemeClr val="accent1"/>
+          </a:effectRef>
+          <a:fontRef idx="minor">
+            <a:schemeClr val="tx1"/>
+          </a:fontRef>
+        </p:style>
+      </p:cxnSp>
+      <p:pic>
+        <p:nvPicPr>
+          <p:cNvPr id="17" name="グラフィックス 16">
+            <a:extLst>
+              <a:ext uri="{FF2B5EF4-FFF2-40B4-BE49-F238E27FC236}">
+                <a16:creationId xmlns:a16="http://schemas.microsoft.com/office/drawing/2014/main" id="{AE5E5431-314B-8C72-4267-F01E2722CF52}"/>
+              </a:ext>
+            </a:extLst>
+          </p:cNvPr>
+          <p:cNvPicPr>
+            <a:picLocks noChangeAspect="1"/>
+          </p:cNvPicPr>
+          <p:nvPr/>
+        </p:nvPicPr>
+        <p:blipFill>
+          <a:blip r:embed="rId24">
+            <a:extLst>
+              <a:ext uri="{96DAC541-7B7A-43D3-8B79-37D633B846F1}">
+                <asvg:svgBlip xmlns:asvg="http://schemas.microsoft.com/office/drawing/2016/SVG/main" r:embed="rId25"/>
+              </a:ext>
+            </a:extLst>
+          </a:blip>
+          <a:stretch>
+            <a:fillRect/>
+          </a:stretch>
+        </p:blipFill>
+        <p:spPr>
+          <a:xfrm>
+            <a:off x="6589210" y="5412089"/>
+            <a:ext cx="609600" cy="609600"/>
+          </a:xfrm>
+          <a:prstGeom prst="rect">
+            <a:avLst/>
+          </a:prstGeom>
+        </p:spPr>
+      </p:pic>
+      <p:cxnSp>
+        <p:nvCxnSpPr>
+          <p:cNvPr id="18" name="直線矢印コネクタ 17">
+            <a:extLst>
+              <a:ext uri="{FF2B5EF4-FFF2-40B4-BE49-F238E27FC236}">
+                <a16:creationId xmlns:a16="http://schemas.microsoft.com/office/drawing/2014/main" id="{483A13E3-3875-0F65-3494-F5505BFCD820}"/>
+              </a:ext>
+            </a:extLst>
+          </p:cNvPr>
+          <p:cNvCxnSpPr>
+            <a:cxnSpLocks/>
+            <a:stCxn id="17" idx="3"/>
+            <a:endCxn id="4" idx="1"/>
+          </p:cNvCxnSpPr>
+          <p:nvPr/>
+        </p:nvCxnSpPr>
+        <p:spPr>
+          <a:xfrm>
+            <a:off x="7198810" y="5716889"/>
+            <a:ext cx="700655" cy="1897"/>
+          </a:xfrm>
+          <a:prstGeom prst="straightConnector1">
+            <a:avLst/>
+          </a:prstGeom>
+          <a:ln>
+            <a:solidFill>
+              <a:schemeClr val="bg1">
+                <a:lumMod val="65000"/>
+              </a:schemeClr>
+            </a:solidFill>
+            <a:tailEnd type="triangle"/>
+          </a:ln>
+        </p:spPr>
+        <p:style>
+          <a:lnRef idx="3">
+            <a:schemeClr val="accent1"/>
+          </a:lnRef>
+          <a:fillRef idx="0">
+            <a:schemeClr val="accent1"/>
+          </a:fillRef>
+          <a:effectRef idx="2">
+            <a:schemeClr val="accent1"/>
+          </a:effectRef>
+          <a:fontRef idx="minor">
+            <a:schemeClr val="tx1"/>
+          </a:fontRef>
+        </p:style>
+      </p:cxnSp>
+      <p:sp>
+        <p:nvSpPr>
+          <p:cNvPr id="25" name="テキスト ボックス 24">
+            <a:extLst>
+              <a:ext uri="{FF2B5EF4-FFF2-40B4-BE49-F238E27FC236}">
+                <a16:creationId xmlns:a16="http://schemas.microsoft.com/office/drawing/2014/main" id="{069BEB64-57B9-9332-1E19-BACB0C47546A}"/>
+              </a:ext>
+            </a:extLst>
+          </p:cNvPr>
+          <p:cNvSpPr txBox="1"/>
+          <p:nvPr/>
+        </p:nvSpPr>
+        <p:spPr>
+          <a:xfrm>
+            <a:off x="6584051" y="5971679"/>
+            <a:ext cx="527709" cy="276999"/>
+          </a:xfrm>
+          <a:prstGeom prst="rect">
+            <a:avLst/>
+          </a:prstGeom>
+          <a:noFill/>
+        </p:spPr>
+        <p:txBody>
+          <a:bodyPr wrap="none" rtlCol="0">
+            <a:spAutoFit/>
+          </a:bodyPr>
+          <a:lstStyle/>
+          <a:p>
+            <a:r>
+              <a:rPr kumimoji="1" lang="en-US" altLang="ja-JP" sz="1200" dirty="0"/>
+              <a:t>KMS</a:t>
+            </a:r>
+            <a:endParaRPr kumimoji="1" lang="ja-JP" altLang="en-US" sz="1200" dirty="0"/>
+          </a:p>
+        </p:txBody>
+      </p:sp>
+      <p:sp>
+        <p:nvSpPr>
+          <p:cNvPr id="27" name="テキスト ボックス 26">
+            <a:extLst>
+              <a:ext uri="{FF2B5EF4-FFF2-40B4-BE49-F238E27FC236}">
+                <a16:creationId xmlns:a16="http://schemas.microsoft.com/office/drawing/2014/main" id="{7AA898FD-AC02-0B56-7852-A3A191086241}"/>
+              </a:ext>
+            </a:extLst>
+          </p:cNvPr>
+          <p:cNvSpPr txBox="1"/>
+          <p:nvPr/>
+        </p:nvSpPr>
+        <p:spPr>
+          <a:xfrm>
+            <a:off x="8031879" y="5971678"/>
+            <a:ext cx="365806" cy="276999"/>
+          </a:xfrm>
+          <a:prstGeom prst="rect">
+            <a:avLst/>
+          </a:prstGeom>
+          <a:noFill/>
+        </p:spPr>
+        <p:txBody>
+          <a:bodyPr wrap="none" rtlCol="0">
+            <a:spAutoFit/>
+          </a:bodyPr>
+          <a:lstStyle/>
+          <a:p>
+            <a:r>
+              <a:rPr kumimoji="1" lang="en-US" altLang="ja-JP" sz="1200" dirty="0" err="1"/>
+              <a:t>S3</a:t>
+            </a:r>
+            <a:endParaRPr kumimoji="1" lang="ja-JP" altLang="en-US" sz="1200" dirty="0"/>
+          </a:p>
+        </p:txBody>
+      </p:sp>
+      <p:sp>
+        <p:nvSpPr>
+          <p:cNvPr id="29" name="テキスト ボックス 28">
+            <a:extLst>
+              <a:ext uri="{FF2B5EF4-FFF2-40B4-BE49-F238E27FC236}">
+                <a16:creationId xmlns:a16="http://schemas.microsoft.com/office/drawing/2014/main" id="{0C217907-7053-A2DC-70A6-E43E5F38905E}"/>
+              </a:ext>
+            </a:extLst>
+          </p:cNvPr>
+          <p:cNvSpPr txBox="1"/>
+          <p:nvPr/>
+        </p:nvSpPr>
+        <p:spPr>
+          <a:xfrm>
+            <a:off x="9168912" y="5971678"/>
+            <a:ext cx="691215" cy="276999"/>
+          </a:xfrm>
+          <a:prstGeom prst="rect">
+            <a:avLst/>
+          </a:prstGeom>
+          <a:noFill/>
+        </p:spPr>
+        <p:txBody>
+          <a:bodyPr wrap="none" rtlCol="0">
+            <a:spAutoFit/>
+          </a:bodyPr>
+          <a:lstStyle/>
+          <a:p>
+            <a:r>
+              <a:rPr kumimoji="1" lang="en-US" altLang="ja-JP" sz="1200" dirty="0"/>
+              <a:t>Athena</a:t>
+            </a:r>
+          </a:p>
+        </p:txBody>
+      </p:sp>
+      <p:sp>
+        <p:nvSpPr>
+          <p:cNvPr id="31" name="テキスト ボックス 30">
+            <a:extLst>
+              <a:ext uri="{FF2B5EF4-FFF2-40B4-BE49-F238E27FC236}">
+                <a16:creationId xmlns:a16="http://schemas.microsoft.com/office/drawing/2014/main" id="{A369C930-F65C-22F8-3BD4-A3396A2E45F7}"/>
+              </a:ext>
+            </a:extLst>
+          </p:cNvPr>
+          <p:cNvSpPr txBox="1"/>
+          <p:nvPr/>
+        </p:nvSpPr>
+        <p:spPr>
+          <a:xfrm>
+            <a:off x="6274802" y="6138090"/>
+            <a:ext cx="1223412" cy="369332"/>
+          </a:xfrm>
+          <a:prstGeom prst="rect">
+            <a:avLst/>
+          </a:prstGeom>
+          <a:noFill/>
+        </p:spPr>
+        <p:txBody>
+          <a:bodyPr wrap="none" rtlCol="0">
+            <a:spAutoFit/>
+          </a:bodyPr>
+          <a:lstStyle/>
+          <a:p>
+            <a:r>
+              <a:rPr lang="ja-JP" altLang="en-US" dirty="0">
+                <a:ln w="0"/>
+                <a:solidFill>
+                  <a:schemeClr val="accent1"/>
+                </a:solidFill>
+                <a:effectLst>
+                  <a:outerShdw blurRad="38100" dist="25400" dir="5400000" algn="ctr" rotWithShape="0">
+                    <a:srgbClr val="6E747A">
+                      <a:alpha val="43000"/>
+                    </a:srgbClr>
+                  </a:outerShdw>
+                </a:effectLst>
+              </a:rPr>
+              <a:t>ﾛｸﾞ暗号化</a:t>
+            </a:r>
+            <a:endParaRPr kumimoji="1" lang="ja-JP" altLang="en-US" dirty="0">
+              <a:ln w="0"/>
+              <a:solidFill>
+                <a:schemeClr val="accent1"/>
+              </a:solidFill>
+              <a:effectLst>
+                <a:outerShdw blurRad="38100" dist="25400" dir="5400000" algn="ctr" rotWithShape="0">
+                  <a:srgbClr val="6E747A">
+                    <a:alpha val="43000"/>
+                  </a:srgbClr>
+                </a:outerShdw>
+              </a:effectLst>
+            </a:endParaRPr>
+          </a:p>
+        </p:txBody>
+      </p:sp>
+      <p:sp>
+        <p:nvSpPr>
+          <p:cNvPr id="32" name="テキスト ボックス 31">
+            <a:extLst>
+              <a:ext uri="{FF2B5EF4-FFF2-40B4-BE49-F238E27FC236}">
+                <a16:creationId xmlns:a16="http://schemas.microsoft.com/office/drawing/2014/main" id="{FD37DCC4-F790-5F51-A858-3C1F87E13844}"/>
+              </a:ext>
+            </a:extLst>
+          </p:cNvPr>
+          <p:cNvSpPr txBox="1"/>
+          <p:nvPr/>
+        </p:nvSpPr>
+        <p:spPr>
+          <a:xfrm>
+            <a:off x="8994142" y="6167289"/>
+            <a:ext cx="1569660" cy="369332"/>
+          </a:xfrm>
+          <a:prstGeom prst="rect">
+            <a:avLst/>
+          </a:prstGeom>
+          <a:noFill/>
+        </p:spPr>
+        <p:txBody>
+          <a:bodyPr wrap="none" rtlCol="0">
+            <a:spAutoFit/>
+          </a:bodyPr>
+          <a:lstStyle/>
+          <a:p>
+            <a:r>
+              <a:rPr kumimoji="1" lang="ja-JP" altLang="en-US" dirty="0">
+                <a:ln w="0"/>
+                <a:solidFill>
+                  <a:schemeClr val="accent1"/>
+                </a:solidFill>
+                <a:effectLst>
+                  <a:outerShdw blurRad="38100" dist="25400" dir="5400000" algn="ctr" rotWithShape="0">
+                    <a:srgbClr val="6E747A">
+                      <a:alpha val="43000"/>
+                    </a:srgbClr>
+                  </a:outerShdw>
+                </a:effectLst>
+              </a:rPr>
+              <a:t>使用状況集計</a:t>
+            </a:r>
+          </a:p>
+        </p:txBody>
+      </p:sp>
+      <p:sp>
+        <p:nvSpPr>
+          <p:cNvPr id="33" name="テキスト ボックス 32">
+            <a:extLst>
+              <a:ext uri="{FF2B5EF4-FFF2-40B4-BE49-F238E27FC236}">
+                <a16:creationId xmlns:a16="http://schemas.microsoft.com/office/drawing/2014/main" id="{6E1F85AE-751D-815B-D121-68B51CF982FD}"/>
+              </a:ext>
+            </a:extLst>
+          </p:cNvPr>
+          <p:cNvSpPr txBox="1"/>
+          <p:nvPr/>
+        </p:nvSpPr>
+        <p:spPr>
+          <a:xfrm>
+            <a:off x="7718492" y="6154056"/>
+            <a:ext cx="992579" cy="369332"/>
+          </a:xfrm>
+          <a:prstGeom prst="rect">
+            <a:avLst/>
+          </a:prstGeom>
+          <a:noFill/>
+        </p:spPr>
+        <p:txBody>
+          <a:bodyPr wrap="none" rtlCol="0">
+            <a:spAutoFit/>
+          </a:bodyPr>
+          <a:lstStyle/>
+          <a:p>
+            <a:r>
+              <a:rPr lang="ja-JP" altLang="en-US" dirty="0">
+                <a:ln w="0"/>
+                <a:solidFill>
+                  <a:schemeClr val="accent1"/>
+                </a:solidFill>
+                <a:effectLst>
+                  <a:outerShdw blurRad="38100" dist="25400" dir="5400000" algn="ctr" rotWithShape="0">
+                    <a:srgbClr val="6E747A">
+                      <a:alpha val="43000"/>
+                    </a:srgbClr>
+                  </a:outerShdw>
+                </a:effectLst>
+              </a:rPr>
+              <a:t>ﾛｸﾞ保管</a:t>
+            </a:r>
+            <a:endParaRPr kumimoji="1" lang="ja-JP" altLang="en-US" dirty="0">
+              <a:ln w="0"/>
+              <a:solidFill>
+                <a:schemeClr val="accent1"/>
+              </a:solidFill>
+              <a:effectLst>
+                <a:outerShdw blurRad="38100" dist="25400" dir="5400000" algn="ctr" rotWithShape="0">
+                  <a:srgbClr val="6E747A">
+                    <a:alpha val="43000"/>
+                  </a:srgbClr>
+                </a:outerShdw>
+              </a:effectLst>
+            </a:endParaRPr>
+          </a:p>
+        </p:txBody>
+      </p:sp>
     </p:spTree>
     <p:extLst>
       <p:ext uri="{BB962C8B-B14F-4D97-AF65-F5344CB8AC3E}">
@@ -5915,418 +6404,6 @@
 </file>
 
 <file path=ppt/slides/slide4.xml><?xml version="1.0" encoding="utf-8"?>
-<p:sld xmlns:a="http://schemas.openxmlformats.org/drawingml/2006/main" xmlns:r="http://schemas.openxmlformats.org/officeDocument/2006/relationships" xmlns:p="http://schemas.openxmlformats.org/presentationml/2006/main">
-  <p:cSld>
-    <p:spTree>
-      <p:nvGrpSpPr>
-        <p:cNvPr id="1" name=""/>
-        <p:cNvGrpSpPr/>
-        <p:nvPr/>
-      </p:nvGrpSpPr>
-      <p:grpSpPr>
-        <a:xfrm>
-          <a:off x="0" y="0"/>
-          <a:ext cx="0" cy="0"/>
-          <a:chOff x="0" y="0"/>
-          <a:chExt cx="0" cy="0"/>
-        </a:xfrm>
-      </p:grpSpPr>
-      <p:sp>
-        <p:nvSpPr>
-          <p:cNvPr id="5" name="テキスト ボックス 4">
-            <a:extLst>
-              <a:ext uri="{FF2B5EF4-FFF2-40B4-BE49-F238E27FC236}">
-                <a16:creationId xmlns:a16="http://schemas.microsoft.com/office/drawing/2014/main" id="{5E0CE9A1-2A74-30F0-7B01-1F0325AFF564}"/>
-              </a:ext>
-            </a:extLst>
-          </p:cNvPr>
-          <p:cNvSpPr txBox="1"/>
-          <p:nvPr/>
-        </p:nvSpPr>
-        <p:spPr>
-          <a:xfrm>
-            <a:off x="1543050" y="2364804"/>
-            <a:ext cx="3355406" cy="369332"/>
-          </a:xfrm>
-          <a:prstGeom prst="rect">
-            <a:avLst/>
-          </a:prstGeom>
-          <a:noFill/>
-        </p:spPr>
-        <p:txBody>
-          <a:bodyPr wrap="none" rtlCol="0">
-            <a:spAutoFit/>
-          </a:bodyPr>
-          <a:lstStyle/>
-          <a:p>
-            <a:r>
-              <a:rPr lang="ja-JP" altLang="en-US" dirty="0">
-                <a:hlinkClick r:id="rId2"/>
-              </a:rPr>
-              <a:t>データ保護 </a:t>
-            </a:r>
-            <a:r>
-              <a:rPr lang="en-US" altLang="ja-JP" dirty="0">
-                <a:hlinkClick r:id="rId2"/>
-              </a:rPr>
-              <a:t>- Amazon Bedrock</a:t>
-            </a:r>
-            <a:endParaRPr kumimoji="1" lang="ja-JP" altLang="en-US" dirty="0"/>
-          </a:p>
-        </p:txBody>
-      </p:sp>
-      <p:pic>
-        <p:nvPicPr>
-          <p:cNvPr id="7" name="図 6">
-            <a:extLst>
-              <a:ext uri="{FF2B5EF4-FFF2-40B4-BE49-F238E27FC236}">
-                <a16:creationId xmlns:a16="http://schemas.microsoft.com/office/drawing/2014/main" id="{D79D16AD-6F97-AC90-DB30-455728C25DF7}"/>
-              </a:ext>
-            </a:extLst>
-          </p:cNvPr>
-          <p:cNvPicPr>
-            <a:picLocks noChangeAspect="1"/>
-          </p:cNvPicPr>
-          <p:nvPr/>
-        </p:nvPicPr>
-        <p:blipFill>
-          <a:blip r:embed="rId3"/>
-          <a:stretch>
-            <a:fillRect/>
-          </a:stretch>
-        </p:blipFill>
-        <p:spPr>
-          <a:xfrm>
-            <a:off x="1543050" y="2734136"/>
-            <a:ext cx="9105900" cy="642165"/>
-          </a:xfrm>
-          <a:prstGeom prst="rect">
-            <a:avLst/>
-          </a:prstGeom>
-        </p:spPr>
-      </p:pic>
-      <p:sp>
-        <p:nvSpPr>
-          <p:cNvPr id="8" name="テキスト ボックス 7">
-            <a:extLst>
-              <a:ext uri="{FF2B5EF4-FFF2-40B4-BE49-F238E27FC236}">
-                <a16:creationId xmlns:a16="http://schemas.microsoft.com/office/drawing/2014/main" id="{AC16B752-7649-0733-8CF8-BAACD0C8B8D6}"/>
-              </a:ext>
-            </a:extLst>
-          </p:cNvPr>
-          <p:cNvSpPr txBox="1"/>
-          <p:nvPr/>
-        </p:nvSpPr>
-        <p:spPr>
-          <a:xfrm>
-            <a:off x="1543050" y="4198734"/>
-            <a:ext cx="1569660" cy="369332"/>
-          </a:xfrm>
-          <a:prstGeom prst="rect">
-            <a:avLst/>
-          </a:prstGeom>
-          <a:noFill/>
-        </p:spPr>
-        <p:txBody>
-          <a:bodyPr wrap="none" rtlCol="0">
-            <a:spAutoFit/>
-          </a:bodyPr>
-          <a:lstStyle/>
-          <a:p>
-            <a:r>
-              <a:rPr lang="ja-JP" altLang="en-US" dirty="0">
-                <a:hlinkClick r:id="rId4"/>
-              </a:rPr>
-              <a:t>プライバシー</a:t>
-            </a:r>
-            <a:endParaRPr kumimoji="1" lang="ja-JP" altLang="en-US" dirty="0"/>
-          </a:p>
-        </p:txBody>
-      </p:sp>
-      <p:pic>
-        <p:nvPicPr>
-          <p:cNvPr id="10" name="図 9">
-            <a:extLst>
-              <a:ext uri="{FF2B5EF4-FFF2-40B4-BE49-F238E27FC236}">
-                <a16:creationId xmlns:a16="http://schemas.microsoft.com/office/drawing/2014/main" id="{CF70FFC1-63B0-1150-4D7C-DDFE8B109096}"/>
-              </a:ext>
-            </a:extLst>
-          </p:cNvPr>
-          <p:cNvPicPr>
-            <a:picLocks noChangeAspect="1"/>
-          </p:cNvPicPr>
-          <p:nvPr/>
-        </p:nvPicPr>
-        <p:blipFill>
-          <a:blip r:embed="rId5"/>
-          <a:stretch>
-            <a:fillRect/>
-          </a:stretch>
-        </p:blipFill>
-        <p:spPr>
-          <a:xfrm>
-            <a:off x="1612900" y="4638431"/>
-            <a:ext cx="7918450" cy="985177"/>
-          </a:xfrm>
-          <a:prstGeom prst="rect">
-            <a:avLst/>
-          </a:prstGeom>
-        </p:spPr>
-      </p:pic>
-      <p:sp>
-        <p:nvSpPr>
-          <p:cNvPr id="12" name="テキスト ボックス 11">
-            <a:extLst>
-              <a:ext uri="{FF2B5EF4-FFF2-40B4-BE49-F238E27FC236}">
-                <a16:creationId xmlns:a16="http://schemas.microsoft.com/office/drawing/2014/main" id="{5DF24E96-A242-E874-4DF4-320A362A01AB}"/>
-              </a:ext>
-            </a:extLst>
-          </p:cNvPr>
-          <p:cNvSpPr txBox="1"/>
-          <p:nvPr/>
-        </p:nvSpPr>
-        <p:spPr>
-          <a:xfrm>
-            <a:off x="695325" y="1076424"/>
-            <a:ext cx="11042650" cy="830997"/>
-          </a:xfrm>
-          <a:prstGeom prst="rect">
-            <a:avLst/>
-          </a:prstGeom>
-          <a:noFill/>
-        </p:spPr>
-        <p:txBody>
-          <a:bodyPr wrap="square" rtlCol="0">
-            <a:spAutoFit/>
-          </a:bodyPr>
-          <a:lstStyle/>
-          <a:p>
-            <a:r>
-              <a:rPr lang="ja-JP" altLang="en-US" sz="2400" dirty="0">
-                <a:latin typeface="Meiryo UI" panose="020B0604030504040204" pitchFamily="50" charset="-128"/>
-                <a:ea typeface="Meiryo UI" panose="020B0604030504040204" pitchFamily="50" charset="-128"/>
-              </a:rPr>
-              <a:t>（</a:t>
-            </a:r>
-            <a:r>
-              <a:rPr kumimoji="1" lang="ja-JP" altLang="en-US" sz="2400" dirty="0">
-                <a:latin typeface="Meiryo UI" panose="020B0604030504040204" pitchFamily="50" charset="-128"/>
-                <a:ea typeface="Meiryo UI" panose="020B0604030504040204" pitchFamily="50" charset="-128"/>
-              </a:rPr>
-              <a:t>参考情報）</a:t>
-            </a:r>
-            <a:endParaRPr kumimoji="1" lang="en-US" altLang="ja-JP" sz="2400" dirty="0">
-              <a:latin typeface="Meiryo UI" panose="020B0604030504040204" pitchFamily="50" charset="-128"/>
-              <a:ea typeface="Meiryo UI" panose="020B0604030504040204" pitchFamily="50" charset="-128"/>
-            </a:endParaRPr>
-          </a:p>
-          <a:p>
-            <a:r>
-              <a:rPr kumimoji="1" lang="ja-JP" altLang="en-US" sz="2400" dirty="0">
-                <a:latin typeface="Meiryo UI" panose="020B0604030504040204" pitchFamily="50" charset="-128"/>
-                <a:ea typeface="Meiryo UI" panose="020B0604030504040204" pitchFamily="50" charset="-128"/>
-              </a:rPr>
-              <a:t>   </a:t>
-            </a:r>
-            <a:r>
-              <a:rPr kumimoji="1" lang="en-US" altLang="ja-JP" sz="2400" dirty="0">
-                <a:latin typeface="Meiryo UI" panose="020B0604030504040204" pitchFamily="50" charset="-128"/>
-                <a:ea typeface="Meiryo UI" panose="020B0604030504040204" pitchFamily="50" charset="-128"/>
-              </a:rPr>
-              <a:t>AWS</a:t>
-            </a:r>
-            <a:r>
-              <a:rPr kumimoji="1" lang="ja-JP" altLang="en-US" sz="2400" dirty="0">
-                <a:latin typeface="Meiryo UI" panose="020B0604030504040204" pitchFamily="50" charset="-128"/>
-                <a:ea typeface="Meiryo UI" panose="020B0604030504040204" pitchFamily="50" charset="-128"/>
-              </a:rPr>
-              <a:t> </a:t>
-            </a:r>
-            <a:r>
-              <a:rPr kumimoji="1" lang="en-US" altLang="ja-JP" sz="2400" dirty="0">
-                <a:latin typeface="Meiryo UI" panose="020B0604030504040204" pitchFamily="50" charset="-128"/>
-                <a:ea typeface="Meiryo UI" panose="020B0604030504040204" pitchFamily="50" charset="-128"/>
-              </a:rPr>
-              <a:t>AI</a:t>
-            </a:r>
-            <a:r>
-              <a:rPr kumimoji="1" lang="ja-JP" altLang="en-US" sz="2400" dirty="0">
-                <a:latin typeface="Meiryo UI" panose="020B0604030504040204" pitchFamily="50" charset="-128"/>
-                <a:ea typeface="Meiryo UI" panose="020B0604030504040204" pitchFamily="50" charset="-128"/>
-              </a:rPr>
-              <a:t>環境のデータ保護、プライバシー について、</a:t>
-            </a:r>
-            <a:r>
-              <a:rPr kumimoji="1" lang="en-US" altLang="ja-JP" sz="2400" dirty="0">
-                <a:latin typeface="Meiryo UI" panose="020B0604030504040204" pitchFamily="50" charset="-128"/>
-                <a:ea typeface="Meiryo UI" panose="020B0604030504040204" pitchFamily="50" charset="-128"/>
-              </a:rPr>
-              <a:t>AWS</a:t>
-            </a:r>
-            <a:r>
-              <a:rPr kumimoji="1" lang="ja-JP" altLang="en-US" sz="2400" dirty="0">
-                <a:latin typeface="Meiryo UI" panose="020B0604030504040204" pitchFamily="50" charset="-128"/>
-                <a:ea typeface="Meiryo UI" panose="020B0604030504040204" pitchFamily="50" charset="-128"/>
-              </a:rPr>
-              <a:t>公式サイトにて確認済み。</a:t>
-            </a:r>
-          </a:p>
-        </p:txBody>
-      </p:sp>
-      <p:sp>
-        <p:nvSpPr>
-          <p:cNvPr id="13" name="テキスト ボックス 12">
-            <a:extLst>
-              <a:ext uri="{FF2B5EF4-FFF2-40B4-BE49-F238E27FC236}">
-                <a16:creationId xmlns:a16="http://schemas.microsoft.com/office/drawing/2014/main" id="{31F3BD5A-7432-E03E-BD0A-058AB1A227C8}"/>
-              </a:ext>
-            </a:extLst>
-          </p:cNvPr>
-          <p:cNvSpPr txBox="1"/>
-          <p:nvPr/>
-        </p:nvSpPr>
-        <p:spPr>
-          <a:xfrm>
-            <a:off x="1371918" y="91763"/>
-            <a:ext cx="3362459" cy="461665"/>
-          </a:xfrm>
-          <a:prstGeom prst="rect">
-            <a:avLst/>
-          </a:prstGeom>
-          <a:noFill/>
-        </p:spPr>
-        <p:txBody>
-          <a:bodyPr wrap="none" rtlCol="0">
-            <a:spAutoFit/>
-          </a:bodyPr>
-          <a:lstStyle/>
-          <a:p>
-            <a:r>
-              <a:rPr kumimoji="1" lang="en-US" altLang="ja-JP" sz="2400" dirty="0">
-                <a:latin typeface="Meiryo UI" panose="020B0604030504040204" pitchFamily="50" charset="-128"/>
-                <a:ea typeface="Meiryo UI" panose="020B0604030504040204" pitchFamily="50" charset="-128"/>
-              </a:rPr>
-              <a:t>AWS</a:t>
-            </a:r>
-            <a:r>
-              <a:rPr kumimoji="1" lang="ja-JP" altLang="en-US" sz="2400" dirty="0">
-                <a:latin typeface="Meiryo UI" panose="020B0604030504040204" pitchFamily="50" charset="-128"/>
-                <a:ea typeface="Meiryo UI" panose="020B0604030504040204" pitchFamily="50" charset="-128"/>
-              </a:rPr>
-              <a:t>利用</a:t>
-            </a:r>
-            <a:r>
-              <a:rPr lang="ja-JP" altLang="en-US" sz="2400" dirty="0">
-                <a:latin typeface="Meiryo UI" panose="020B0604030504040204" pitchFamily="50" charset="-128"/>
-                <a:ea typeface="Meiryo UI" panose="020B0604030504040204" pitchFamily="50" charset="-128"/>
-              </a:rPr>
-              <a:t>時のセキュリティ</a:t>
-            </a:r>
-            <a:endParaRPr kumimoji="1" lang="ja-JP" altLang="en-US" sz="2400" dirty="0">
-              <a:latin typeface="Meiryo UI" panose="020B0604030504040204" pitchFamily="50" charset="-128"/>
-              <a:ea typeface="Meiryo UI" panose="020B0604030504040204" pitchFamily="50" charset="-128"/>
-            </a:endParaRPr>
-          </a:p>
-        </p:txBody>
-      </p:sp>
-      <p:cxnSp>
-        <p:nvCxnSpPr>
-          <p:cNvPr id="15" name="直線コネクタ 14">
-            <a:extLst>
-              <a:ext uri="{FF2B5EF4-FFF2-40B4-BE49-F238E27FC236}">
-                <a16:creationId xmlns:a16="http://schemas.microsoft.com/office/drawing/2014/main" id="{2BB73E56-F262-14F3-AB97-F2E7A5BCB134}"/>
-              </a:ext>
-            </a:extLst>
-          </p:cNvPr>
-          <p:cNvCxnSpPr/>
-          <p:nvPr/>
-        </p:nvCxnSpPr>
-        <p:spPr>
-          <a:xfrm>
-            <a:off x="4019550" y="3263900"/>
-            <a:ext cx="2197100" cy="0"/>
-          </a:xfrm>
-          <a:prstGeom prst="line">
-            <a:avLst/>
-          </a:prstGeom>
-          <a:ln>
-            <a:solidFill>
-              <a:schemeClr val="accent1"/>
-            </a:solidFill>
-          </a:ln>
-        </p:spPr>
-        <p:style>
-          <a:lnRef idx="3">
-            <a:schemeClr val="accent2"/>
-          </a:lnRef>
-          <a:fillRef idx="0">
-            <a:schemeClr val="accent2"/>
-          </a:fillRef>
-          <a:effectRef idx="2">
-            <a:schemeClr val="accent2"/>
-          </a:effectRef>
-          <a:fontRef idx="minor">
-            <a:schemeClr val="tx1"/>
-          </a:fontRef>
-        </p:style>
-      </p:cxnSp>
-      <p:cxnSp>
-        <p:nvCxnSpPr>
-          <p:cNvPr id="16" name="直線コネクタ 15">
-            <a:extLst>
-              <a:ext uri="{FF2B5EF4-FFF2-40B4-BE49-F238E27FC236}">
-                <a16:creationId xmlns:a16="http://schemas.microsoft.com/office/drawing/2014/main" id="{A2315690-EA8A-6D26-1C16-C3564D72B1B6}"/>
-              </a:ext>
-            </a:extLst>
-          </p:cNvPr>
-          <p:cNvCxnSpPr>
-            <a:cxnSpLocks/>
-          </p:cNvCxnSpPr>
-          <p:nvPr/>
-        </p:nvCxnSpPr>
-        <p:spPr>
-          <a:xfrm>
-            <a:off x="4785177" y="5105400"/>
-            <a:ext cx="3399973" cy="0"/>
-          </a:xfrm>
-          <a:prstGeom prst="line">
-            <a:avLst/>
-          </a:prstGeom>
-          <a:ln>
-            <a:solidFill>
-              <a:schemeClr val="accent1"/>
-            </a:solidFill>
-          </a:ln>
-        </p:spPr>
-        <p:style>
-          <a:lnRef idx="3">
-            <a:schemeClr val="accent2"/>
-          </a:lnRef>
-          <a:fillRef idx="0">
-            <a:schemeClr val="accent2"/>
-          </a:fillRef>
-          <a:effectRef idx="2">
-            <a:schemeClr val="accent2"/>
-          </a:effectRef>
-          <a:fontRef idx="minor">
-            <a:schemeClr val="tx1"/>
-          </a:fontRef>
-        </p:style>
-      </p:cxnSp>
-    </p:spTree>
-    <p:extLst>
-      <p:ext uri="{BB962C8B-B14F-4D97-AF65-F5344CB8AC3E}">
-        <p14:creationId xmlns:p14="http://schemas.microsoft.com/office/powerpoint/2010/main" val="2379326693"/>
-      </p:ext>
-    </p:extLst>
-  </p:cSld>
-  <p:clrMapOvr>
-    <a:masterClrMapping/>
-  </p:clrMapOvr>
-</p:sld>
-</file>
-
-<file path=ppt/slides/slide5.xml><?xml version="1.0" encoding="utf-8"?>
 <p:sld xmlns:a="http://schemas.openxmlformats.org/drawingml/2006/main" xmlns:r="http://schemas.openxmlformats.org/officeDocument/2006/relationships" xmlns:p="http://schemas.openxmlformats.org/presentationml/2006/main">
   <p:cSld>
     <p:spTree>
@@ -6888,7 +6965,1216 @@
 </p:sld>
 </file>
 
+<file path=ppt/slides/slide5.xml><?xml version="1.0" encoding="utf-8"?>
+<p:sld xmlns:a="http://schemas.openxmlformats.org/drawingml/2006/main" xmlns:r="http://schemas.openxmlformats.org/officeDocument/2006/relationships" xmlns:p="http://schemas.openxmlformats.org/presentationml/2006/main">
+  <p:cSld>
+    <p:spTree>
+      <p:nvGrpSpPr>
+        <p:cNvPr id="1" name=""/>
+        <p:cNvGrpSpPr/>
+        <p:nvPr/>
+      </p:nvGrpSpPr>
+      <p:grpSpPr>
+        <a:xfrm>
+          <a:off x="0" y="0"/>
+          <a:ext cx="0" cy="0"/>
+          <a:chOff x="0" y="0"/>
+          <a:chExt cx="0" cy="0"/>
+        </a:xfrm>
+      </p:grpSpPr>
+      <p:sp>
+        <p:nvSpPr>
+          <p:cNvPr id="2" name="タイトル 1">
+            <a:extLst>
+              <a:ext uri="{FF2B5EF4-FFF2-40B4-BE49-F238E27FC236}">
+                <a16:creationId xmlns:a16="http://schemas.microsoft.com/office/drawing/2014/main" id="{43812F79-483A-7AB8-366B-F4F05D9FE956}"/>
+              </a:ext>
+            </a:extLst>
+          </p:cNvPr>
+          <p:cNvSpPr>
+            <a:spLocks noGrp="1"/>
+          </p:cNvSpPr>
+          <p:nvPr>
+            <p:ph type="title"/>
+          </p:nvPr>
+        </p:nvSpPr>
+        <p:spPr/>
+        <p:txBody>
+          <a:bodyPr/>
+          <a:lstStyle/>
+          <a:p>
+            <a:endParaRPr kumimoji="1" lang="ja-JP" altLang="en-US"/>
+          </a:p>
+        </p:txBody>
+      </p:sp>
+      <p:sp>
+        <p:nvSpPr>
+          <p:cNvPr id="3" name="コンテンツ プレースホルダー 2">
+            <a:extLst>
+              <a:ext uri="{FF2B5EF4-FFF2-40B4-BE49-F238E27FC236}">
+                <a16:creationId xmlns:a16="http://schemas.microsoft.com/office/drawing/2014/main" id="{FE1C7886-8989-553C-6A5A-9AD10A65CB24}"/>
+              </a:ext>
+            </a:extLst>
+          </p:cNvPr>
+          <p:cNvSpPr>
+            <a:spLocks noGrp="1"/>
+          </p:cNvSpPr>
+          <p:nvPr>
+            <p:ph idx="1"/>
+          </p:nvPr>
+        </p:nvSpPr>
+        <p:spPr/>
+        <p:txBody>
+          <a:bodyPr>
+            <a:normAutofit/>
+          </a:bodyPr>
+          <a:lstStyle/>
+          <a:p>
+            <a:r>
+              <a:rPr kumimoji="1" lang="ja-JP" altLang="en-US" sz="9600" dirty="0"/>
+              <a:t>終わり</a:t>
+            </a:r>
+          </a:p>
+        </p:txBody>
+      </p:sp>
+    </p:spTree>
+    <p:extLst>
+      <p:ext uri="{BB962C8B-B14F-4D97-AF65-F5344CB8AC3E}">
+        <p14:creationId xmlns:p14="http://schemas.microsoft.com/office/powerpoint/2010/main" val="307678327"/>
+      </p:ext>
+    </p:extLst>
+  </p:cSld>
+  <p:clrMapOvr>
+    <a:masterClrMapping/>
+  </p:clrMapOvr>
+</p:sld>
+</file>
+
 <file path=ppt/slides/slide6.xml><?xml version="1.0" encoding="utf-8"?>
+<p:sld xmlns:a="http://schemas.openxmlformats.org/drawingml/2006/main" xmlns:r="http://schemas.openxmlformats.org/officeDocument/2006/relationships" xmlns:p="http://schemas.openxmlformats.org/presentationml/2006/main">
+  <p:cSld>
+    <p:spTree>
+      <p:nvGrpSpPr>
+        <p:cNvPr id="1" name=""/>
+        <p:cNvGrpSpPr/>
+        <p:nvPr/>
+      </p:nvGrpSpPr>
+      <p:grpSpPr>
+        <a:xfrm>
+          <a:off x="0" y="0"/>
+          <a:ext cx="0" cy="0"/>
+          <a:chOff x="0" y="0"/>
+          <a:chExt cx="0" cy="0"/>
+        </a:xfrm>
+      </p:grpSpPr>
+      <p:sp>
+        <p:nvSpPr>
+          <p:cNvPr id="5" name="テキスト ボックス 4">
+            <a:extLst>
+              <a:ext uri="{FF2B5EF4-FFF2-40B4-BE49-F238E27FC236}">
+                <a16:creationId xmlns:a16="http://schemas.microsoft.com/office/drawing/2014/main" id="{5E0CE9A1-2A74-30F0-7B01-1F0325AFF564}"/>
+              </a:ext>
+            </a:extLst>
+          </p:cNvPr>
+          <p:cNvSpPr txBox="1"/>
+          <p:nvPr/>
+        </p:nvSpPr>
+        <p:spPr>
+          <a:xfrm>
+            <a:off x="1543050" y="2364804"/>
+            <a:ext cx="3355406" cy="369332"/>
+          </a:xfrm>
+          <a:prstGeom prst="rect">
+            <a:avLst/>
+          </a:prstGeom>
+          <a:noFill/>
+        </p:spPr>
+        <p:txBody>
+          <a:bodyPr wrap="none" rtlCol="0">
+            <a:spAutoFit/>
+          </a:bodyPr>
+          <a:lstStyle/>
+          <a:p>
+            <a:r>
+              <a:rPr lang="ja-JP" altLang="en-US" dirty="0">
+                <a:hlinkClick r:id="rId2"/>
+              </a:rPr>
+              <a:t>データ保護 </a:t>
+            </a:r>
+            <a:r>
+              <a:rPr lang="en-US" altLang="ja-JP" dirty="0">
+                <a:hlinkClick r:id="rId2"/>
+              </a:rPr>
+              <a:t>- Amazon Bedrock</a:t>
+            </a:r>
+            <a:endParaRPr kumimoji="1" lang="ja-JP" altLang="en-US" dirty="0"/>
+          </a:p>
+        </p:txBody>
+      </p:sp>
+      <p:pic>
+        <p:nvPicPr>
+          <p:cNvPr id="7" name="図 6">
+            <a:extLst>
+              <a:ext uri="{FF2B5EF4-FFF2-40B4-BE49-F238E27FC236}">
+                <a16:creationId xmlns:a16="http://schemas.microsoft.com/office/drawing/2014/main" id="{D79D16AD-6F97-AC90-DB30-455728C25DF7}"/>
+              </a:ext>
+            </a:extLst>
+          </p:cNvPr>
+          <p:cNvPicPr>
+            <a:picLocks noChangeAspect="1"/>
+          </p:cNvPicPr>
+          <p:nvPr/>
+        </p:nvPicPr>
+        <p:blipFill>
+          <a:blip r:embed="rId3"/>
+          <a:stretch>
+            <a:fillRect/>
+          </a:stretch>
+        </p:blipFill>
+        <p:spPr>
+          <a:xfrm>
+            <a:off x="1543050" y="2734136"/>
+            <a:ext cx="9105900" cy="642165"/>
+          </a:xfrm>
+          <a:prstGeom prst="rect">
+            <a:avLst/>
+          </a:prstGeom>
+        </p:spPr>
+      </p:pic>
+      <p:sp>
+        <p:nvSpPr>
+          <p:cNvPr id="8" name="テキスト ボックス 7">
+            <a:extLst>
+              <a:ext uri="{FF2B5EF4-FFF2-40B4-BE49-F238E27FC236}">
+                <a16:creationId xmlns:a16="http://schemas.microsoft.com/office/drawing/2014/main" id="{AC16B752-7649-0733-8CF8-BAACD0C8B8D6}"/>
+              </a:ext>
+            </a:extLst>
+          </p:cNvPr>
+          <p:cNvSpPr txBox="1"/>
+          <p:nvPr/>
+        </p:nvSpPr>
+        <p:spPr>
+          <a:xfrm>
+            <a:off x="1543050" y="4198734"/>
+            <a:ext cx="1569660" cy="369332"/>
+          </a:xfrm>
+          <a:prstGeom prst="rect">
+            <a:avLst/>
+          </a:prstGeom>
+          <a:noFill/>
+        </p:spPr>
+        <p:txBody>
+          <a:bodyPr wrap="none" rtlCol="0">
+            <a:spAutoFit/>
+          </a:bodyPr>
+          <a:lstStyle/>
+          <a:p>
+            <a:r>
+              <a:rPr lang="ja-JP" altLang="en-US" dirty="0">
+                <a:hlinkClick r:id="rId4"/>
+              </a:rPr>
+              <a:t>プライバシー</a:t>
+            </a:r>
+            <a:endParaRPr kumimoji="1" lang="ja-JP" altLang="en-US" dirty="0"/>
+          </a:p>
+        </p:txBody>
+      </p:sp>
+      <p:pic>
+        <p:nvPicPr>
+          <p:cNvPr id="10" name="図 9">
+            <a:extLst>
+              <a:ext uri="{FF2B5EF4-FFF2-40B4-BE49-F238E27FC236}">
+                <a16:creationId xmlns:a16="http://schemas.microsoft.com/office/drawing/2014/main" id="{CF70FFC1-63B0-1150-4D7C-DDFE8B109096}"/>
+              </a:ext>
+            </a:extLst>
+          </p:cNvPr>
+          <p:cNvPicPr>
+            <a:picLocks noChangeAspect="1"/>
+          </p:cNvPicPr>
+          <p:nvPr/>
+        </p:nvPicPr>
+        <p:blipFill>
+          <a:blip r:embed="rId5"/>
+          <a:stretch>
+            <a:fillRect/>
+          </a:stretch>
+        </p:blipFill>
+        <p:spPr>
+          <a:xfrm>
+            <a:off x="1612900" y="4638431"/>
+            <a:ext cx="7918450" cy="985177"/>
+          </a:xfrm>
+          <a:prstGeom prst="rect">
+            <a:avLst/>
+          </a:prstGeom>
+        </p:spPr>
+      </p:pic>
+      <p:sp>
+        <p:nvSpPr>
+          <p:cNvPr id="12" name="テキスト ボックス 11">
+            <a:extLst>
+              <a:ext uri="{FF2B5EF4-FFF2-40B4-BE49-F238E27FC236}">
+                <a16:creationId xmlns:a16="http://schemas.microsoft.com/office/drawing/2014/main" id="{5DF24E96-A242-E874-4DF4-320A362A01AB}"/>
+              </a:ext>
+            </a:extLst>
+          </p:cNvPr>
+          <p:cNvSpPr txBox="1"/>
+          <p:nvPr/>
+        </p:nvSpPr>
+        <p:spPr>
+          <a:xfrm>
+            <a:off x="695325" y="1076424"/>
+            <a:ext cx="11042650" cy="461665"/>
+          </a:xfrm>
+          <a:prstGeom prst="rect">
+            <a:avLst/>
+          </a:prstGeom>
+          <a:noFill/>
+        </p:spPr>
+        <p:txBody>
+          <a:bodyPr wrap="square" rtlCol="0">
+            <a:spAutoFit/>
+          </a:bodyPr>
+          <a:lstStyle/>
+          <a:p>
+            <a:r>
+              <a:rPr kumimoji="1" lang="en-US" altLang="ja-JP" sz="2400" dirty="0">
+                <a:latin typeface="Meiryo UI" panose="020B0604030504040204" pitchFamily="50" charset="-128"/>
+                <a:ea typeface="Meiryo UI" panose="020B0604030504040204" pitchFamily="50" charset="-128"/>
+              </a:rPr>
+              <a:t>AWS</a:t>
+            </a:r>
+            <a:r>
+              <a:rPr kumimoji="1" lang="ja-JP" altLang="en-US" sz="2400" dirty="0">
+                <a:latin typeface="Meiryo UI" panose="020B0604030504040204" pitchFamily="50" charset="-128"/>
+                <a:ea typeface="Meiryo UI" panose="020B0604030504040204" pitchFamily="50" charset="-128"/>
+              </a:rPr>
+              <a:t> </a:t>
+            </a:r>
+            <a:r>
+              <a:rPr kumimoji="1" lang="en-US" altLang="ja-JP" sz="2400" dirty="0">
+                <a:latin typeface="Meiryo UI" panose="020B0604030504040204" pitchFamily="50" charset="-128"/>
+                <a:ea typeface="Meiryo UI" panose="020B0604030504040204" pitchFamily="50" charset="-128"/>
+              </a:rPr>
+              <a:t>AI</a:t>
+            </a:r>
+            <a:r>
+              <a:rPr kumimoji="1" lang="ja-JP" altLang="en-US" sz="2400" dirty="0">
+                <a:latin typeface="Meiryo UI" panose="020B0604030504040204" pitchFamily="50" charset="-128"/>
+                <a:ea typeface="Meiryo UI" panose="020B0604030504040204" pitchFamily="50" charset="-128"/>
+              </a:rPr>
+              <a:t>環境のデータ保護、プライバシー について、</a:t>
+            </a:r>
+            <a:r>
+              <a:rPr kumimoji="1" lang="en-US" altLang="ja-JP" sz="2400" dirty="0">
+                <a:latin typeface="Meiryo UI" panose="020B0604030504040204" pitchFamily="50" charset="-128"/>
+                <a:ea typeface="Meiryo UI" panose="020B0604030504040204" pitchFamily="50" charset="-128"/>
+              </a:rPr>
+              <a:t>AWS</a:t>
+            </a:r>
+            <a:r>
+              <a:rPr kumimoji="1" lang="ja-JP" altLang="en-US" sz="2400" dirty="0">
+                <a:latin typeface="Meiryo UI" panose="020B0604030504040204" pitchFamily="50" charset="-128"/>
+                <a:ea typeface="Meiryo UI" panose="020B0604030504040204" pitchFamily="50" charset="-128"/>
+              </a:rPr>
+              <a:t>公式サイトにて確認済み。</a:t>
+            </a:r>
+          </a:p>
+        </p:txBody>
+      </p:sp>
+      <p:sp>
+        <p:nvSpPr>
+          <p:cNvPr id="13" name="テキスト ボックス 12">
+            <a:extLst>
+              <a:ext uri="{FF2B5EF4-FFF2-40B4-BE49-F238E27FC236}">
+                <a16:creationId xmlns:a16="http://schemas.microsoft.com/office/drawing/2014/main" id="{31F3BD5A-7432-E03E-BD0A-058AB1A227C8}"/>
+              </a:ext>
+            </a:extLst>
+          </p:cNvPr>
+          <p:cNvSpPr txBox="1"/>
+          <p:nvPr/>
+        </p:nvSpPr>
+        <p:spPr>
+          <a:xfrm>
+            <a:off x="1371918" y="91763"/>
+            <a:ext cx="4901342" cy="461665"/>
+          </a:xfrm>
+          <a:prstGeom prst="rect">
+            <a:avLst/>
+          </a:prstGeom>
+          <a:noFill/>
+        </p:spPr>
+        <p:txBody>
+          <a:bodyPr wrap="none" rtlCol="0">
+            <a:spAutoFit/>
+          </a:bodyPr>
+          <a:lstStyle/>
+          <a:p>
+            <a:r>
+              <a:rPr lang="ja-JP" altLang="en-US" sz="2400" dirty="0">
+                <a:latin typeface="Meiryo UI" panose="020B0604030504040204" pitchFamily="50" charset="-128"/>
+                <a:ea typeface="Meiryo UI" panose="020B0604030504040204" pitchFamily="50" charset="-128"/>
+              </a:rPr>
+              <a:t>参考情報：</a:t>
+            </a:r>
+            <a:r>
+              <a:rPr kumimoji="1" lang="en-US" altLang="ja-JP" sz="2400" dirty="0">
+                <a:latin typeface="Meiryo UI" panose="020B0604030504040204" pitchFamily="50" charset="-128"/>
+                <a:ea typeface="Meiryo UI" panose="020B0604030504040204" pitchFamily="50" charset="-128"/>
+              </a:rPr>
+              <a:t>AWS</a:t>
+            </a:r>
+            <a:r>
+              <a:rPr kumimoji="1" lang="ja-JP" altLang="en-US" sz="2400" dirty="0">
+                <a:latin typeface="Meiryo UI" panose="020B0604030504040204" pitchFamily="50" charset="-128"/>
+                <a:ea typeface="Meiryo UI" panose="020B0604030504040204" pitchFamily="50" charset="-128"/>
+              </a:rPr>
+              <a:t>利用</a:t>
+            </a:r>
+            <a:r>
+              <a:rPr lang="ja-JP" altLang="en-US" sz="2400" dirty="0">
+                <a:latin typeface="Meiryo UI" panose="020B0604030504040204" pitchFamily="50" charset="-128"/>
+                <a:ea typeface="Meiryo UI" panose="020B0604030504040204" pitchFamily="50" charset="-128"/>
+              </a:rPr>
+              <a:t>時のセキュリティ</a:t>
+            </a:r>
+            <a:endParaRPr kumimoji="1" lang="ja-JP" altLang="en-US" sz="2400" dirty="0">
+              <a:latin typeface="Meiryo UI" panose="020B0604030504040204" pitchFamily="50" charset="-128"/>
+              <a:ea typeface="Meiryo UI" panose="020B0604030504040204" pitchFamily="50" charset="-128"/>
+            </a:endParaRPr>
+          </a:p>
+        </p:txBody>
+      </p:sp>
+      <p:cxnSp>
+        <p:nvCxnSpPr>
+          <p:cNvPr id="15" name="直線コネクタ 14">
+            <a:extLst>
+              <a:ext uri="{FF2B5EF4-FFF2-40B4-BE49-F238E27FC236}">
+                <a16:creationId xmlns:a16="http://schemas.microsoft.com/office/drawing/2014/main" id="{2BB73E56-F262-14F3-AB97-F2E7A5BCB134}"/>
+              </a:ext>
+            </a:extLst>
+          </p:cNvPr>
+          <p:cNvCxnSpPr/>
+          <p:nvPr/>
+        </p:nvCxnSpPr>
+        <p:spPr>
+          <a:xfrm>
+            <a:off x="4019550" y="3263900"/>
+            <a:ext cx="2197100" cy="0"/>
+          </a:xfrm>
+          <a:prstGeom prst="line">
+            <a:avLst/>
+          </a:prstGeom>
+          <a:ln>
+            <a:solidFill>
+              <a:schemeClr val="accent1"/>
+            </a:solidFill>
+          </a:ln>
+        </p:spPr>
+        <p:style>
+          <a:lnRef idx="3">
+            <a:schemeClr val="accent2"/>
+          </a:lnRef>
+          <a:fillRef idx="0">
+            <a:schemeClr val="accent2"/>
+          </a:fillRef>
+          <a:effectRef idx="2">
+            <a:schemeClr val="accent2"/>
+          </a:effectRef>
+          <a:fontRef idx="minor">
+            <a:schemeClr val="tx1"/>
+          </a:fontRef>
+        </p:style>
+      </p:cxnSp>
+      <p:cxnSp>
+        <p:nvCxnSpPr>
+          <p:cNvPr id="16" name="直線コネクタ 15">
+            <a:extLst>
+              <a:ext uri="{FF2B5EF4-FFF2-40B4-BE49-F238E27FC236}">
+                <a16:creationId xmlns:a16="http://schemas.microsoft.com/office/drawing/2014/main" id="{A2315690-EA8A-6D26-1C16-C3564D72B1B6}"/>
+              </a:ext>
+            </a:extLst>
+          </p:cNvPr>
+          <p:cNvCxnSpPr>
+            <a:cxnSpLocks/>
+          </p:cNvCxnSpPr>
+          <p:nvPr/>
+        </p:nvCxnSpPr>
+        <p:spPr>
+          <a:xfrm>
+            <a:off x="4785177" y="5105400"/>
+            <a:ext cx="3399973" cy="0"/>
+          </a:xfrm>
+          <a:prstGeom prst="line">
+            <a:avLst/>
+          </a:prstGeom>
+          <a:ln>
+            <a:solidFill>
+              <a:schemeClr val="accent1"/>
+            </a:solidFill>
+          </a:ln>
+        </p:spPr>
+        <p:style>
+          <a:lnRef idx="3">
+            <a:schemeClr val="accent2"/>
+          </a:lnRef>
+          <a:fillRef idx="0">
+            <a:schemeClr val="accent2"/>
+          </a:fillRef>
+          <a:effectRef idx="2">
+            <a:schemeClr val="accent2"/>
+          </a:effectRef>
+          <a:fontRef idx="minor">
+            <a:schemeClr val="tx1"/>
+          </a:fontRef>
+        </p:style>
+      </p:cxnSp>
+    </p:spTree>
+    <p:extLst>
+      <p:ext uri="{BB962C8B-B14F-4D97-AF65-F5344CB8AC3E}">
+        <p14:creationId xmlns:p14="http://schemas.microsoft.com/office/powerpoint/2010/main" val="2379326693"/>
+      </p:ext>
+    </p:extLst>
+  </p:cSld>
+  <p:clrMapOvr>
+    <a:masterClrMapping/>
+  </p:clrMapOvr>
+</p:sld>
+</file>
+
+<file path=ppt/slides/slide7.xml><?xml version="1.0" encoding="utf-8"?>
+<p:sld xmlns:a="http://schemas.openxmlformats.org/drawingml/2006/main" xmlns:r="http://schemas.openxmlformats.org/officeDocument/2006/relationships" xmlns:p="http://schemas.openxmlformats.org/presentationml/2006/main">
+  <p:cSld>
+    <p:spTree>
+      <p:nvGrpSpPr>
+        <p:cNvPr id="1" name=""/>
+        <p:cNvGrpSpPr/>
+        <p:nvPr/>
+      </p:nvGrpSpPr>
+      <p:grpSpPr>
+        <a:xfrm>
+          <a:off x="0" y="0"/>
+          <a:ext cx="0" cy="0"/>
+          <a:chOff x="0" y="0"/>
+          <a:chExt cx="0" cy="0"/>
+        </a:xfrm>
+      </p:grpSpPr>
+      <p:sp>
+        <p:nvSpPr>
+          <p:cNvPr id="4" name="テキスト ボックス 3">
+            <a:extLst>
+              <a:ext uri="{FF2B5EF4-FFF2-40B4-BE49-F238E27FC236}">
+                <a16:creationId xmlns:a16="http://schemas.microsoft.com/office/drawing/2014/main" id="{7A7F0552-7D44-6F35-145C-B13E34FE9C79}"/>
+              </a:ext>
+            </a:extLst>
+          </p:cNvPr>
+          <p:cNvSpPr txBox="1"/>
+          <p:nvPr/>
+        </p:nvSpPr>
+        <p:spPr>
+          <a:xfrm>
+            <a:off x="6572251" y="2838450"/>
+            <a:ext cx="4470399" cy="3477875"/>
+          </a:xfrm>
+          <a:prstGeom prst="rect">
+            <a:avLst/>
+          </a:prstGeom>
+          <a:solidFill>
+            <a:schemeClr val="bg1">
+              <a:lumMod val="95000"/>
+            </a:schemeClr>
+          </a:solidFill>
+        </p:spPr>
+        <p:txBody>
+          <a:bodyPr wrap="square" rtlCol="0">
+            <a:spAutoFit/>
+          </a:bodyPr>
+          <a:lstStyle/>
+          <a:p>
+            <a:r>
+              <a:rPr lang="en-US" altLang="ja-JP" sz="1100" dirty="0"/>
+              <a:t>"Sid": "</a:t>
+            </a:r>
+            <a:r>
+              <a:rPr lang="en-US" altLang="ja-JP" sz="1100" dirty="0" err="1"/>
+              <a:t>VisualEditor0</a:t>
+            </a:r>
+            <a:r>
+              <a:rPr lang="en-US" altLang="ja-JP" sz="1100" dirty="0"/>
+              <a:t>",</a:t>
+            </a:r>
+          </a:p>
+          <a:p>
+            <a:r>
+              <a:rPr lang="en-US" altLang="ja-JP" sz="1100" dirty="0"/>
+              <a:t>"Effect": "Allow",</a:t>
+            </a:r>
+          </a:p>
+          <a:p>
+            <a:r>
+              <a:rPr lang="en-US" altLang="ja-JP" sz="1100" dirty="0"/>
+              <a:t>"Action": [</a:t>
+            </a:r>
+          </a:p>
+          <a:p>
+            <a:r>
+              <a:rPr lang="en-US" altLang="ja-JP" sz="1100" dirty="0"/>
+              <a:t>	"</a:t>
+            </a:r>
+            <a:r>
+              <a:rPr lang="en-US" altLang="ja-JP" sz="1100" dirty="0" err="1"/>
+              <a:t>bedrock:ListInferenceProfiles</a:t>
+            </a:r>
+            <a:r>
+              <a:rPr lang="en-US" altLang="ja-JP" sz="1100" dirty="0"/>
+              <a:t>",</a:t>
+            </a:r>
+          </a:p>
+          <a:p>
+            <a:r>
+              <a:rPr lang="en-US" altLang="ja-JP" sz="1100" dirty="0"/>
+              <a:t>	"</a:t>
+            </a:r>
+            <a:r>
+              <a:rPr lang="en-US" altLang="ja-JP" sz="1100" dirty="0" err="1"/>
+              <a:t>bedrock:InvokeModel</a:t>
+            </a:r>
+            <a:r>
+              <a:rPr lang="en-US" altLang="ja-JP" sz="1100" dirty="0"/>
+              <a:t>",</a:t>
+            </a:r>
+          </a:p>
+          <a:p>
+            <a:r>
+              <a:rPr lang="en-US" altLang="ja-JP" sz="1100" dirty="0"/>
+              <a:t>	"</a:t>
+            </a:r>
+            <a:r>
+              <a:rPr lang="en-US" altLang="ja-JP" sz="1100" dirty="0" err="1"/>
+              <a:t>bedrock:InvokeModelWithResponseStream</a:t>
+            </a:r>
+            <a:r>
+              <a:rPr lang="en-US" altLang="ja-JP" sz="1100" dirty="0"/>
+              <a:t>"</a:t>
+            </a:r>
+          </a:p>
+          <a:p>
+            <a:r>
+              <a:rPr lang="en-US" altLang="ja-JP" sz="1100" dirty="0"/>
+              <a:t>],</a:t>
+            </a:r>
+          </a:p>
+          <a:p>
+            <a:r>
+              <a:rPr lang="en-US" altLang="ja-JP" sz="1100" dirty="0"/>
+              <a:t>"Resource": "*",</a:t>
+            </a:r>
+          </a:p>
+          <a:p>
+            <a:r>
+              <a:rPr lang="en-US" altLang="ja-JP" sz="1100" dirty="0"/>
+              <a:t>"Condition": {</a:t>
+            </a:r>
+          </a:p>
+          <a:p>
+            <a:r>
+              <a:rPr lang="en-US" altLang="ja-JP" sz="1100" dirty="0"/>
+              <a:t>	"</a:t>
+            </a:r>
+            <a:r>
+              <a:rPr lang="en-US" altLang="ja-JP" sz="1100" dirty="0" err="1"/>
+              <a:t>IpAddress</a:t>
+            </a:r>
+            <a:r>
+              <a:rPr lang="en-US" altLang="ja-JP" sz="1100" dirty="0"/>
+              <a:t>": {</a:t>
+            </a:r>
+          </a:p>
+          <a:p>
+            <a:r>
+              <a:rPr lang="en-US" altLang="ja-JP" sz="1100" dirty="0"/>
+              <a:t>		"</a:t>
+            </a:r>
+            <a:r>
+              <a:rPr lang="en-US" altLang="ja-JP" sz="1100" dirty="0" err="1"/>
+              <a:t>aws:SourceIp</a:t>
+            </a:r>
+            <a:r>
+              <a:rPr lang="en-US" altLang="ja-JP" sz="1100" dirty="0"/>
+              <a:t>":[</a:t>
+            </a:r>
+          </a:p>
+          <a:p>
+            <a:r>
+              <a:rPr lang="en-US" altLang="ja-JP" sz="1100" dirty="0"/>
+              <a:t>		 "116.94.122.19/32",</a:t>
+            </a:r>
+          </a:p>
+          <a:p>
+            <a:r>
+              <a:rPr lang="en-US" altLang="ja-JP" sz="1100" dirty="0"/>
+              <a:t>		 "116.94.122.19/32",</a:t>
+            </a:r>
+          </a:p>
+          <a:p>
+            <a:r>
+              <a:rPr lang="en-US" altLang="ja-JP" sz="1100" dirty="0"/>
+              <a:t>		 "116.94.122.19/32",</a:t>
+            </a:r>
+          </a:p>
+          <a:p>
+            <a:r>
+              <a:rPr lang="en-US" altLang="ja-JP" sz="1100" dirty="0"/>
+              <a:t>		 "116.94.122.19/32",</a:t>
+            </a:r>
+          </a:p>
+          <a:p>
+            <a:r>
+              <a:rPr lang="en-US" altLang="ja-JP" sz="1100" dirty="0"/>
+              <a:t>		 "116.94.122.19/32"		 </a:t>
+            </a:r>
+          </a:p>
+          <a:p>
+            <a:r>
+              <a:rPr lang="en-US" altLang="ja-JP" sz="1100" dirty="0"/>
+              <a:t>		 ]</a:t>
+            </a:r>
+          </a:p>
+          <a:p>
+            <a:r>
+              <a:rPr lang="en-US" altLang="ja-JP" sz="1100" dirty="0"/>
+              <a:t>	}</a:t>
+            </a:r>
+          </a:p>
+          <a:p>
+            <a:r>
+              <a:rPr lang="en-US" altLang="ja-JP" sz="1100" dirty="0"/>
+              <a:t>}</a:t>
+            </a:r>
+          </a:p>
+        </p:txBody>
+      </p:sp>
+      <p:sp>
+        <p:nvSpPr>
+          <p:cNvPr id="5" name="テキスト ボックス 4">
+            <a:extLst>
+              <a:ext uri="{FF2B5EF4-FFF2-40B4-BE49-F238E27FC236}">
+                <a16:creationId xmlns:a16="http://schemas.microsoft.com/office/drawing/2014/main" id="{A9C4FA1C-F465-4282-AC81-C0519E416D7C}"/>
+              </a:ext>
+            </a:extLst>
+          </p:cNvPr>
+          <p:cNvSpPr txBox="1"/>
+          <p:nvPr/>
+        </p:nvSpPr>
+        <p:spPr>
+          <a:xfrm>
+            <a:off x="1371918" y="91763"/>
+            <a:ext cx="6940232" cy="461665"/>
+          </a:xfrm>
+          <a:prstGeom prst="rect">
+            <a:avLst/>
+          </a:prstGeom>
+          <a:noFill/>
+        </p:spPr>
+        <p:txBody>
+          <a:bodyPr wrap="square" rtlCol="0">
+            <a:spAutoFit/>
+          </a:bodyPr>
+          <a:lstStyle/>
+          <a:p>
+            <a:r>
+              <a:rPr lang="ja-JP" altLang="en-US" sz="2400" dirty="0">
+                <a:latin typeface="Meiryo UI" panose="020B0604030504040204" pitchFamily="50" charset="-128"/>
+                <a:ea typeface="Meiryo UI" panose="020B0604030504040204" pitchFamily="50" charset="-128"/>
+              </a:rPr>
+              <a:t>参考情報：</a:t>
+            </a:r>
+            <a:r>
+              <a:rPr kumimoji="1" lang="ja-JP" altLang="en-US" sz="2400" dirty="0">
+                <a:latin typeface="Meiryo UI" panose="020B0604030504040204" pitchFamily="50" charset="-128"/>
+                <a:ea typeface="Meiryo UI" panose="020B0604030504040204" pitchFamily="50" charset="-128"/>
+              </a:rPr>
+              <a:t>ファイアウォール、アクセス制限</a:t>
+            </a:r>
+          </a:p>
+        </p:txBody>
+      </p:sp>
+      <p:sp>
+        <p:nvSpPr>
+          <p:cNvPr id="6" name="テキスト ボックス 5">
+            <a:extLst>
+              <a:ext uri="{FF2B5EF4-FFF2-40B4-BE49-F238E27FC236}">
+                <a16:creationId xmlns:a16="http://schemas.microsoft.com/office/drawing/2014/main" id="{B05518C8-1ED4-3AAC-DA31-E2F09FDC0484}"/>
+              </a:ext>
+            </a:extLst>
+          </p:cNvPr>
+          <p:cNvSpPr txBox="1"/>
+          <p:nvPr/>
+        </p:nvSpPr>
+        <p:spPr>
+          <a:xfrm>
+            <a:off x="6494999" y="2469118"/>
+            <a:ext cx="3409950" cy="369332"/>
+          </a:xfrm>
+          <a:prstGeom prst="rect">
+            <a:avLst/>
+          </a:prstGeom>
+          <a:noFill/>
+        </p:spPr>
+        <p:txBody>
+          <a:bodyPr wrap="square" rtlCol="0">
+            <a:spAutoFit/>
+          </a:bodyPr>
+          <a:lstStyle/>
+          <a:p>
+            <a:r>
+              <a:rPr kumimoji="1" lang="en-US" altLang="ja-JP" dirty="0">
+                <a:ln w="0"/>
+                <a:solidFill>
+                  <a:schemeClr val="accent1"/>
+                </a:solidFill>
+                <a:effectLst>
+                  <a:outerShdw blurRad="38100" dist="25400" dir="5400000" algn="ctr" rotWithShape="0">
+                    <a:srgbClr val="6E747A">
+                      <a:alpha val="43000"/>
+                    </a:srgbClr>
+                  </a:outerShdw>
+                </a:effectLst>
+              </a:rPr>
+              <a:t>IAM</a:t>
+            </a:r>
+            <a:r>
+              <a:rPr kumimoji="1" lang="ja-JP" altLang="en-US" dirty="0">
+                <a:ln w="0"/>
+                <a:solidFill>
+                  <a:schemeClr val="accent1"/>
+                </a:solidFill>
+                <a:effectLst>
+                  <a:outerShdw blurRad="38100" dist="25400" dir="5400000" algn="ctr" rotWithShape="0">
+                    <a:srgbClr val="6E747A">
+                      <a:alpha val="43000"/>
+                    </a:srgbClr>
+                  </a:outerShdw>
+                </a:effectLst>
+              </a:rPr>
+              <a:t>ポリシーのｲﾒｰｼﾞ</a:t>
+            </a:r>
+          </a:p>
+        </p:txBody>
+      </p:sp>
+      <p:sp>
+        <p:nvSpPr>
+          <p:cNvPr id="8" name="テキスト ボックス 7">
+            <a:extLst>
+              <a:ext uri="{FF2B5EF4-FFF2-40B4-BE49-F238E27FC236}">
+                <a16:creationId xmlns:a16="http://schemas.microsoft.com/office/drawing/2014/main" id="{2F854602-5261-FA6A-F6BE-E992E42C2602}"/>
+              </a:ext>
+            </a:extLst>
+          </p:cNvPr>
+          <p:cNvSpPr txBox="1"/>
+          <p:nvPr/>
+        </p:nvSpPr>
+        <p:spPr>
+          <a:xfrm>
+            <a:off x="7933215" y="1601594"/>
+            <a:ext cx="1636987" cy="369332"/>
+          </a:xfrm>
+          <a:prstGeom prst="rect">
+            <a:avLst/>
+          </a:prstGeom>
+          <a:noFill/>
+        </p:spPr>
+        <p:txBody>
+          <a:bodyPr wrap="none" rtlCol="0">
+            <a:spAutoFit/>
+          </a:bodyPr>
+          <a:lstStyle/>
+          <a:p>
+            <a:r>
+              <a:rPr kumimoji="1" lang="en-US" altLang="ja-JP" dirty="0">
+                <a:ln w="0"/>
+                <a:solidFill>
+                  <a:schemeClr val="accent1"/>
+                </a:solidFill>
+                <a:effectLst>
+                  <a:outerShdw blurRad="38100" dist="25400" dir="5400000" algn="ctr" rotWithShape="0">
+                    <a:srgbClr val="6E747A">
+                      <a:alpha val="43000"/>
+                    </a:srgbClr>
+                  </a:outerShdw>
+                </a:effectLst>
+              </a:rPr>
+              <a:t>HTTPS</a:t>
+            </a:r>
+            <a:r>
+              <a:rPr kumimoji="1" lang="ja-JP" altLang="en-US" dirty="0">
+                <a:ln w="0"/>
+                <a:solidFill>
+                  <a:schemeClr val="accent1"/>
+                </a:solidFill>
+                <a:effectLst>
+                  <a:outerShdw blurRad="38100" dist="25400" dir="5400000" algn="ctr" rotWithShape="0">
+                    <a:srgbClr val="6E747A">
+                      <a:alpha val="43000"/>
+                    </a:srgbClr>
+                  </a:outerShdw>
+                </a:effectLst>
+              </a:rPr>
+              <a:t>暗号化</a:t>
+            </a:r>
+          </a:p>
+        </p:txBody>
+      </p:sp>
+      <p:sp>
+        <p:nvSpPr>
+          <p:cNvPr id="9" name="テキスト ボックス 8">
+            <a:extLst>
+              <a:ext uri="{FF2B5EF4-FFF2-40B4-BE49-F238E27FC236}">
+                <a16:creationId xmlns:a16="http://schemas.microsoft.com/office/drawing/2014/main" id="{AA2FBC85-9C26-5DE4-C252-110B762BF724}"/>
+              </a:ext>
+            </a:extLst>
+          </p:cNvPr>
+          <p:cNvSpPr txBox="1"/>
+          <p:nvPr/>
+        </p:nvSpPr>
+        <p:spPr>
+          <a:xfrm>
+            <a:off x="9904949" y="1307666"/>
+            <a:ext cx="986226" cy="369332"/>
+          </a:xfrm>
+          <a:prstGeom prst="rect">
+            <a:avLst/>
+          </a:prstGeom>
+          <a:noFill/>
+        </p:spPr>
+        <p:txBody>
+          <a:bodyPr wrap="square" rtlCol="0">
+            <a:spAutoFit/>
+          </a:bodyPr>
+          <a:lstStyle/>
+          <a:p>
+            <a:r>
+              <a:rPr kumimoji="1" lang="en-US" altLang="ja-JP" dirty="0">
+                <a:ln w="0"/>
+                <a:solidFill>
+                  <a:schemeClr val="accent1"/>
+                </a:solidFill>
+                <a:effectLst>
+                  <a:outerShdw blurRad="38100" dist="25400" dir="5400000" algn="ctr" rotWithShape="0">
+                    <a:srgbClr val="6E747A">
+                      <a:alpha val="43000"/>
+                    </a:srgbClr>
+                  </a:outerShdw>
+                </a:effectLst>
+              </a:rPr>
+              <a:t>IP</a:t>
+            </a:r>
+            <a:r>
+              <a:rPr kumimoji="1" lang="ja-JP" altLang="en-US" dirty="0">
+                <a:ln w="0"/>
+                <a:solidFill>
+                  <a:schemeClr val="accent1"/>
+                </a:solidFill>
+                <a:effectLst>
+                  <a:outerShdw blurRad="38100" dist="25400" dir="5400000" algn="ctr" rotWithShape="0">
+                    <a:srgbClr val="6E747A">
+                      <a:alpha val="43000"/>
+                    </a:srgbClr>
+                  </a:outerShdw>
+                </a:effectLst>
+              </a:rPr>
+              <a:t>制限</a:t>
+            </a:r>
+            <a:endParaRPr kumimoji="1" lang="en-US" altLang="ja-JP" dirty="0">
+              <a:ln w="0"/>
+              <a:solidFill>
+                <a:schemeClr val="accent1"/>
+              </a:solidFill>
+              <a:effectLst>
+                <a:outerShdw blurRad="38100" dist="25400" dir="5400000" algn="ctr" rotWithShape="0">
+                  <a:srgbClr val="6E747A">
+                    <a:alpha val="43000"/>
+                  </a:srgbClr>
+                </a:outerShdw>
+              </a:effectLst>
+            </a:endParaRPr>
+          </a:p>
+        </p:txBody>
+      </p:sp>
+      <p:pic>
+        <p:nvPicPr>
+          <p:cNvPr id="10" name="図 9">
+            <a:extLst>
+              <a:ext uri="{FF2B5EF4-FFF2-40B4-BE49-F238E27FC236}">
+                <a16:creationId xmlns:a16="http://schemas.microsoft.com/office/drawing/2014/main" id="{2E938B69-E399-1ED0-6D31-292EEBBEB843}"/>
+              </a:ext>
+            </a:extLst>
+          </p:cNvPr>
+          <p:cNvPicPr>
+            <a:picLocks noChangeAspect="1"/>
+          </p:cNvPicPr>
+          <p:nvPr/>
+        </p:nvPicPr>
+        <p:blipFill>
+          <a:blip r:embed="rId2"/>
+          <a:stretch>
+            <a:fillRect/>
+          </a:stretch>
+        </p:blipFill>
+        <p:spPr>
+          <a:xfrm>
+            <a:off x="6487557" y="1531248"/>
+            <a:ext cx="767245" cy="645873"/>
+          </a:xfrm>
+          <a:prstGeom prst="rect">
+            <a:avLst/>
+          </a:prstGeom>
+        </p:spPr>
+      </p:pic>
+      <p:cxnSp>
+        <p:nvCxnSpPr>
+          <p:cNvPr id="11" name="直線矢印コネクタ 10">
+            <a:extLst>
+              <a:ext uri="{FF2B5EF4-FFF2-40B4-BE49-F238E27FC236}">
+                <a16:creationId xmlns:a16="http://schemas.microsoft.com/office/drawing/2014/main" id="{6780B02A-9AEB-721C-EFAA-915DBB1562CB}"/>
+              </a:ext>
+            </a:extLst>
+          </p:cNvPr>
+          <p:cNvCxnSpPr>
+            <a:cxnSpLocks/>
+            <a:stCxn id="10" idx="3"/>
+          </p:cNvCxnSpPr>
+          <p:nvPr/>
+        </p:nvCxnSpPr>
+        <p:spPr>
+          <a:xfrm>
+            <a:off x="7254802" y="1854185"/>
+            <a:ext cx="3629098" cy="0"/>
+          </a:xfrm>
+          <a:prstGeom prst="straightConnector1">
+            <a:avLst/>
+          </a:prstGeom>
+          <a:ln w="31750">
+            <a:tailEnd type="triangle"/>
+          </a:ln>
+        </p:spPr>
+        <p:style>
+          <a:lnRef idx="3">
+            <a:schemeClr val="accent1"/>
+          </a:lnRef>
+          <a:fillRef idx="0">
+            <a:schemeClr val="accent1"/>
+          </a:fillRef>
+          <a:effectRef idx="2">
+            <a:schemeClr val="accent1"/>
+          </a:effectRef>
+          <a:fontRef idx="minor">
+            <a:schemeClr val="tx1"/>
+          </a:fontRef>
+        </p:style>
+      </p:cxnSp>
+      <p:pic>
+        <p:nvPicPr>
+          <p:cNvPr id="12" name="図 11">
+            <a:extLst>
+              <a:ext uri="{FF2B5EF4-FFF2-40B4-BE49-F238E27FC236}">
+                <a16:creationId xmlns:a16="http://schemas.microsoft.com/office/drawing/2014/main" id="{F0E35FA2-8866-11B2-901C-0C418040E69C}"/>
+              </a:ext>
+            </a:extLst>
+          </p:cNvPr>
+          <p:cNvPicPr>
+            <a:picLocks noChangeAspect="1"/>
+          </p:cNvPicPr>
+          <p:nvPr/>
+        </p:nvPicPr>
+        <p:blipFill>
+          <a:blip r:embed="rId3">
+            <a:extLst>
+              <a:ext uri="{28A0092B-C50C-407E-A947-70E740481C1C}">
+                <a14:useLocalDpi xmlns:a14="http://schemas.microsoft.com/office/drawing/2010/main" val="0"/>
+              </a:ext>
+            </a:extLst>
+          </a:blip>
+          <a:stretch>
+            <a:fillRect/>
+          </a:stretch>
+        </p:blipFill>
+        <p:spPr>
+          <a:xfrm>
+            <a:off x="9846709" y="1531248"/>
+            <a:ext cx="760683" cy="760683"/>
+          </a:xfrm>
+          <a:prstGeom prst="rect">
+            <a:avLst/>
+          </a:prstGeom>
+        </p:spPr>
+      </p:pic>
+      <p:sp>
+        <p:nvSpPr>
+          <p:cNvPr id="14" name="テキスト ボックス 13">
+            <a:extLst>
+              <a:ext uri="{FF2B5EF4-FFF2-40B4-BE49-F238E27FC236}">
+                <a16:creationId xmlns:a16="http://schemas.microsoft.com/office/drawing/2014/main" id="{A6BEFE40-C59B-8D17-E307-AC0D8CEF010D}"/>
+              </a:ext>
+            </a:extLst>
+          </p:cNvPr>
+          <p:cNvSpPr txBox="1"/>
+          <p:nvPr/>
+        </p:nvSpPr>
+        <p:spPr>
+          <a:xfrm>
+            <a:off x="9846709" y="2223517"/>
+            <a:ext cx="936475" cy="276999"/>
+          </a:xfrm>
+          <a:prstGeom prst="rect">
+            <a:avLst/>
+          </a:prstGeom>
+          <a:noFill/>
+        </p:spPr>
+        <p:txBody>
+          <a:bodyPr wrap="none" rtlCol="0">
+            <a:spAutoFit/>
+          </a:bodyPr>
+          <a:lstStyle/>
+          <a:p>
+            <a:r>
+              <a:rPr lang="en-US" altLang="ja-JP" sz="1200" dirty="0"/>
+              <a:t>IAM</a:t>
+            </a:r>
+            <a:r>
+              <a:rPr lang="ja-JP" altLang="en-US" sz="1200" dirty="0"/>
+              <a:t> </a:t>
+            </a:r>
+            <a:r>
+              <a:rPr lang="en-US" altLang="ja-JP" sz="1200" dirty="0"/>
+              <a:t>Policy</a:t>
+            </a:r>
+            <a:endParaRPr kumimoji="1" lang="ja-JP" altLang="en-US" sz="1200" dirty="0"/>
+          </a:p>
+        </p:txBody>
+      </p:sp>
+      <p:sp>
+        <p:nvSpPr>
+          <p:cNvPr id="15" name="テキスト ボックス 14">
+            <a:extLst>
+              <a:ext uri="{FF2B5EF4-FFF2-40B4-BE49-F238E27FC236}">
+                <a16:creationId xmlns:a16="http://schemas.microsoft.com/office/drawing/2014/main" id="{DAAF7E37-A585-36C4-F802-0D3364547D41}"/>
+              </a:ext>
+            </a:extLst>
+          </p:cNvPr>
+          <p:cNvSpPr txBox="1"/>
+          <p:nvPr/>
+        </p:nvSpPr>
+        <p:spPr>
+          <a:xfrm>
+            <a:off x="839611" y="2386895"/>
+            <a:ext cx="4494389" cy="1631216"/>
+          </a:xfrm>
+          <a:prstGeom prst="rect">
+            <a:avLst/>
+          </a:prstGeom>
+          <a:noFill/>
+        </p:spPr>
+        <p:txBody>
+          <a:bodyPr wrap="square" rtlCol="0">
+            <a:spAutoFit/>
+          </a:bodyPr>
+          <a:lstStyle/>
+          <a:p>
+            <a:r>
+              <a:rPr lang="ja-JP" altLang="en-US" sz="2000" dirty="0">
+                <a:latin typeface="Meiryo UI" panose="020B0604030504040204" pitchFamily="50" charset="-128"/>
+                <a:ea typeface="Meiryo UI" panose="020B0604030504040204" pitchFamily="50" charset="-128"/>
+              </a:rPr>
+              <a:t>ポリシー設定にて、接続元</a:t>
+            </a:r>
+            <a:r>
+              <a:rPr lang="en-US" altLang="ja-JP" sz="2000" dirty="0">
+                <a:latin typeface="Meiryo UI" panose="020B0604030504040204" pitchFamily="50" charset="-128"/>
+                <a:ea typeface="Meiryo UI" panose="020B0604030504040204" pitchFamily="50" charset="-128"/>
+              </a:rPr>
+              <a:t>IP</a:t>
+            </a:r>
+            <a:r>
+              <a:rPr lang="ja-JP" altLang="en-US" sz="2000" dirty="0">
+                <a:latin typeface="Meiryo UI" panose="020B0604030504040204" pitchFamily="50" charset="-128"/>
+                <a:ea typeface="Meiryo UI" panose="020B0604030504040204" pitchFamily="50" charset="-128"/>
+              </a:rPr>
+              <a:t>を制限する。</a:t>
+            </a:r>
+            <a:endParaRPr lang="en-US" altLang="ja-JP" sz="2000" dirty="0">
+              <a:latin typeface="Meiryo UI" panose="020B0604030504040204" pitchFamily="50" charset="-128"/>
+              <a:ea typeface="Meiryo UI" panose="020B0604030504040204" pitchFamily="50" charset="-128"/>
+            </a:endParaRPr>
+          </a:p>
+          <a:p>
+            <a:endParaRPr kumimoji="1" lang="en-US" altLang="ja-JP" sz="2000" dirty="0">
+              <a:latin typeface="Meiryo UI" panose="020B0604030504040204" pitchFamily="50" charset="-128"/>
+              <a:ea typeface="Meiryo UI" panose="020B0604030504040204" pitchFamily="50" charset="-128"/>
+            </a:endParaRPr>
+          </a:p>
+          <a:p>
+            <a:r>
+              <a:rPr lang="ja-JP" altLang="en-US" sz="2000" dirty="0">
+                <a:latin typeface="Meiryo UI" panose="020B0604030504040204" pitchFamily="50" charset="-128"/>
+                <a:ea typeface="Meiryo UI" panose="020B0604030504040204" pitchFamily="50" charset="-128"/>
+              </a:rPr>
+              <a:t>また、最小権限のみ付与する。</a:t>
+            </a:r>
+            <a:endParaRPr lang="en-US" altLang="ja-JP" sz="2000" dirty="0">
+              <a:latin typeface="Meiryo UI" panose="020B0604030504040204" pitchFamily="50" charset="-128"/>
+              <a:ea typeface="Meiryo UI" panose="020B0604030504040204" pitchFamily="50" charset="-128"/>
+            </a:endParaRPr>
+          </a:p>
+          <a:p>
+            <a:r>
+              <a:rPr kumimoji="1" lang="ja-JP" altLang="en-US" sz="2000" dirty="0">
+                <a:latin typeface="Meiryo UI" panose="020B0604030504040204" pitchFamily="50" charset="-128"/>
+                <a:ea typeface="Meiryo UI" panose="020B0604030504040204" pitchFamily="50" charset="-128"/>
+              </a:rPr>
+              <a:t>（</a:t>
+            </a:r>
+            <a:r>
+              <a:rPr kumimoji="1" lang="en-US" altLang="ja-JP" sz="2000" dirty="0">
+                <a:latin typeface="Meiryo UI" panose="020B0604030504040204" pitchFamily="50" charset="-128"/>
+                <a:ea typeface="Meiryo UI" panose="020B0604030504040204" pitchFamily="50" charset="-128"/>
+              </a:rPr>
+              <a:t>AI</a:t>
+            </a:r>
+            <a:r>
+              <a:rPr kumimoji="1" lang="ja-JP" altLang="en-US" sz="2000" dirty="0">
+                <a:latin typeface="Meiryo UI" panose="020B0604030504040204" pitchFamily="50" charset="-128"/>
+                <a:ea typeface="Meiryo UI" panose="020B0604030504040204" pitchFamily="50" charset="-128"/>
+              </a:rPr>
+              <a:t>関連ｻｰﾋﾞｽのみ利用可能）</a:t>
+            </a:r>
+            <a:endParaRPr kumimoji="1" lang="en-US" altLang="ja-JP" sz="2000" dirty="0">
+              <a:latin typeface="Meiryo UI" panose="020B0604030504040204" pitchFamily="50" charset="-128"/>
+              <a:ea typeface="Meiryo UI" panose="020B0604030504040204" pitchFamily="50" charset="-128"/>
+            </a:endParaRPr>
+          </a:p>
+          <a:p>
+            <a:endParaRPr kumimoji="1" lang="ja-JP" altLang="en-US" sz="2000" dirty="0">
+              <a:latin typeface="Meiryo UI" panose="020B0604030504040204" pitchFamily="50" charset="-128"/>
+              <a:ea typeface="Meiryo UI" panose="020B0604030504040204" pitchFamily="50" charset="-128"/>
+            </a:endParaRPr>
+          </a:p>
+        </p:txBody>
+      </p:sp>
+    </p:spTree>
+    <p:extLst>
+      <p:ext uri="{BB962C8B-B14F-4D97-AF65-F5344CB8AC3E}">
+        <p14:creationId xmlns:p14="http://schemas.microsoft.com/office/powerpoint/2010/main" val="3779506609"/>
+      </p:ext>
+    </p:extLst>
+  </p:cSld>
+  <p:clrMapOvr>
+    <a:masterClrMapping/>
+  </p:clrMapOvr>
+</p:sld>
+</file>
+
+<file path=ppt/slides/slide8.xml><?xml version="1.0" encoding="utf-8"?>
 <p:sld xmlns:a="http://schemas.openxmlformats.org/drawingml/2006/main" xmlns:r="http://schemas.openxmlformats.org/officeDocument/2006/relationships" xmlns:p="http://schemas.openxmlformats.org/presentationml/2006/main">
   <p:cSld>
     <p:spTree>
@@ -6911,6 +8197,549 @@
           <a:chExt cx="0" cy="0"/>
         </a:xfrm>
       </p:grpSpPr>
+      <p:sp>
+        <p:nvSpPr>
+          <p:cNvPr id="2" name="テキスト ボックス 1">
+            <a:extLst>
+              <a:ext uri="{FF2B5EF4-FFF2-40B4-BE49-F238E27FC236}">
+                <a16:creationId xmlns:a16="http://schemas.microsoft.com/office/drawing/2014/main" id="{99B7669D-B516-5FD0-EBEF-A180B9186518}"/>
+              </a:ext>
+            </a:extLst>
+          </p:cNvPr>
+          <p:cNvSpPr txBox="1"/>
+          <p:nvPr/>
+        </p:nvSpPr>
+        <p:spPr>
+          <a:xfrm>
+            <a:off x="839611" y="2386895"/>
+            <a:ext cx="4494389" cy="707886"/>
+          </a:xfrm>
+          <a:prstGeom prst="rect">
+            <a:avLst/>
+          </a:prstGeom>
+          <a:noFill/>
+        </p:spPr>
+        <p:txBody>
+          <a:bodyPr wrap="square" rtlCol="0">
+            <a:spAutoFit/>
+          </a:bodyPr>
+          <a:lstStyle/>
+          <a:p>
+            <a:r>
+              <a:rPr kumimoji="1" lang="en-US" altLang="ja-JP" sz="2000" dirty="0">
+                <a:latin typeface="Meiryo UI" panose="020B0604030504040204" pitchFamily="50" charset="-128"/>
+                <a:ea typeface="Meiryo UI" panose="020B0604030504040204" pitchFamily="50" charset="-128"/>
+              </a:rPr>
+              <a:t>API</a:t>
+            </a:r>
+            <a:r>
+              <a:rPr kumimoji="1" lang="ja-JP" altLang="en-US" sz="2000" dirty="0">
+                <a:latin typeface="Meiryo UI" panose="020B0604030504040204" pitchFamily="50" charset="-128"/>
+                <a:ea typeface="Meiryo UI" panose="020B0604030504040204" pitchFamily="50" charset="-128"/>
+              </a:rPr>
+              <a:t>使用ﾛｸﾞを元に、ユーザ・</a:t>
+            </a:r>
+            <a:r>
+              <a:rPr kumimoji="1" lang="en-US" altLang="ja-JP" sz="2000" dirty="0">
+                <a:latin typeface="Meiryo UI" panose="020B0604030504040204" pitchFamily="50" charset="-128"/>
+                <a:ea typeface="Meiryo UI" panose="020B0604030504040204" pitchFamily="50" charset="-128"/>
+              </a:rPr>
+              <a:t>AI</a:t>
+            </a:r>
+            <a:r>
+              <a:rPr kumimoji="1" lang="ja-JP" altLang="en-US" sz="2000" dirty="0">
+                <a:latin typeface="Meiryo UI" panose="020B0604030504040204" pitchFamily="50" charset="-128"/>
+                <a:ea typeface="Meiryo UI" panose="020B0604030504040204" pitchFamily="50" charset="-128"/>
+              </a:rPr>
+              <a:t>モデルごとの使用量を集計可能。</a:t>
+            </a:r>
+          </a:p>
+        </p:txBody>
+      </p:sp>
+      <p:sp>
+        <p:nvSpPr>
+          <p:cNvPr id="3" name="テキスト ボックス 2">
+            <a:extLst>
+              <a:ext uri="{FF2B5EF4-FFF2-40B4-BE49-F238E27FC236}">
+                <a16:creationId xmlns:a16="http://schemas.microsoft.com/office/drawing/2014/main" id="{CF24E28B-59B6-330E-D132-333D8CA8AAAF}"/>
+              </a:ext>
+            </a:extLst>
+          </p:cNvPr>
+          <p:cNvSpPr txBox="1"/>
+          <p:nvPr/>
+        </p:nvSpPr>
+        <p:spPr>
+          <a:xfrm>
+            <a:off x="6800915" y="4007790"/>
+            <a:ext cx="4809330" cy="1785104"/>
+          </a:xfrm>
+          <a:prstGeom prst="rect">
+            <a:avLst/>
+          </a:prstGeom>
+          <a:solidFill>
+            <a:schemeClr val="bg1">
+              <a:lumMod val="95000"/>
+            </a:schemeClr>
+          </a:solidFill>
+        </p:spPr>
+        <p:txBody>
+          <a:bodyPr wrap="none" rtlCol="0">
+            <a:spAutoFit/>
+          </a:bodyPr>
+          <a:lstStyle/>
+          <a:p>
+            <a:r>
+              <a:rPr lang="en-US" altLang="ja-JP" sz="1100" dirty="0"/>
+              <a:t>SELECT </a:t>
+            </a:r>
+          </a:p>
+          <a:p>
+            <a:r>
+              <a:rPr lang="en-US" altLang="ja-JP" sz="1100" dirty="0"/>
+              <a:t>  </a:t>
+            </a:r>
+            <a:r>
+              <a:rPr lang="en-US" altLang="ja-JP" sz="1100" dirty="0" err="1"/>
+              <a:t>userIdentity.userName</a:t>
+            </a:r>
+            <a:r>
+              <a:rPr lang="en-US" altLang="ja-JP" sz="1100" dirty="0"/>
+              <a:t> AS user,</a:t>
+            </a:r>
+          </a:p>
+          <a:p>
+            <a:r>
+              <a:rPr lang="en-US" altLang="ja-JP" sz="1100" dirty="0"/>
+              <a:t>  </a:t>
+            </a:r>
+            <a:r>
+              <a:rPr lang="en-US" altLang="ja-JP" sz="1100" dirty="0" err="1"/>
+              <a:t>requestParameters.modelId</a:t>
+            </a:r>
+            <a:r>
+              <a:rPr lang="en-US" altLang="ja-JP" sz="1100" dirty="0"/>
+              <a:t> AS model,</a:t>
+            </a:r>
+          </a:p>
+          <a:p>
+            <a:r>
+              <a:rPr lang="en-US" altLang="ja-JP" sz="1100" dirty="0"/>
+              <a:t>  SUM(</a:t>
+            </a:r>
+            <a:r>
+              <a:rPr lang="en-US" altLang="ja-JP" sz="1100" dirty="0" err="1"/>
+              <a:t>responseElements.usage.inputTokens</a:t>
+            </a:r>
+            <a:r>
+              <a:rPr lang="en-US" altLang="ja-JP" sz="1100" dirty="0"/>
+              <a:t>) AS </a:t>
+            </a:r>
+            <a:r>
+              <a:rPr lang="en-US" altLang="ja-JP" sz="1100" dirty="0" err="1"/>
+              <a:t>total_input_tokens</a:t>
+            </a:r>
+            <a:r>
+              <a:rPr lang="en-US" altLang="ja-JP" sz="1100" dirty="0"/>
+              <a:t>,</a:t>
+            </a:r>
+          </a:p>
+          <a:p>
+            <a:r>
+              <a:rPr lang="en-US" altLang="ja-JP" sz="1100" dirty="0"/>
+              <a:t>  SUM(</a:t>
+            </a:r>
+            <a:r>
+              <a:rPr lang="en-US" altLang="ja-JP" sz="1100" dirty="0" err="1"/>
+              <a:t>responseElements.usage.outputTokens</a:t>
+            </a:r>
+            <a:r>
+              <a:rPr lang="en-US" altLang="ja-JP" sz="1100" dirty="0"/>
+              <a:t>) AS </a:t>
+            </a:r>
+            <a:r>
+              <a:rPr lang="en-US" altLang="ja-JP" sz="1100" dirty="0" err="1"/>
+              <a:t>total_output_tokens</a:t>
+            </a:r>
+            <a:endParaRPr lang="en-US" altLang="ja-JP" sz="1100" dirty="0"/>
+          </a:p>
+          <a:p>
+            <a:r>
+              <a:rPr lang="en-US" altLang="ja-JP" sz="1100" dirty="0"/>
+              <a:t>FROM </a:t>
+            </a:r>
+            <a:r>
+              <a:rPr lang="en-US" altLang="ja-JP" sz="1100" dirty="0" err="1"/>
+              <a:t>cloudtrail_logs</a:t>
+            </a:r>
+            <a:endParaRPr lang="en-US" altLang="ja-JP" sz="1100" dirty="0"/>
+          </a:p>
+          <a:p>
+            <a:r>
+              <a:rPr lang="en-US" altLang="ja-JP" sz="1100" dirty="0"/>
+              <a:t>WHERE </a:t>
+            </a:r>
+            <a:r>
+              <a:rPr lang="en-US" altLang="ja-JP" sz="1100" dirty="0" err="1"/>
+              <a:t>eventSource</a:t>
+            </a:r>
+            <a:r>
+              <a:rPr lang="en-US" altLang="ja-JP" sz="1100" dirty="0"/>
+              <a:t> = '</a:t>
+            </a:r>
+            <a:r>
+              <a:rPr lang="en-US" altLang="ja-JP" sz="1100" dirty="0" err="1"/>
+              <a:t>bedrock.amazonaws.com</a:t>
+            </a:r>
+            <a:r>
+              <a:rPr lang="en-US" altLang="ja-JP" sz="1100" dirty="0"/>
+              <a:t>'</a:t>
+            </a:r>
+          </a:p>
+          <a:p>
+            <a:r>
+              <a:rPr lang="en-US" altLang="ja-JP" sz="1100" dirty="0"/>
+              <a:t>  AND </a:t>
+            </a:r>
+            <a:r>
+              <a:rPr lang="en-US" altLang="ja-JP" sz="1100" dirty="0" err="1"/>
+              <a:t>eventName</a:t>
+            </a:r>
+            <a:r>
+              <a:rPr lang="en-US" altLang="ja-JP" sz="1100" dirty="0"/>
+              <a:t> = '</a:t>
+            </a:r>
+            <a:r>
+              <a:rPr lang="en-US" altLang="ja-JP" sz="1100" dirty="0" err="1"/>
+              <a:t>InvokeModel</a:t>
+            </a:r>
+            <a:r>
+              <a:rPr lang="en-US" altLang="ja-JP" sz="1100" dirty="0"/>
+              <a:t>'</a:t>
+            </a:r>
+          </a:p>
+          <a:p>
+            <a:r>
+              <a:rPr lang="en-US" altLang="ja-JP" sz="1100" dirty="0"/>
+              <a:t>GROUP BY </a:t>
+            </a:r>
+            <a:r>
+              <a:rPr lang="en-US" altLang="ja-JP" sz="1100" dirty="0" err="1"/>
+              <a:t>userIdentity.userName</a:t>
+            </a:r>
+            <a:r>
+              <a:rPr lang="en-US" altLang="ja-JP" sz="1100" dirty="0"/>
+              <a:t>, </a:t>
+            </a:r>
+            <a:r>
+              <a:rPr lang="en-US" altLang="ja-JP" sz="1100" dirty="0" err="1"/>
+              <a:t>requestParameters.modelId</a:t>
+            </a:r>
+            <a:r>
+              <a:rPr lang="en-US" altLang="ja-JP" sz="1100" dirty="0"/>
+              <a:t>;</a:t>
+            </a:r>
+          </a:p>
+          <a:p>
+            <a:endParaRPr kumimoji="1" lang="ja-JP" altLang="en-US" sz="1100" dirty="0"/>
+          </a:p>
+        </p:txBody>
+      </p:sp>
+      <p:pic>
+        <p:nvPicPr>
+          <p:cNvPr id="4" name="グラフィックス 3">
+            <a:extLst>
+              <a:ext uri="{FF2B5EF4-FFF2-40B4-BE49-F238E27FC236}">
+                <a16:creationId xmlns:a16="http://schemas.microsoft.com/office/drawing/2014/main" id="{D7267E6C-769D-7216-9FE5-20E51C124A61}"/>
+              </a:ext>
+            </a:extLst>
+          </p:cNvPr>
+          <p:cNvPicPr>
+            <a:picLocks noChangeAspect="1"/>
+          </p:cNvPicPr>
+          <p:nvPr/>
+        </p:nvPicPr>
+        <p:blipFill>
+          <a:blip r:embed="rId2">
+            <a:extLst>
+              <a:ext uri="{96DAC541-7B7A-43D3-8B79-37D633B846F1}">
+                <asvg:svgBlip xmlns:asvg="http://schemas.microsoft.com/office/drawing/2016/SVG/main" r:embed="rId3"/>
+              </a:ext>
+            </a:extLst>
+          </a:blip>
+          <a:stretch>
+            <a:fillRect/>
+          </a:stretch>
+        </p:blipFill>
+        <p:spPr>
+          <a:xfrm>
+            <a:off x="8092025" y="2268411"/>
+            <a:ext cx="609600" cy="609600"/>
+          </a:xfrm>
+          <a:prstGeom prst="rect">
+            <a:avLst/>
+          </a:prstGeom>
+        </p:spPr>
+      </p:pic>
+      <p:sp>
+        <p:nvSpPr>
+          <p:cNvPr id="5" name="テキスト ボックス 4">
+            <a:extLst>
+              <a:ext uri="{FF2B5EF4-FFF2-40B4-BE49-F238E27FC236}">
+                <a16:creationId xmlns:a16="http://schemas.microsoft.com/office/drawing/2014/main" id="{533B67AA-C8E7-8FCE-279A-0F49691FFF92}"/>
+              </a:ext>
+            </a:extLst>
+          </p:cNvPr>
+          <p:cNvSpPr txBox="1"/>
+          <p:nvPr/>
+        </p:nvSpPr>
+        <p:spPr>
+          <a:xfrm>
+            <a:off x="8051217" y="2878011"/>
+            <a:ext cx="691215" cy="276999"/>
+          </a:xfrm>
+          <a:prstGeom prst="rect">
+            <a:avLst/>
+          </a:prstGeom>
+          <a:noFill/>
+        </p:spPr>
+        <p:txBody>
+          <a:bodyPr wrap="none" rtlCol="0">
+            <a:spAutoFit/>
+          </a:bodyPr>
+          <a:lstStyle/>
+          <a:p>
+            <a:r>
+              <a:rPr kumimoji="1" lang="en-US" altLang="ja-JP" sz="1200" dirty="0"/>
+              <a:t>Athena</a:t>
+            </a:r>
+          </a:p>
+        </p:txBody>
+      </p:sp>
+      <p:sp>
+        <p:nvSpPr>
+          <p:cNvPr id="6" name="テキスト ボックス 5">
+            <a:extLst>
+              <a:ext uri="{FF2B5EF4-FFF2-40B4-BE49-F238E27FC236}">
+                <a16:creationId xmlns:a16="http://schemas.microsoft.com/office/drawing/2014/main" id="{4DDEFDBB-086D-A197-4416-2F2375F7071E}"/>
+              </a:ext>
+            </a:extLst>
+          </p:cNvPr>
+          <p:cNvSpPr txBox="1"/>
+          <p:nvPr/>
+        </p:nvSpPr>
+        <p:spPr>
+          <a:xfrm>
+            <a:off x="6691849" y="3656825"/>
+            <a:ext cx="3409950" cy="369332"/>
+          </a:xfrm>
+          <a:prstGeom prst="rect">
+            <a:avLst/>
+          </a:prstGeom>
+          <a:noFill/>
+        </p:spPr>
+        <p:txBody>
+          <a:bodyPr wrap="square" rtlCol="0">
+            <a:spAutoFit/>
+          </a:bodyPr>
+          <a:lstStyle/>
+          <a:p>
+            <a:r>
+              <a:rPr kumimoji="1" lang="ja-JP" altLang="en-US" dirty="0">
+                <a:ln w="0"/>
+                <a:solidFill>
+                  <a:schemeClr val="accent1"/>
+                </a:solidFill>
+                <a:effectLst>
+                  <a:outerShdw blurRad="38100" dist="25400" dir="5400000" algn="ctr" rotWithShape="0">
+                    <a:srgbClr val="6E747A">
+                      <a:alpha val="43000"/>
+                    </a:srgbClr>
+                  </a:outerShdw>
+                </a:effectLst>
+              </a:rPr>
+              <a:t>使用状況集計ｸｴﾘのｲﾒｰｼﾞ</a:t>
+            </a:r>
+          </a:p>
+        </p:txBody>
+      </p:sp>
+      <p:pic>
+        <p:nvPicPr>
+          <p:cNvPr id="7" name="グラフィックス 6">
+            <a:extLst>
+              <a:ext uri="{FF2B5EF4-FFF2-40B4-BE49-F238E27FC236}">
+                <a16:creationId xmlns:a16="http://schemas.microsoft.com/office/drawing/2014/main" id="{6D772853-2F6A-C668-250E-27AED33F8D1C}"/>
+              </a:ext>
+            </a:extLst>
+          </p:cNvPr>
+          <p:cNvPicPr>
+            <a:picLocks noChangeAspect="1"/>
+          </p:cNvPicPr>
+          <p:nvPr/>
+        </p:nvPicPr>
+        <p:blipFill>
+          <a:blip r:embed="rId4">
+            <a:extLst>
+              <a:ext uri="{96DAC541-7B7A-43D3-8B79-37D633B846F1}">
+                <asvg:svgBlip xmlns:asvg="http://schemas.microsoft.com/office/drawing/2016/SVG/main" r:embed="rId5"/>
+              </a:ext>
+            </a:extLst>
+          </a:blip>
+          <a:stretch>
+            <a:fillRect/>
+          </a:stretch>
+        </p:blipFill>
+        <p:spPr>
+          <a:xfrm>
+            <a:off x="6800915" y="2283864"/>
+            <a:ext cx="609600" cy="609600"/>
+          </a:xfrm>
+          <a:prstGeom prst="rect">
+            <a:avLst/>
+          </a:prstGeom>
+        </p:spPr>
+      </p:pic>
+      <p:cxnSp>
+        <p:nvCxnSpPr>
+          <p:cNvPr id="8" name="直線矢印コネクタ 7">
+            <a:extLst>
+              <a:ext uri="{FF2B5EF4-FFF2-40B4-BE49-F238E27FC236}">
+                <a16:creationId xmlns:a16="http://schemas.microsoft.com/office/drawing/2014/main" id="{A3A28A2C-F6E5-EC98-B804-29476E388C6D}"/>
+              </a:ext>
+            </a:extLst>
+          </p:cNvPr>
+          <p:cNvCxnSpPr>
+            <a:cxnSpLocks/>
+            <a:stCxn id="7" idx="3"/>
+          </p:cNvCxnSpPr>
+          <p:nvPr/>
+        </p:nvCxnSpPr>
+        <p:spPr>
+          <a:xfrm>
+            <a:off x="7410515" y="2588664"/>
+            <a:ext cx="700655" cy="0"/>
+          </a:xfrm>
+          <a:prstGeom prst="straightConnector1">
+            <a:avLst/>
+          </a:prstGeom>
+          <a:ln>
+            <a:solidFill>
+              <a:schemeClr val="bg1">
+                <a:lumMod val="65000"/>
+              </a:schemeClr>
+            </a:solidFill>
+            <a:tailEnd type="triangle"/>
+          </a:ln>
+        </p:spPr>
+        <p:style>
+          <a:lnRef idx="3">
+            <a:schemeClr val="accent1"/>
+          </a:lnRef>
+          <a:fillRef idx="0">
+            <a:schemeClr val="accent1"/>
+          </a:fillRef>
+          <a:effectRef idx="2">
+            <a:schemeClr val="accent1"/>
+          </a:effectRef>
+          <a:fontRef idx="minor">
+            <a:schemeClr val="tx1"/>
+          </a:fontRef>
+        </p:style>
+      </p:cxnSp>
+      <p:sp>
+        <p:nvSpPr>
+          <p:cNvPr id="11" name="テキスト ボックス 10">
+            <a:extLst>
+              <a:ext uri="{FF2B5EF4-FFF2-40B4-BE49-F238E27FC236}">
+                <a16:creationId xmlns:a16="http://schemas.microsoft.com/office/drawing/2014/main" id="{990D2F71-24D1-8EFF-F06B-3BCF8952C121}"/>
+              </a:ext>
+            </a:extLst>
+          </p:cNvPr>
+          <p:cNvSpPr txBox="1"/>
+          <p:nvPr/>
+        </p:nvSpPr>
+        <p:spPr>
+          <a:xfrm>
+            <a:off x="6882210" y="2831845"/>
+            <a:ext cx="365806" cy="276999"/>
+          </a:xfrm>
+          <a:prstGeom prst="rect">
+            <a:avLst/>
+          </a:prstGeom>
+          <a:noFill/>
+        </p:spPr>
+        <p:txBody>
+          <a:bodyPr wrap="none" rtlCol="0">
+            <a:spAutoFit/>
+          </a:bodyPr>
+          <a:lstStyle/>
+          <a:p>
+            <a:r>
+              <a:rPr kumimoji="1" lang="en-US" altLang="ja-JP" sz="1200" dirty="0" err="1"/>
+              <a:t>S3</a:t>
+            </a:r>
+            <a:endParaRPr kumimoji="1" lang="en-US" altLang="ja-JP" sz="1200" dirty="0"/>
+          </a:p>
+        </p:txBody>
+      </p:sp>
+      <p:sp>
+        <p:nvSpPr>
+          <p:cNvPr id="12" name="テキスト ボックス 11">
+            <a:extLst>
+              <a:ext uri="{FF2B5EF4-FFF2-40B4-BE49-F238E27FC236}">
+                <a16:creationId xmlns:a16="http://schemas.microsoft.com/office/drawing/2014/main" id="{6285E969-AC0D-0C98-4EE8-37A5CF6A21AA}"/>
+              </a:ext>
+            </a:extLst>
+          </p:cNvPr>
+          <p:cNvSpPr txBox="1"/>
+          <p:nvPr/>
+        </p:nvSpPr>
+        <p:spPr>
+          <a:xfrm>
+            <a:off x="1371918" y="91763"/>
+            <a:ext cx="6940232" cy="461665"/>
+          </a:xfrm>
+          <a:prstGeom prst="rect">
+            <a:avLst/>
+          </a:prstGeom>
+          <a:noFill/>
+        </p:spPr>
+        <p:txBody>
+          <a:bodyPr wrap="square" rtlCol="0">
+            <a:spAutoFit/>
+          </a:bodyPr>
+          <a:lstStyle/>
+          <a:p>
+            <a:r>
+              <a:rPr lang="ja-JP" altLang="en-US" sz="2400" dirty="0">
+                <a:latin typeface="Meiryo UI" panose="020B0604030504040204" pitchFamily="50" charset="-128"/>
+                <a:ea typeface="Meiryo UI" panose="020B0604030504040204" pitchFamily="50" charset="-128"/>
+              </a:rPr>
+              <a:t>参考情報：</a:t>
+            </a:r>
+            <a:r>
+              <a:rPr kumimoji="1" lang="ja-JP" altLang="en-US" sz="2400" dirty="0">
+                <a:latin typeface="Meiryo UI" panose="020B0604030504040204" pitchFamily="50" charset="-128"/>
+                <a:ea typeface="Meiryo UI" panose="020B0604030504040204" pitchFamily="50" charset="-128"/>
+              </a:rPr>
+              <a:t>ユーザごとの</a:t>
+            </a:r>
+            <a:r>
+              <a:rPr kumimoji="1" lang="en-US" altLang="ja-JP" sz="2400" dirty="0">
+                <a:latin typeface="Meiryo UI" panose="020B0604030504040204" pitchFamily="50" charset="-128"/>
+                <a:ea typeface="Meiryo UI" panose="020B0604030504040204" pitchFamily="50" charset="-128"/>
+              </a:rPr>
+              <a:t>API</a:t>
+            </a:r>
+            <a:r>
+              <a:rPr kumimoji="1" lang="ja-JP" altLang="en-US" sz="2400" dirty="0">
+                <a:latin typeface="Meiryo UI" panose="020B0604030504040204" pitchFamily="50" charset="-128"/>
+                <a:ea typeface="Meiryo UI" panose="020B0604030504040204" pitchFamily="50" charset="-128"/>
+              </a:rPr>
+              <a:t>使用量の集計</a:t>
+            </a:r>
+          </a:p>
+        </p:txBody>
+      </p:sp>
     </p:spTree>
     <p:extLst>
       <p:ext uri="{BB962C8B-B14F-4D97-AF65-F5344CB8AC3E}">

--- a/aws_memo.pptx
+++ b/aws_memo.pptx
@@ -4,15 +4,21 @@
   <p:sldMasterIdLst>
     <p:sldMasterId id="2147483648" r:id="rId1"/>
   </p:sldMasterIdLst>
+  <p:notesMasterIdLst>
+    <p:notesMasterId r:id="rId13"/>
+  </p:notesMasterIdLst>
   <p:sldIdLst>
-    <p:sldId id="256" r:id="rId2"/>
-    <p:sldId id="260" r:id="rId3"/>
-    <p:sldId id="257" r:id="rId4"/>
-    <p:sldId id="259" r:id="rId5"/>
-    <p:sldId id="272" r:id="rId6"/>
-    <p:sldId id="258" r:id="rId7"/>
-    <p:sldId id="271" r:id="rId8"/>
-    <p:sldId id="270" r:id="rId9"/>
+    <p:sldId id="274" r:id="rId2"/>
+    <p:sldId id="275" r:id="rId3"/>
+    <p:sldId id="256" r:id="rId4"/>
+    <p:sldId id="260" r:id="rId5"/>
+    <p:sldId id="257" r:id="rId6"/>
+    <p:sldId id="259" r:id="rId7"/>
+    <p:sldId id="272" r:id="rId8"/>
+    <p:sldId id="258" r:id="rId9"/>
+    <p:sldId id="271" r:id="rId10"/>
+    <p:sldId id="270" r:id="rId11"/>
+    <p:sldId id="273" r:id="rId12"/>
   </p:sldIdLst>
   <p:sldSz cx="12192000" cy="6858000"/>
   <p:notesSz cx="6858000" cy="9144000"/>
@@ -117,6 +123,471 @@
     </p:ext>
   </p:extLst>
 </p:presentation>
+</file>
+
+<file path=ppt/notesMasters/notesMaster1.xml><?xml version="1.0" encoding="utf-8"?>
+<p:notesMaster xmlns:a="http://schemas.openxmlformats.org/drawingml/2006/main" xmlns:r="http://schemas.openxmlformats.org/officeDocument/2006/relationships" xmlns:p="http://schemas.openxmlformats.org/presentationml/2006/main">
+  <p:cSld>
+    <p:bg>
+      <p:bgRef idx="1001">
+        <a:schemeClr val="bg1"/>
+      </p:bgRef>
+    </p:bg>
+    <p:spTree>
+      <p:nvGrpSpPr>
+        <p:cNvPr id="1" name=""/>
+        <p:cNvGrpSpPr/>
+        <p:nvPr/>
+      </p:nvGrpSpPr>
+      <p:grpSpPr>
+        <a:xfrm>
+          <a:off x="0" y="0"/>
+          <a:ext cx="0" cy="0"/>
+          <a:chOff x="0" y="0"/>
+          <a:chExt cx="0" cy="0"/>
+        </a:xfrm>
+      </p:grpSpPr>
+      <p:sp>
+        <p:nvSpPr>
+          <p:cNvPr id="2" name="ヘッダー プレースホルダー 1"/>
+          <p:cNvSpPr>
+            <a:spLocks noGrp="1"/>
+          </p:cNvSpPr>
+          <p:nvPr>
+            <p:ph type="hdr" sz="quarter"/>
+          </p:nvPr>
+        </p:nvSpPr>
+        <p:spPr>
+          <a:xfrm>
+            <a:off x="0" y="0"/>
+            <a:ext cx="2971800" cy="458788"/>
+          </a:xfrm>
+          <a:prstGeom prst="rect">
+            <a:avLst/>
+          </a:prstGeom>
+        </p:spPr>
+        <p:txBody>
+          <a:bodyPr vert="horz" lIns="91440" tIns="45720" rIns="91440" bIns="45720" rtlCol="0"/>
+          <a:lstStyle>
+            <a:lvl1pPr algn="l">
+              <a:defRPr sz="1200"/>
+            </a:lvl1pPr>
+          </a:lstStyle>
+          <a:p>
+            <a:endParaRPr kumimoji="1" lang="ja-JP" altLang="en-US"/>
+          </a:p>
+        </p:txBody>
+      </p:sp>
+      <p:sp>
+        <p:nvSpPr>
+          <p:cNvPr id="3" name="日付プレースホルダー 2"/>
+          <p:cNvSpPr>
+            <a:spLocks noGrp="1"/>
+          </p:cNvSpPr>
+          <p:nvPr>
+            <p:ph type="dt" idx="1"/>
+          </p:nvPr>
+        </p:nvSpPr>
+        <p:spPr>
+          <a:xfrm>
+            <a:off x="3884613" y="0"/>
+            <a:ext cx="2971800" cy="458788"/>
+          </a:xfrm>
+          <a:prstGeom prst="rect">
+            <a:avLst/>
+          </a:prstGeom>
+        </p:spPr>
+        <p:txBody>
+          <a:bodyPr vert="horz" lIns="91440" tIns="45720" rIns="91440" bIns="45720" rtlCol="0"/>
+          <a:lstStyle>
+            <a:lvl1pPr algn="r">
+              <a:defRPr sz="1200"/>
+            </a:lvl1pPr>
+          </a:lstStyle>
+          <a:p>
+            <a:fld id="{2FA57A03-5D1F-430B-A680-C84EE3BF639F}" type="datetimeFigureOut">
+              <a:rPr kumimoji="1" lang="ja-JP" altLang="en-US" smtClean="0"/>
+              <a:t>2025/9/6</a:t>
+            </a:fld>
+            <a:endParaRPr kumimoji="1" lang="ja-JP" altLang="en-US"/>
+          </a:p>
+        </p:txBody>
+      </p:sp>
+      <p:sp>
+        <p:nvSpPr>
+          <p:cNvPr id="4" name="スライド イメージ プレースホルダー 3"/>
+          <p:cNvSpPr>
+            <a:spLocks noGrp="1" noRot="1" noChangeAspect="1"/>
+          </p:cNvSpPr>
+          <p:nvPr>
+            <p:ph type="sldImg" idx="2"/>
+          </p:nvPr>
+        </p:nvSpPr>
+        <p:spPr>
+          <a:xfrm>
+            <a:off x="685800" y="1143000"/>
+            <a:ext cx="5486400" cy="3086100"/>
+          </a:xfrm>
+          <a:prstGeom prst="rect">
+            <a:avLst/>
+          </a:prstGeom>
+          <a:noFill/>
+          <a:ln w="12700">
+            <a:solidFill>
+              <a:prstClr val="black"/>
+            </a:solidFill>
+          </a:ln>
+        </p:spPr>
+        <p:txBody>
+          <a:bodyPr vert="horz" lIns="91440" tIns="45720" rIns="91440" bIns="45720" rtlCol="0" anchor="ctr"/>
+          <a:lstStyle/>
+          <a:p>
+            <a:endParaRPr lang="ja-JP" altLang="en-US"/>
+          </a:p>
+        </p:txBody>
+      </p:sp>
+      <p:sp>
+        <p:nvSpPr>
+          <p:cNvPr id="5" name="ノート プレースホルダー 4"/>
+          <p:cNvSpPr>
+            <a:spLocks noGrp="1"/>
+          </p:cNvSpPr>
+          <p:nvPr>
+            <p:ph type="body" sz="quarter" idx="3"/>
+          </p:nvPr>
+        </p:nvSpPr>
+        <p:spPr>
+          <a:xfrm>
+            <a:off x="685800" y="4400550"/>
+            <a:ext cx="5486400" cy="3600450"/>
+          </a:xfrm>
+          <a:prstGeom prst="rect">
+            <a:avLst/>
+          </a:prstGeom>
+        </p:spPr>
+        <p:txBody>
+          <a:bodyPr vert="horz" lIns="91440" tIns="45720" rIns="91440" bIns="45720" rtlCol="0"/>
+          <a:lstStyle/>
+          <a:p>
+            <a:pPr lvl="0"/>
+            <a:r>
+              <a:rPr kumimoji="1" lang="ja-JP" altLang="en-US"/>
+              <a:t>マスター テキストの書式設定</a:t>
+            </a:r>
+          </a:p>
+          <a:p>
+            <a:pPr lvl="1"/>
+            <a:r>
+              <a:rPr kumimoji="1" lang="ja-JP" altLang="en-US"/>
+              <a:t>第 </a:t>
+            </a:r>
+            <a:r>
+              <a:rPr kumimoji="1" lang="en-US" altLang="ja-JP"/>
+              <a:t>2 </a:t>
+            </a:r>
+            <a:r>
+              <a:rPr kumimoji="1" lang="ja-JP" altLang="en-US"/>
+              <a:t>レベル</a:t>
+            </a:r>
+          </a:p>
+          <a:p>
+            <a:pPr lvl="2"/>
+            <a:r>
+              <a:rPr kumimoji="1" lang="ja-JP" altLang="en-US"/>
+              <a:t>第 </a:t>
+            </a:r>
+            <a:r>
+              <a:rPr kumimoji="1" lang="en-US" altLang="ja-JP"/>
+              <a:t>3 </a:t>
+            </a:r>
+            <a:r>
+              <a:rPr kumimoji="1" lang="ja-JP" altLang="en-US"/>
+              <a:t>レベル</a:t>
+            </a:r>
+          </a:p>
+          <a:p>
+            <a:pPr lvl="3"/>
+            <a:r>
+              <a:rPr kumimoji="1" lang="ja-JP" altLang="en-US"/>
+              <a:t>第 </a:t>
+            </a:r>
+            <a:r>
+              <a:rPr kumimoji="1" lang="en-US" altLang="ja-JP"/>
+              <a:t>4 </a:t>
+            </a:r>
+            <a:r>
+              <a:rPr kumimoji="1" lang="ja-JP" altLang="en-US"/>
+              <a:t>レベル</a:t>
+            </a:r>
+          </a:p>
+          <a:p>
+            <a:pPr lvl="4"/>
+            <a:r>
+              <a:rPr kumimoji="1" lang="ja-JP" altLang="en-US"/>
+              <a:t>第 </a:t>
+            </a:r>
+            <a:r>
+              <a:rPr kumimoji="1" lang="en-US" altLang="ja-JP"/>
+              <a:t>5 </a:t>
+            </a:r>
+            <a:r>
+              <a:rPr kumimoji="1" lang="ja-JP" altLang="en-US"/>
+              <a:t>レベル</a:t>
+            </a:r>
+          </a:p>
+        </p:txBody>
+      </p:sp>
+      <p:sp>
+        <p:nvSpPr>
+          <p:cNvPr id="6" name="フッター プレースホルダー 5"/>
+          <p:cNvSpPr>
+            <a:spLocks noGrp="1"/>
+          </p:cNvSpPr>
+          <p:nvPr>
+            <p:ph type="ftr" sz="quarter" idx="4"/>
+          </p:nvPr>
+        </p:nvSpPr>
+        <p:spPr>
+          <a:xfrm>
+            <a:off x="0" y="8685213"/>
+            <a:ext cx="2971800" cy="458787"/>
+          </a:xfrm>
+          <a:prstGeom prst="rect">
+            <a:avLst/>
+          </a:prstGeom>
+        </p:spPr>
+        <p:txBody>
+          <a:bodyPr vert="horz" lIns="91440" tIns="45720" rIns="91440" bIns="45720" rtlCol="0" anchor="b"/>
+          <a:lstStyle>
+            <a:lvl1pPr algn="l">
+              <a:defRPr sz="1200"/>
+            </a:lvl1pPr>
+          </a:lstStyle>
+          <a:p>
+            <a:endParaRPr kumimoji="1" lang="ja-JP" altLang="en-US"/>
+          </a:p>
+        </p:txBody>
+      </p:sp>
+      <p:sp>
+        <p:nvSpPr>
+          <p:cNvPr id="7" name="スライド番号プレースホルダー 6"/>
+          <p:cNvSpPr>
+            <a:spLocks noGrp="1"/>
+          </p:cNvSpPr>
+          <p:nvPr>
+            <p:ph type="sldNum" sz="quarter" idx="5"/>
+          </p:nvPr>
+        </p:nvSpPr>
+        <p:spPr>
+          <a:xfrm>
+            <a:off x="3884613" y="8685213"/>
+            <a:ext cx="2971800" cy="458787"/>
+          </a:xfrm>
+          <a:prstGeom prst="rect">
+            <a:avLst/>
+          </a:prstGeom>
+        </p:spPr>
+        <p:txBody>
+          <a:bodyPr vert="horz" lIns="91440" tIns="45720" rIns="91440" bIns="45720" rtlCol="0" anchor="b"/>
+          <a:lstStyle>
+            <a:lvl1pPr algn="r">
+              <a:defRPr sz="1200"/>
+            </a:lvl1pPr>
+          </a:lstStyle>
+          <a:p>
+            <a:fld id="{F26B5E0E-6561-4E24-914F-2830C8F0DB86}" type="slidenum">
+              <a:rPr kumimoji="1" lang="ja-JP" altLang="en-US" smtClean="0"/>
+              <a:t>‹#›</a:t>
+            </a:fld>
+            <a:endParaRPr kumimoji="1" lang="ja-JP" altLang="en-US"/>
+          </a:p>
+        </p:txBody>
+      </p:sp>
+    </p:spTree>
+    <p:extLst>
+      <p:ext uri="{BB962C8B-B14F-4D97-AF65-F5344CB8AC3E}">
+        <p14:creationId xmlns:p14="http://schemas.microsoft.com/office/powerpoint/2010/main" val="18035406"/>
+      </p:ext>
+    </p:extLst>
+  </p:cSld>
+  <p:clrMap bg1="lt1" tx1="dk1" bg2="lt2" tx2="dk2" accent1="accent1" accent2="accent2" accent3="accent3" accent4="accent4" accent5="accent5" accent6="accent6" hlink="hlink" folHlink="folHlink"/>
+  <p:notesStyle>
+    <a:lvl1pPr marL="0" algn="l" defTabSz="914400" rtl="0" eaLnBrk="1" latinLnBrk="0" hangingPunct="1">
+      <a:defRPr kumimoji="1" sz="1200" kern="1200">
+        <a:solidFill>
+          <a:schemeClr val="tx1"/>
+        </a:solidFill>
+        <a:latin typeface="+mn-lt"/>
+        <a:ea typeface="+mn-ea"/>
+        <a:cs typeface="+mn-cs"/>
+      </a:defRPr>
+    </a:lvl1pPr>
+    <a:lvl2pPr marL="457200" algn="l" defTabSz="914400" rtl="0" eaLnBrk="1" latinLnBrk="0" hangingPunct="1">
+      <a:defRPr kumimoji="1" sz="1200" kern="1200">
+        <a:solidFill>
+          <a:schemeClr val="tx1"/>
+        </a:solidFill>
+        <a:latin typeface="+mn-lt"/>
+        <a:ea typeface="+mn-ea"/>
+        <a:cs typeface="+mn-cs"/>
+      </a:defRPr>
+    </a:lvl2pPr>
+    <a:lvl3pPr marL="914400" algn="l" defTabSz="914400" rtl="0" eaLnBrk="1" latinLnBrk="0" hangingPunct="1">
+      <a:defRPr kumimoji="1" sz="1200" kern="1200">
+        <a:solidFill>
+          <a:schemeClr val="tx1"/>
+        </a:solidFill>
+        <a:latin typeface="+mn-lt"/>
+        <a:ea typeface="+mn-ea"/>
+        <a:cs typeface="+mn-cs"/>
+      </a:defRPr>
+    </a:lvl3pPr>
+    <a:lvl4pPr marL="1371600" algn="l" defTabSz="914400" rtl="0" eaLnBrk="1" latinLnBrk="0" hangingPunct="1">
+      <a:defRPr kumimoji="1" sz="1200" kern="1200">
+        <a:solidFill>
+          <a:schemeClr val="tx1"/>
+        </a:solidFill>
+        <a:latin typeface="+mn-lt"/>
+        <a:ea typeface="+mn-ea"/>
+        <a:cs typeface="+mn-cs"/>
+      </a:defRPr>
+    </a:lvl4pPr>
+    <a:lvl5pPr marL="1828800" algn="l" defTabSz="914400" rtl="0" eaLnBrk="1" latinLnBrk="0" hangingPunct="1">
+      <a:defRPr kumimoji="1" sz="1200" kern="1200">
+        <a:solidFill>
+          <a:schemeClr val="tx1"/>
+        </a:solidFill>
+        <a:latin typeface="+mn-lt"/>
+        <a:ea typeface="+mn-ea"/>
+        <a:cs typeface="+mn-cs"/>
+      </a:defRPr>
+    </a:lvl5pPr>
+    <a:lvl6pPr marL="2286000" algn="l" defTabSz="914400" rtl="0" eaLnBrk="1" latinLnBrk="0" hangingPunct="1">
+      <a:defRPr kumimoji="1" sz="1200" kern="1200">
+        <a:solidFill>
+          <a:schemeClr val="tx1"/>
+        </a:solidFill>
+        <a:latin typeface="+mn-lt"/>
+        <a:ea typeface="+mn-ea"/>
+        <a:cs typeface="+mn-cs"/>
+      </a:defRPr>
+    </a:lvl6pPr>
+    <a:lvl7pPr marL="2743200" algn="l" defTabSz="914400" rtl="0" eaLnBrk="1" latinLnBrk="0" hangingPunct="1">
+      <a:defRPr kumimoji="1" sz="1200" kern="1200">
+        <a:solidFill>
+          <a:schemeClr val="tx1"/>
+        </a:solidFill>
+        <a:latin typeface="+mn-lt"/>
+        <a:ea typeface="+mn-ea"/>
+        <a:cs typeface="+mn-cs"/>
+      </a:defRPr>
+    </a:lvl7pPr>
+    <a:lvl8pPr marL="3200400" algn="l" defTabSz="914400" rtl="0" eaLnBrk="1" latinLnBrk="0" hangingPunct="1">
+      <a:defRPr kumimoji="1" sz="1200" kern="1200">
+        <a:solidFill>
+          <a:schemeClr val="tx1"/>
+        </a:solidFill>
+        <a:latin typeface="+mn-lt"/>
+        <a:ea typeface="+mn-ea"/>
+        <a:cs typeface="+mn-cs"/>
+      </a:defRPr>
+    </a:lvl8pPr>
+    <a:lvl9pPr marL="3657600" algn="l" defTabSz="914400" rtl="0" eaLnBrk="1" latinLnBrk="0" hangingPunct="1">
+      <a:defRPr kumimoji="1" sz="1200" kern="1200">
+        <a:solidFill>
+          <a:schemeClr val="tx1"/>
+        </a:solidFill>
+        <a:latin typeface="+mn-lt"/>
+        <a:ea typeface="+mn-ea"/>
+        <a:cs typeface="+mn-cs"/>
+      </a:defRPr>
+    </a:lvl9pPr>
+  </p:notesStyle>
+</p:notesMaster>
+</file>
+
+<file path=ppt/notesSlides/notesSlide1.xml><?xml version="1.0" encoding="utf-8"?>
+<p:notes xmlns:a="http://schemas.openxmlformats.org/drawingml/2006/main" xmlns:r="http://schemas.openxmlformats.org/officeDocument/2006/relationships" xmlns:p="http://schemas.openxmlformats.org/presentationml/2006/main">
+  <p:cSld>
+    <p:spTree>
+      <p:nvGrpSpPr>
+        <p:cNvPr id="1" name=""/>
+        <p:cNvGrpSpPr/>
+        <p:nvPr/>
+      </p:nvGrpSpPr>
+      <p:grpSpPr>
+        <a:xfrm>
+          <a:off x="0" y="0"/>
+          <a:ext cx="0" cy="0"/>
+          <a:chOff x="0" y="0"/>
+          <a:chExt cx="0" cy="0"/>
+        </a:xfrm>
+      </p:grpSpPr>
+      <p:sp>
+        <p:nvSpPr>
+          <p:cNvPr id="2" name="スライド イメージ プレースホルダー 1"/>
+          <p:cNvSpPr>
+            <a:spLocks noGrp="1" noRot="1" noChangeAspect="1"/>
+          </p:cNvSpPr>
+          <p:nvPr>
+            <p:ph type="sldImg"/>
+          </p:nvPr>
+        </p:nvSpPr>
+        <p:spPr/>
+      </p:sp>
+      <p:sp>
+        <p:nvSpPr>
+          <p:cNvPr id="3" name="ノート プレースホルダー 2"/>
+          <p:cNvSpPr>
+            <a:spLocks noGrp="1"/>
+          </p:cNvSpPr>
+          <p:nvPr>
+            <p:ph type="body" idx="1"/>
+          </p:nvPr>
+        </p:nvSpPr>
+        <p:spPr/>
+        <p:txBody>
+          <a:bodyPr/>
+          <a:lstStyle/>
+          <a:p>
+            <a:endParaRPr kumimoji="1" lang="ja-JP" altLang="en-US" dirty="0"/>
+          </a:p>
+        </p:txBody>
+      </p:sp>
+      <p:sp>
+        <p:nvSpPr>
+          <p:cNvPr id="4" name="スライド番号プレースホルダー 3"/>
+          <p:cNvSpPr>
+            <a:spLocks noGrp="1"/>
+          </p:cNvSpPr>
+          <p:nvPr>
+            <p:ph type="sldNum" sz="quarter" idx="5"/>
+          </p:nvPr>
+        </p:nvSpPr>
+        <p:spPr/>
+        <p:txBody>
+          <a:bodyPr/>
+          <a:lstStyle/>
+          <a:p>
+            <a:fld id="{F26B5E0E-6561-4E24-914F-2830C8F0DB86}" type="slidenum">
+              <a:rPr kumimoji="1" lang="ja-JP" altLang="en-US" smtClean="0"/>
+              <a:t>5</a:t>
+            </a:fld>
+            <a:endParaRPr kumimoji="1" lang="ja-JP" altLang="en-US"/>
+          </a:p>
+        </p:txBody>
+      </p:sp>
+    </p:spTree>
+    <p:extLst>
+      <p:ext uri="{BB962C8B-B14F-4D97-AF65-F5344CB8AC3E}">
+        <p14:creationId xmlns:p14="http://schemas.microsoft.com/office/powerpoint/2010/main" val="4185201504"/>
+      </p:ext>
+    </p:extLst>
+  </p:cSld>
+  <p:clrMapOvr>
+    <a:masterClrMapping/>
+  </p:clrMapOvr>
+</p:notes>
 </file>
 
 <file path=ppt/slideLayouts/slideLayout1.xml><?xml version="1.0" encoding="utf-8"?>
@@ -3609,7 +4080,13 @@
   <p:cSld>
     <p:spTree>
       <p:nvGrpSpPr>
-        <p:cNvPr id="1" name=""/>
+        <p:cNvPr id="1" name="">
+          <a:extLst>
+            <a:ext uri="{FF2B5EF4-FFF2-40B4-BE49-F238E27FC236}">
+              <a16:creationId xmlns:a16="http://schemas.microsoft.com/office/drawing/2014/main" id="{27E5A76F-2927-0E1D-FFDA-3B2DA9F0357D}"/>
+            </a:ext>
+          </a:extLst>
+        </p:cNvPr>
         <p:cNvGrpSpPr/>
         <p:nvPr/>
       </p:nvGrpSpPr>
@@ -3623,58 +4100,1563 @@
       </p:grpSpPr>
       <p:sp>
         <p:nvSpPr>
-          <p:cNvPr id="2" name="タイトル 1">
-            <a:extLst>
-              <a:ext uri="{FF2B5EF4-FFF2-40B4-BE49-F238E27FC236}">
-                <a16:creationId xmlns:a16="http://schemas.microsoft.com/office/drawing/2014/main" id="{15CEAF68-A18B-BDAE-D2AB-653351F09B0A}"/>
-              </a:ext>
-            </a:extLst>
-          </p:cNvPr>
-          <p:cNvSpPr>
-            <a:spLocks noGrp="1"/>
-          </p:cNvSpPr>
-          <p:nvPr>
-            <p:ph type="ctrTitle"/>
-          </p:nvPr>
-        </p:nvSpPr>
-        <p:spPr/>
-        <p:txBody>
-          <a:bodyPr/>
-          <a:lstStyle/>
-          <a:p>
-            <a:endParaRPr kumimoji="1" lang="ja-JP" altLang="en-US"/>
-          </a:p>
-        </p:txBody>
-      </p:sp>
-      <p:sp>
-        <p:nvSpPr>
-          <p:cNvPr id="3" name="字幕 2">
-            <a:extLst>
-              <a:ext uri="{FF2B5EF4-FFF2-40B4-BE49-F238E27FC236}">
-                <a16:creationId xmlns:a16="http://schemas.microsoft.com/office/drawing/2014/main" id="{3886605C-B041-21E1-B6B4-521074E8FBAE}"/>
-              </a:ext>
-            </a:extLst>
-          </p:cNvPr>
-          <p:cNvSpPr>
-            <a:spLocks noGrp="1"/>
-          </p:cNvSpPr>
-          <p:nvPr>
-            <p:ph type="subTitle" idx="1"/>
-          </p:nvPr>
-        </p:nvSpPr>
-        <p:spPr/>
-        <p:txBody>
-          <a:bodyPr/>
-          <a:lstStyle/>
-          <a:p>
-            <a:endParaRPr kumimoji="1" lang="ja-JP" altLang="en-US"/>
-          </a:p>
-        </p:txBody>
-      </p:sp>
+          <p:cNvPr id="2" name="テキスト ボックス 1">
+            <a:extLst>
+              <a:ext uri="{FF2B5EF4-FFF2-40B4-BE49-F238E27FC236}">
+                <a16:creationId xmlns:a16="http://schemas.microsoft.com/office/drawing/2014/main" id="{99482715-CC75-A731-50C9-623E9E8AA28E}"/>
+              </a:ext>
+            </a:extLst>
+          </p:cNvPr>
+          <p:cNvSpPr txBox="1"/>
+          <p:nvPr/>
+        </p:nvSpPr>
+        <p:spPr>
+          <a:xfrm>
+            <a:off x="2187618" y="154053"/>
+            <a:ext cx="2404826" cy="461665"/>
+          </a:xfrm>
+          <a:prstGeom prst="rect">
+            <a:avLst/>
+          </a:prstGeom>
+          <a:noFill/>
+        </p:spPr>
+        <p:txBody>
+          <a:bodyPr wrap="none" rtlCol="0">
+            <a:spAutoFit/>
+          </a:bodyPr>
+          <a:lstStyle/>
+          <a:p>
+            <a:r>
+              <a:rPr kumimoji="1" lang="en-US" altLang="ja-JP" sz="2400" dirty="0">
+                <a:latin typeface="Meiryo UI" panose="020B0604030504040204" pitchFamily="50" charset="-128"/>
+                <a:ea typeface="Meiryo UI" panose="020B0604030504040204" pitchFamily="50" charset="-128"/>
+              </a:rPr>
+              <a:t>AWS</a:t>
+            </a:r>
+            <a:r>
+              <a:rPr kumimoji="1" lang="ja-JP" altLang="en-US" sz="2400" dirty="0">
+                <a:latin typeface="Meiryo UI" panose="020B0604030504040204" pitchFamily="50" charset="-128"/>
+                <a:ea typeface="Meiryo UI" panose="020B0604030504040204" pitchFamily="50" charset="-128"/>
+              </a:rPr>
+              <a:t>利用の目的</a:t>
+            </a:r>
+          </a:p>
+        </p:txBody>
+      </p:sp>
+      <p:sp>
+        <p:nvSpPr>
+          <p:cNvPr id="4" name="テキスト ボックス 3">
+            <a:extLst>
+              <a:ext uri="{FF2B5EF4-FFF2-40B4-BE49-F238E27FC236}">
+                <a16:creationId xmlns:a16="http://schemas.microsoft.com/office/drawing/2014/main" id="{77990BB5-7907-43F9-4466-79D7A6582566}"/>
+              </a:ext>
+            </a:extLst>
+          </p:cNvPr>
+          <p:cNvSpPr txBox="1"/>
+          <p:nvPr/>
+        </p:nvSpPr>
+        <p:spPr>
+          <a:xfrm>
+            <a:off x="991564" y="1467557"/>
+            <a:ext cx="6372171" cy="4893647"/>
+          </a:xfrm>
+          <a:prstGeom prst="rect">
+            <a:avLst/>
+          </a:prstGeom>
+          <a:noFill/>
+        </p:spPr>
+        <p:txBody>
+          <a:bodyPr wrap="square" rtlCol="0">
+            <a:spAutoFit/>
+          </a:bodyPr>
+          <a:lstStyle/>
+          <a:p>
+            <a:r>
+              <a:rPr lang="en-US" altLang="ja-JP" sz="2400" dirty="0">
+                <a:latin typeface="Meiryo UI" panose="020B0604030504040204" pitchFamily="50" charset="-128"/>
+                <a:ea typeface="Meiryo UI" panose="020B0604030504040204" pitchFamily="50" charset="-128"/>
+              </a:rPr>
+              <a:t>Cline</a:t>
+            </a:r>
+            <a:r>
+              <a:rPr lang="ja-JP" altLang="en-US" sz="2400" dirty="0">
+                <a:latin typeface="Meiryo UI" panose="020B0604030504040204" pitchFamily="50" charset="-128"/>
+                <a:ea typeface="Meiryo UI" panose="020B0604030504040204" pitchFamily="50" charset="-128"/>
+              </a:rPr>
+              <a:t>動作用の</a:t>
+            </a:r>
+            <a:r>
+              <a:rPr lang="en-US" altLang="ja-JP" sz="2400" dirty="0">
+                <a:latin typeface="Meiryo UI" panose="020B0604030504040204" pitchFamily="50" charset="-128"/>
+                <a:ea typeface="Meiryo UI" panose="020B0604030504040204" pitchFamily="50" charset="-128"/>
+              </a:rPr>
+              <a:t>AI</a:t>
+            </a:r>
+          </a:p>
+          <a:p>
+            <a:r>
+              <a:rPr lang="ja-JP" altLang="en-US" sz="2400" dirty="0">
+                <a:latin typeface="Meiryo UI" panose="020B0604030504040204" pitchFamily="50" charset="-128"/>
+                <a:ea typeface="Meiryo UI" panose="020B0604030504040204" pitchFamily="50" charset="-128"/>
+              </a:rPr>
+              <a:t>   </a:t>
+            </a:r>
+            <a:r>
+              <a:rPr lang="en-US" altLang="ja-JP" sz="2400" dirty="0">
+                <a:latin typeface="Meiryo UI" panose="020B0604030504040204" pitchFamily="50" charset="-128"/>
+                <a:ea typeface="Meiryo UI" panose="020B0604030504040204" pitchFamily="50" charset="-128"/>
+              </a:rPr>
+              <a:t>- </a:t>
+            </a:r>
+            <a:r>
+              <a:rPr lang="ja-JP" altLang="en-US" sz="2400" dirty="0">
+                <a:latin typeface="Meiryo UI" panose="020B0604030504040204" pitchFamily="50" charset="-128"/>
+                <a:ea typeface="Meiryo UI" panose="020B0604030504040204" pitchFamily="50" charset="-128"/>
+              </a:rPr>
+              <a:t>コード生成に優れた</a:t>
+            </a:r>
+            <a:r>
+              <a:rPr lang="en-US" altLang="ja-JP" sz="2400" dirty="0">
+                <a:latin typeface="Meiryo UI" panose="020B0604030504040204" pitchFamily="50" charset="-128"/>
+                <a:ea typeface="Meiryo UI" panose="020B0604030504040204" pitchFamily="50" charset="-128"/>
+              </a:rPr>
+              <a:t>Claude</a:t>
+            </a:r>
+            <a:r>
+              <a:rPr lang="ja-JP" altLang="en-US" sz="2400" dirty="0">
+                <a:latin typeface="Meiryo UI" panose="020B0604030504040204" pitchFamily="50" charset="-128"/>
+                <a:ea typeface="Meiryo UI" panose="020B0604030504040204" pitchFamily="50" charset="-128"/>
+              </a:rPr>
+              <a:t>を利用</a:t>
+            </a:r>
+            <a:endParaRPr lang="en-US" altLang="ja-JP" sz="2400" dirty="0">
+              <a:latin typeface="Meiryo UI" panose="020B0604030504040204" pitchFamily="50" charset="-128"/>
+              <a:ea typeface="Meiryo UI" panose="020B0604030504040204" pitchFamily="50" charset="-128"/>
+            </a:endParaRPr>
+          </a:p>
+          <a:p>
+            <a:endParaRPr kumimoji="1" lang="en-US" altLang="ja-JP" sz="2400" dirty="0">
+              <a:latin typeface="Meiryo UI" panose="020B0604030504040204" pitchFamily="50" charset="-128"/>
+              <a:ea typeface="Meiryo UI" panose="020B0604030504040204" pitchFamily="50" charset="-128"/>
+            </a:endParaRPr>
+          </a:p>
+          <a:p>
+            <a:endParaRPr kumimoji="1" lang="en-US" altLang="ja-JP" sz="2400" dirty="0">
+              <a:latin typeface="Meiryo UI" panose="020B0604030504040204" pitchFamily="50" charset="-128"/>
+              <a:ea typeface="Meiryo UI" panose="020B0604030504040204" pitchFamily="50" charset="-128"/>
+            </a:endParaRPr>
+          </a:p>
+          <a:p>
+            <a:r>
+              <a:rPr lang="en-US" altLang="ja-JP" sz="2400" dirty="0">
+                <a:latin typeface="Meiryo UI" panose="020B0604030504040204" pitchFamily="50" charset="-128"/>
+                <a:ea typeface="Meiryo UI" panose="020B0604030504040204" pitchFamily="50" charset="-128"/>
+              </a:rPr>
+              <a:t>AI</a:t>
+            </a:r>
+            <a:r>
+              <a:rPr lang="ja-JP" altLang="en-US" sz="2400" dirty="0">
+                <a:latin typeface="Meiryo UI" panose="020B0604030504040204" pitchFamily="50" charset="-128"/>
+                <a:ea typeface="Meiryo UI" panose="020B0604030504040204" pitchFamily="50" charset="-128"/>
+              </a:rPr>
+              <a:t>ツール開発試行 </a:t>
+            </a:r>
+            <a:endParaRPr lang="en-US" altLang="ja-JP" sz="2400" dirty="0">
+              <a:latin typeface="Meiryo UI" panose="020B0604030504040204" pitchFamily="50" charset="-128"/>
+              <a:ea typeface="Meiryo UI" panose="020B0604030504040204" pitchFamily="50" charset="-128"/>
+            </a:endParaRPr>
+          </a:p>
+          <a:p>
+            <a:r>
+              <a:rPr kumimoji="1" lang="ja-JP" altLang="en-US" sz="2400" dirty="0">
+                <a:latin typeface="Meiryo UI" panose="020B0604030504040204" pitchFamily="50" charset="-128"/>
+                <a:ea typeface="Meiryo UI" panose="020B0604030504040204" pitchFamily="50" charset="-128"/>
+              </a:rPr>
+              <a:t>   </a:t>
+            </a:r>
+            <a:r>
+              <a:rPr kumimoji="1" lang="en-US" altLang="ja-JP" sz="2400" dirty="0">
+                <a:latin typeface="Meiryo UI" panose="020B0604030504040204" pitchFamily="50" charset="-128"/>
+                <a:ea typeface="Meiryo UI" panose="020B0604030504040204" pitchFamily="50" charset="-128"/>
+              </a:rPr>
+              <a:t>- </a:t>
+            </a:r>
+            <a:r>
+              <a:rPr kumimoji="1" lang="ja-JP" altLang="en-US" sz="2400" dirty="0">
+                <a:latin typeface="Meiryo UI" panose="020B0604030504040204" pitchFamily="50" charset="-128"/>
+                <a:ea typeface="Meiryo UI" panose="020B0604030504040204" pitchFamily="50" charset="-128"/>
+              </a:rPr>
+              <a:t>社内文書問い合わせチャットボット</a:t>
+            </a:r>
+            <a:endParaRPr kumimoji="1" lang="en-US" altLang="ja-JP" sz="2400" dirty="0">
+              <a:latin typeface="Meiryo UI" panose="020B0604030504040204" pitchFamily="50" charset="-128"/>
+              <a:ea typeface="Meiryo UI" panose="020B0604030504040204" pitchFamily="50" charset="-128"/>
+            </a:endParaRPr>
+          </a:p>
+          <a:p>
+            <a:r>
+              <a:rPr lang="ja-JP" altLang="en-US" sz="2400" dirty="0">
+                <a:latin typeface="Meiryo UI" panose="020B0604030504040204" pitchFamily="50" charset="-128"/>
+                <a:ea typeface="Meiryo UI" panose="020B0604030504040204" pitchFamily="50" charset="-128"/>
+              </a:rPr>
+              <a:t>   </a:t>
+            </a:r>
+            <a:r>
+              <a:rPr lang="en-US" altLang="ja-JP" sz="2400" dirty="0">
+                <a:latin typeface="Meiryo UI" panose="020B0604030504040204" pitchFamily="50" charset="-128"/>
+                <a:ea typeface="Meiryo UI" panose="020B0604030504040204" pitchFamily="50" charset="-128"/>
+              </a:rPr>
+              <a:t>- </a:t>
+            </a:r>
+            <a:r>
+              <a:rPr lang="ja-JP" altLang="en-US" sz="2400" dirty="0">
+                <a:latin typeface="Meiryo UI" panose="020B0604030504040204" pitchFamily="50" charset="-128"/>
+                <a:ea typeface="Meiryo UI" panose="020B0604030504040204" pitchFamily="50" charset="-128"/>
+              </a:rPr>
+              <a:t>技術文書からの情報抽出 など</a:t>
+            </a:r>
+            <a:endParaRPr lang="en-US" altLang="ja-JP" sz="2400" dirty="0">
+              <a:latin typeface="Meiryo UI" panose="020B0604030504040204" pitchFamily="50" charset="-128"/>
+              <a:ea typeface="Meiryo UI" panose="020B0604030504040204" pitchFamily="50" charset="-128"/>
+            </a:endParaRPr>
+          </a:p>
+          <a:p>
+            <a:endParaRPr kumimoji="1" lang="en-US" altLang="ja-JP" sz="2400" dirty="0">
+              <a:latin typeface="Meiryo UI" panose="020B0604030504040204" pitchFamily="50" charset="-128"/>
+              <a:ea typeface="Meiryo UI" panose="020B0604030504040204" pitchFamily="50" charset="-128"/>
+            </a:endParaRPr>
+          </a:p>
+          <a:p>
+            <a:endParaRPr kumimoji="1" lang="en-US" altLang="ja-JP" sz="2400" dirty="0">
+              <a:latin typeface="Meiryo UI" panose="020B0604030504040204" pitchFamily="50" charset="-128"/>
+              <a:ea typeface="Meiryo UI" panose="020B0604030504040204" pitchFamily="50" charset="-128"/>
+            </a:endParaRPr>
+          </a:p>
+          <a:p>
+            <a:r>
+              <a:rPr kumimoji="1" lang="ja-JP" altLang="en-US" sz="2400" dirty="0">
+                <a:latin typeface="Meiryo UI" panose="020B0604030504040204" pitchFamily="50" charset="-128"/>
+                <a:ea typeface="Meiryo UI" panose="020B0604030504040204" pitchFamily="50" charset="-128"/>
+              </a:rPr>
+              <a:t>クラウドでのモダンな開発試行 </a:t>
+            </a:r>
+            <a:endParaRPr kumimoji="1" lang="en-US" altLang="ja-JP" sz="2400" dirty="0">
+              <a:latin typeface="Meiryo UI" panose="020B0604030504040204" pitchFamily="50" charset="-128"/>
+              <a:ea typeface="Meiryo UI" panose="020B0604030504040204" pitchFamily="50" charset="-128"/>
+            </a:endParaRPr>
+          </a:p>
+          <a:p>
+            <a:r>
+              <a:rPr lang="ja-JP" altLang="en-US" sz="2400" dirty="0">
+                <a:latin typeface="Meiryo UI" panose="020B0604030504040204" pitchFamily="50" charset="-128"/>
+                <a:ea typeface="Meiryo UI" panose="020B0604030504040204" pitchFamily="50" charset="-128"/>
+              </a:rPr>
+              <a:t>   </a:t>
+            </a:r>
+            <a:r>
+              <a:rPr lang="en-US" altLang="ja-JP" sz="2400" dirty="0">
+                <a:latin typeface="Meiryo UI" panose="020B0604030504040204" pitchFamily="50" charset="-128"/>
+                <a:ea typeface="Meiryo UI" panose="020B0604030504040204" pitchFamily="50" charset="-128"/>
+              </a:rPr>
+              <a:t>- </a:t>
+            </a:r>
+            <a:r>
+              <a:rPr lang="ja-JP" altLang="en-US" sz="2400" dirty="0">
+                <a:latin typeface="Meiryo UI" panose="020B0604030504040204" pitchFamily="50" charset="-128"/>
+                <a:ea typeface="Meiryo UI" panose="020B0604030504040204" pitchFamily="50" charset="-128"/>
+              </a:rPr>
+              <a:t>サーバレス（コスト削減、運用効率化）</a:t>
+            </a:r>
+            <a:endParaRPr lang="en-US" altLang="ja-JP" sz="2400" dirty="0">
+              <a:latin typeface="Meiryo UI" panose="020B0604030504040204" pitchFamily="50" charset="-128"/>
+              <a:ea typeface="Meiryo UI" panose="020B0604030504040204" pitchFamily="50" charset="-128"/>
+            </a:endParaRPr>
+          </a:p>
+          <a:p>
+            <a:r>
+              <a:rPr lang="en-US" altLang="ja-JP" sz="2400" dirty="0">
+                <a:latin typeface="Meiryo UI" panose="020B0604030504040204" pitchFamily="50" charset="-128"/>
+                <a:ea typeface="Meiryo UI" panose="020B0604030504040204" pitchFamily="50" charset="-128"/>
+              </a:rPr>
+              <a:t>   - AWS</a:t>
+            </a:r>
+            <a:r>
+              <a:rPr lang="ja-JP" altLang="en-US" sz="2400" dirty="0">
+                <a:latin typeface="Meiryo UI" panose="020B0604030504040204" pitchFamily="50" charset="-128"/>
+                <a:ea typeface="Meiryo UI" panose="020B0604030504040204" pitchFamily="50" charset="-128"/>
+              </a:rPr>
+              <a:t>に特化したコード生成</a:t>
+            </a:r>
+            <a:r>
+              <a:rPr lang="en-US" altLang="ja-JP" sz="2400" dirty="0">
+                <a:latin typeface="Meiryo UI" panose="020B0604030504040204" pitchFamily="50" charset="-128"/>
+                <a:ea typeface="Meiryo UI" panose="020B0604030504040204" pitchFamily="50" charset="-128"/>
+              </a:rPr>
+              <a:t>AI</a:t>
+            </a:r>
+            <a:r>
+              <a:rPr lang="ja-JP" altLang="en-US" sz="2400" dirty="0">
+                <a:latin typeface="Meiryo UI" panose="020B0604030504040204" pitchFamily="50" charset="-128"/>
+                <a:ea typeface="Meiryo UI" panose="020B0604030504040204" pitchFamily="50" charset="-128"/>
+              </a:rPr>
+              <a:t>エージェントの</a:t>
+            </a:r>
+            <a:endParaRPr lang="en-US" altLang="ja-JP" sz="2400" dirty="0">
+              <a:latin typeface="Meiryo UI" panose="020B0604030504040204" pitchFamily="50" charset="-128"/>
+              <a:ea typeface="Meiryo UI" panose="020B0604030504040204" pitchFamily="50" charset="-128"/>
+            </a:endParaRPr>
+          </a:p>
+          <a:p>
+            <a:r>
+              <a:rPr lang="ja-JP" altLang="en-US" sz="2400" dirty="0">
+                <a:latin typeface="Meiryo UI" panose="020B0604030504040204" pitchFamily="50" charset="-128"/>
+                <a:ea typeface="Meiryo UI" panose="020B0604030504040204" pitchFamily="50" charset="-128"/>
+              </a:rPr>
+              <a:t>     </a:t>
+            </a:r>
+            <a:r>
+              <a:rPr lang="en-US" altLang="ja-JP" sz="2400" dirty="0">
+                <a:latin typeface="Meiryo UI" panose="020B0604030504040204" pitchFamily="50" charset="-128"/>
+                <a:ea typeface="Meiryo UI" panose="020B0604030504040204" pitchFamily="50" charset="-128"/>
+              </a:rPr>
+              <a:t>Q Developer,</a:t>
+            </a:r>
+            <a:r>
+              <a:rPr lang="ja-JP" altLang="en-US" sz="2400" dirty="0">
+                <a:latin typeface="Meiryo UI" panose="020B0604030504040204" pitchFamily="50" charset="-128"/>
+                <a:ea typeface="Meiryo UI" panose="020B0604030504040204" pitchFamily="50" charset="-128"/>
+              </a:rPr>
+              <a:t>  </a:t>
+            </a:r>
+            <a:r>
+              <a:rPr lang="en-US" altLang="ja-JP" sz="2400" dirty="0">
+                <a:latin typeface="Meiryo UI" panose="020B0604030504040204" pitchFamily="50" charset="-128"/>
+                <a:ea typeface="Meiryo UI" panose="020B0604030504040204" pitchFamily="50" charset="-128"/>
+              </a:rPr>
+              <a:t>IaC</a:t>
+            </a:r>
+            <a:r>
+              <a:rPr lang="ja-JP" altLang="en-US" sz="2400" dirty="0">
+                <a:latin typeface="Meiryo UI" panose="020B0604030504040204" pitchFamily="50" charset="-128"/>
+                <a:ea typeface="Meiryo UI" panose="020B0604030504040204" pitchFamily="50" charset="-128"/>
+              </a:rPr>
+              <a:t>も爆速。     </a:t>
+            </a:r>
+            <a:endParaRPr kumimoji="1" lang="ja-JP" altLang="en-US" sz="2400" dirty="0">
+              <a:latin typeface="Meiryo UI" panose="020B0604030504040204" pitchFamily="50" charset="-128"/>
+              <a:ea typeface="Meiryo UI" panose="020B0604030504040204" pitchFamily="50" charset="-128"/>
+            </a:endParaRPr>
+          </a:p>
+        </p:txBody>
+      </p:sp>
+      <p:pic>
+        <p:nvPicPr>
+          <p:cNvPr id="9" name="図 8">
+            <a:extLst>
+              <a:ext uri="{FF2B5EF4-FFF2-40B4-BE49-F238E27FC236}">
+                <a16:creationId xmlns:a16="http://schemas.microsoft.com/office/drawing/2014/main" id="{5B775D8B-75C1-4EE5-412F-074D9C62C10D}"/>
+              </a:ext>
+            </a:extLst>
+          </p:cNvPr>
+          <p:cNvPicPr>
+            <a:picLocks noChangeAspect="1"/>
+          </p:cNvPicPr>
+          <p:nvPr/>
+        </p:nvPicPr>
+        <p:blipFill>
+          <a:blip r:embed="rId2"/>
+          <a:stretch>
+            <a:fillRect/>
+          </a:stretch>
+        </p:blipFill>
+        <p:spPr>
+          <a:xfrm>
+            <a:off x="8423006" y="1645222"/>
+            <a:ext cx="2908784" cy="683244"/>
+          </a:xfrm>
+          <a:prstGeom prst="rect">
+            <a:avLst/>
+          </a:prstGeom>
+        </p:spPr>
+      </p:pic>
+      <p:pic>
+        <p:nvPicPr>
+          <p:cNvPr id="17" name="図 16">
+            <a:extLst>
+              <a:ext uri="{FF2B5EF4-FFF2-40B4-BE49-F238E27FC236}">
+                <a16:creationId xmlns:a16="http://schemas.microsoft.com/office/drawing/2014/main" id="{E2E0D0AF-0EBB-0DC8-A000-CB3137C5F5B8}"/>
+              </a:ext>
+            </a:extLst>
+          </p:cNvPr>
+          <p:cNvPicPr>
+            <a:picLocks noChangeAspect="1"/>
+          </p:cNvPicPr>
+          <p:nvPr/>
+        </p:nvPicPr>
+        <p:blipFill>
+          <a:blip r:embed="rId3"/>
+          <a:stretch>
+            <a:fillRect/>
+          </a:stretch>
+        </p:blipFill>
+        <p:spPr>
+          <a:xfrm>
+            <a:off x="7542472" y="5104579"/>
+            <a:ext cx="3234268" cy="889532"/>
+          </a:xfrm>
+          <a:prstGeom prst="rect">
+            <a:avLst/>
+          </a:prstGeom>
+        </p:spPr>
+      </p:pic>
+      <p:pic>
+        <p:nvPicPr>
+          <p:cNvPr id="7" name="図 6">
+            <a:extLst>
+              <a:ext uri="{FF2B5EF4-FFF2-40B4-BE49-F238E27FC236}">
+                <a16:creationId xmlns:a16="http://schemas.microsoft.com/office/drawing/2014/main" id="{162CA73E-20FA-CA9C-8390-A4630E42A43B}"/>
+              </a:ext>
+            </a:extLst>
+          </p:cNvPr>
+          <p:cNvPicPr>
+            <a:picLocks noChangeAspect="1"/>
+          </p:cNvPicPr>
+          <p:nvPr/>
+        </p:nvPicPr>
+        <p:blipFill>
+          <a:blip r:embed="rId4"/>
+          <a:stretch>
+            <a:fillRect/>
+          </a:stretch>
+        </p:blipFill>
+        <p:spPr>
+          <a:xfrm>
+            <a:off x="7463082" y="1597378"/>
+            <a:ext cx="761230" cy="778933"/>
+          </a:xfrm>
+          <a:prstGeom prst="rect">
+            <a:avLst/>
+          </a:prstGeom>
+        </p:spPr>
+      </p:pic>
+      <p:pic>
+        <p:nvPicPr>
+          <p:cNvPr id="12" name="図 11">
+            <a:extLst>
+              <a:ext uri="{FF2B5EF4-FFF2-40B4-BE49-F238E27FC236}">
+                <a16:creationId xmlns:a16="http://schemas.microsoft.com/office/drawing/2014/main" id="{4D62477C-9031-8107-CCCB-A96FF32F8285}"/>
+              </a:ext>
+            </a:extLst>
+          </p:cNvPr>
+          <p:cNvPicPr>
+            <a:picLocks noChangeAspect="1"/>
+          </p:cNvPicPr>
+          <p:nvPr/>
+        </p:nvPicPr>
+        <p:blipFill>
+          <a:blip r:embed="rId5"/>
+          <a:stretch>
+            <a:fillRect/>
+          </a:stretch>
+        </p:blipFill>
+        <p:spPr>
+          <a:xfrm>
+            <a:off x="7463082" y="2859116"/>
+            <a:ext cx="2019585" cy="1473329"/>
+          </a:xfrm>
+          <a:prstGeom prst="rect">
+            <a:avLst/>
+          </a:prstGeom>
+        </p:spPr>
+      </p:pic>
     </p:spTree>
     <p:extLst>
       <p:ext uri="{BB962C8B-B14F-4D97-AF65-F5344CB8AC3E}">
-        <p14:creationId xmlns:p14="http://schemas.microsoft.com/office/powerpoint/2010/main" val="3001068949"/>
+        <p14:creationId xmlns:p14="http://schemas.microsoft.com/office/powerpoint/2010/main" val="30094405"/>
+      </p:ext>
+    </p:extLst>
+  </p:cSld>
+  <p:clrMapOvr>
+    <a:masterClrMapping/>
+  </p:clrMapOvr>
+</p:sld>
+</file>
+
+<file path=ppt/slides/slide10.xml><?xml version="1.0" encoding="utf-8"?>
+<p:sld xmlns:a="http://schemas.openxmlformats.org/drawingml/2006/main" xmlns:r="http://schemas.openxmlformats.org/officeDocument/2006/relationships" xmlns:p="http://schemas.openxmlformats.org/presentationml/2006/main">
+  <p:cSld>
+    <p:spTree>
+      <p:nvGrpSpPr>
+        <p:cNvPr id="1" name="">
+          <a:extLst>
+            <a:ext uri="{FF2B5EF4-FFF2-40B4-BE49-F238E27FC236}">
+              <a16:creationId xmlns:a16="http://schemas.microsoft.com/office/drawing/2014/main" id="{26FF4790-F2B7-73B1-F7BF-E37298DB5DE6}"/>
+            </a:ext>
+          </a:extLst>
+        </p:cNvPr>
+        <p:cNvGrpSpPr/>
+        <p:nvPr/>
+      </p:nvGrpSpPr>
+      <p:grpSpPr>
+        <a:xfrm>
+          <a:off x="0" y="0"/>
+          <a:ext cx="0" cy="0"/>
+          <a:chOff x="0" y="0"/>
+          <a:chExt cx="0" cy="0"/>
+        </a:xfrm>
+      </p:grpSpPr>
+      <p:sp>
+        <p:nvSpPr>
+          <p:cNvPr id="2" name="テキスト ボックス 1">
+            <a:extLst>
+              <a:ext uri="{FF2B5EF4-FFF2-40B4-BE49-F238E27FC236}">
+                <a16:creationId xmlns:a16="http://schemas.microsoft.com/office/drawing/2014/main" id="{99B7669D-B516-5FD0-EBEF-A180B9186518}"/>
+              </a:ext>
+            </a:extLst>
+          </p:cNvPr>
+          <p:cNvSpPr txBox="1"/>
+          <p:nvPr/>
+        </p:nvSpPr>
+        <p:spPr>
+          <a:xfrm>
+            <a:off x="839611" y="2386895"/>
+            <a:ext cx="4494389" cy="707886"/>
+          </a:xfrm>
+          <a:prstGeom prst="rect">
+            <a:avLst/>
+          </a:prstGeom>
+          <a:noFill/>
+        </p:spPr>
+        <p:txBody>
+          <a:bodyPr wrap="square" rtlCol="0">
+            <a:spAutoFit/>
+          </a:bodyPr>
+          <a:lstStyle/>
+          <a:p>
+            <a:r>
+              <a:rPr kumimoji="1" lang="en-US" altLang="ja-JP" sz="2000" dirty="0">
+                <a:latin typeface="Meiryo UI" panose="020B0604030504040204" pitchFamily="50" charset="-128"/>
+                <a:ea typeface="Meiryo UI" panose="020B0604030504040204" pitchFamily="50" charset="-128"/>
+              </a:rPr>
+              <a:t>API</a:t>
+            </a:r>
+            <a:r>
+              <a:rPr kumimoji="1" lang="ja-JP" altLang="en-US" sz="2000" dirty="0">
+                <a:latin typeface="Meiryo UI" panose="020B0604030504040204" pitchFamily="50" charset="-128"/>
+                <a:ea typeface="Meiryo UI" panose="020B0604030504040204" pitchFamily="50" charset="-128"/>
+              </a:rPr>
+              <a:t>使用ﾛｸﾞを元に、ユーザ・</a:t>
+            </a:r>
+            <a:r>
+              <a:rPr kumimoji="1" lang="en-US" altLang="ja-JP" sz="2000" dirty="0">
+                <a:latin typeface="Meiryo UI" panose="020B0604030504040204" pitchFamily="50" charset="-128"/>
+                <a:ea typeface="Meiryo UI" panose="020B0604030504040204" pitchFamily="50" charset="-128"/>
+              </a:rPr>
+              <a:t>AI</a:t>
+            </a:r>
+            <a:r>
+              <a:rPr kumimoji="1" lang="ja-JP" altLang="en-US" sz="2000" dirty="0">
+                <a:latin typeface="Meiryo UI" panose="020B0604030504040204" pitchFamily="50" charset="-128"/>
+                <a:ea typeface="Meiryo UI" panose="020B0604030504040204" pitchFamily="50" charset="-128"/>
+              </a:rPr>
+              <a:t>モデルごとの使用量を集計可能。</a:t>
+            </a:r>
+          </a:p>
+        </p:txBody>
+      </p:sp>
+      <p:sp>
+        <p:nvSpPr>
+          <p:cNvPr id="3" name="テキスト ボックス 2">
+            <a:extLst>
+              <a:ext uri="{FF2B5EF4-FFF2-40B4-BE49-F238E27FC236}">
+                <a16:creationId xmlns:a16="http://schemas.microsoft.com/office/drawing/2014/main" id="{CF24E28B-59B6-330E-D132-333D8CA8AAAF}"/>
+              </a:ext>
+            </a:extLst>
+          </p:cNvPr>
+          <p:cNvSpPr txBox="1"/>
+          <p:nvPr/>
+        </p:nvSpPr>
+        <p:spPr>
+          <a:xfrm>
+            <a:off x="6800915" y="4007790"/>
+            <a:ext cx="4809330" cy="1785104"/>
+          </a:xfrm>
+          <a:prstGeom prst="rect">
+            <a:avLst/>
+          </a:prstGeom>
+          <a:solidFill>
+            <a:schemeClr val="bg1">
+              <a:lumMod val="95000"/>
+            </a:schemeClr>
+          </a:solidFill>
+        </p:spPr>
+        <p:txBody>
+          <a:bodyPr wrap="none" rtlCol="0">
+            <a:spAutoFit/>
+          </a:bodyPr>
+          <a:lstStyle/>
+          <a:p>
+            <a:r>
+              <a:rPr lang="en-US" altLang="ja-JP" sz="1100" dirty="0"/>
+              <a:t>SELECT </a:t>
+            </a:r>
+          </a:p>
+          <a:p>
+            <a:r>
+              <a:rPr lang="en-US" altLang="ja-JP" sz="1100" dirty="0"/>
+              <a:t>  </a:t>
+            </a:r>
+            <a:r>
+              <a:rPr lang="en-US" altLang="ja-JP" sz="1100" dirty="0" err="1"/>
+              <a:t>userIdentity.userName</a:t>
+            </a:r>
+            <a:r>
+              <a:rPr lang="en-US" altLang="ja-JP" sz="1100" dirty="0"/>
+              <a:t> AS user,</a:t>
+            </a:r>
+          </a:p>
+          <a:p>
+            <a:r>
+              <a:rPr lang="en-US" altLang="ja-JP" sz="1100" dirty="0"/>
+              <a:t>  </a:t>
+            </a:r>
+            <a:r>
+              <a:rPr lang="en-US" altLang="ja-JP" sz="1100" dirty="0" err="1"/>
+              <a:t>requestParameters.modelId</a:t>
+            </a:r>
+            <a:r>
+              <a:rPr lang="en-US" altLang="ja-JP" sz="1100" dirty="0"/>
+              <a:t> AS model,</a:t>
+            </a:r>
+          </a:p>
+          <a:p>
+            <a:r>
+              <a:rPr lang="en-US" altLang="ja-JP" sz="1100" dirty="0"/>
+              <a:t>  SUM(</a:t>
+            </a:r>
+            <a:r>
+              <a:rPr lang="en-US" altLang="ja-JP" sz="1100" dirty="0" err="1"/>
+              <a:t>responseElements.usage.inputTokens</a:t>
+            </a:r>
+            <a:r>
+              <a:rPr lang="en-US" altLang="ja-JP" sz="1100" dirty="0"/>
+              <a:t>) AS </a:t>
+            </a:r>
+            <a:r>
+              <a:rPr lang="en-US" altLang="ja-JP" sz="1100" dirty="0" err="1"/>
+              <a:t>total_input_tokens</a:t>
+            </a:r>
+            <a:r>
+              <a:rPr lang="en-US" altLang="ja-JP" sz="1100" dirty="0"/>
+              <a:t>,</a:t>
+            </a:r>
+          </a:p>
+          <a:p>
+            <a:r>
+              <a:rPr lang="en-US" altLang="ja-JP" sz="1100" dirty="0"/>
+              <a:t>  SUM(</a:t>
+            </a:r>
+            <a:r>
+              <a:rPr lang="en-US" altLang="ja-JP" sz="1100" dirty="0" err="1"/>
+              <a:t>responseElements.usage.outputTokens</a:t>
+            </a:r>
+            <a:r>
+              <a:rPr lang="en-US" altLang="ja-JP" sz="1100" dirty="0"/>
+              <a:t>) AS </a:t>
+            </a:r>
+            <a:r>
+              <a:rPr lang="en-US" altLang="ja-JP" sz="1100" dirty="0" err="1"/>
+              <a:t>total_output_tokens</a:t>
+            </a:r>
+            <a:endParaRPr lang="en-US" altLang="ja-JP" sz="1100" dirty="0"/>
+          </a:p>
+          <a:p>
+            <a:r>
+              <a:rPr lang="en-US" altLang="ja-JP" sz="1100" dirty="0"/>
+              <a:t>FROM </a:t>
+            </a:r>
+            <a:r>
+              <a:rPr lang="en-US" altLang="ja-JP" sz="1100" dirty="0" err="1"/>
+              <a:t>cloudtrail_logs</a:t>
+            </a:r>
+            <a:endParaRPr lang="en-US" altLang="ja-JP" sz="1100" dirty="0"/>
+          </a:p>
+          <a:p>
+            <a:r>
+              <a:rPr lang="en-US" altLang="ja-JP" sz="1100" dirty="0"/>
+              <a:t>WHERE </a:t>
+            </a:r>
+            <a:r>
+              <a:rPr lang="en-US" altLang="ja-JP" sz="1100" dirty="0" err="1"/>
+              <a:t>eventSource</a:t>
+            </a:r>
+            <a:r>
+              <a:rPr lang="en-US" altLang="ja-JP" sz="1100" dirty="0"/>
+              <a:t> = '</a:t>
+            </a:r>
+            <a:r>
+              <a:rPr lang="en-US" altLang="ja-JP" sz="1100" dirty="0" err="1"/>
+              <a:t>bedrock.amazonaws.com</a:t>
+            </a:r>
+            <a:r>
+              <a:rPr lang="en-US" altLang="ja-JP" sz="1100" dirty="0"/>
+              <a:t>'</a:t>
+            </a:r>
+          </a:p>
+          <a:p>
+            <a:r>
+              <a:rPr lang="en-US" altLang="ja-JP" sz="1100" dirty="0"/>
+              <a:t>  AND </a:t>
+            </a:r>
+            <a:r>
+              <a:rPr lang="en-US" altLang="ja-JP" sz="1100" dirty="0" err="1"/>
+              <a:t>eventName</a:t>
+            </a:r>
+            <a:r>
+              <a:rPr lang="en-US" altLang="ja-JP" sz="1100" dirty="0"/>
+              <a:t> = '</a:t>
+            </a:r>
+            <a:r>
+              <a:rPr lang="en-US" altLang="ja-JP" sz="1100" dirty="0" err="1"/>
+              <a:t>InvokeModel</a:t>
+            </a:r>
+            <a:r>
+              <a:rPr lang="en-US" altLang="ja-JP" sz="1100" dirty="0"/>
+              <a:t>'</a:t>
+            </a:r>
+          </a:p>
+          <a:p>
+            <a:r>
+              <a:rPr lang="en-US" altLang="ja-JP" sz="1100" dirty="0"/>
+              <a:t>GROUP BY </a:t>
+            </a:r>
+            <a:r>
+              <a:rPr lang="en-US" altLang="ja-JP" sz="1100" dirty="0" err="1"/>
+              <a:t>userIdentity.userName</a:t>
+            </a:r>
+            <a:r>
+              <a:rPr lang="en-US" altLang="ja-JP" sz="1100" dirty="0"/>
+              <a:t>, </a:t>
+            </a:r>
+            <a:r>
+              <a:rPr lang="en-US" altLang="ja-JP" sz="1100" dirty="0" err="1"/>
+              <a:t>requestParameters.modelId</a:t>
+            </a:r>
+            <a:r>
+              <a:rPr lang="en-US" altLang="ja-JP" sz="1100" dirty="0"/>
+              <a:t>;</a:t>
+            </a:r>
+          </a:p>
+          <a:p>
+            <a:endParaRPr kumimoji="1" lang="ja-JP" altLang="en-US" sz="1100" dirty="0"/>
+          </a:p>
+        </p:txBody>
+      </p:sp>
+      <p:pic>
+        <p:nvPicPr>
+          <p:cNvPr id="4" name="グラフィックス 3">
+            <a:extLst>
+              <a:ext uri="{FF2B5EF4-FFF2-40B4-BE49-F238E27FC236}">
+                <a16:creationId xmlns:a16="http://schemas.microsoft.com/office/drawing/2014/main" id="{D7267E6C-769D-7216-9FE5-20E51C124A61}"/>
+              </a:ext>
+            </a:extLst>
+          </p:cNvPr>
+          <p:cNvPicPr>
+            <a:picLocks noChangeAspect="1"/>
+          </p:cNvPicPr>
+          <p:nvPr/>
+        </p:nvPicPr>
+        <p:blipFill>
+          <a:blip r:embed="rId2">
+            <a:extLst>
+              <a:ext uri="{96DAC541-7B7A-43D3-8B79-37D633B846F1}">
+                <asvg:svgBlip xmlns:asvg="http://schemas.microsoft.com/office/drawing/2016/SVG/main" r:embed="rId3"/>
+              </a:ext>
+            </a:extLst>
+          </a:blip>
+          <a:stretch>
+            <a:fillRect/>
+          </a:stretch>
+        </p:blipFill>
+        <p:spPr>
+          <a:xfrm>
+            <a:off x="8092025" y="2268411"/>
+            <a:ext cx="609600" cy="609600"/>
+          </a:xfrm>
+          <a:prstGeom prst="rect">
+            <a:avLst/>
+          </a:prstGeom>
+        </p:spPr>
+      </p:pic>
+      <p:sp>
+        <p:nvSpPr>
+          <p:cNvPr id="5" name="テキスト ボックス 4">
+            <a:extLst>
+              <a:ext uri="{FF2B5EF4-FFF2-40B4-BE49-F238E27FC236}">
+                <a16:creationId xmlns:a16="http://schemas.microsoft.com/office/drawing/2014/main" id="{533B67AA-C8E7-8FCE-279A-0F49691FFF92}"/>
+              </a:ext>
+            </a:extLst>
+          </p:cNvPr>
+          <p:cNvSpPr txBox="1"/>
+          <p:nvPr/>
+        </p:nvSpPr>
+        <p:spPr>
+          <a:xfrm>
+            <a:off x="8051217" y="2878011"/>
+            <a:ext cx="691215" cy="276999"/>
+          </a:xfrm>
+          <a:prstGeom prst="rect">
+            <a:avLst/>
+          </a:prstGeom>
+          <a:noFill/>
+        </p:spPr>
+        <p:txBody>
+          <a:bodyPr wrap="none" rtlCol="0">
+            <a:spAutoFit/>
+          </a:bodyPr>
+          <a:lstStyle/>
+          <a:p>
+            <a:r>
+              <a:rPr kumimoji="1" lang="en-US" altLang="ja-JP" sz="1200" dirty="0"/>
+              <a:t>Athena</a:t>
+            </a:r>
+          </a:p>
+        </p:txBody>
+      </p:sp>
+      <p:sp>
+        <p:nvSpPr>
+          <p:cNvPr id="6" name="テキスト ボックス 5">
+            <a:extLst>
+              <a:ext uri="{FF2B5EF4-FFF2-40B4-BE49-F238E27FC236}">
+                <a16:creationId xmlns:a16="http://schemas.microsoft.com/office/drawing/2014/main" id="{4DDEFDBB-086D-A197-4416-2F2375F7071E}"/>
+              </a:ext>
+            </a:extLst>
+          </p:cNvPr>
+          <p:cNvSpPr txBox="1"/>
+          <p:nvPr/>
+        </p:nvSpPr>
+        <p:spPr>
+          <a:xfrm>
+            <a:off x="6691849" y="3656825"/>
+            <a:ext cx="3409950" cy="369332"/>
+          </a:xfrm>
+          <a:prstGeom prst="rect">
+            <a:avLst/>
+          </a:prstGeom>
+          <a:noFill/>
+        </p:spPr>
+        <p:txBody>
+          <a:bodyPr wrap="square" rtlCol="0">
+            <a:spAutoFit/>
+          </a:bodyPr>
+          <a:lstStyle/>
+          <a:p>
+            <a:r>
+              <a:rPr kumimoji="1" lang="ja-JP" altLang="en-US" dirty="0">
+                <a:ln w="0"/>
+                <a:solidFill>
+                  <a:schemeClr val="accent1"/>
+                </a:solidFill>
+                <a:effectLst>
+                  <a:outerShdw blurRad="38100" dist="25400" dir="5400000" algn="ctr" rotWithShape="0">
+                    <a:srgbClr val="6E747A">
+                      <a:alpha val="43000"/>
+                    </a:srgbClr>
+                  </a:outerShdw>
+                </a:effectLst>
+              </a:rPr>
+              <a:t>使用状況集計ｸｴﾘのｲﾒｰｼﾞ</a:t>
+            </a:r>
+          </a:p>
+        </p:txBody>
+      </p:sp>
+      <p:pic>
+        <p:nvPicPr>
+          <p:cNvPr id="7" name="グラフィックス 6">
+            <a:extLst>
+              <a:ext uri="{FF2B5EF4-FFF2-40B4-BE49-F238E27FC236}">
+                <a16:creationId xmlns:a16="http://schemas.microsoft.com/office/drawing/2014/main" id="{6D772853-2F6A-C668-250E-27AED33F8D1C}"/>
+              </a:ext>
+            </a:extLst>
+          </p:cNvPr>
+          <p:cNvPicPr>
+            <a:picLocks noChangeAspect="1"/>
+          </p:cNvPicPr>
+          <p:nvPr/>
+        </p:nvPicPr>
+        <p:blipFill>
+          <a:blip r:embed="rId4">
+            <a:extLst>
+              <a:ext uri="{96DAC541-7B7A-43D3-8B79-37D633B846F1}">
+                <asvg:svgBlip xmlns:asvg="http://schemas.microsoft.com/office/drawing/2016/SVG/main" r:embed="rId5"/>
+              </a:ext>
+            </a:extLst>
+          </a:blip>
+          <a:stretch>
+            <a:fillRect/>
+          </a:stretch>
+        </p:blipFill>
+        <p:spPr>
+          <a:xfrm>
+            <a:off x="6800915" y="2283864"/>
+            <a:ext cx="609600" cy="609600"/>
+          </a:xfrm>
+          <a:prstGeom prst="rect">
+            <a:avLst/>
+          </a:prstGeom>
+        </p:spPr>
+      </p:pic>
+      <p:cxnSp>
+        <p:nvCxnSpPr>
+          <p:cNvPr id="8" name="直線矢印コネクタ 7">
+            <a:extLst>
+              <a:ext uri="{FF2B5EF4-FFF2-40B4-BE49-F238E27FC236}">
+                <a16:creationId xmlns:a16="http://schemas.microsoft.com/office/drawing/2014/main" id="{A3A28A2C-F6E5-EC98-B804-29476E388C6D}"/>
+              </a:ext>
+            </a:extLst>
+          </p:cNvPr>
+          <p:cNvCxnSpPr>
+            <a:cxnSpLocks/>
+            <a:stCxn id="7" idx="3"/>
+          </p:cNvCxnSpPr>
+          <p:nvPr/>
+        </p:nvCxnSpPr>
+        <p:spPr>
+          <a:xfrm>
+            <a:off x="7410515" y="2588664"/>
+            <a:ext cx="700655" cy="0"/>
+          </a:xfrm>
+          <a:prstGeom prst="straightConnector1">
+            <a:avLst/>
+          </a:prstGeom>
+          <a:ln>
+            <a:solidFill>
+              <a:schemeClr val="bg1">
+                <a:lumMod val="65000"/>
+              </a:schemeClr>
+            </a:solidFill>
+            <a:tailEnd type="triangle"/>
+          </a:ln>
+        </p:spPr>
+        <p:style>
+          <a:lnRef idx="3">
+            <a:schemeClr val="accent1"/>
+          </a:lnRef>
+          <a:fillRef idx="0">
+            <a:schemeClr val="accent1"/>
+          </a:fillRef>
+          <a:effectRef idx="2">
+            <a:schemeClr val="accent1"/>
+          </a:effectRef>
+          <a:fontRef idx="minor">
+            <a:schemeClr val="tx1"/>
+          </a:fontRef>
+        </p:style>
+      </p:cxnSp>
+      <p:sp>
+        <p:nvSpPr>
+          <p:cNvPr id="11" name="テキスト ボックス 10">
+            <a:extLst>
+              <a:ext uri="{FF2B5EF4-FFF2-40B4-BE49-F238E27FC236}">
+                <a16:creationId xmlns:a16="http://schemas.microsoft.com/office/drawing/2014/main" id="{990D2F71-24D1-8EFF-F06B-3BCF8952C121}"/>
+              </a:ext>
+            </a:extLst>
+          </p:cNvPr>
+          <p:cNvSpPr txBox="1"/>
+          <p:nvPr/>
+        </p:nvSpPr>
+        <p:spPr>
+          <a:xfrm>
+            <a:off x="6882210" y="2831845"/>
+            <a:ext cx="365806" cy="276999"/>
+          </a:xfrm>
+          <a:prstGeom prst="rect">
+            <a:avLst/>
+          </a:prstGeom>
+          <a:noFill/>
+        </p:spPr>
+        <p:txBody>
+          <a:bodyPr wrap="none" rtlCol="0">
+            <a:spAutoFit/>
+          </a:bodyPr>
+          <a:lstStyle/>
+          <a:p>
+            <a:r>
+              <a:rPr kumimoji="1" lang="en-US" altLang="ja-JP" sz="1200" dirty="0" err="1"/>
+              <a:t>S3</a:t>
+            </a:r>
+            <a:endParaRPr kumimoji="1" lang="en-US" altLang="ja-JP" sz="1200" dirty="0"/>
+          </a:p>
+        </p:txBody>
+      </p:sp>
+      <p:sp>
+        <p:nvSpPr>
+          <p:cNvPr id="12" name="テキスト ボックス 11">
+            <a:extLst>
+              <a:ext uri="{FF2B5EF4-FFF2-40B4-BE49-F238E27FC236}">
+                <a16:creationId xmlns:a16="http://schemas.microsoft.com/office/drawing/2014/main" id="{6285E969-AC0D-0C98-4EE8-37A5CF6A21AA}"/>
+              </a:ext>
+            </a:extLst>
+          </p:cNvPr>
+          <p:cNvSpPr txBox="1"/>
+          <p:nvPr/>
+        </p:nvSpPr>
+        <p:spPr>
+          <a:xfrm>
+            <a:off x="1371918" y="91763"/>
+            <a:ext cx="6940232" cy="461665"/>
+          </a:xfrm>
+          <a:prstGeom prst="rect">
+            <a:avLst/>
+          </a:prstGeom>
+          <a:noFill/>
+        </p:spPr>
+        <p:txBody>
+          <a:bodyPr wrap="square" rtlCol="0">
+            <a:spAutoFit/>
+          </a:bodyPr>
+          <a:lstStyle/>
+          <a:p>
+            <a:r>
+              <a:rPr lang="ja-JP" altLang="en-US" sz="2400" dirty="0">
+                <a:latin typeface="Meiryo UI" panose="020B0604030504040204" pitchFamily="50" charset="-128"/>
+                <a:ea typeface="Meiryo UI" panose="020B0604030504040204" pitchFamily="50" charset="-128"/>
+              </a:rPr>
+              <a:t>参考情報：</a:t>
+            </a:r>
+            <a:r>
+              <a:rPr kumimoji="1" lang="ja-JP" altLang="en-US" sz="2400" dirty="0">
+                <a:latin typeface="Meiryo UI" panose="020B0604030504040204" pitchFamily="50" charset="-128"/>
+                <a:ea typeface="Meiryo UI" panose="020B0604030504040204" pitchFamily="50" charset="-128"/>
+              </a:rPr>
+              <a:t>ユーザごとの</a:t>
+            </a:r>
+            <a:r>
+              <a:rPr kumimoji="1" lang="en-US" altLang="ja-JP" sz="2400" dirty="0">
+                <a:latin typeface="Meiryo UI" panose="020B0604030504040204" pitchFamily="50" charset="-128"/>
+                <a:ea typeface="Meiryo UI" panose="020B0604030504040204" pitchFamily="50" charset="-128"/>
+              </a:rPr>
+              <a:t>API</a:t>
+            </a:r>
+            <a:r>
+              <a:rPr kumimoji="1" lang="ja-JP" altLang="en-US" sz="2400" dirty="0">
+                <a:latin typeface="Meiryo UI" panose="020B0604030504040204" pitchFamily="50" charset="-128"/>
+                <a:ea typeface="Meiryo UI" panose="020B0604030504040204" pitchFamily="50" charset="-128"/>
+              </a:rPr>
+              <a:t>使用量の集計</a:t>
+            </a:r>
+          </a:p>
+        </p:txBody>
+      </p:sp>
+      <p:sp>
+        <p:nvSpPr>
+          <p:cNvPr id="9" name="正方形/長方形 8">
+            <a:extLst>
+              <a:ext uri="{FF2B5EF4-FFF2-40B4-BE49-F238E27FC236}">
+                <a16:creationId xmlns:a16="http://schemas.microsoft.com/office/drawing/2014/main" id="{8A38D8C9-A2CF-6357-B1A0-1F7C8C817B61}"/>
+              </a:ext>
+            </a:extLst>
+          </p:cNvPr>
+          <p:cNvSpPr/>
+          <p:nvPr/>
+        </p:nvSpPr>
+        <p:spPr>
+          <a:xfrm>
+            <a:off x="6882211" y="5367608"/>
+            <a:ext cx="4265568" cy="265548"/>
+          </a:xfrm>
+          <a:prstGeom prst="rect">
+            <a:avLst/>
+          </a:prstGeom>
+          <a:noFill/>
+          <a:ln>
+            <a:solidFill>
+              <a:schemeClr val="accent5"/>
+            </a:solidFill>
+          </a:ln>
+        </p:spPr>
+        <p:style>
+          <a:lnRef idx="2">
+            <a:schemeClr val="accent1">
+              <a:shade val="15000"/>
+            </a:schemeClr>
+          </a:lnRef>
+          <a:fillRef idx="1">
+            <a:schemeClr val="accent1"/>
+          </a:fillRef>
+          <a:effectRef idx="0">
+            <a:schemeClr val="accent1"/>
+          </a:effectRef>
+          <a:fontRef idx="minor">
+            <a:schemeClr val="lt1"/>
+          </a:fontRef>
+        </p:style>
+        <p:txBody>
+          <a:bodyPr rtlCol="0" anchor="ctr"/>
+          <a:lstStyle/>
+          <a:p>
+            <a:pPr algn="ctr"/>
+            <a:endParaRPr kumimoji="1" lang="ja-JP" altLang="en-US"/>
+          </a:p>
+        </p:txBody>
+      </p:sp>
+      <p:sp>
+        <p:nvSpPr>
+          <p:cNvPr id="10" name="テキスト ボックス 9">
+            <a:extLst>
+              <a:ext uri="{FF2B5EF4-FFF2-40B4-BE49-F238E27FC236}">
+                <a16:creationId xmlns:a16="http://schemas.microsoft.com/office/drawing/2014/main" id="{FFA447AE-451A-EC8F-C76E-D2A832D071DB}"/>
+              </a:ext>
+            </a:extLst>
+          </p:cNvPr>
+          <p:cNvSpPr txBox="1"/>
+          <p:nvPr/>
+        </p:nvSpPr>
+        <p:spPr>
+          <a:xfrm>
+            <a:off x="7969062" y="5608228"/>
+            <a:ext cx="3409950" cy="369332"/>
+          </a:xfrm>
+          <a:prstGeom prst="rect">
+            <a:avLst/>
+          </a:prstGeom>
+          <a:noFill/>
+        </p:spPr>
+        <p:txBody>
+          <a:bodyPr wrap="square" rtlCol="0">
+            <a:spAutoFit/>
+          </a:bodyPr>
+          <a:lstStyle/>
+          <a:p>
+            <a:r>
+              <a:rPr kumimoji="1" lang="ja-JP" altLang="en-US" dirty="0">
+                <a:ln w="0"/>
+                <a:solidFill>
+                  <a:schemeClr val="accent1"/>
+                </a:solidFill>
+                <a:effectLst>
+                  <a:outerShdw blurRad="38100" dist="25400" dir="5400000" algn="ctr" rotWithShape="0">
+                    <a:srgbClr val="6E747A">
+                      <a:alpha val="43000"/>
+                    </a:srgbClr>
+                  </a:outerShdw>
+                </a:effectLst>
+              </a:rPr>
+              <a:t>ユーザ、</a:t>
+            </a:r>
+            <a:r>
+              <a:rPr kumimoji="1" lang="en-US" altLang="ja-JP" dirty="0">
+                <a:ln w="0"/>
+                <a:solidFill>
+                  <a:schemeClr val="accent1"/>
+                </a:solidFill>
+                <a:effectLst>
+                  <a:outerShdw blurRad="38100" dist="25400" dir="5400000" algn="ctr" rotWithShape="0">
+                    <a:srgbClr val="6E747A">
+                      <a:alpha val="43000"/>
+                    </a:srgbClr>
+                  </a:outerShdw>
+                </a:effectLst>
+              </a:rPr>
+              <a:t>AI</a:t>
+            </a:r>
+            <a:r>
+              <a:rPr kumimoji="1" lang="ja-JP" altLang="en-US" dirty="0">
+                <a:ln w="0"/>
+                <a:solidFill>
+                  <a:schemeClr val="accent1"/>
+                </a:solidFill>
+                <a:effectLst>
+                  <a:outerShdw blurRad="38100" dist="25400" dir="5400000" algn="ctr" rotWithShape="0">
+                    <a:srgbClr val="6E747A">
+                      <a:alpha val="43000"/>
+                    </a:srgbClr>
+                  </a:outerShdw>
+                </a:effectLst>
+              </a:rPr>
+              <a:t>モデルで集計</a:t>
+            </a:r>
+          </a:p>
+        </p:txBody>
+      </p:sp>
+    </p:spTree>
+    <p:extLst>
+      <p:ext uri="{BB962C8B-B14F-4D97-AF65-F5344CB8AC3E}">
+        <p14:creationId xmlns:p14="http://schemas.microsoft.com/office/powerpoint/2010/main" val="3440934449"/>
+      </p:ext>
+    </p:extLst>
+  </p:cSld>
+  <p:clrMapOvr>
+    <a:masterClrMapping/>
+  </p:clrMapOvr>
+</p:sld>
+</file>
+
+<file path=ppt/slides/slide11.xml><?xml version="1.0" encoding="utf-8"?>
+<p:sld xmlns:a="http://schemas.openxmlformats.org/drawingml/2006/main" xmlns:r="http://schemas.openxmlformats.org/officeDocument/2006/relationships" xmlns:p="http://schemas.openxmlformats.org/presentationml/2006/main">
+  <p:cSld>
+    <p:spTree>
+      <p:nvGrpSpPr>
+        <p:cNvPr id="1" name="">
+          <a:extLst>
+            <a:ext uri="{FF2B5EF4-FFF2-40B4-BE49-F238E27FC236}">
+              <a16:creationId xmlns:a16="http://schemas.microsoft.com/office/drawing/2014/main" id="{223AD11F-D1D0-F340-8155-631FB2E25E0E}"/>
+            </a:ext>
+          </a:extLst>
+        </p:cNvPr>
+        <p:cNvGrpSpPr/>
+        <p:nvPr/>
+      </p:nvGrpSpPr>
+      <p:grpSpPr>
+        <a:xfrm>
+          <a:off x="0" y="0"/>
+          <a:ext cx="0" cy="0"/>
+          <a:chOff x="0" y="0"/>
+          <a:chExt cx="0" cy="0"/>
+        </a:xfrm>
+      </p:grpSpPr>
+      <p:sp>
+        <p:nvSpPr>
+          <p:cNvPr id="2" name="テキスト ボックス 1">
+            <a:extLst>
+              <a:ext uri="{FF2B5EF4-FFF2-40B4-BE49-F238E27FC236}">
+                <a16:creationId xmlns:a16="http://schemas.microsoft.com/office/drawing/2014/main" id="{27E0A6DE-93A9-B2D3-081A-ACDAAABCA9FA}"/>
+              </a:ext>
+            </a:extLst>
+          </p:cNvPr>
+          <p:cNvSpPr txBox="1"/>
+          <p:nvPr/>
+        </p:nvSpPr>
+        <p:spPr>
+          <a:xfrm>
+            <a:off x="523522" y="2770717"/>
+            <a:ext cx="6526389" cy="707886"/>
+          </a:xfrm>
+          <a:prstGeom prst="rect">
+            <a:avLst/>
+          </a:prstGeom>
+          <a:noFill/>
+        </p:spPr>
+        <p:txBody>
+          <a:bodyPr wrap="square" rtlCol="0">
+            <a:spAutoFit/>
+          </a:bodyPr>
+          <a:lstStyle/>
+          <a:p>
+            <a:r>
+              <a:rPr kumimoji="1" lang="ja-JP" altLang="en-US" sz="2000" dirty="0">
+                <a:latin typeface="Meiryo UI" panose="020B0604030504040204" pitchFamily="50" charset="-128"/>
+                <a:ea typeface="Meiryo UI" panose="020B0604030504040204" pitchFamily="50" charset="-128"/>
+              </a:rPr>
+              <a:t>アクセスキーを使うため、定期的なローテーションが必要。</a:t>
+            </a:r>
+            <a:endParaRPr kumimoji="1" lang="en-US" altLang="ja-JP" sz="2000" dirty="0">
+              <a:latin typeface="Meiryo UI" panose="020B0604030504040204" pitchFamily="50" charset="-128"/>
+              <a:ea typeface="Meiryo UI" panose="020B0604030504040204" pitchFamily="50" charset="-128"/>
+            </a:endParaRPr>
+          </a:p>
+          <a:p>
+            <a:r>
+              <a:rPr lang="en-US" altLang="ja-JP" sz="2000" dirty="0">
+                <a:latin typeface="Meiryo UI" panose="020B0604030504040204" pitchFamily="50" charset="-128"/>
+                <a:ea typeface="Meiryo UI" panose="020B0604030504040204" pitchFamily="50" charset="-128"/>
+              </a:rPr>
+              <a:t>3</a:t>
+            </a:r>
+            <a:r>
+              <a:rPr lang="ja-JP" altLang="en-US" sz="2000" dirty="0">
+                <a:latin typeface="Meiryo UI" panose="020B0604030504040204" pitchFamily="50" charset="-128"/>
+                <a:ea typeface="Meiryo UI" panose="020B0604030504040204" pitchFamily="50" charset="-128"/>
+              </a:rPr>
+              <a:t>カ月以上ローテーションしていないユーザを検知する。</a:t>
+            </a:r>
+            <a:endParaRPr kumimoji="1" lang="ja-JP" altLang="en-US" sz="2000" dirty="0">
+              <a:latin typeface="Meiryo UI" panose="020B0604030504040204" pitchFamily="50" charset="-128"/>
+              <a:ea typeface="Meiryo UI" panose="020B0604030504040204" pitchFamily="50" charset="-128"/>
+            </a:endParaRPr>
+          </a:p>
+        </p:txBody>
+      </p:sp>
+      <p:sp>
+        <p:nvSpPr>
+          <p:cNvPr id="12" name="テキスト ボックス 11">
+            <a:extLst>
+              <a:ext uri="{FF2B5EF4-FFF2-40B4-BE49-F238E27FC236}">
+                <a16:creationId xmlns:a16="http://schemas.microsoft.com/office/drawing/2014/main" id="{DD68A653-54E5-581C-A09D-51FBE37E2B30}"/>
+              </a:ext>
+            </a:extLst>
+          </p:cNvPr>
+          <p:cNvSpPr txBox="1"/>
+          <p:nvPr/>
+        </p:nvSpPr>
+        <p:spPr>
+          <a:xfrm>
+            <a:off x="1371918" y="91763"/>
+            <a:ext cx="6940232" cy="461665"/>
+          </a:xfrm>
+          <a:prstGeom prst="rect">
+            <a:avLst/>
+          </a:prstGeom>
+          <a:noFill/>
+        </p:spPr>
+        <p:txBody>
+          <a:bodyPr wrap="square" rtlCol="0">
+            <a:spAutoFit/>
+          </a:bodyPr>
+          <a:lstStyle/>
+          <a:p>
+            <a:r>
+              <a:rPr lang="ja-JP" altLang="en-US" sz="2400" dirty="0">
+                <a:latin typeface="Meiryo UI" panose="020B0604030504040204" pitchFamily="50" charset="-128"/>
+                <a:ea typeface="Meiryo UI" panose="020B0604030504040204" pitchFamily="50" charset="-128"/>
+              </a:rPr>
+              <a:t>参考情報：構成管理</a:t>
+            </a:r>
+            <a:endParaRPr kumimoji="1" lang="ja-JP" altLang="en-US" sz="2400" dirty="0">
+              <a:latin typeface="Meiryo UI" panose="020B0604030504040204" pitchFamily="50" charset="-128"/>
+              <a:ea typeface="Meiryo UI" panose="020B0604030504040204" pitchFamily="50" charset="-128"/>
+            </a:endParaRPr>
+          </a:p>
+        </p:txBody>
+      </p:sp>
+      <p:pic>
+        <p:nvPicPr>
+          <p:cNvPr id="9" name="グラフィックス 8">
+            <a:extLst>
+              <a:ext uri="{FF2B5EF4-FFF2-40B4-BE49-F238E27FC236}">
+                <a16:creationId xmlns:a16="http://schemas.microsoft.com/office/drawing/2014/main" id="{5687D2C1-E3A3-F4C3-B881-1DAEF4515971}"/>
+              </a:ext>
+            </a:extLst>
+          </p:cNvPr>
+          <p:cNvPicPr>
+            <a:picLocks noChangeAspect="1"/>
+          </p:cNvPicPr>
+          <p:nvPr/>
+        </p:nvPicPr>
+        <p:blipFill>
+          <a:blip r:embed="rId2">
+            <a:extLst>
+              <a:ext uri="{96DAC541-7B7A-43D3-8B79-37D633B846F1}">
+                <asvg:svgBlip xmlns:asvg="http://schemas.microsoft.com/office/drawing/2016/SVG/main" r:embed="rId3"/>
+              </a:ext>
+            </a:extLst>
+          </a:blip>
+          <a:stretch>
+            <a:fillRect/>
+          </a:stretch>
+        </p:blipFill>
+        <p:spPr>
+          <a:xfrm>
+            <a:off x="8544587" y="2960726"/>
+            <a:ext cx="643124" cy="643124"/>
+          </a:xfrm>
+          <a:prstGeom prst="rect">
+            <a:avLst/>
+          </a:prstGeom>
+        </p:spPr>
+      </p:pic>
+      <p:sp>
+        <p:nvSpPr>
+          <p:cNvPr id="10" name="テキスト ボックス 9">
+            <a:extLst>
+              <a:ext uri="{FF2B5EF4-FFF2-40B4-BE49-F238E27FC236}">
+                <a16:creationId xmlns:a16="http://schemas.microsoft.com/office/drawing/2014/main" id="{F3DDDE5C-B458-F1F4-CDCB-06C076D3FCDF}"/>
+              </a:ext>
+            </a:extLst>
+          </p:cNvPr>
+          <p:cNvSpPr txBox="1"/>
+          <p:nvPr/>
+        </p:nvSpPr>
+        <p:spPr>
+          <a:xfrm>
+            <a:off x="8539284" y="3551653"/>
+            <a:ext cx="643125" cy="276999"/>
+          </a:xfrm>
+          <a:prstGeom prst="rect">
+            <a:avLst/>
+          </a:prstGeom>
+          <a:noFill/>
+        </p:spPr>
+        <p:txBody>
+          <a:bodyPr wrap="none" rtlCol="0">
+            <a:spAutoFit/>
+          </a:bodyPr>
+          <a:lstStyle/>
+          <a:p>
+            <a:r>
+              <a:rPr kumimoji="1" lang="en-US" altLang="ja-JP" sz="1200" dirty="0"/>
+              <a:t>Config</a:t>
+            </a:r>
+            <a:endParaRPr kumimoji="1" lang="ja-JP" altLang="en-US" sz="1200" dirty="0"/>
+          </a:p>
+        </p:txBody>
+      </p:sp>
+      <p:sp>
+        <p:nvSpPr>
+          <p:cNvPr id="13" name="テキスト ボックス 12">
+            <a:extLst>
+              <a:ext uri="{FF2B5EF4-FFF2-40B4-BE49-F238E27FC236}">
+                <a16:creationId xmlns:a16="http://schemas.microsoft.com/office/drawing/2014/main" id="{B5439B90-ACE9-0483-CB1E-7C7F025BACB5}"/>
+              </a:ext>
+            </a:extLst>
+          </p:cNvPr>
+          <p:cNvSpPr txBox="1"/>
+          <p:nvPr/>
+        </p:nvSpPr>
+        <p:spPr>
+          <a:xfrm>
+            <a:off x="8312150" y="2691355"/>
+            <a:ext cx="1107996" cy="369332"/>
+          </a:xfrm>
+          <a:prstGeom prst="rect">
+            <a:avLst/>
+          </a:prstGeom>
+          <a:noFill/>
+        </p:spPr>
+        <p:txBody>
+          <a:bodyPr wrap="none" rtlCol="0">
+            <a:spAutoFit/>
+          </a:bodyPr>
+          <a:lstStyle/>
+          <a:p>
+            <a:r>
+              <a:rPr kumimoji="1" lang="ja-JP" altLang="en-US" dirty="0">
+                <a:ln w="0"/>
+                <a:solidFill>
+                  <a:schemeClr val="accent1"/>
+                </a:solidFill>
+                <a:effectLst>
+                  <a:outerShdw blurRad="38100" dist="25400" dir="5400000" algn="ctr" rotWithShape="0">
+                    <a:srgbClr val="6E747A">
+                      <a:alpha val="43000"/>
+                    </a:srgbClr>
+                  </a:outerShdw>
+                </a:effectLst>
+              </a:rPr>
+              <a:t>構成管理</a:t>
+            </a:r>
+          </a:p>
+        </p:txBody>
+      </p:sp>
+      <p:sp>
+        <p:nvSpPr>
+          <p:cNvPr id="14" name="テキスト ボックス 13">
+            <a:extLst>
+              <a:ext uri="{FF2B5EF4-FFF2-40B4-BE49-F238E27FC236}">
+                <a16:creationId xmlns:a16="http://schemas.microsoft.com/office/drawing/2014/main" id="{0579E317-BBDA-6C66-B5F6-B0F8512FF499}"/>
+              </a:ext>
+            </a:extLst>
+          </p:cNvPr>
+          <p:cNvSpPr txBox="1"/>
+          <p:nvPr/>
+        </p:nvSpPr>
+        <p:spPr>
+          <a:xfrm>
+            <a:off x="9679120" y="3576024"/>
+            <a:ext cx="1412566" cy="276999"/>
+          </a:xfrm>
+          <a:prstGeom prst="rect">
+            <a:avLst/>
+          </a:prstGeom>
+          <a:noFill/>
+        </p:spPr>
+        <p:txBody>
+          <a:bodyPr wrap="none" rtlCol="0">
+            <a:spAutoFit/>
+          </a:bodyPr>
+          <a:lstStyle/>
+          <a:p>
+            <a:r>
+              <a:rPr kumimoji="1" lang="en-US" altLang="ja-JP" sz="1200" dirty="0"/>
+              <a:t>Config</a:t>
+            </a:r>
+            <a:r>
+              <a:rPr kumimoji="1" lang="ja-JP" altLang="en-US" sz="1200" dirty="0"/>
+              <a:t>ﾏﾈｰｼﾞﾄﾞﾙｰﾙ</a:t>
+            </a:r>
+          </a:p>
+        </p:txBody>
+      </p:sp>
+      <p:pic>
+        <p:nvPicPr>
+          <p:cNvPr id="16" name="図 15">
+            <a:extLst>
+              <a:ext uri="{FF2B5EF4-FFF2-40B4-BE49-F238E27FC236}">
+                <a16:creationId xmlns:a16="http://schemas.microsoft.com/office/drawing/2014/main" id="{68E00AEE-22BD-817A-A870-959C34D439F2}"/>
+              </a:ext>
+            </a:extLst>
+          </p:cNvPr>
+          <p:cNvPicPr>
+            <a:picLocks noChangeAspect="1"/>
+          </p:cNvPicPr>
+          <p:nvPr/>
+        </p:nvPicPr>
+        <p:blipFill>
+          <a:blip r:embed="rId4"/>
+          <a:stretch>
+            <a:fillRect/>
+          </a:stretch>
+        </p:blipFill>
+        <p:spPr>
+          <a:xfrm>
+            <a:off x="9911555" y="2967380"/>
+            <a:ext cx="570933" cy="629191"/>
+          </a:xfrm>
+          <a:prstGeom prst="rect">
+            <a:avLst/>
+          </a:prstGeom>
+        </p:spPr>
+      </p:pic>
+      <p:cxnSp>
+        <p:nvCxnSpPr>
+          <p:cNvPr id="17" name="直線矢印コネクタ 16">
+            <a:extLst>
+              <a:ext uri="{FF2B5EF4-FFF2-40B4-BE49-F238E27FC236}">
+                <a16:creationId xmlns:a16="http://schemas.microsoft.com/office/drawing/2014/main" id="{1D8FB449-345D-7F51-AA0F-9E0EE55B17DC}"/>
+              </a:ext>
+            </a:extLst>
+          </p:cNvPr>
+          <p:cNvCxnSpPr>
+            <a:cxnSpLocks/>
+          </p:cNvCxnSpPr>
+          <p:nvPr/>
+        </p:nvCxnSpPr>
+        <p:spPr>
+          <a:xfrm>
+            <a:off x="9182409" y="3299864"/>
+            <a:ext cx="700655" cy="0"/>
+          </a:xfrm>
+          <a:prstGeom prst="straightConnector1">
+            <a:avLst/>
+          </a:prstGeom>
+          <a:ln>
+            <a:solidFill>
+              <a:schemeClr val="bg1">
+                <a:lumMod val="65000"/>
+              </a:schemeClr>
+            </a:solidFill>
+            <a:tailEnd type="triangle"/>
+          </a:ln>
+        </p:spPr>
+        <p:style>
+          <a:lnRef idx="3">
+            <a:schemeClr val="accent1"/>
+          </a:lnRef>
+          <a:fillRef idx="0">
+            <a:schemeClr val="accent1"/>
+          </a:fillRef>
+          <a:effectRef idx="2">
+            <a:schemeClr val="accent1"/>
+          </a:effectRef>
+          <a:fontRef idx="minor">
+            <a:schemeClr val="tx1"/>
+          </a:fontRef>
+        </p:style>
+      </p:cxnSp>
+    </p:spTree>
+    <p:extLst>
+      <p:ext uri="{BB962C8B-B14F-4D97-AF65-F5344CB8AC3E}">
+        <p14:creationId xmlns:p14="http://schemas.microsoft.com/office/powerpoint/2010/main" val="1440146286"/>
       </p:ext>
     </p:extLst>
   </p:cSld>
@@ -3692,7 +5674,7 @@
         <p:cNvPr id="1" name="">
           <a:extLst>
             <a:ext uri="{FF2B5EF4-FFF2-40B4-BE49-F238E27FC236}">
-              <a16:creationId xmlns:a16="http://schemas.microsoft.com/office/drawing/2014/main" id="{6E88A122-18FA-A854-8DCE-632756A6ABCC}"/>
+              <a16:creationId xmlns:a16="http://schemas.microsoft.com/office/drawing/2014/main" id="{FBCDB657-8210-1768-34DA-0D4EC8730291}"/>
             </a:ext>
           </a:extLst>
         </p:cNvPr>
@@ -3709,10 +5691,10 @@
       </p:grpSpPr>
       <p:sp>
         <p:nvSpPr>
-          <p:cNvPr id="2" name="テキスト ボックス 1">
-            <a:extLst>
-              <a:ext uri="{FF2B5EF4-FFF2-40B4-BE49-F238E27FC236}">
-                <a16:creationId xmlns:a16="http://schemas.microsoft.com/office/drawing/2014/main" id="{1BEE6172-ED6A-F406-9820-81054C27393D}"/>
+          <p:cNvPr id="6" name="テキスト ボックス 5">
+            <a:extLst>
+              <a:ext uri="{FF2B5EF4-FFF2-40B4-BE49-F238E27FC236}">
+                <a16:creationId xmlns:a16="http://schemas.microsoft.com/office/drawing/2014/main" id="{A8D0B0B6-6174-F874-0097-CB9D670F92D0}"/>
               </a:ext>
             </a:extLst>
           </p:cNvPr>
@@ -3721,8 +5703,8 @@
         </p:nvSpPr>
         <p:spPr>
           <a:xfrm>
-            <a:off x="2187618" y="154053"/>
-            <a:ext cx="2404826" cy="461665"/>
+            <a:off x="1371918" y="91763"/>
+            <a:ext cx="1667444" cy="461665"/>
           </a:xfrm>
           <a:prstGeom prst="rect">
             <a:avLst/>
@@ -3736,28 +5718,278 @@
           <a:lstStyle/>
           <a:p>
             <a:r>
-              <a:rPr kumimoji="1" lang="en-US" altLang="ja-JP" sz="2400" dirty="0">
-                <a:latin typeface="Meiryo UI" panose="020B0604030504040204" pitchFamily="50" charset="-128"/>
-                <a:ea typeface="Meiryo UI" panose="020B0604030504040204" pitchFamily="50" charset="-128"/>
-              </a:rPr>
-              <a:t>AWS</a:t>
-            </a:r>
-            <a:r>
               <a:rPr kumimoji="1" lang="ja-JP" altLang="en-US" sz="2400" dirty="0">
                 <a:latin typeface="Meiryo UI" panose="020B0604030504040204" pitchFamily="50" charset="-128"/>
                 <a:ea typeface="Meiryo UI" panose="020B0604030504040204" pitchFamily="50" charset="-128"/>
               </a:rPr>
-              <a:t>利用の目的</a:t>
-            </a:r>
-          </a:p>
-        </p:txBody>
-      </p:sp>
-      <p:sp>
-        <p:nvSpPr>
-          <p:cNvPr id="4" name="テキスト ボックス 3">
-            <a:extLst>
-              <a:ext uri="{FF2B5EF4-FFF2-40B4-BE49-F238E27FC236}">
-                <a16:creationId xmlns:a16="http://schemas.microsoft.com/office/drawing/2014/main" id="{CEC20394-57C8-2E86-A7D9-5F310220C774}"/>
+              <a:t>費用の試算</a:t>
+            </a:r>
+          </a:p>
+        </p:txBody>
+      </p:sp>
+      <p:graphicFrame>
+        <p:nvGraphicFramePr>
+          <p:cNvPr id="9" name="表 8">
+            <a:extLst>
+              <a:ext uri="{FF2B5EF4-FFF2-40B4-BE49-F238E27FC236}">
+                <a16:creationId xmlns:a16="http://schemas.microsoft.com/office/drawing/2014/main" id="{FA353640-DCB8-B8BC-854B-E3394872474D}"/>
+              </a:ext>
+            </a:extLst>
+          </p:cNvPr>
+          <p:cNvGraphicFramePr>
+            <a:graphicFrameLocks noGrp="1"/>
+          </p:cNvGraphicFramePr>
+          <p:nvPr>
+            <p:extLst>
+              <p:ext uri="{D42A27DB-BD31-4B8C-83A1-F6EECF244321}">
+                <p14:modId xmlns:p14="http://schemas.microsoft.com/office/powerpoint/2010/main" val="670660822"/>
+              </p:ext>
+            </p:extLst>
+          </p:nvPr>
+        </p:nvGraphicFramePr>
+        <p:xfrm>
+          <a:off x="6096000" y="2307585"/>
+          <a:ext cx="4647963" cy="2124252"/>
+        </p:xfrm>
+        <a:graphic>
+          <a:graphicData uri="http://schemas.openxmlformats.org/drawingml/2006/table">
+            <a:tbl>
+              <a:tblPr firstRow="1" bandRow="1">
+                <a:tableStyleId>{F5AB1C69-6EDB-4FF4-983F-18BD219EF322}</a:tableStyleId>
+              </a:tblPr>
+              <a:tblGrid>
+                <a:gridCol w="3106449">
+                  <a:extLst>
+                    <a:ext uri="{9D8B030D-6E8A-4147-A177-3AD203B41FA5}">
+                      <a16:colId xmlns:a16="http://schemas.microsoft.com/office/drawing/2014/main" val="2232387531"/>
+                    </a:ext>
+                  </a:extLst>
+                </a:gridCol>
+                <a:gridCol w="1541514">
+                  <a:extLst>
+                    <a:ext uri="{9D8B030D-6E8A-4147-A177-3AD203B41FA5}">
+                      <a16:colId xmlns:a16="http://schemas.microsoft.com/office/drawing/2014/main" val="4069794317"/>
+                    </a:ext>
+                  </a:extLst>
+                </a:gridCol>
+              </a:tblGrid>
+              <a:tr h="379968">
+                <a:tc>
+                  <a:txBody>
+                    <a:bodyPr/>
+                    <a:lstStyle/>
+                    <a:p>
+                      <a:endParaRPr kumimoji="1" lang="ja-JP" altLang="en-US" sz="2000" dirty="0">
+                        <a:latin typeface="Meiryo UI" panose="020B0604030504040204" pitchFamily="50" charset="-128"/>
+                        <a:ea typeface="Meiryo UI" panose="020B0604030504040204" pitchFamily="50" charset="-128"/>
+                      </a:endParaRPr>
+                    </a:p>
+                  </a:txBody>
+                  <a:tcPr/>
+                </a:tc>
+                <a:tc>
+                  <a:txBody>
+                    <a:bodyPr/>
+                    <a:lstStyle/>
+                    <a:p>
+                      <a:r>
+                        <a:rPr kumimoji="1" lang="ja-JP" altLang="en-US" sz="2000" dirty="0">
+                          <a:latin typeface="Meiryo UI" panose="020B0604030504040204" pitchFamily="50" charset="-128"/>
+                          <a:ea typeface="Meiryo UI" panose="020B0604030504040204" pitchFamily="50" charset="-128"/>
+                        </a:rPr>
+                        <a:t>  千円／月</a:t>
+                      </a:r>
+                    </a:p>
+                  </a:txBody>
+                  <a:tcPr/>
+                </a:tc>
+                <a:extLst>
+                  <a:ext uri="{0D108BD9-81ED-4DB2-BD59-A6C34878D82A}">
+                    <a16:rowId xmlns:a16="http://schemas.microsoft.com/office/drawing/2014/main" val="3071225719"/>
+                  </a:ext>
+                </a:extLst>
+              </a:tr>
+              <a:tr h="576004">
+                <a:tc>
+                  <a:txBody>
+                    <a:bodyPr/>
+                    <a:lstStyle/>
+                    <a:p>
+                      <a:r>
+                        <a:rPr kumimoji="1" lang="en-US" altLang="ja-JP" sz="2000" dirty="0">
+                          <a:latin typeface="Meiryo UI" panose="020B0604030504040204" pitchFamily="50" charset="-128"/>
+                          <a:ea typeface="Meiryo UI" panose="020B0604030504040204" pitchFamily="50" charset="-128"/>
+                        </a:rPr>
+                        <a:t>AWS </a:t>
+                      </a:r>
+                      <a:r>
+                        <a:rPr kumimoji="1" lang="ja-JP" altLang="en-US" sz="2000" dirty="0">
+                          <a:latin typeface="Meiryo UI" panose="020B0604030504040204" pitchFamily="50" charset="-128"/>
+                          <a:ea typeface="Meiryo UI" panose="020B0604030504040204" pitchFamily="50" charset="-128"/>
+                        </a:rPr>
+                        <a:t>基本料金 </a:t>
+                      </a:r>
+                    </a:p>
+                  </a:txBody>
+                  <a:tcPr/>
+                </a:tc>
+                <a:tc>
+                  <a:txBody>
+                    <a:bodyPr/>
+                    <a:lstStyle/>
+                    <a:p>
+                      <a:pPr algn="r"/>
+                      <a:r>
+                        <a:rPr kumimoji="1" lang="ja-JP" altLang="en-US" sz="2000" dirty="0">
+                          <a:latin typeface="Meiryo UI" panose="020B0604030504040204" pitchFamily="50" charset="-128"/>
+                          <a:ea typeface="Meiryo UI" panose="020B0604030504040204" pitchFamily="50" charset="-128"/>
+                        </a:rPr>
+                        <a:t>５</a:t>
+                      </a:r>
+                    </a:p>
+                  </a:txBody>
+                  <a:tcPr/>
+                </a:tc>
+                <a:extLst>
+                  <a:ext uri="{0D108BD9-81ED-4DB2-BD59-A6C34878D82A}">
+                    <a16:rowId xmlns:a16="http://schemas.microsoft.com/office/drawing/2014/main" val="1485373274"/>
+                  </a:ext>
+                </a:extLst>
+              </a:tr>
+              <a:tr h="576004">
+                <a:tc>
+                  <a:txBody>
+                    <a:bodyPr/>
+                    <a:lstStyle/>
+                    <a:p>
+                      <a:r>
+                        <a:rPr kumimoji="1" lang="en-US" altLang="ja-JP" sz="2000" dirty="0">
+                          <a:latin typeface="Meiryo UI" panose="020B0604030504040204" pitchFamily="50" charset="-128"/>
+                          <a:ea typeface="Meiryo UI" panose="020B0604030504040204" pitchFamily="50" charset="-128"/>
+                        </a:rPr>
+                        <a:t>AWS API</a:t>
+                      </a:r>
+                      <a:r>
+                        <a:rPr kumimoji="1" lang="ja-JP" altLang="en-US" sz="2000" dirty="0">
+                          <a:latin typeface="Meiryo UI" panose="020B0604030504040204" pitchFamily="50" charset="-128"/>
+                          <a:ea typeface="Meiryo UI" panose="020B0604030504040204" pitchFamily="50" charset="-128"/>
+                        </a:rPr>
+                        <a:t>利用料金 </a:t>
+                      </a:r>
+                    </a:p>
+                  </a:txBody>
+                  <a:tcPr/>
+                </a:tc>
+                <a:tc>
+                  <a:txBody>
+                    <a:bodyPr/>
+                    <a:lstStyle/>
+                    <a:p>
+                      <a:pPr algn="r"/>
+                      <a:r>
+                        <a:rPr kumimoji="1" lang="en-US" altLang="ja-JP" sz="2000" dirty="0">
+                          <a:latin typeface="Meiryo UI" panose="020B0604030504040204" pitchFamily="50" charset="-128"/>
+                          <a:ea typeface="Meiryo UI" panose="020B0604030504040204" pitchFamily="50" charset="-128"/>
+                        </a:rPr>
+                        <a:t>5 </a:t>
+                      </a:r>
+                      <a:r>
+                        <a:rPr kumimoji="1" lang="ja-JP" altLang="en-US" sz="2000" dirty="0">
+                          <a:latin typeface="Meiryo UI" panose="020B0604030504040204" pitchFamily="50" charset="-128"/>
+                          <a:ea typeface="Meiryo UI" panose="020B0604030504040204" pitchFamily="50" charset="-128"/>
+                        </a:rPr>
+                        <a:t>～</a:t>
+                      </a:r>
+                      <a:r>
+                        <a:rPr kumimoji="1" lang="en-US" altLang="ja-JP" sz="2000" dirty="0">
+                          <a:latin typeface="Meiryo UI" panose="020B0604030504040204" pitchFamily="50" charset="-128"/>
+                          <a:ea typeface="Meiryo UI" panose="020B0604030504040204" pitchFamily="50" charset="-128"/>
+                        </a:rPr>
+                        <a:t> 25</a:t>
+                      </a:r>
+                      <a:endParaRPr kumimoji="1" lang="ja-JP" altLang="en-US" sz="2000" dirty="0">
+                        <a:latin typeface="Meiryo UI" panose="020B0604030504040204" pitchFamily="50" charset="-128"/>
+                        <a:ea typeface="Meiryo UI" panose="020B0604030504040204" pitchFamily="50" charset="-128"/>
+                      </a:endParaRPr>
+                    </a:p>
+                  </a:txBody>
+                  <a:tcPr/>
+                </a:tc>
+                <a:extLst>
+                  <a:ext uri="{0D108BD9-81ED-4DB2-BD59-A6C34878D82A}">
+                    <a16:rowId xmlns:a16="http://schemas.microsoft.com/office/drawing/2014/main" val="1213414776"/>
+                  </a:ext>
+                </a:extLst>
+              </a:tr>
+              <a:tr h="576004">
+                <a:tc>
+                  <a:txBody>
+                    <a:bodyPr/>
+                    <a:lstStyle/>
+                    <a:p>
+                      <a:pPr algn="ctr"/>
+                      <a:r>
+                        <a:rPr kumimoji="1" lang="ja-JP" altLang="en-US" sz="2000" dirty="0">
+                          <a:latin typeface="Meiryo UI" panose="020B0604030504040204" pitchFamily="50" charset="-128"/>
+                          <a:ea typeface="Meiryo UI" panose="020B0604030504040204" pitchFamily="50" charset="-128"/>
+                        </a:rPr>
+                        <a:t>計</a:t>
+                      </a:r>
+                    </a:p>
+                  </a:txBody>
+                  <a:tcPr/>
+                </a:tc>
+                <a:tc>
+                  <a:txBody>
+                    <a:bodyPr/>
+                    <a:lstStyle/>
+                    <a:p>
+                      <a:pPr algn="r"/>
+                      <a:r>
+                        <a:rPr kumimoji="1" lang="en-US" altLang="ja-JP" sz="2000" dirty="0">
+                          <a:latin typeface="Meiryo UI" panose="020B0604030504040204" pitchFamily="50" charset="-128"/>
+                          <a:ea typeface="Meiryo UI" panose="020B0604030504040204" pitchFamily="50" charset="-128"/>
+                        </a:rPr>
+                        <a:t>10 </a:t>
+                      </a:r>
+                      <a:r>
+                        <a:rPr kumimoji="1" lang="ja-JP" altLang="en-US" sz="2000" dirty="0">
+                          <a:latin typeface="Meiryo UI" panose="020B0604030504040204" pitchFamily="50" charset="-128"/>
+                          <a:ea typeface="Meiryo UI" panose="020B0604030504040204" pitchFamily="50" charset="-128"/>
+                        </a:rPr>
+                        <a:t>～ </a:t>
+                      </a:r>
+                      <a:r>
+                        <a:rPr kumimoji="1" lang="en-US" altLang="ja-JP" sz="2000" dirty="0">
+                          <a:latin typeface="Meiryo UI" panose="020B0604030504040204" pitchFamily="50" charset="-128"/>
+                          <a:ea typeface="Meiryo UI" panose="020B0604030504040204" pitchFamily="50" charset="-128"/>
+                        </a:rPr>
+                        <a:t>30</a:t>
+                      </a:r>
+                      <a:endParaRPr kumimoji="1" lang="ja-JP" altLang="en-US" sz="2000" dirty="0">
+                        <a:latin typeface="Meiryo UI" panose="020B0604030504040204" pitchFamily="50" charset="-128"/>
+                        <a:ea typeface="Meiryo UI" panose="020B0604030504040204" pitchFamily="50" charset="-128"/>
+                      </a:endParaRPr>
+                    </a:p>
+                  </a:txBody>
+                  <a:tcPr/>
+                </a:tc>
+                <a:extLst>
+                  <a:ext uri="{0D108BD9-81ED-4DB2-BD59-A6C34878D82A}">
+                    <a16:rowId xmlns:a16="http://schemas.microsoft.com/office/drawing/2014/main" val="2945191349"/>
+                  </a:ext>
+                </a:extLst>
+              </a:tr>
+            </a:tbl>
+          </a:graphicData>
+        </a:graphic>
+      </p:graphicFrame>
+      <p:sp>
+        <p:nvSpPr>
+          <p:cNvPr id="3" name="テキスト ボックス 2">
+            <a:extLst>
+              <a:ext uri="{FF2B5EF4-FFF2-40B4-BE49-F238E27FC236}">
+                <a16:creationId xmlns:a16="http://schemas.microsoft.com/office/drawing/2014/main" id="{BDC56C3E-9D01-A102-60C3-E7F0844F95C0}"/>
               </a:ext>
             </a:extLst>
           </p:cNvPr>
@@ -3766,8 +5998,8 @@
         </p:nvSpPr>
         <p:spPr>
           <a:xfrm>
-            <a:off x="1438318" y="2423688"/>
-            <a:ext cx="5532284" cy="461665"/>
+            <a:off x="953205" y="2733413"/>
+            <a:ext cx="4647963" cy="1569660"/>
           </a:xfrm>
           <a:prstGeom prst="rect">
             <a:avLst/>
@@ -3775,155 +6007,75 @@
           <a:noFill/>
         </p:spPr>
         <p:txBody>
-          <a:bodyPr wrap="none" rtlCol="0">
+          <a:bodyPr wrap="square" rtlCol="0">
             <a:spAutoFit/>
           </a:bodyPr>
           <a:lstStyle/>
           <a:p>
+            <a:r>
+              <a:rPr lang="en-US" altLang="ja-JP" sz="2400" dirty="0">
+                <a:latin typeface="Meiryo UI" panose="020B0604030504040204" pitchFamily="50" charset="-128"/>
+                <a:ea typeface="Meiryo UI" panose="020B0604030504040204" pitchFamily="50" charset="-128"/>
+              </a:rPr>
+              <a:t>10</a:t>
+            </a:r>
             <a:r>
               <a:rPr lang="ja-JP" altLang="en-US" sz="2400" dirty="0">
                 <a:latin typeface="Meiryo UI" panose="020B0604030504040204" pitchFamily="50" charset="-128"/>
                 <a:ea typeface="Meiryo UI" panose="020B0604030504040204" pitchFamily="50" charset="-128"/>
               </a:rPr>
-              <a:t>コード生成能力が高い</a:t>
+              <a:t>千円／月程度を予想。</a:t>
+            </a:r>
+            <a:endParaRPr lang="en-US" altLang="ja-JP" sz="2400" dirty="0">
+              <a:latin typeface="Meiryo UI" panose="020B0604030504040204" pitchFamily="50" charset="-128"/>
+              <a:ea typeface="Meiryo UI" panose="020B0604030504040204" pitchFamily="50" charset="-128"/>
+            </a:endParaRPr>
+          </a:p>
+          <a:p>
+            <a:endParaRPr lang="en-US" altLang="ja-JP" sz="2400" dirty="0">
+              <a:latin typeface="Meiryo UI" panose="020B0604030504040204" pitchFamily="50" charset="-128"/>
+              <a:ea typeface="Meiryo UI" panose="020B0604030504040204" pitchFamily="50" charset="-128"/>
+            </a:endParaRPr>
+          </a:p>
+          <a:p>
+            <a:r>
+              <a:rPr lang="ja-JP" altLang="en-US" sz="2400" dirty="0">
+                <a:latin typeface="Meiryo UI" panose="020B0604030504040204" pitchFamily="50" charset="-128"/>
+                <a:ea typeface="Meiryo UI" panose="020B0604030504040204" pitchFamily="50" charset="-128"/>
+              </a:rPr>
+              <a:t>最大でも</a:t>
             </a:r>
             <a:r>
               <a:rPr lang="en-US" altLang="ja-JP" sz="2400" dirty="0">
                 <a:latin typeface="Meiryo UI" panose="020B0604030504040204" pitchFamily="50" charset="-128"/>
                 <a:ea typeface="Meiryo UI" panose="020B0604030504040204" pitchFamily="50" charset="-128"/>
               </a:rPr>
-              <a:t>Claude</a:t>
+              <a:t>30</a:t>
             </a:r>
             <a:r>
               <a:rPr lang="ja-JP" altLang="en-US" sz="2400" dirty="0">
                 <a:latin typeface="Meiryo UI" panose="020B0604030504040204" pitchFamily="50" charset="-128"/>
                 <a:ea typeface="Meiryo UI" panose="020B0604030504040204" pitchFamily="50" charset="-128"/>
               </a:rPr>
-              <a:t>モデルの試行</a:t>
-            </a:r>
-            <a:endParaRPr kumimoji="1" lang="ja-JP" altLang="en-US" sz="2400" dirty="0">
+              <a:t>千円／月を想定。</a:t>
+            </a:r>
+            <a:endParaRPr lang="en-US" altLang="ja-JP" sz="2400" dirty="0">
               <a:latin typeface="Meiryo UI" panose="020B0604030504040204" pitchFamily="50" charset="-128"/>
               <a:ea typeface="Meiryo UI" panose="020B0604030504040204" pitchFamily="50" charset="-128"/>
             </a:endParaRPr>
           </a:p>
-        </p:txBody>
-      </p:sp>
-      <p:sp>
-        <p:nvSpPr>
-          <p:cNvPr id="5" name="テキスト ボックス 4">
-            <a:extLst>
-              <a:ext uri="{FF2B5EF4-FFF2-40B4-BE49-F238E27FC236}">
-                <a16:creationId xmlns:a16="http://schemas.microsoft.com/office/drawing/2014/main" id="{9CB6229F-A572-E8E6-E6C4-2410EA969CF8}"/>
-              </a:ext>
-            </a:extLst>
-          </p:cNvPr>
-          <p:cNvSpPr txBox="1"/>
-          <p:nvPr/>
-        </p:nvSpPr>
-        <p:spPr>
-          <a:xfrm>
-            <a:off x="1438318" y="4127541"/>
-            <a:ext cx="5137460" cy="461665"/>
-          </a:xfrm>
-          <a:prstGeom prst="rect">
-            <a:avLst/>
-          </a:prstGeom>
-          <a:noFill/>
-        </p:spPr>
-        <p:txBody>
-          <a:bodyPr wrap="square" rtlCol="0">
-            <a:spAutoFit/>
-          </a:bodyPr>
-          <a:lstStyle/>
-          <a:p>
-            <a:r>
-              <a:rPr kumimoji="1" lang="en-US" altLang="ja-JP" sz="2400" dirty="0">
-                <a:latin typeface="Meiryo UI" panose="020B0604030504040204" pitchFamily="50" charset="-128"/>
-                <a:ea typeface="Meiryo UI" panose="020B0604030504040204" pitchFamily="50" charset="-128"/>
-              </a:rPr>
-              <a:t>AWS</a:t>
-            </a:r>
-            <a:r>
-              <a:rPr lang="ja-JP" altLang="en-US" sz="2400" dirty="0">
-                <a:latin typeface="Meiryo UI" panose="020B0604030504040204" pitchFamily="50" charset="-128"/>
-                <a:ea typeface="Meiryo UI" panose="020B0604030504040204" pitchFamily="50" charset="-128"/>
-              </a:rPr>
-              <a:t>に適した開発環境</a:t>
-            </a:r>
-            <a:r>
-              <a:rPr kumimoji="1" lang="ja-JP" altLang="en-US" sz="2400" dirty="0">
-                <a:latin typeface="Meiryo UI" panose="020B0604030504040204" pitchFamily="50" charset="-128"/>
-                <a:ea typeface="Meiryo UI" panose="020B0604030504040204" pitchFamily="50" charset="-128"/>
-              </a:rPr>
-              <a:t>での試行 </a:t>
-            </a:r>
-          </a:p>
-        </p:txBody>
-      </p:sp>
-      <p:pic>
-        <p:nvPicPr>
-          <p:cNvPr id="9" name="図 8">
-            <a:extLst>
-              <a:ext uri="{FF2B5EF4-FFF2-40B4-BE49-F238E27FC236}">
-                <a16:creationId xmlns:a16="http://schemas.microsoft.com/office/drawing/2014/main" id="{04A263C3-D53F-17DE-AD81-FE0A08654A86}"/>
-              </a:ext>
-            </a:extLst>
-          </p:cNvPr>
-          <p:cNvPicPr>
-            <a:picLocks noChangeAspect="1"/>
-          </p:cNvPicPr>
-          <p:nvPr/>
-        </p:nvPicPr>
-        <p:blipFill>
-          <a:blip r:embed="rId2"/>
-          <a:stretch>
-            <a:fillRect/>
-          </a:stretch>
-        </p:blipFill>
-        <p:spPr>
-          <a:xfrm>
-            <a:off x="7779538" y="2257787"/>
-            <a:ext cx="2908784" cy="683244"/>
-          </a:xfrm>
-          <a:prstGeom prst="rect">
-            <a:avLst/>
-          </a:prstGeom>
-        </p:spPr>
-      </p:pic>
-      <p:pic>
-        <p:nvPicPr>
-          <p:cNvPr id="17" name="図 16">
-            <a:extLst>
-              <a:ext uri="{FF2B5EF4-FFF2-40B4-BE49-F238E27FC236}">
-                <a16:creationId xmlns:a16="http://schemas.microsoft.com/office/drawing/2014/main" id="{37351E68-391E-8646-D719-7C3D1194FD77}"/>
-              </a:ext>
-            </a:extLst>
-          </p:cNvPr>
-          <p:cNvPicPr>
-            <a:picLocks noChangeAspect="1"/>
-          </p:cNvPicPr>
-          <p:nvPr/>
-        </p:nvPicPr>
-        <p:blipFill>
-          <a:blip r:embed="rId3"/>
-          <a:stretch>
-            <a:fillRect/>
-          </a:stretch>
-        </p:blipFill>
-        <p:spPr>
-          <a:xfrm>
-            <a:off x="7779538" y="3998268"/>
-            <a:ext cx="3234268" cy="889532"/>
-          </a:xfrm>
-          <a:prstGeom prst="rect">
-            <a:avLst/>
-          </a:prstGeom>
-        </p:spPr>
-      </p:pic>
+          <a:p>
+            <a:endParaRPr kumimoji="1" lang="en-US" altLang="ja-JP" sz="2400" dirty="0">
+              <a:latin typeface="Meiryo UI" panose="020B0604030504040204" pitchFamily="50" charset="-128"/>
+              <a:ea typeface="Meiryo UI" panose="020B0604030504040204" pitchFamily="50" charset="-128"/>
+            </a:endParaRPr>
+          </a:p>
+        </p:txBody>
+      </p:sp>
     </p:spTree>
     <p:extLst>
       <p:ext uri="{BB962C8B-B14F-4D97-AF65-F5344CB8AC3E}">
-        <p14:creationId xmlns:p14="http://schemas.microsoft.com/office/powerpoint/2010/main" val="3960894598"/>
+        <p14:creationId xmlns:p14="http://schemas.microsoft.com/office/powerpoint/2010/main" val="484168992"/>
       </p:ext>
     </p:extLst>
   </p:cSld>
@@ -3952,6 +6104,362 @@
       </p:grpSpPr>
       <p:sp>
         <p:nvSpPr>
+          <p:cNvPr id="2" name="タイトル 1">
+            <a:extLst>
+              <a:ext uri="{FF2B5EF4-FFF2-40B4-BE49-F238E27FC236}">
+                <a16:creationId xmlns:a16="http://schemas.microsoft.com/office/drawing/2014/main" id="{15CEAF68-A18B-BDAE-D2AB-653351F09B0A}"/>
+              </a:ext>
+            </a:extLst>
+          </p:cNvPr>
+          <p:cNvSpPr>
+            <a:spLocks noGrp="1"/>
+          </p:cNvSpPr>
+          <p:nvPr>
+            <p:ph type="ctrTitle"/>
+          </p:nvPr>
+        </p:nvSpPr>
+        <p:spPr/>
+        <p:txBody>
+          <a:bodyPr/>
+          <a:lstStyle/>
+          <a:p>
+            <a:endParaRPr kumimoji="1" lang="ja-JP" altLang="en-US"/>
+          </a:p>
+        </p:txBody>
+      </p:sp>
+      <p:sp>
+        <p:nvSpPr>
+          <p:cNvPr id="3" name="字幕 2">
+            <a:extLst>
+              <a:ext uri="{FF2B5EF4-FFF2-40B4-BE49-F238E27FC236}">
+                <a16:creationId xmlns:a16="http://schemas.microsoft.com/office/drawing/2014/main" id="{3886605C-B041-21E1-B6B4-521074E8FBAE}"/>
+              </a:ext>
+            </a:extLst>
+          </p:cNvPr>
+          <p:cNvSpPr>
+            <a:spLocks noGrp="1"/>
+          </p:cNvSpPr>
+          <p:nvPr>
+            <p:ph type="subTitle" idx="1"/>
+          </p:nvPr>
+        </p:nvSpPr>
+        <p:spPr/>
+        <p:txBody>
+          <a:bodyPr/>
+          <a:lstStyle/>
+          <a:p>
+            <a:endParaRPr kumimoji="1" lang="ja-JP" altLang="en-US"/>
+          </a:p>
+        </p:txBody>
+      </p:sp>
+    </p:spTree>
+    <p:extLst>
+      <p:ext uri="{BB962C8B-B14F-4D97-AF65-F5344CB8AC3E}">
+        <p14:creationId xmlns:p14="http://schemas.microsoft.com/office/powerpoint/2010/main" val="3001068949"/>
+      </p:ext>
+    </p:extLst>
+  </p:cSld>
+  <p:clrMapOvr>
+    <a:masterClrMapping/>
+  </p:clrMapOvr>
+</p:sld>
+</file>
+
+<file path=ppt/slides/slide4.xml><?xml version="1.0" encoding="utf-8"?>
+<p:sld xmlns:a="http://schemas.openxmlformats.org/drawingml/2006/main" xmlns:r="http://schemas.openxmlformats.org/officeDocument/2006/relationships" xmlns:p="http://schemas.openxmlformats.org/presentationml/2006/main">
+  <p:cSld>
+    <p:spTree>
+      <p:nvGrpSpPr>
+        <p:cNvPr id="1" name="">
+          <a:extLst>
+            <a:ext uri="{FF2B5EF4-FFF2-40B4-BE49-F238E27FC236}">
+              <a16:creationId xmlns:a16="http://schemas.microsoft.com/office/drawing/2014/main" id="{6E88A122-18FA-A854-8DCE-632756A6ABCC}"/>
+            </a:ext>
+          </a:extLst>
+        </p:cNvPr>
+        <p:cNvGrpSpPr/>
+        <p:nvPr/>
+      </p:nvGrpSpPr>
+      <p:grpSpPr>
+        <a:xfrm>
+          <a:off x="0" y="0"/>
+          <a:ext cx="0" cy="0"/>
+          <a:chOff x="0" y="0"/>
+          <a:chExt cx="0" cy="0"/>
+        </a:xfrm>
+      </p:grpSpPr>
+      <p:sp>
+        <p:nvSpPr>
+          <p:cNvPr id="2" name="テキスト ボックス 1">
+            <a:extLst>
+              <a:ext uri="{FF2B5EF4-FFF2-40B4-BE49-F238E27FC236}">
+                <a16:creationId xmlns:a16="http://schemas.microsoft.com/office/drawing/2014/main" id="{1BEE6172-ED6A-F406-9820-81054C27393D}"/>
+              </a:ext>
+            </a:extLst>
+          </p:cNvPr>
+          <p:cNvSpPr txBox="1"/>
+          <p:nvPr/>
+        </p:nvSpPr>
+        <p:spPr>
+          <a:xfrm>
+            <a:off x="2187618" y="154053"/>
+            <a:ext cx="2404826" cy="461665"/>
+          </a:xfrm>
+          <a:prstGeom prst="rect">
+            <a:avLst/>
+          </a:prstGeom>
+          <a:noFill/>
+        </p:spPr>
+        <p:txBody>
+          <a:bodyPr wrap="none" rtlCol="0">
+            <a:spAutoFit/>
+          </a:bodyPr>
+          <a:lstStyle/>
+          <a:p>
+            <a:r>
+              <a:rPr kumimoji="1" lang="en-US" altLang="ja-JP" sz="2400" dirty="0">
+                <a:latin typeface="Meiryo UI" panose="020B0604030504040204" pitchFamily="50" charset="-128"/>
+                <a:ea typeface="Meiryo UI" panose="020B0604030504040204" pitchFamily="50" charset="-128"/>
+              </a:rPr>
+              <a:t>AWS</a:t>
+            </a:r>
+            <a:r>
+              <a:rPr kumimoji="1" lang="ja-JP" altLang="en-US" sz="2400" dirty="0">
+                <a:latin typeface="Meiryo UI" panose="020B0604030504040204" pitchFamily="50" charset="-128"/>
+                <a:ea typeface="Meiryo UI" panose="020B0604030504040204" pitchFamily="50" charset="-128"/>
+              </a:rPr>
+              <a:t>利用の目的</a:t>
+            </a:r>
+          </a:p>
+        </p:txBody>
+      </p:sp>
+      <p:sp>
+        <p:nvSpPr>
+          <p:cNvPr id="4" name="テキスト ボックス 3">
+            <a:extLst>
+              <a:ext uri="{FF2B5EF4-FFF2-40B4-BE49-F238E27FC236}">
+                <a16:creationId xmlns:a16="http://schemas.microsoft.com/office/drawing/2014/main" id="{CEC20394-57C8-2E86-A7D9-5F310220C774}"/>
+              </a:ext>
+            </a:extLst>
+          </p:cNvPr>
+          <p:cNvSpPr txBox="1"/>
+          <p:nvPr/>
+        </p:nvSpPr>
+        <p:spPr>
+          <a:xfrm>
+            <a:off x="801391" y="2368576"/>
+            <a:ext cx="6321491" cy="461665"/>
+          </a:xfrm>
+          <a:prstGeom prst="rect">
+            <a:avLst/>
+          </a:prstGeom>
+          <a:noFill/>
+        </p:spPr>
+        <p:txBody>
+          <a:bodyPr wrap="square" rtlCol="0">
+            <a:spAutoFit/>
+          </a:bodyPr>
+          <a:lstStyle/>
+          <a:p>
+            <a:r>
+              <a:rPr lang="ja-JP" altLang="en-US" sz="2400" dirty="0">
+                <a:latin typeface="Meiryo UI" panose="020B0604030504040204" pitchFamily="50" charset="-128"/>
+                <a:ea typeface="Meiryo UI" panose="020B0604030504040204" pitchFamily="50" charset="-128"/>
+              </a:rPr>
+              <a:t>コード生成能力が高い</a:t>
+            </a:r>
+            <a:r>
+              <a:rPr lang="en-US" altLang="ja-JP" sz="2400" dirty="0">
+                <a:latin typeface="Meiryo UI" panose="020B0604030504040204" pitchFamily="50" charset="-128"/>
+                <a:ea typeface="Meiryo UI" panose="020B0604030504040204" pitchFamily="50" charset="-128"/>
+              </a:rPr>
+              <a:t>Claude</a:t>
+            </a:r>
+            <a:r>
+              <a:rPr lang="ja-JP" altLang="en-US" sz="2400" dirty="0">
+                <a:latin typeface="Meiryo UI" panose="020B0604030504040204" pitchFamily="50" charset="-128"/>
+                <a:ea typeface="Meiryo UI" panose="020B0604030504040204" pitchFamily="50" charset="-128"/>
+              </a:rPr>
+              <a:t>モデルの試行</a:t>
+            </a:r>
+            <a:endParaRPr kumimoji="1" lang="ja-JP" altLang="en-US" sz="2400" dirty="0">
+              <a:latin typeface="Meiryo UI" panose="020B0604030504040204" pitchFamily="50" charset="-128"/>
+              <a:ea typeface="Meiryo UI" panose="020B0604030504040204" pitchFamily="50" charset="-128"/>
+            </a:endParaRPr>
+          </a:p>
+        </p:txBody>
+      </p:sp>
+      <p:sp>
+        <p:nvSpPr>
+          <p:cNvPr id="5" name="テキスト ボックス 4">
+            <a:extLst>
+              <a:ext uri="{FF2B5EF4-FFF2-40B4-BE49-F238E27FC236}">
+                <a16:creationId xmlns:a16="http://schemas.microsoft.com/office/drawing/2014/main" id="{9CB6229F-A572-E8E6-E6C4-2410EA969CF8}"/>
+              </a:ext>
+            </a:extLst>
+          </p:cNvPr>
+          <p:cNvSpPr txBox="1"/>
+          <p:nvPr/>
+        </p:nvSpPr>
+        <p:spPr>
+          <a:xfrm>
+            <a:off x="801391" y="4121897"/>
+            <a:ext cx="5870343" cy="830997"/>
+          </a:xfrm>
+          <a:prstGeom prst="rect">
+            <a:avLst/>
+          </a:prstGeom>
+          <a:noFill/>
+        </p:spPr>
+        <p:txBody>
+          <a:bodyPr wrap="square" rtlCol="0">
+            <a:spAutoFit/>
+          </a:bodyPr>
+          <a:lstStyle/>
+          <a:p>
+            <a:r>
+              <a:rPr kumimoji="1" lang="en-US" altLang="ja-JP" sz="2400" dirty="0">
+                <a:latin typeface="Meiryo UI" panose="020B0604030504040204" pitchFamily="50" charset="-128"/>
+                <a:ea typeface="Meiryo UI" panose="020B0604030504040204" pitchFamily="50" charset="-128"/>
+              </a:rPr>
+              <a:t>AWS</a:t>
+            </a:r>
+            <a:r>
+              <a:rPr lang="ja-JP" altLang="en-US" sz="2400" dirty="0">
+                <a:latin typeface="Meiryo UI" panose="020B0604030504040204" pitchFamily="50" charset="-128"/>
+                <a:ea typeface="Meiryo UI" panose="020B0604030504040204" pitchFamily="50" charset="-128"/>
+              </a:rPr>
+              <a:t>に適したコード生成</a:t>
+            </a:r>
+            <a:r>
+              <a:rPr lang="en-US" altLang="ja-JP" sz="2400" dirty="0">
+                <a:latin typeface="Meiryo UI" panose="020B0604030504040204" pitchFamily="50" charset="-128"/>
+                <a:ea typeface="Meiryo UI" panose="020B0604030504040204" pitchFamily="50" charset="-128"/>
+              </a:rPr>
+              <a:t>AI</a:t>
+            </a:r>
+            <a:r>
+              <a:rPr lang="ja-JP" altLang="en-US" sz="2400" dirty="0">
+                <a:latin typeface="Meiryo UI" panose="020B0604030504040204" pitchFamily="50" charset="-128"/>
+                <a:ea typeface="Meiryo UI" panose="020B0604030504040204" pitchFamily="50" charset="-128"/>
+              </a:rPr>
+              <a:t>エージェント</a:t>
+            </a:r>
+            <a:endParaRPr lang="en-US" altLang="ja-JP" sz="2400" dirty="0">
+              <a:latin typeface="Meiryo UI" panose="020B0604030504040204" pitchFamily="50" charset="-128"/>
+              <a:ea typeface="Meiryo UI" panose="020B0604030504040204" pitchFamily="50" charset="-128"/>
+            </a:endParaRPr>
+          </a:p>
+          <a:p>
+            <a:r>
+              <a:rPr kumimoji="1" lang="en-US" altLang="ja-JP" sz="2400" dirty="0">
+                <a:latin typeface="Meiryo UI" panose="020B0604030504040204" pitchFamily="50" charset="-128"/>
+                <a:ea typeface="Meiryo UI" panose="020B0604030504040204" pitchFamily="50" charset="-128"/>
+              </a:rPr>
+              <a:t>(Q Developer)</a:t>
+            </a:r>
+            <a:r>
+              <a:rPr kumimoji="1" lang="ja-JP" altLang="en-US" sz="2400" dirty="0">
+                <a:latin typeface="Meiryo UI" panose="020B0604030504040204" pitchFamily="50" charset="-128"/>
+                <a:ea typeface="Meiryo UI" panose="020B0604030504040204" pitchFamily="50" charset="-128"/>
+              </a:rPr>
+              <a:t>の試行 </a:t>
+            </a:r>
+          </a:p>
+        </p:txBody>
+      </p:sp>
+      <p:pic>
+        <p:nvPicPr>
+          <p:cNvPr id="9" name="図 8">
+            <a:extLst>
+              <a:ext uri="{FF2B5EF4-FFF2-40B4-BE49-F238E27FC236}">
+                <a16:creationId xmlns:a16="http://schemas.microsoft.com/office/drawing/2014/main" id="{04A263C3-D53F-17DE-AD81-FE0A08654A86}"/>
+              </a:ext>
+            </a:extLst>
+          </p:cNvPr>
+          <p:cNvPicPr>
+            <a:picLocks noChangeAspect="1"/>
+          </p:cNvPicPr>
+          <p:nvPr/>
+        </p:nvPicPr>
+        <p:blipFill>
+          <a:blip r:embed="rId2"/>
+          <a:stretch>
+            <a:fillRect/>
+          </a:stretch>
+        </p:blipFill>
+        <p:spPr>
+          <a:xfrm>
+            <a:off x="7779538" y="2257787"/>
+            <a:ext cx="2908784" cy="683244"/>
+          </a:xfrm>
+          <a:prstGeom prst="rect">
+            <a:avLst/>
+          </a:prstGeom>
+        </p:spPr>
+      </p:pic>
+      <p:pic>
+        <p:nvPicPr>
+          <p:cNvPr id="17" name="図 16">
+            <a:extLst>
+              <a:ext uri="{FF2B5EF4-FFF2-40B4-BE49-F238E27FC236}">
+                <a16:creationId xmlns:a16="http://schemas.microsoft.com/office/drawing/2014/main" id="{37351E68-391E-8646-D719-7C3D1194FD77}"/>
+              </a:ext>
+            </a:extLst>
+          </p:cNvPr>
+          <p:cNvPicPr>
+            <a:picLocks noChangeAspect="1"/>
+          </p:cNvPicPr>
+          <p:nvPr/>
+        </p:nvPicPr>
+        <p:blipFill>
+          <a:blip r:embed="rId3"/>
+          <a:stretch>
+            <a:fillRect/>
+          </a:stretch>
+        </p:blipFill>
+        <p:spPr>
+          <a:xfrm>
+            <a:off x="7779538" y="3998268"/>
+            <a:ext cx="3234268" cy="889532"/>
+          </a:xfrm>
+          <a:prstGeom prst="rect">
+            <a:avLst/>
+          </a:prstGeom>
+        </p:spPr>
+      </p:pic>
+    </p:spTree>
+    <p:extLst>
+      <p:ext uri="{BB962C8B-B14F-4D97-AF65-F5344CB8AC3E}">
+        <p14:creationId xmlns:p14="http://schemas.microsoft.com/office/powerpoint/2010/main" val="3960894598"/>
+      </p:ext>
+    </p:extLst>
+  </p:cSld>
+  <p:clrMapOvr>
+    <a:masterClrMapping/>
+  </p:clrMapOvr>
+</p:sld>
+</file>
+
+<file path=ppt/slides/slide5.xml><?xml version="1.0" encoding="utf-8"?>
+<p:sld xmlns:a="http://schemas.openxmlformats.org/drawingml/2006/main" xmlns:r="http://schemas.openxmlformats.org/officeDocument/2006/relationships" xmlns:p="http://schemas.openxmlformats.org/presentationml/2006/main">
+  <p:cSld>
+    <p:spTree>
+      <p:nvGrpSpPr>
+        <p:cNvPr id="1" name=""/>
+        <p:cNvGrpSpPr/>
+        <p:nvPr/>
+      </p:nvGrpSpPr>
+      <p:grpSpPr>
+        <a:xfrm>
+          <a:off x="0" y="0"/>
+          <a:ext cx="0" cy="0"/>
+          <a:chOff x="0" y="0"/>
+          <a:chExt cx="0" cy="0"/>
+        </a:xfrm>
+      </p:grpSpPr>
+      <p:sp>
+        <p:nvSpPr>
           <p:cNvPr id="105" name="正方形/長方形 104">
             <a:extLst>
               <a:ext uri="{FF2B5EF4-FFF2-40B4-BE49-F238E27FC236}">
@@ -3964,7 +6472,7 @@
         </p:nvSpPr>
         <p:spPr>
           <a:xfrm>
-            <a:off x="6086362" y="2679334"/>
+            <a:off x="6076270" y="2729606"/>
             <a:ext cx="4242908" cy="1452475"/>
           </a:xfrm>
           <a:prstGeom prst="rect">
@@ -4023,9 +6531,9 @@
           <p:nvPr/>
         </p:nvCxnSpPr>
         <p:spPr>
-          <a:xfrm flipV="1">
-            <a:off x="7193651" y="3451760"/>
-            <a:ext cx="675518" cy="5360"/>
+          <a:xfrm>
+            <a:off x="7020344" y="3438691"/>
+            <a:ext cx="964183" cy="1"/>
           </a:xfrm>
           <a:prstGeom prst="straightConnector1">
             <a:avLst/>
@@ -4118,10 +6626,10 @@
           <p:nvPr/>
         </p:nvPicPr>
         <p:blipFill>
-          <a:blip r:embed="rId2">
+          <a:blip r:embed="rId3">
             <a:extLst>
               <a:ext uri="{96DAC541-7B7A-43D3-8B79-37D633B846F1}">
-                <asvg:svgBlip xmlns:asvg="http://schemas.microsoft.com/office/drawing/2016/SVG/main" r:embed="rId3"/>
+                <asvg:svgBlip xmlns:asvg="http://schemas.microsoft.com/office/drawing/2016/SVG/main" r:embed="rId4"/>
               </a:ext>
             </a:extLst>
           </a:blip>
@@ -4131,8 +6639,8 @@
         </p:blipFill>
         <p:spPr>
           <a:xfrm>
-            <a:off x="6584051" y="3152320"/>
-            <a:ext cx="609600" cy="609600"/>
+            <a:off x="6615986" y="3236512"/>
+            <a:ext cx="404358" cy="404358"/>
           </a:xfrm>
           <a:prstGeom prst="rect">
             <a:avLst/>
@@ -4154,10 +6662,10 @@
           <p:nvPr/>
         </p:nvPicPr>
         <p:blipFill>
-          <a:blip r:embed="rId4">
+          <a:blip r:embed="rId5">
             <a:extLst>
               <a:ext uri="{96DAC541-7B7A-43D3-8B79-37D633B846F1}">
-                <asvg:svgBlip xmlns:asvg="http://schemas.microsoft.com/office/drawing/2016/SVG/main" r:embed="rId5"/>
+                <asvg:svgBlip xmlns:asvg="http://schemas.microsoft.com/office/drawing/2016/SVG/main" r:embed="rId6"/>
               </a:ext>
             </a:extLst>
           </a:blip>
@@ -4167,8 +6675,8 @@
         </p:blipFill>
         <p:spPr>
           <a:xfrm>
-            <a:off x="9254233" y="4424746"/>
-            <a:ext cx="609600" cy="609600"/>
+            <a:off x="9348739" y="4546698"/>
+            <a:ext cx="353197" cy="353197"/>
           </a:xfrm>
           <a:prstGeom prst="rect">
             <a:avLst/>
@@ -4190,10 +6698,10 @@
           <p:nvPr/>
         </p:nvPicPr>
         <p:blipFill>
-          <a:blip r:embed="rId6">
+          <a:blip r:embed="rId7">
             <a:extLst>
               <a:ext uri="{96DAC541-7B7A-43D3-8B79-37D633B846F1}">
-                <asvg:svgBlip xmlns:asvg="http://schemas.microsoft.com/office/drawing/2016/SVG/main" r:embed="rId7"/>
+                <asvg:svgBlip xmlns:asvg="http://schemas.microsoft.com/office/drawing/2016/SVG/main" r:embed="rId8"/>
               </a:ext>
             </a:extLst>
           </a:blip>
@@ -4203,8 +6711,8 @@
         </p:blipFill>
         <p:spPr>
           <a:xfrm>
-            <a:off x="10629496" y="4424746"/>
-            <a:ext cx="609600" cy="609600"/>
+            <a:off x="10673411" y="4533193"/>
+            <a:ext cx="380207" cy="380207"/>
           </a:xfrm>
           <a:prstGeom prst="rect">
             <a:avLst/>
@@ -4226,10 +6734,10 @@
           <p:nvPr/>
         </p:nvPicPr>
         <p:blipFill>
-          <a:blip r:embed="rId8">
+          <a:blip r:embed="rId9">
             <a:extLst>
               <a:ext uri="{96DAC541-7B7A-43D3-8B79-37D633B846F1}">
-                <asvg:svgBlip xmlns:asvg="http://schemas.microsoft.com/office/drawing/2016/SVG/main" r:embed="rId9"/>
+                <asvg:svgBlip xmlns:asvg="http://schemas.microsoft.com/office/drawing/2016/SVG/main" r:embed="rId10"/>
               </a:ext>
             </a:extLst>
           </a:blip>
@@ -4239,8 +6747,8 @@
         </p:blipFill>
         <p:spPr>
           <a:xfrm>
-            <a:off x="7869169" y="3146960"/>
-            <a:ext cx="609600" cy="609600"/>
+            <a:off x="7984527" y="3249251"/>
+            <a:ext cx="378881" cy="378881"/>
           </a:xfrm>
           <a:prstGeom prst="rect">
             <a:avLst/>
@@ -4261,7 +6769,7 @@
         </p:nvSpPr>
         <p:spPr>
           <a:xfrm>
-            <a:off x="6651508" y="3712034"/>
+            <a:off x="6589591" y="3578562"/>
             <a:ext cx="470000" cy="276999"/>
           </a:xfrm>
           <a:prstGeom prst="rect">
@@ -4297,7 +6805,7 @@
         </p:nvSpPr>
         <p:spPr>
           <a:xfrm>
-            <a:off x="2817576" y="3187346"/>
+            <a:off x="2809169" y="3123873"/>
             <a:ext cx="1636987" cy="369332"/>
           </a:xfrm>
           <a:prstGeom prst="rect">
@@ -4360,7 +6868,7 @@
         </p:nvSpPr>
         <p:spPr>
           <a:xfrm>
-            <a:off x="6217676" y="2869058"/>
+            <a:off x="6121291" y="2943855"/>
             <a:ext cx="1338828" cy="369332"/>
           </a:xfrm>
           <a:prstGeom prst="rect">
@@ -4408,10 +6916,10 @@
           <p:nvPr/>
         </p:nvPicPr>
         <p:blipFill>
-          <a:blip r:embed="rId10">
+          <a:blip r:embed="rId11">
             <a:extLst>
               <a:ext uri="{96DAC541-7B7A-43D3-8B79-37D633B846F1}">
-                <asvg:svgBlip xmlns:asvg="http://schemas.microsoft.com/office/drawing/2016/SVG/main" r:embed="rId11"/>
+                <asvg:svgBlip xmlns:asvg="http://schemas.microsoft.com/office/drawing/2016/SVG/main" r:embed="rId12"/>
               </a:ext>
             </a:extLst>
           </a:blip>
@@ -4421,8 +6929,8 @@
         </p:blipFill>
         <p:spPr>
           <a:xfrm>
-            <a:off x="7899465" y="4427781"/>
-            <a:ext cx="609600" cy="609600"/>
+            <a:off x="8024068" y="4546698"/>
+            <a:ext cx="353196" cy="353196"/>
           </a:xfrm>
           <a:prstGeom prst="rect">
             <a:avLst/>
@@ -4444,15 +6952,15 @@
           <p:nvPr/>
         </p:nvPicPr>
         <p:blipFill>
-          <a:blip r:embed="rId12"/>
+          <a:blip r:embed="rId13"/>
           <a:stretch>
             <a:fillRect/>
           </a:stretch>
         </p:blipFill>
         <p:spPr>
           <a:xfrm>
-            <a:off x="9286734" y="3144541"/>
-            <a:ext cx="602594" cy="609600"/>
+            <a:off x="9340580" y="3249251"/>
+            <a:ext cx="374527" cy="378881"/>
           </a:xfrm>
           <a:prstGeom prst="rect">
             <a:avLst/>
@@ -4473,7 +6981,7 @@
         </p:nvSpPr>
         <p:spPr>
           <a:xfrm>
-            <a:off x="9260623" y="3705154"/>
+            <a:off x="9176339" y="3578562"/>
             <a:ext cx="681597" cy="276999"/>
           </a:xfrm>
           <a:prstGeom prst="rect">
@@ -4509,7 +7017,7 @@
         </p:nvSpPr>
         <p:spPr>
           <a:xfrm>
-            <a:off x="7789087" y="3705154"/>
+            <a:off x="7789085" y="3578562"/>
             <a:ext cx="769763" cy="276999"/>
           </a:xfrm>
           <a:prstGeom prst="rect">
@@ -4545,7 +7053,7 @@
         </p:nvSpPr>
         <p:spPr>
           <a:xfrm>
-            <a:off x="7757766" y="4993285"/>
+            <a:off x="7757764" y="4850657"/>
             <a:ext cx="914033" cy="276999"/>
           </a:xfrm>
           <a:prstGeom prst="rect">
@@ -4581,7 +7089,7 @@
         </p:nvSpPr>
         <p:spPr>
           <a:xfrm>
-            <a:off x="9081978" y="4967932"/>
+            <a:off x="9083299" y="4871287"/>
             <a:ext cx="954107" cy="276999"/>
           </a:xfrm>
           <a:prstGeom prst="rect">
@@ -4617,7 +7125,7 @@
         </p:nvSpPr>
         <p:spPr>
           <a:xfrm>
-            <a:off x="10508538" y="4967932"/>
+            <a:off x="10486450" y="4901804"/>
             <a:ext cx="864339" cy="276999"/>
           </a:xfrm>
           <a:prstGeom prst="rect">
@@ -4653,7 +7161,7 @@
         </p:nvSpPr>
         <p:spPr>
           <a:xfrm>
-            <a:off x="5112280" y="3780057"/>
+            <a:off x="5105956" y="3676138"/>
             <a:ext cx="936475" cy="276999"/>
           </a:xfrm>
           <a:prstGeom prst="rect">
@@ -4697,7 +7205,7 @@
         </p:nvSpPr>
         <p:spPr>
           <a:xfrm>
-            <a:off x="5193843" y="2833955"/>
+            <a:off x="5193843" y="2883506"/>
             <a:ext cx="986226" cy="369332"/>
           </a:xfrm>
           <a:prstGeom prst="rect">
@@ -4809,10 +7317,10 @@
           <p:nvPr/>
         </p:nvPicPr>
         <p:blipFill>
-          <a:blip r:embed="rId13">
+          <a:blip r:embed="rId14">
             <a:extLst>
               <a:ext uri="{96DAC541-7B7A-43D3-8B79-37D633B846F1}">
-                <asvg:svgBlip xmlns:asvg="http://schemas.microsoft.com/office/drawing/2016/SVG/main" r:embed="rId14"/>
+                <asvg:svgBlip xmlns:asvg="http://schemas.microsoft.com/office/drawing/2016/SVG/main" r:embed="rId15"/>
               </a:ext>
             </a:extLst>
           </a:blip>
@@ -4845,10 +7353,10 @@
           <p:nvPr/>
         </p:nvPicPr>
         <p:blipFill>
-          <a:blip r:embed="rId15">
+          <a:blip r:embed="rId16">
             <a:extLst>
               <a:ext uri="{96DAC541-7B7A-43D3-8B79-37D633B846F1}">
-                <asvg:svgBlip xmlns:asvg="http://schemas.microsoft.com/office/drawing/2016/SVG/main" r:embed="rId16"/>
+                <asvg:svgBlip xmlns:asvg="http://schemas.microsoft.com/office/drawing/2016/SVG/main" r:embed="rId17"/>
               </a:ext>
             </a:extLst>
           </a:blip>
@@ -4935,14 +7443,14 @@
           <p:nvPr/>
         </p:nvPicPr>
         <p:blipFill>
-          <a:blip r:embed="rId17"/>
+          <a:blip r:embed="rId18"/>
           <a:stretch>
             <a:fillRect/>
           </a:stretch>
         </p:blipFill>
         <p:spPr>
           <a:xfrm>
-            <a:off x="1371918" y="3117000"/>
+            <a:off x="1284290" y="3121971"/>
             <a:ext cx="767245" cy="645873"/>
           </a:xfrm>
           <a:prstGeom prst="rect">
@@ -5143,15 +7651,16 @@
             </a:extLst>
           </p:cNvPr>
           <p:cNvCxnSpPr>
+            <a:cxnSpLocks/>
             <a:stCxn id="58" idx="3"/>
             <a:endCxn id="13" idx="1"/>
           </p:cNvCxnSpPr>
           <p:nvPr/>
         </p:nvCxnSpPr>
         <p:spPr>
-          <a:xfrm>
-            <a:off x="2139163" y="3439937"/>
-            <a:ext cx="4444888" cy="17183"/>
+          <a:xfrm flipV="1">
+            <a:off x="2051535" y="3438691"/>
+            <a:ext cx="4564451" cy="6217"/>
           </a:xfrm>
           <a:prstGeom prst="straightConnector1">
             <a:avLst/>
@@ -5192,9 +7701,9 @@
           <p:nvPr/>
         </p:nvCxnSpPr>
         <p:spPr>
-          <a:xfrm flipV="1">
-            <a:off x="8478769" y="3449341"/>
-            <a:ext cx="807965" cy="2419"/>
+          <a:xfrm>
+            <a:off x="8363408" y="3438692"/>
+            <a:ext cx="977172" cy="0"/>
           </a:xfrm>
           <a:prstGeom prst="straightConnector1">
             <a:avLst/>
@@ -5232,8 +7741,8 @@
         </p:nvSpPr>
         <p:spPr>
           <a:xfrm>
-            <a:off x="7661764" y="2860537"/>
-            <a:ext cx="1450637" cy="369332"/>
+            <a:off x="7520597" y="2943855"/>
+            <a:ext cx="1613005" cy="369332"/>
           </a:xfrm>
           <a:prstGeom prst="rect">
             <a:avLst/>
@@ -5260,7 +7769,7 @@
                   </a:outerShdw>
                 </a:effectLst>
               </a:rPr>
-              <a:t>ﾃﾞｰﾀ保護</a:t>
+              <a:t>ﾃﾞｰﾀ保管なし</a:t>
             </a:r>
             <a:endParaRPr kumimoji="1" lang="en-US" altLang="ja-JP" dirty="0">
               <a:ln w="0"/>
@@ -5292,7 +7801,7 @@
         </p:nvSpPr>
         <p:spPr>
           <a:xfrm>
-            <a:off x="8983893" y="2848569"/>
+            <a:off x="9132617" y="2943855"/>
             <a:ext cx="1450637" cy="369332"/>
           </a:xfrm>
           <a:prstGeom prst="rect">
@@ -5383,46 +7892,18 @@
           <a:lstStyle/>
           <a:p>
             <a:r>
-              <a:rPr kumimoji="1" lang="en-US" altLang="ja-JP" dirty="0">
-                <a:latin typeface="Meiryo UI" panose="020B0604030504040204" pitchFamily="50" charset="-128"/>
-                <a:ea typeface="Meiryo UI" panose="020B0604030504040204" pitchFamily="50" charset="-128"/>
-              </a:rPr>
-              <a:t>HTTPS</a:t>
-            </a:r>
-            <a:r>
               <a:rPr kumimoji="1" lang="ja-JP" altLang="en-US" dirty="0">
                 <a:latin typeface="Meiryo UI" panose="020B0604030504040204" pitchFamily="50" charset="-128"/>
                 <a:ea typeface="Meiryo UI" panose="020B0604030504040204" pitchFamily="50" charset="-128"/>
               </a:rPr>
-              <a:t>暗号化、接続元</a:t>
-            </a:r>
-            <a:r>
-              <a:rPr kumimoji="1" lang="en-US" altLang="ja-JP" dirty="0">
+              <a:t>機密データを扱う</a:t>
+            </a:r>
+            <a:r>
+              <a:rPr lang="ja-JP" altLang="en-US" dirty="0">
                 <a:latin typeface="Meiryo UI" panose="020B0604030504040204" pitchFamily="50" charset="-128"/>
                 <a:ea typeface="Meiryo UI" panose="020B0604030504040204" pitchFamily="50" charset="-128"/>
               </a:rPr>
-              <a:t>IP</a:t>
-            </a:r>
-            <a:r>
-              <a:rPr kumimoji="1" lang="ja-JP" altLang="en-US" dirty="0">
-                <a:latin typeface="Meiryo UI" panose="020B0604030504040204" pitchFamily="50" charset="-128"/>
-                <a:ea typeface="Meiryo UI" panose="020B0604030504040204" pitchFamily="50" charset="-128"/>
-              </a:rPr>
-              <a:t>アドレス制限、認証、データ保護、</a:t>
-            </a:r>
-            <a:r>
-              <a:rPr kumimoji="1" lang="en-US" altLang="ja-JP" dirty="0">
-                <a:latin typeface="Meiryo UI" panose="020B0604030504040204" pitchFamily="50" charset="-128"/>
-                <a:ea typeface="Meiryo UI" panose="020B0604030504040204" pitchFamily="50" charset="-128"/>
-              </a:rPr>
-              <a:t>AI</a:t>
-            </a:r>
-            <a:r>
-              <a:rPr kumimoji="1" lang="ja-JP" altLang="en-US" dirty="0">
-                <a:latin typeface="Meiryo UI" panose="020B0604030504040204" pitchFamily="50" charset="-128"/>
-                <a:ea typeface="Meiryo UI" panose="020B0604030504040204" pitchFamily="50" charset="-128"/>
-              </a:rPr>
-              <a:t>学習しない設定とします。</a:t>
+              <a:t>ため、セキュリティを考慮します。</a:t>
             </a:r>
             <a:endParaRPr kumimoji="1" lang="en-US" altLang="ja-JP" dirty="0">
               <a:latin typeface="Meiryo UI" panose="020B0604030504040204" pitchFamily="50" charset="-128"/>
@@ -5431,13 +7912,55 @@
           </a:p>
           <a:p>
             <a:r>
-              <a:rPr lang="ja-JP" altLang="en-US" dirty="0">
+              <a:rPr kumimoji="1" lang="ja-JP" altLang="en-US" dirty="0">
                 <a:latin typeface="Meiryo UI" panose="020B0604030504040204" pitchFamily="50" charset="-128"/>
                 <a:ea typeface="Meiryo UI" panose="020B0604030504040204" pitchFamily="50" charset="-128"/>
               </a:rPr>
-              <a:t>また、操作履歴ログから脅威検出、可視化を行います。</a:t>
-            </a:r>
-            <a:endParaRPr kumimoji="1" lang="ja-JP" altLang="en-US" dirty="0">
+              <a:t>（</a:t>
+            </a:r>
+            <a:r>
+              <a:rPr kumimoji="1" lang="en-US" altLang="ja-JP" dirty="0">
+                <a:latin typeface="Meiryo UI" panose="020B0604030504040204" pitchFamily="50" charset="-128"/>
+                <a:ea typeface="Meiryo UI" panose="020B0604030504040204" pitchFamily="50" charset="-128"/>
+              </a:rPr>
+              <a:t>HTTPS</a:t>
+            </a:r>
+            <a:r>
+              <a:rPr kumimoji="1" lang="ja-JP" altLang="en-US" dirty="0">
+                <a:latin typeface="Meiryo UI" panose="020B0604030504040204" pitchFamily="50" charset="-128"/>
+                <a:ea typeface="Meiryo UI" panose="020B0604030504040204" pitchFamily="50" charset="-128"/>
+              </a:rPr>
+              <a:t>暗号化、接続元</a:t>
+            </a:r>
+            <a:r>
+              <a:rPr kumimoji="1" lang="en-US" altLang="ja-JP" dirty="0">
+                <a:latin typeface="Meiryo UI" panose="020B0604030504040204" pitchFamily="50" charset="-128"/>
+                <a:ea typeface="Meiryo UI" panose="020B0604030504040204" pitchFamily="50" charset="-128"/>
+              </a:rPr>
+              <a:t>IP</a:t>
+            </a:r>
+            <a:r>
+              <a:rPr kumimoji="1" lang="ja-JP" altLang="en-US" dirty="0">
+                <a:latin typeface="Meiryo UI" panose="020B0604030504040204" pitchFamily="50" charset="-128"/>
+                <a:ea typeface="Meiryo UI" panose="020B0604030504040204" pitchFamily="50" charset="-128"/>
+              </a:rPr>
+              <a:t>アドレス制限、認証、データ保護、</a:t>
+            </a:r>
+            <a:r>
+              <a:rPr kumimoji="1" lang="en-US" altLang="ja-JP" dirty="0">
+                <a:latin typeface="Meiryo UI" panose="020B0604030504040204" pitchFamily="50" charset="-128"/>
+                <a:ea typeface="Meiryo UI" panose="020B0604030504040204" pitchFamily="50" charset="-128"/>
+              </a:rPr>
+              <a:t>AI</a:t>
+            </a:r>
+            <a:r>
+              <a:rPr kumimoji="1" lang="ja-JP" altLang="en-US" dirty="0">
+                <a:latin typeface="Meiryo UI" panose="020B0604030504040204" pitchFamily="50" charset="-128"/>
+                <a:ea typeface="Meiryo UI" panose="020B0604030504040204" pitchFamily="50" charset="-128"/>
+              </a:rPr>
+              <a:t>学習しない設定）</a:t>
+            </a:r>
+            <a:endParaRPr kumimoji="1" lang="en-US" altLang="ja-JP" dirty="0">
               <a:latin typeface="Meiryo UI" panose="020B0604030504040204" pitchFamily="50" charset="-128"/>
               <a:ea typeface="Meiryo UI" panose="020B0604030504040204" pitchFamily="50" charset="-128"/>
             </a:endParaRPr>
@@ -5458,7 +7981,7 @@
         </p:nvSpPr>
         <p:spPr>
           <a:xfrm>
-            <a:off x="7020344" y="4382412"/>
+            <a:off x="7776525" y="4260359"/>
             <a:ext cx="992579" cy="369332"/>
           </a:xfrm>
           <a:prstGeom prst="rect">
@@ -5519,7 +8042,7 @@
           <p:nvPr/>
         </p:nvPicPr>
         <p:blipFill>
-          <a:blip r:embed="rId18">
+          <a:blip r:embed="rId19">
             <a:extLst>
               <a:ext uri="{28A0092B-C50C-407E-A947-70E740481C1C}">
                 <a14:useLocalDpi xmlns:a14="http://schemas.microsoft.com/office/drawing/2010/main" val="0"/>
@@ -5532,8 +8055,8 @@
         </p:blipFill>
         <p:spPr>
           <a:xfrm>
-            <a:off x="5166328" y="3098369"/>
-            <a:ext cx="760683" cy="760683"/>
+            <a:off x="5301144" y="3165641"/>
+            <a:ext cx="546101" cy="546101"/>
           </a:xfrm>
           <a:prstGeom prst="rect">
             <a:avLst/>
@@ -5554,8 +8077,8 @@
         </p:nvSpPr>
         <p:spPr>
           <a:xfrm>
-            <a:off x="9021945" y="4156124"/>
-            <a:ext cx="1107996" cy="369332"/>
+            <a:off x="9040723" y="4275748"/>
+            <a:ext cx="1005403" cy="338554"/>
           </a:xfrm>
           <a:prstGeom prst="rect">
             <a:avLst/>
@@ -5569,7 +8092,7 @@
           <a:lstStyle/>
           <a:p>
             <a:r>
-              <a:rPr kumimoji="1" lang="ja-JP" altLang="en-US" dirty="0">
+              <a:rPr kumimoji="1" lang="ja-JP" altLang="en-US" sz="1600" dirty="0">
                 <a:ln w="0"/>
                 <a:solidFill>
                   <a:schemeClr val="accent1"/>
@@ -5601,8 +8124,8 @@
         </p:nvSpPr>
         <p:spPr>
           <a:xfrm>
-            <a:off x="10516057" y="4146294"/>
-            <a:ext cx="877163" cy="369332"/>
+            <a:off x="10501531" y="4275748"/>
+            <a:ext cx="800219" cy="338554"/>
           </a:xfrm>
           <a:prstGeom prst="rect">
             <a:avLst/>
@@ -5616,7 +8139,7 @@
           <a:lstStyle/>
           <a:p>
             <a:r>
-              <a:rPr kumimoji="1" lang="ja-JP" altLang="en-US" dirty="0">
+              <a:rPr kumimoji="1" lang="ja-JP" altLang="en-US" sz="1600" dirty="0">
                 <a:ln w="0"/>
                 <a:solidFill>
                   <a:schemeClr val="accent1"/>
@@ -5651,9 +8174,9 @@
           <p:nvPr/>
         </p:nvCxnSpPr>
         <p:spPr>
-          <a:xfrm flipV="1">
-            <a:off x="8509065" y="4729546"/>
-            <a:ext cx="745168" cy="3035"/>
+          <a:xfrm>
+            <a:off x="8377264" y="4723296"/>
+            <a:ext cx="971475" cy="1"/>
           </a:xfrm>
           <a:prstGeom prst="straightConnector1">
             <a:avLst/>
@@ -5700,8 +8223,8 @@
         </p:nvCxnSpPr>
         <p:spPr>
           <a:xfrm>
-            <a:off x="9863833" y="4729546"/>
-            <a:ext cx="765663" cy="0"/>
+            <a:off x="9701936" y="4723297"/>
+            <a:ext cx="971475" cy="0"/>
           </a:xfrm>
           <a:prstGeom prst="straightConnector1">
             <a:avLst/>
@@ -5747,9 +8270,9 @@
           <p:nvPr/>
         </p:nvCxnSpPr>
         <p:spPr>
-          <a:xfrm flipH="1">
-            <a:off x="8204265" y="4131809"/>
-            <a:ext cx="3551" cy="295972"/>
+          <a:xfrm>
+            <a:off x="8197724" y="4182081"/>
+            <a:ext cx="2942" cy="364617"/>
           </a:xfrm>
           <a:prstGeom prst="straightConnector1">
             <a:avLst/>
@@ -5793,7 +8316,7 @@
         <p:spPr>
           <a:xfrm>
             <a:off x="1371918" y="91763"/>
-            <a:ext cx="3362459" cy="461665"/>
+            <a:ext cx="3687869" cy="461665"/>
           </a:xfrm>
           <a:prstGeom prst="rect">
             <a:avLst/>
@@ -5814,18 +8337,25 @@
               <a:t>AWS</a:t>
             </a:r>
             <a:r>
+              <a:rPr lang="ja-JP" altLang="en-US" sz="2400" dirty="0">
+                <a:latin typeface="Meiryo UI" panose="020B0604030504040204" pitchFamily="50" charset="-128"/>
+                <a:ea typeface="Meiryo UI" panose="020B0604030504040204" pitchFamily="50" charset="-128"/>
+              </a:rPr>
+              <a:t>試行</a:t>
+            </a:r>
+            <a:r>
               <a:rPr kumimoji="1" lang="ja-JP" altLang="en-US" sz="2400" dirty="0">
                 <a:latin typeface="Meiryo UI" panose="020B0604030504040204" pitchFamily="50" charset="-128"/>
                 <a:ea typeface="Meiryo UI" panose="020B0604030504040204" pitchFamily="50" charset="-128"/>
               </a:rPr>
-              <a:t>利用</a:t>
+              <a:t>環境</a:t>
             </a:r>
             <a:r>
               <a:rPr lang="ja-JP" altLang="en-US" sz="2400" dirty="0">
                 <a:latin typeface="Meiryo UI" panose="020B0604030504040204" pitchFamily="50" charset="-128"/>
                 <a:ea typeface="Meiryo UI" panose="020B0604030504040204" pitchFamily="50" charset="-128"/>
               </a:rPr>
-              <a:t>時のセキュリティ</a:t>
+              <a:t>のセキュリティ</a:t>
             </a:r>
             <a:endParaRPr kumimoji="1" lang="ja-JP" altLang="en-US" sz="2400" dirty="0">
               <a:latin typeface="Meiryo UI" panose="020B0604030504040204" pitchFamily="50" charset="-128"/>
@@ -5849,7 +8379,7 @@
           <p:nvPr/>
         </p:nvPicPr>
         <p:blipFill>
-          <a:blip r:embed="rId19"/>
+          <a:blip r:embed="rId20"/>
           <a:stretch>
             <a:fillRect/>
           </a:stretch>
@@ -5879,10 +8409,10 @@
           <p:nvPr/>
         </p:nvPicPr>
         <p:blipFill>
-          <a:blip r:embed="rId20">
+          <a:blip r:embed="rId21">
             <a:extLst>
               <a:ext uri="{96DAC541-7B7A-43D3-8B79-37D633B846F1}">
-                <asvg:svgBlip xmlns:asvg="http://schemas.microsoft.com/office/drawing/2016/SVG/main" r:embed="rId21"/>
+                <asvg:svgBlip xmlns:asvg="http://schemas.microsoft.com/office/drawing/2016/SVG/main" r:embed="rId22"/>
               </a:ext>
             </a:extLst>
           </a:blip>
@@ -5892,8 +8422,8 @@
         </p:blipFill>
         <p:spPr>
           <a:xfrm>
-            <a:off x="7899465" y="5413986"/>
-            <a:ext cx="609600" cy="609600"/>
+            <a:off x="8017763" y="5515065"/>
+            <a:ext cx="365806" cy="365806"/>
           </a:xfrm>
           <a:prstGeom prst="rect">
             <a:avLst/>
@@ -5915,10 +8445,10 @@
           <p:nvPr/>
         </p:nvPicPr>
         <p:blipFill>
-          <a:blip r:embed="rId22">
+          <a:blip r:embed="rId23">
             <a:extLst>
               <a:ext uri="{96DAC541-7B7A-43D3-8B79-37D633B846F1}">
-                <asvg:svgBlip xmlns:asvg="http://schemas.microsoft.com/office/drawing/2016/SVG/main" r:embed="rId23"/>
+                <asvg:svgBlip xmlns:asvg="http://schemas.microsoft.com/office/drawing/2016/SVG/main" r:embed="rId24"/>
               </a:ext>
             </a:extLst>
           </a:blip>
@@ -5928,8 +8458,8 @@
         </p:blipFill>
         <p:spPr>
           <a:xfrm>
-            <a:off x="9209720" y="5413986"/>
-            <a:ext cx="609600" cy="609600"/>
+            <a:off x="9341152" y="5521984"/>
+            <a:ext cx="351969" cy="351969"/>
           </a:xfrm>
           <a:prstGeom prst="rect">
             <a:avLst/>
@@ -5954,8 +8484,8 @@
         </p:nvCxnSpPr>
         <p:spPr>
           <a:xfrm>
-            <a:off x="8204265" y="5037381"/>
-            <a:ext cx="0" cy="376605"/>
+            <a:off x="8200666" y="4899894"/>
+            <a:ext cx="0" cy="615171"/>
           </a:xfrm>
           <a:prstGeom prst="straightConnector1">
             <a:avLst/>
@@ -6002,8 +8532,8 @@
         </p:nvCxnSpPr>
         <p:spPr>
           <a:xfrm>
-            <a:off x="8509065" y="5718786"/>
-            <a:ext cx="700655" cy="0"/>
+            <a:off x="8383569" y="5697968"/>
+            <a:ext cx="957583" cy="1"/>
           </a:xfrm>
           <a:prstGeom prst="straightConnector1">
             <a:avLst/>
@@ -6047,10 +8577,10 @@
           <p:nvPr/>
         </p:nvPicPr>
         <p:blipFill>
-          <a:blip r:embed="rId24">
+          <a:blip r:embed="rId25">
             <a:extLst>
               <a:ext uri="{96DAC541-7B7A-43D3-8B79-37D633B846F1}">
-                <asvg:svgBlip xmlns:asvg="http://schemas.microsoft.com/office/drawing/2016/SVG/main" r:embed="rId25"/>
+                <asvg:svgBlip xmlns:asvg="http://schemas.microsoft.com/office/drawing/2016/SVG/main" r:embed="rId26"/>
               </a:ext>
             </a:extLst>
           </a:blip>
@@ -6060,8 +8590,8 @@
         </p:blipFill>
         <p:spPr>
           <a:xfrm>
-            <a:off x="6589210" y="5412089"/>
-            <a:ext cx="609600" cy="609600"/>
+            <a:off x="6635262" y="5515066"/>
+            <a:ext cx="365805" cy="365805"/>
           </a:xfrm>
           <a:prstGeom prst="rect">
             <a:avLst/>
@@ -6085,9 +8615,9 @@
           <p:nvPr/>
         </p:nvCxnSpPr>
         <p:spPr>
-          <a:xfrm>
-            <a:off x="7198810" y="5716889"/>
-            <a:ext cx="700655" cy="1897"/>
+          <a:xfrm flipV="1">
+            <a:off x="7001067" y="5697968"/>
+            <a:ext cx="1016696" cy="1"/>
           </a:xfrm>
           <a:prstGeom prst="straightConnector1">
             <a:avLst/>
@@ -6130,7 +8660,7 @@
         </p:nvSpPr>
         <p:spPr>
           <a:xfrm>
-            <a:off x="6584051" y="5971679"/>
+            <a:off x="6554309" y="5813975"/>
             <a:ext cx="527709" cy="276999"/>
           </a:xfrm>
           <a:prstGeom prst="rect">
@@ -6166,7 +8696,7 @@
         </p:nvSpPr>
         <p:spPr>
           <a:xfrm>
-            <a:off x="8031879" y="5971678"/>
+            <a:off x="8008514" y="5813975"/>
             <a:ext cx="365806" cy="276999"/>
           </a:xfrm>
           <a:prstGeom prst="rect">
@@ -6202,7 +8732,7 @@
         </p:nvSpPr>
         <p:spPr>
           <a:xfrm>
-            <a:off x="9168912" y="5971678"/>
+            <a:off x="9176339" y="5813975"/>
             <a:ext cx="691215" cy="276999"/>
           </a:xfrm>
           <a:prstGeom prst="rect">
@@ -6237,8 +8767,8 @@
         </p:nvSpPr>
         <p:spPr>
           <a:xfrm>
-            <a:off x="6274802" y="6138090"/>
-            <a:ext cx="1223412" cy="369332"/>
+            <a:off x="6155227" y="6033934"/>
+            <a:ext cx="1107996" cy="338554"/>
           </a:xfrm>
           <a:prstGeom prst="rect">
             <a:avLst/>
@@ -6252,7 +8782,7 @@
           <a:lstStyle/>
           <a:p>
             <a:r>
-              <a:rPr lang="ja-JP" altLang="en-US" dirty="0">
+              <a:rPr lang="ja-JP" altLang="en-US" sz="1600" dirty="0">
                 <a:ln w="0"/>
                 <a:solidFill>
                   <a:schemeClr val="accent1"/>
@@ -6267,7 +8797,7 @@
               </a:rPr>
               <a:t>ﾛｸﾞ暗号化</a:t>
             </a:r>
-            <a:endParaRPr kumimoji="1" lang="ja-JP" altLang="en-US" dirty="0">
+            <a:endParaRPr kumimoji="1" lang="ja-JP" altLang="en-US" sz="1600" dirty="0">
               <a:ln w="0"/>
               <a:solidFill>
                 <a:schemeClr val="accent1"/>
@@ -6297,8 +8827,8 @@
         </p:nvSpPr>
         <p:spPr>
           <a:xfrm>
-            <a:off x="8994142" y="6167289"/>
-            <a:ext cx="1569660" cy="369332"/>
+            <a:off x="8976809" y="6033934"/>
+            <a:ext cx="1415772" cy="338554"/>
           </a:xfrm>
           <a:prstGeom prst="rect">
             <a:avLst/>
@@ -6312,7 +8842,7 @@
           <a:lstStyle/>
           <a:p>
             <a:r>
-              <a:rPr kumimoji="1" lang="ja-JP" altLang="en-US" dirty="0">
+              <a:rPr kumimoji="1" lang="ja-JP" altLang="en-US" sz="1600" dirty="0">
                 <a:ln w="0"/>
                 <a:solidFill>
                   <a:schemeClr val="accent1"/>
@@ -6344,8 +8874,8 @@
         </p:nvSpPr>
         <p:spPr>
           <a:xfrm>
-            <a:off x="7718492" y="6154056"/>
-            <a:ext cx="992579" cy="369332"/>
+            <a:off x="7718490" y="6033934"/>
+            <a:ext cx="902811" cy="338554"/>
           </a:xfrm>
           <a:prstGeom prst="rect">
             <a:avLst/>
@@ -6359,7 +8889,7 @@
           <a:lstStyle/>
           <a:p>
             <a:r>
-              <a:rPr lang="ja-JP" altLang="en-US" dirty="0">
+              <a:rPr lang="ja-JP" altLang="en-US" sz="1600" dirty="0">
                 <a:ln w="0"/>
                 <a:solidFill>
                   <a:schemeClr val="accent1"/>
@@ -6374,7 +8904,7 @@
               </a:rPr>
               <a:t>ﾛｸﾞ保管</a:t>
             </a:r>
-            <a:endParaRPr kumimoji="1" lang="ja-JP" altLang="en-US" dirty="0">
+            <a:endParaRPr kumimoji="1" lang="ja-JP" altLang="en-US" sz="1600" dirty="0">
               <a:ln w="0"/>
               <a:solidFill>
                 <a:schemeClr val="accent1"/>
@@ -6387,6 +8917,626 @@
                 </a:outerShdw>
               </a:effectLst>
             </a:endParaRPr>
+          </a:p>
+        </p:txBody>
+      </p:sp>
+      <p:pic>
+        <p:nvPicPr>
+          <p:cNvPr id="96" name="グラフィックス 95">
+            <a:extLst>
+              <a:ext uri="{FF2B5EF4-FFF2-40B4-BE49-F238E27FC236}">
+                <a16:creationId xmlns:a16="http://schemas.microsoft.com/office/drawing/2014/main" id="{36806A3C-1EC1-EFD7-9E94-02E1034E0B95}"/>
+              </a:ext>
+            </a:extLst>
+          </p:cNvPr>
+          <p:cNvPicPr>
+            <a:picLocks noChangeAspect="1"/>
+          </p:cNvPicPr>
+          <p:nvPr/>
+        </p:nvPicPr>
+        <p:blipFill>
+          <a:blip r:embed="rId27">
+            <a:extLst>
+              <a:ext uri="{96DAC541-7B7A-43D3-8B79-37D633B846F1}">
+                <asvg:svgBlip xmlns:asvg="http://schemas.microsoft.com/office/drawing/2016/SVG/main" r:embed="rId28"/>
+              </a:ext>
+            </a:extLst>
+          </a:blip>
+          <a:stretch>
+            <a:fillRect/>
+          </a:stretch>
+        </p:blipFill>
+        <p:spPr>
+          <a:xfrm>
+            <a:off x="6621204" y="4532796"/>
+            <a:ext cx="381000" cy="381000"/>
+          </a:xfrm>
+          <a:prstGeom prst="rect">
+            <a:avLst/>
+          </a:prstGeom>
+        </p:spPr>
+      </p:pic>
+      <p:cxnSp>
+        <p:nvCxnSpPr>
+          <p:cNvPr id="97" name="直線矢印コネクタ 96">
+            <a:extLst>
+              <a:ext uri="{FF2B5EF4-FFF2-40B4-BE49-F238E27FC236}">
+                <a16:creationId xmlns:a16="http://schemas.microsoft.com/office/drawing/2014/main" id="{6F5DD35F-9E1D-E6A7-707B-7643B172CA2F}"/>
+              </a:ext>
+            </a:extLst>
+          </p:cNvPr>
+          <p:cNvCxnSpPr>
+            <a:cxnSpLocks/>
+          </p:cNvCxnSpPr>
+          <p:nvPr/>
+        </p:nvCxnSpPr>
+        <p:spPr>
+          <a:xfrm>
+            <a:off x="6811704" y="4173001"/>
+            <a:ext cx="0" cy="395170"/>
+          </a:xfrm>
+          <a:prstGeom prst="straightConnector1">
+            <a:avLst/>
+          </a:prstGeom>
+          <a:ln w="15875">
+            <a:solidFill>
+              <a:schemeClr val="bg1">
+                <a:lumMod val="65000"/>
+              </a:schemeClr>
+            </a:solidFill>
+            <a:tailEnd type="triangle"/>
+          </a:ln>
+        </p:spPr>
+        <p:style>
+          <a:lnRef idx="3">
+            <a:schemeClr val="accent1"/>
+          </a:lnRef>
+          <a:fillRef idx="0">
+            <a:schemeClr val="accent1"/>
+          </a:fillRef>
+          <a:effectRef idx="2">
+            <a:schemeClr val="accent1"/>
+          </a:effectRef>
+          <a:fontRef idx="minor">
+            <a:schemeClr val="tx1"/>
+          </a:fontRef>
+        </p:style>
+      </p:cxnSp>
+      <p:sp>
+        <p:nvSpPr>
+          <p:cNvPr id="98" name="テキスト ボックス 97">
+            <a:extLst>
+              <a:ext uri="{FF2B5EF4-FFF2-40B4-BE49-F238E27FC236}">
+                <a16:creationId xmlns:a16="http://schemas.microsoft.com/office/drawing/2014/main" id="{695EB3E2-8FB9-5CCF-8B5B-65FC5244164F}"/>
+              </a:ext>
+            </a:extLst>
+          </p:cNvPr>
+          <p:cNvSpPr txBox="1"/>
+          <p:nvPr/>
+        </p:nvSpPr>
+        <p:spPr>
+          <a:xfrm>
+            <a:off x="6472346" y="4845378"/>
+            <a:ext cx="643125" cy="276999"/>
+          </a:xfrm>
+          <a:prstGeom prst="rect">
+            <a:avLst/>
+          </a:prstGeom>
+          <a:noFill/>
+        </p:spPr>
+        <p:txBody>
+          <a:bodyPr wrap="none" rtlCol="0">
+            <a:spAutoFit/>
+          </a:bodyPr>
+          <a:lstStyle/>
+          <a:p>
+            <a:r>
+              <a:rPr kumimoji="1" lang="en-US" altLang="ja-JP" sz="1200" dirty="0"/>
+              <a:t>Config</a:t>
+            </a:r>
+            <a:endParaRPr kumimoji="1" lang="ja-JP" altLang="en-US" sz="1200" dirty="0"/>
+          </a:p>
+        </p:txBody>
+      </p:sp>
+      <p:sp>
+        <p:nvSpPr>
+          <p:cNvPr id="99" name="テキスト ボックス 98">
+            <a:extLst>
+              <a:ext uri="{FF2B5EF4-FFF2-40B4-BE49-F238E27FC236}">
+                <a16:creationId xmlns:a16="http://schemas.microsoft.com/office/drawing/2014/main" id="{82693E9E-63C8-F8A5-992F-9174F1407B2A}"/>
+              </a:ext>
+            </a:extLst>
+          </p:cNvPr>
+          <p:cNvSpPr txBox="1"/>
+          <p:nvPr/>
+        </p:nvSpPr>
+        <p:spPr>
+          <a:xfrm>
+            <a:off x="6110113" y="4275748"/>
+            <a:ext cx="1620957" cy="338554"/>
+          </a:xfrm>
+          <a:prstGeom prst="rect">
+            <a:avLst/>
+          </a:prstGeom>
+          <a:noFill/>
+        </p:spPr>
+        <p:txBody>
+          <a:bodyPr wrap="none" rtlCol="0">
+            <a:spAutoFit/>
+          </a:bodyPr>
+          <a:lstStyle/>
+          <a:p>
+            <a:r>
+              <a:rPr kumimoji="1" lang="ja-JP" altLang="en-US" sz="1600" dirty="0">
+                <a:ln w="0"/>
+                <a:solidFill>
+                  <a:schemeClr val="accent1"/>
+                </a:solidFill>
+                <a:effectLst>
+                  <a:outerShdw blurRad="38100" dist="25400" dir="5400000" algn="ctr" rotWithShape="0">
+                    <a:srgbClr val="6E747A">
+                      <a:alpha val="43000"/>
+                    </a:srgbClr>
+                  </a:outerShdw>
+                </a:effectLst>
+              </a:rPr>
+              <a:t>ｱｸｾｽｷｰ更新ﾌｫﾛｰ</a:t>
+            </a:r>
+          </a:p>
+        </p:txBody>
+      </p:sp>
+      <p:pic>
+        <p:nvPicPr>
+          <p:cNvPr id="110" name="グラフィックス 109">
+            <a:extLst>
+              <a:ext uri="{FF2B5EF4-FFF2-40B4-BE49-F238E27FC236}">
+                <a16:creationId xmlns:a16="http://schemas.microsoft.com/office/drawing/2014/main" id="{E65257E8-AB99-787A-153A-BDC50F4F3F86}"/>
+              </a:ext>
+            </a:extLst>
+          </p:cNvPr>
+          <p:cNvPicPr>
+            <a:picLocks noChangeAspect="1"/>
+          </p:cNvPicPr>
+          <p:nvPr/>
+        </p:nvPicPr>
+        <p:blipFill>
+          <a:blip r:embed="rId3">
+            <a:extLst>
+              <a:ext uri="{96DAC541-7B7A-43D3-8B79-37D633B846F1}">
+                <asvg:svgBlip xmlns:asvg="http://schemas.microsoft.com/office/drawing/2016/SVG/main" r:embed="rId4"/>
+              </a:ext>
+            </a:extLst>
+          </a:blip>
+          <a:stretch>
+            <a:fillRect/>
+          </a:stretch>
+        </p:blipFill>
+        <p:spPr>
+          <a:xfrm>
+            <a:off x="5392435" y="4521117"/>
+            <a:ext cx="404358" cy="404358"/>
+          </a:xfrm>
+          <a:prstGeom prst="rect">
+            <a:avLst/>
+          </a:prstGeom>
+        </p:spPr>
+      </p:pic>
+      <p:sp>
+        <p:nvSpPr>
+          <p:cNvPr id="111" name="テキスト ボックス 110">
+            <a:extLst>
+              <a:ext uri="{FF2B5EF4-FFF2-40B4-BE49-F238E27FC236}">
+                <a16:creationId xmlns:a16="http://schemas.microsoft.com/office/drawing/2014/main" id="{1D89E049-592F-7663-6189-549E860E2831}"/>
+              </a:ext>
+            </a:extLst>
+          </p:cNvPr>
+          <p:cNvSpPr txBox="1"/>
+          <p:nvPr/>
+        </p:nvSpPr>
+        <p:spPr>
+          <a:xfrm>
+            <a:off x="5230581" y="4845378"/>
+            <a:ext cx="788999" cy="461665"/>
+          </a:xfrm>
+          <a:prstGeom prst="rect">
+            <a:avLst/>
+          </a:prstGeom>
+          <a:noFill/>
+        </p:spPr>
+        <p:txBody>
+          <a:bodyPr wrap="none" rtlCol="0">
+            <a:spAutoFit/>
+          </a:bodyPr>
+          <a:lstStyle/>
+          <a:p>
+            <a:r>
+              <a:rPr kumimoji="1" lang="en-US" altLang="ja-JP" sz="1200" dirty="0"/>
+              <a:t>Access</a:t>
+            </a:r>
+          </a:p>
+          <a:p>
+            <a:r>
+              <a:rPr kumimoji="1" lang="en-US" altLang="ja-JP" sz="1200" dirty="0"/>
+              <a:t>Analyzer</a:t>
+            </a:r>
+            <a:endParaRPr kumimoji="1" lang="ja-JP" altLang="en-US" sz="1200" dirty="0"/>
+          </a:p>
+        </p:txBody>
+      </p:sp>
+      <p:sp>
+        <p:nvSpPr>
+          <p:cNvPr id="112" name="テキスト ボックス 111">
+            <a:extLst>
+              <a:ext uri="{FF2B5EF4-FFF2-40B4-BE49-F238E27FC236}">
+                <a16:creationId xmlns:a16="http://schemas.microsoft.com/office/drawing/2014/main" id="{62435AF5-1E38-C43D-56DE-B397AFF8E9EF}"/>
+              </a:ext>
+            </a:extLst>
+          </p:cNvPr>
+          <p:cNvSpPr txBox="1"/>
+          <p:nvPr/>
+        </p:nvSpPr>
+        <p:spPr>
+          <a:xfrm>
+            <a:off x="4848229" y="4291137"/>
+            <a:ext cx="1261884" cy="307777"/>
+          </a:xfrm>
+          <a:prstGeom prst="rect">
+            <a:avLst/>
+          </a:prstGeom>
+          <a:noFill/>
+        </p:spPr>
+        <p:txBody>
+          <a:bodyPr wrap="none" rtlCol="0">
+            <a:spAutoFit/>
+          </a:bodyPr>
+          <a:lstStyle/>
+          <a:p>
+            <a:r>
+              <a:rPr kumimoji="1" lang="ja-JP" altLang="en-US" sz="1400" dirty="0">
+                <a:ln w="0"/>
+                <a:solidFill>
+                  <a:schemeClr val="accent1"/>
+                </a:solidFill>
+                <a:effectLst>
+                  <a:outerShdw blurRad="38100" dist="25400" dir="5400000" algn="ctr" rotWithShape="0">
+                    <a:srgbClr val="6E747A">
+                      <a:alpha val="43000"/>
+                    </a:srgbClr>
+                  </a:outerShdw>
+                </a:effectLst>
+              </a:rPr>
+              <a:t>不正ｱｸｾｽ抑制</a:t>
+            </a:r>
+          </a:p>
+        </p:txBody>
+      </p:sp>
+      <p:pic>
+        <p:nvPicPr>
+          <p:cNvPr id="118" name="図 117">
+            <a:extLst>
+              <a:ext uri="{FF2B5EF4-FFF2-40B4-BE49-F238E27FC236}">
+                <a16:creationId xmlns:a16="http://schemas.microsoft.com/office/drawing/2014/main" id="{63572B98-CEB7-8C36-AC54-4DA6B96B4CB5}"/>
+              </a:ext>
+            </a:extLst>
+          </p:cNvPr>
+          <p:cNvPicPr>
+            <a:picLocks noChangeAspect="1"/>
+          </p:cNvPicPr>
+          <p:nvPr/>
+        </p:nvPicPr>
+        <p:blipFill>
+          <a:blip r:embed="rId29"/>
+          <a:stretch>
+            <a:fillRect/>
+          </a:stretch>
+        </p:blipFill>
+        <p:spPr>
+          <a:xfrm>
+            <a:off x="1040237" y="4624784"/>
+            <a:ext cx="422193" cy="451746"/>
+          </a:xfrm>
+          <a:prstGeom prst="rect">
+            <a:avLst/>
+          </a:prstGeom>
+        </p:spPr>
+      </p:pic>
+      <p:pic>
+        <p:nvPicPr>
+          <p:cNvPr id="120" name="図 119">
+            <a:extLst>
+              <a:ext uri="{FF2B5EF4-FFF2-40B4-BE49-F238E27FC236}">
+                <a16:creationId xmlns:a16="http://schemas.microsoft.com/office/drawing/2014/main" id="{39BD4363-79A6-535A-0738-A543469B27AD}"/>
+              </a:ext>
+            </a:extLst>
+          </p:cNvPr>
+          <p:cNvPicPr>
+            <a:picLocks noChangeAspect="1"/>
+          </p:cNvPicPr>
+          <p:nvPr/>
+        </p:nvPicPr>
+        <p:blipFill>
+          <a:blip r:embed="rId30"/>
+          <a:stretch>
+            <a:fillRect/>
+          </a:stretch>
+        </p:blipFill>
+        <p:spPr>
+          <a:xfrm>
+            <a:off x="1778085" y="4630681"/>
+            <a:ext cx="421419" cy="445849"/>
+          </a:xfrm>
+          <a:prstGeom prst="rect">
+            <a:avLst/>
+          </a:prstGeom>
+        </p:spPr>
+      </p:pic>
+      <p:sp>
+        <p:nvSpPr>
+          <p:cNvPr id="121" name="テキスト ボックス 120">
+            <a:extLst>
+              <a:ext uri="{FF2B5EF4-FFF2-40B4-BE49-F238E27FC236}">
+                <a16:creationId xmlns:a16="http://schemas.microsoft.com/office/drawing/2014/main" id="{34D4E278-9C8B-11FA-6FC6-95D404A5C36C}"/>
+              </a:ext>
+            </a:extLst>
+          </p:cNvPr>
+          <p:cNvSpPr txBox="1"/>
+          <p:nvPr/>
+        </p:nvSpPr>
+        <p:spPr>
+          <a:xfrm>
+            <a:off x="953002" y="5032353"/>
+            <a:ext cx="545342" cy="276999"/>
+          </a:xfrm>
+          <a:prstGeom prst="rect">
+            <a:avLst/>
+          </a:prstGeom>
+          <a:noFill/>
+        </p:spPr>
+        <p:txBody>
+          <a:bodyPr wrap="none" rtlCol="0">
+            <a:spAutoFit/>
+          </a:bodyPr>
+          <a:lstStyle/>
+          <a:p>
+            <a:r>
+              <a:rPr kumimoji="1" lang="en-US" altLang="ja-JP" sz="1200" dirty="0"/>
+              <a:t>Cline</a:t>
+            </a:r>
+            <a:endParaRPr kumimoji="1" lang="ja-JP" altLang="en-US" sz="1200" dirty="0"/>
+          </a:p>
+        </p:txBody>
+      </p:sp>
+      <p:sp>
+        <p:nvSpPr>
+          <p:cNvPr id="122" name="テキスト ボックス 121">
+            <a:extLst>
+              <a:ext uri="{FF2B5EF4-FFF2-40B4-BE49-F238E27FC236}">
+                <a16:creationId xmlns:a16="http://schemas.microsoft.com/office/drawing/2014/main" id="{7E6FE17C-CA98-615C-B1FE-23B1796F6C60}"/>
+              </a:ext>
+            </a:extLst>
+          </p:cNvPr>
+          <p:cNvSpPr txBox="1"/>
+          <p:nvPr/>
+        </p:nvSpPr>
+        <p:spPr>
+          <a:xfrm>
+            <a:off x="1550238" y="5019312"/>
+            <a:ext cx="1063112" cy="276999"/>
+          </a:xfrm>
+          <a:prstGeom prst="rect">
+            <a:avLst/>
+          </a:prstGeom>
+          <a:noFill/>
+        </p:spPr>
+        <p:txBody>
+          <a:bodyPr wrap="none" rtlCol="0">
+            <a:spAutoFit/>
+          </a:bodyPr>
+          <a:lstStyle/>
+          <a:p>
+            <a:r>
+              <a:rPr kumimoji="1" lang="en-US" altLang="ja-JP" sz="1200" dirty="0"/>
+              <a:t>Q Developer</a:t>
+            </a:r>
+            <a:endParaRPr kumimoji="1" lang="ja-JP" altLang="en-US" sz="1200" dirty="0"/>
+          </a:p>
+        </p:txBody>
+      </p:sp>
+      <p:cxnSp>
+        <p:nvCxnSpPr>
+          <p:cNvPr id="124" name="直線矢印コネクタ 123">
+            <a:extLst>
+              <a:ext uri="{FF2B5EF4-FFF2-40B4-BE49-F238E27FC236}">
+                <a16:creationId xmlns:a16="http://schemas.microsoft.com/office/drawing/2014/main" id="{CA2514E1-E9B2-FB03-3987-730F1C28F995}"/>
+              </a:ext>
+            </a:extLst>
+          </p:cNvPr>
+          <p:cNvCxnSpPr>
+            <a:cxnSpLocks/>
+            <a:stCxn id="118" idx="0"/>
+            <a:endCxn id="138" idx="2"/>
+          </p:cNvCxnSpPr>
+          <p:nvPr/>
+        </p:nvCxnSpPr>
+        <p:spPr>
+          <a:xfrm flipV="1">
+            <a:off x="1251334" y="4192384"/>
+            <a:ext cx="416578" cy="432400"/>
+          </a:xfrm>
+          <a:prstGeom prst="straightConnector1">
+            <a:avLst/>
+          </a:prstGeom>
+          <a:ln w="15875">
+            <a:solidFill>
+              <a:schemeClr val="bg1">
+                <a:lumMod val="65000"/>
+              </a:schemeClr>
+            </a:solidFill>
+            <a:tailEnd type="triangle"/>
+          </a:ln>
+        </p:spPr>
+        <p:style>
+          <a:lnRef idx="3">
+            <a:schemeClr val="accent1"/>
+          </a:lnRef>
+          <a:fillRef idx="0">
+            <a:schemeClr val="accent1"/>
+          </a:fillRef>
+          <a:effectRef idx="2">
+            <a:schemeClr val="accent1"/>
+          </a:effectRef>
+          <a:fontRef idx="minor">
+            <a:schemeClr val="tx1"/>
+          </a:fontRef>
+        </p:style>
+      </p:cxnSp>
+      <p:cxnSp>
+        <p:nvCxnSpPr>
+          <p:cNvPr id="127" name="直線矢印コネクタ 126">
+            <a:extLst>
+              <a:ext uri="{FF2B5EF4-FFF2-40B4-BE49-F238E27FC236}">
+                <a16:creationId xmlns:a16="http://schemas.microsoft.com/office/drawing/2014/main" id="{A8C855A0-E03A-4C62-8379-60967BF2F621}"/>
+              </a:ext>
+            </a:extLst>
+          </p:cNvPr>
+          <p:cNvCxnSpPr>
+            <a:cxnSpLocks/>
+            <a:stCxn id="120" idx="0"/>
+            <a:endCxn id="138" idx="2"/>
+          </p:cNvCxnSpPr>
+          <p:nvPr/>
+        </p:nvCxnSpPr>
+        <p:spPr>
+          <a:xfrm flipH="1" flipV="1">
+            <a:off x="1667912" y="4192384"/>
+            <a:ext cx="320883" cy="438297"/>
+          </a:xfrm>
+          <a:prstGeom prst="straightConnector1">
+            <a:avLst/>
+          </a:prstGeom>
+          <a:ln w="15875">
+            <a:solidFill>
+              <a:schemeClr val="bg1">
+                <a:lumMod val="65000"/>
+              </a:schemeClr>
+            </a:solidFill>
+            <a:tailEnd type="triangle"/>
+          </a:ln>
+        </p:spPr>
+        <p:style>
+          <a:lnRef idx="3">
+            <a:schemeClr val="accent1"/>
+          </a:lnRef>
+          <a:fillRef idx="0">
+            <a:schemeClr val="accent1"/>
+          </a:fillRef>
+          <a:effectRef idx="2">
+            <a:schemeClr val="accent1"/>
+          </a:effectRef>
+          <a:fontRef idx="minor">
+            <a:schemeClr val="tx1"/>
+          </a:fontRef>
+        </p:style>
+      </p:cxnSp>
+      <p:pic>
+        <p:nvPicPr>
+          <p:cNvPr id="138" name="図 137">
+            <a:extLst>
+              <a:ext uri="{FF2B5EF4-FFF2-40B4-BE49-F238E27FC236}">
+                <a16:creationId xmlns:a16="http://schemas.microsoft.com/office/drawing/2014/main" id="{E182D395-73C0-2AE9-34D4-B1140B610C82}"/>
+              </a:ext>
+            </a:extLst>
+          </p:cNvPr>
+          <p:cNvPicPr>
+            <a:picLocks noChangeAspect="1"/>
+          </p:cNvPicPr>
+          <p:nvPr/>
+        </p:nvPicPr>
+        <p:blipFill>
+          <a:blip r:embed="rId31"/>
+          <a:stretch>
+            <a:fillRect/>
+          </a:stretch>
+        </p:blipFill>
+        <p:spPr>
+          <a:xfrm>
+            <a:off x="1461149" y="3764207"/>
+            <a:ext cx="413525" cy="428177"/>
+          </a:xfrm>
+          <a:prstGeom prst="rect">
+            <a:avLst/>
+          </a:prstGeom>
+        </p:spPr>
+      </p:pic>
+      <p:sp>
+        <p:nvSpPr>
+          <p:cNvPr id="146" name="テキスト ボックス 145">
+            <a:extLst>
+              <a:ext uri="{FF2B5EF4-FFF2-40B4-BE49-F238E27FC236}">
+                <a16:creationId xmlns:a16="http://schemas.microsoft.com/office/drawing/2014/main" id="{C1090241-67A0-7C8D-7187-6ED5BD3D0B10}"/>
+              </a:ext>
+            </a:extLst>
+          </p:cNvPr>
+          <p:cNvSpPr txBox="1"/>
+          <p:nvPr/>
+        </p:nvSpPr>
+        <p:spPr>
+          <a:xfrm>
+            <a:off x="1805755" y="3853523"/>
+            <a:ext cx="747320" cy="276999"/>
+          </a:xfrm>
+          <a:prstGeom prst="rect">
+            <a:avLst/>
+          </a:prstGeom>
+          <a:noFill/>
+        </p:spPr>
+        <p:txBody>
+          <a:bodyPr wrap="none" rtlCol="0">
+            <a:spAutoFit/>
+          </a:bodyPr>
+          <a:lstStyle/>
+          <a:p>
+            <a:r>
+              <a:rPr kumimoji="1" lang="en-US" altLang="ja-JP" sz="1200" dirty="0" err="1"/>
+              <a:t>VSCode</a:t>
+            </a:r>
+            <a:endParaRPr kumimoji="1" lang="ja-JP" altLang="en-US" sz="1200" dirty="0"/>
+          </a:p>
+        </p:txBody>
+      </p:sp>
+      <p:sp>
+        <p:nvSpPr>
+          <p:cNvPr id="147" name="テキスト ボックス 146">
+            <a:extLst>
+              <a:ext uri="{FF2B5EF4-FFF2-40B4-BE49-F238E27FC236}">
+                <a16:creationId xmlns:a16="http://schemas.microsoft.com/office/drawing/2014/main" id="{2871A2E7-926C-FD74-8582-523568A6F8DE}"/>
+              </a:ext>
+            </a:extLst>
+          </p:cNvPr>
+          <p:cNvSpPr txBox="1"/>
+          <p:nvPr/>
+        </p:nvSpPr>
+        <p:spPr>
+          <a:xfrm>
+            <a:off x="1457166" y="4719688"/>
+            <a:ext cx="327334" cy="276999"/>
+          </a:xfrm>
+          <a:prstGeom prst="rect">
+            <a:avLst/>
+          </a:prstGeom>
+          <a:noFill/>
+        </p:spPr>
+        <p:txBody>
+          <a:bodyPr wrap="none" rtlCol="0">
+            <a:spAutoFit/>
+          </a:bodyPr>
+          <a:lstStyle/>
+          <a:p>
+            <a:r>
+              <a:rPr kumimoji="1" lang="en-US" altLang="ja-JP" sz="1200" dirty="0"/>
+              <a:t>or</a:t>
+            </a:r>
+            <a:endParaRPr kumimoji="1" lang="ja-JP" altLang="en-US" sz="1200" dirty="0"/>
           </a:p>
         </p:txBody>
       </p:sp>
@@ -6403,7 +9553,7 @@
 </p:sld>
 </file>
 
-<file path=ppt/slides/slide4.xml><?xml version="1.0" encoding="utf-8"?>
+<file path=ppt/slides/slide6.xml><?xml version="1.0" encoding="utf-8"?>
 <p:sld xmlns:a="http://schemas.openxmlformats.org/drawingml/2006/main" xmlns:r="http://schemas.openxmlformats.org/officeDocument/2006/relationships" xmlns:p="http://schemas.openxmlformats.org/presentationml/2006/main">
   <p:cSld>
     <p:spTree>
@@ -6428,163 +9578,6 @@
       </p:grpSpPr>
       <p:sp>
         <p:nvSpPr>
-          <p:cNvPr id="2" name="テキスト ボックス 1">
-            <a:extLst>
-              <a:ext uri="{FF2B5EF4-FFF2-40B4-BE49-F238E27FC236}">
-                <a16:creationId xmlns:a16="http://schemas.microsoft.com/office/drawing/2014/main" id="{AF97BE19-7C3F-2DB4-E2BB-5C9F67FB79DE}"/>
-              </a:ext>
-            </a:extLst>
-          </p:cNvPr>
-          <p:cNvSpPr txBox="1"/>
-          <p:nvPr/>
-        </p:nvSpPr>
-        <p:spPr>
-          <a:xfrm>
-            <a:off x="5686979" y="1920310"/>
-            <a:ext cx="6028771" cy="369332"/>
-          </a:xfrm>
-          <a:prstGeom prst="rect">
-            <a:avLst/>
-          </a:prstGeom>
-          <a:noFill/>
-        </p:spPr>
-        <p:txBody>
-          <a:bodyPr wrap="square" rtlCol="0">
-            <a:spAutoFit/>
-          </a:bodyPr>
-          <a:lstStyle/>
-          <a:p>
-            <a:r>
-              <a:rPr kumimoji="1" lang="ja-JP" altLang="en-US" dirty="0"/>
-              <a:t>参考： </a:t>
-            </a:r>
-            <a:r>
-              <a:rPr kumimoji="1" lang="en-US" altLang="ja-JP" dirty="0"/>
-              <a:t>API</a:t>
-            </a:r>
-            <a:r>
-              <a:rPr kumimoji="1" lang="ja-JP" altLang="en-US" dirty="0"/>
-              <a:t>利用料金は </a:t>
-            </a:r>
-            <a:r>
-              <a:rPr kumimoji="1" lang="en-US" altLang="ja-JP" dirty="0"/>
-              <a:t>3</a:t>
-            </a:r>
-            <a:r>
-              <a:rPr kumimoji="1" lang="ja-JP" altLang="en-US" dirty="0"/>
-              <a:t>ドル／</a:t>
-            </a:r>
-            <a:r>
-              <a:rPr kumimoji="1" lang="en-US" altLang="ja-JP" dirty="0"/>
-              <a:t>M</a:t>
-            </a:r>
-            <a:r>
-              <a:rPr kumimoji="1" lang="ja-JP" altLang="en-US" dirty="0"/>
-              <a:t>トークン</a:t>
-            </a:r>
-          </a:p>
-        </p:txBody>
-      </p:sp>
-      <p:pic>
-        <p:nvPicPr>
-          <p:cNvPr id="4" name="図 3">
-            <a:extLst>
-              <a:ext uri="{FF2B5EF4-FFF2-40B4-BE49-F238E27FC236}">
-                <a16:creationId xmlns:a16="http://schemas.microsoft.com/office/drawing/2014/main" id="{A384DDA7-F44E-D5A4-AEC2-479CB748AAC4}"/>
-              </a:ext>
-            </a:extLst>
-          </p:cNvPr>
-          <p:cNvPicPr>
-            <a:picLocks noChangeAspect="1"/>
-          </p:cNvPicPr>
-          <p:nvPr/>
-        </p:nvPicPr>
-        <p:blipFill>
-          <a:blip r:embed="rId2"/>
-          <a:stretch>
-            <a:fillRect/>
-          </a:stretch>
-        </p:blipFill>
-        <p:spPr>
-          <a:xfrm>
-            <a:off x="5686979" y="2238941"/>
-            <a:ext cx="6117434" cy="3255148"/>
-          </a:xfrm>
-          <a:prstGeom prst="rect">
-            <a:avLst/>
-          </a:prstGeom>
-        </p:spPr>
-      </p:pic>
-      <p:sp>
-        <p:nvSpPr>
-          <p:cNvPr id="5" name="テキスト ボックス 4">
-            <a:extLst>
-              <a:ext uri="{FF2B5EF4-FFF2-40B4-BE49-F238E27FC236}">
-                <a16:creationId xmlns:a16="http://schemas.microsoft.com/office/drawing/2014/main" id="{C12A1357-45AF-BACC-2FFE-8CD88BBB8ECA}"/>
-              </a:ext>
-            </a:extLst>
-          </p:cNvPr>
-          <p:cNvSpPr txBox="1"/>
-          <p:nvPr/>
-        </p:nvSpPr>
-        <p:spPr>
-          <a:xfrm>
-            <a:off x="5686979" y="5769540"/>
-            <a:ext cx="6319359" cy="276999"/>
-          </a:xfrm>
-          <a:prstGeom prst="rect">
-            <a:avLst/>
-          </a:prstGeom>
-          <a:noFill/>
-        </p:spPr>
-        <p:txBody>
-          <a:bodyPr wrap="none" rtlCol="0">
-            <a:spAutoFit/>
-          </a:bodyPr>
-          <a:lstStyle/>
-          <a:p>
-            <a:r>
-              <a:rPr lang="ja-JP" altLang="en-US" sz="1200" dirty="0">
-                <a:hlinkClick r:id="rId3"/>
-              </a:rPr>
-              <a:t>基盤モデルを使用した生成 </a:t>
-            </a:r>
-            <a:r>
-              <a:rPr lang="en-US" altLang="ja-JP" sz="1200" dirty="0">
-                <a:hlinkClick r:id="rId3"/>
-              </a:rPr>
-              <a:t>AI </a:t>
-            </a:r>
-            <a:r>
-              <a:rPr lang="ja-JP" altLang="en-US" sz="1200" dirty="0">
-                <a:hlinkClick r:id="rId3"/>
-              </a:rPr>
-              <a:t>アプリケーションの構築 </a:t>
-            </a:r>
-            <a:r>
-              <a:rPr lang="en-US" altLang="ja-JP" sz="1200" dirty="0">
-                <a:hlinkClick r:id="rId3"/>
-              </a:rPr>
-              <a:t>– Amazon Bedrock </a:t>
-            </a:r>
-            <a:r>
-              <a:rPr lang="ja-JP" altLang="en-US" sz="1200" dirty="0">
-                <a:hlinkClick r:id="rId3"/>
-              </a:rPr>
-              <a:t>の料金 </a:t>
-            </a:r>
-            <a:r>
-              <a:rPr lang="en-US" altLang="ja-JP" sz="1200" dirty="0">
-                <a:hlinkClick r:id="rId3"/>
-              </a:rPr>
-              <a:t>– AWS</a:t>
-            </a:r>
-            <a:endParaRPr kumimoji="1" lang="ja-JP" altLang="en-US" sz="1200" dirty="0"/>
-          </a:p>
-        </p:txBody>
-      </p:sp>
-      <p:sp>
-        <p:nvSpPr>
           <p:cNvPr id="6" name="テキスト ボックス 5">
             <a:extLst>
               <a:ext uri="{FF2B5EF4-FFF2-40B4-BE49-F238E27FC236}">
@@ -6636,13 +9629,13 @@
           <p:nvPr>
             <p:extLst>
               <p:ext uri="{D42A27DB-BD31-4B8C-83A1-F6EECF244321}">
-                <p14:modId xmlns:p14="http://schemas.microsoft.com/office/powerpoint/2010/main" val="3104578436"/>
+                <p14:modId xmlns:p14="http://schemas.microsoft.com/office/powerpoint/2010/main" val="2451086554"/>
               </p:ext>
             </p:extLst>
           </p:nvPr>
         </p:nvGraphicFramePr>
         <p:xfrm>
-          <a:off x="387587" y="2070518"/>
+          <a:off x="6731942" y="1681051"/>
           <a:ext cx="4647963" cy="3276260"/>
         </p:xfrm>
         <a:graphic>
@@ -6952,6 +9945,102 @@
           </a:graphicData>
         </a:graphic>
       </p:graphicFrame>
+      <p:sp>
+        <p:nvSpPr>
+          <p:cNvPr id="3" name="テキスト ボックス 2">
+            <a:extLst>
+              <a:ext uri="{FF2B5EF4-FFF2-40B4-BE49-F238E27FC236}">
+                <a16:creationId xmlns:a16="http://schemas.microsoft.com/office/drawing/2014/main" id="{BDC56C3E-9D01-A102-60C3-E7F0844F95C0}"/>
+              </a:ext>
+            </a:extLst>
+          </p:cNvPr>
+          <p:cNvSpPr txBox="1"/>
+          <p:nvPr/>
+        </p:nvSpPr>
+        <p:spPr>
+          <a:xfrm>
+            <a:off x="308563" y="2053663"/>
+            <a:ext cx="6028771" cy="1015663"/>
+          </a:xfrm>
+          <a:prstGeom prst="rect">
+            <a:avLst/>
+          </a:prstGeom>
+          <a:noFill/>
+        </p:spPr>
+        <p:txBody>
+          <a:bodyPr wrap="square" rtlCol="0">
+            <a:spAutoFit/>
+          </a:bodyPr>
+          <a:lstStyle/>
+          <a:p>
+            <a:r>
+              <a:rPr kumimoji="1" lang="ja-JP" altLang="en-US" sz="2000" dirty="0">
+                <a:latin typeface="Meiryo UI" panose="020B0604030504040204" pitchFamily="50" charset="-128"/>
+                <a:ea typeface="Meiryo UI" panose="020B0604030504040204" pitchFamily="50" charset="-128"/>
+              </a:rPr>
+              <a:t>コード生成能力が高い</a:t>
+            </a:r>
+            <a:r>
+              <a:rPr kumimoji="1" lang="en-US" altLang="ja-JP" sz="2000" dirty="0">
+                <a:latin typeface="Meiryo UI" panose="020B0604030504040204" pitchFamily="50" charset="-128"/>
+                <a:ea typeface="Meiryo UI" panose="020B0604030504040204" pitchFamily="50" charset="-128"/>
+              </a:rPr>
+              <a:t>AWS</a:t>
+            </a:r>
+            <a:r>
+              <a:rPr kumimoji="1" lang="ja-JP" altLang="en-US" sz="2000" dirty="0">
+                <a:latin typeface="Meiryo UI" panose="020B0604030504040204" pitchFamily="50" charset="-128"/>
+                <a:ea typeface="Meiryo UI" panose="020B0604030504040204" pitchFamily="50" charset="-128"/>
+              </a:rPr>
+              <a:t>の利用が</a:t>
+            </a:r>
+            <a:r>
+              <a:rPr lang="ja-JP" altLang="en-US" sz="2000" dirty="0">
+                <a:latin typeface="Meiryo UI" panose="020B0604030504040204" pitchFamily="50" charset="-128"/>
+                <a:ea typeface="Meiryo UI" panose="020B0604030504040204" pitchFamily="50" charset="-128"/>
+              </a:rPr>
+              <a:t>増える想定。</a:t>
+            </a:r>
+            <a:endParaRPr lang="en-US" altLang="ja-JP" sz="2000" dirty="0">
+              <a:latin typeface="Meiryo UI" panose="020B0604030504040204" pitchFamily="50" charset="-128"/>
+              <a:ea typeface="Meiryo UI" panose="020B0604030504040204" pitchFamily="50" charset="-128"/>
+            </a:endParaRPr>
+          </a:p>
+          <a:p>
+            <a:endParaRPr kumimoji="1" lang="en-US" altLang="ja-JP" sz="2000" dirty="0">
+              <a:latin typeface="Meiryo UI" panose="020B0604030504040204" pitchFamily="50" charset="-128"/>
+              <a:ea typeface="Meiryo UI" panose="020B0604030504040204" pitchFamily="50" charset="-128"/>
+            </a:endParaRPr>
+          </a:p>
+          <a:p>
+            <a:r>
+              <a:rPr lang="ja-JP" altLang="en-US" sz="2000" dirty="0">
+                <a:latin typeface="Meiryo UI" panose="020B0604030504040204" pitchFamily="50" charset="-128"/>
+                <a:ea typeface="Meiryo UI" panose="020B0604030504040204" pitchFamily="50" charset="-128"/>
+              </a:rPr>
+              <a:t>トータルでは予算の</a:t>
+            </a:r>
+            <a:r>
+              <a:rPr lang="en-US" altLang="ja-JP" sz="2000" dirty="0">
+                <a:latin typeface="Meiryo UI" panose="020B0604030504040204" pitchFamily="50" charset="-128"/>
+                <a:ea typeface="Meiryo UI" panose="020B0604030504040204" pitchFamily="50" charset="-128"/>
+              </a:rPr>
+              <a:t>30</a:t>
+            </a:r>
+            <a:r>
+              <a:rPr lang="ja-JP" altLang="en-US" sz="2000" dirty="0">
+                <a:latin typeface="Meiryo UI" panose="020B0604030504040204" pitchFamily="50" charset="-128"/>
+                <a:ea typeface="Meiryo UI" panose="020B0604030504040204" pitchFamily="50" charset="-128"/>
+              </a:rPr>
+              <a:t>千円／月 に収まる予定。</a:t>
+            </a:r>
+            <a:endParaRPr kumimoji="1" lang="ja-JP" altLang="en-US" sz="2000" dirty="0">
+              <a:latin typeface="Meiryo UI" panose="020B0604030504040204" pitchFamily="50" charset="-128"/>
+              <a:ea typeface="Meiryo UI" panose="020B0604030504040204" pitchFamily="50" charset="-128"/>
+            </a:endParaRPr>
+          </a:p>
+        </p:txBody>
+      </p:sp>
     </p:spTree>
     <p:extLst>
       <p:ext uri="{BB962C8B-B14F-4D97-AF65-F5344CB8AC3E}">
@@ -6965,7 +10054,7 @@
 </p:sld>
 </file>
 
-<file path=ppt/slides/slide5.xml><?xml version="1.0" encoding="utf-8"?>
+<file path=ppt/slides/slide7.xml><?xml version="1.0" encoding="utf-8"?>
 <p:sld xmlns:a="http://schemas.openxmlformats.org/drawingml/2006/main" xmlns:r="http://schemas.openxmlformats.org/officeDocument/2006/relationships" xmlns:p="http://schemas.openxmlformats.org/presentationml/2006/main">
   <p:cSld>
     <p:spTree>
@@ -7050,7 +10139,7 @@
 </p:sld>
 </file>
 
-<file path=ppt/slides/slide6.xml><?xml version="1.0" encoding="utf-8"?>
+<file path=ppt/slides/slide8.xml><?xml version="1.0" encoding="utf-8"?>
 <p:sld xmlns:a="http://schemas.openxmlformats.org/drawingml/2006/main" xmlns:r="http://schemas.openxmlformats.org/officeDocument/2006/relationships" xmlns:p="http://schemas.openxmlformats.org/presentationml/2006/main">
   <p:cSld>
     <p:spTree>
@@ -7442,7 +10531,7 @@
 </p:sld>
 </file>
 
-<file path=ppt/slides/slide7.xml><?xml version="1.0" encoding="utf-8"?>
+<file path=ppt/slides/slide9.xml><?xml version="1.0" encoding="utf-8"?>
 <p:sld xmlns:a="http://schemas.openxmlformats.org/drawingml/2006/main" xmlns:r="http://schemas.openxmlformats.org/officeDocument/2006/relationships" xmlns:p="http://schemas.openxmlformats.org/presentationml/2006/main">
   <p:cSld>
     <p:spTree>
@@ -8161,48 +11250,116 @@
           </a:p>
         </p:txBody>
       </p:sp>
-    </p:spTree>
-    <p:extLst>
-      <p:ext uri="{BB962C8B-B14F-4D97-AF65-F5344CB8AC3E}">
-        <p14:creationId xmlns:p14="http://schemas.microsoft.com/office/powerpoint/2010/main" val="3779506609"/>
-      </p:ext>
-    </p:extLst>
-  </p:cSld>
-  <p:clrMapOvr>
-    <a:masterClrMapping/>
-  </p:clrMapOvr>
-</p:sld>
-</file>
-
-<file path=ppt/slides/slide8.xml><?xml version="1.0" encoding="utf-8"?>
-<p:sld xmlns:a="http://schemas.openxmlformats.org/drawingml/2006/main" xmlns:r="http://schemas.openxmlformats.org/officeDocument/2006/relationships" xmlns:p="http://schemas.openxmlformats.org/presentationml/2006/main">
-  <p:cSld>
-    <p:spTree>
-      <p:nvGrpSpPr>
-        <p:cNvPr id="1" name="">
-          <a:extLst>
-            <a:ext uri="{FF2B5EF4-FFF2-40B4-BE49-F238E27FC236}">
-              <a16:creationId xmlns:a16="http://schemas.microsoft.com/office/drawing/2014/main" id="{26FF4790-F2B7-73B1-F7BF-E37298DB5DE6}"/>
-            </a:ext>
-          </a:extLst>
-        </p:cNvPr>
-        <p:cNvGrpSpPr/>
-        <p:nvPr/>
-      </p:nvGrpSpPr>
-      <p:grpSpPr>
-        <a:xfrm>
-          <a:off x="0" y="0"/>
-          <a:ext cx="0" cy="0"/>
-          <a:chOff x="0" y="0"/>
-          <a:chExt cx="0" cy="0"/>
-        </a:xfrm>
-      </p:grpSpPr>
-      <p:sp>
-        <p:nvSpPr>
-          <p:cNvPr id="2" name="テキスト ボックス 1">
-            <a:extLst>
-              <a:ext uri="{FF2B5EF4-FFF2-40B4-BE49-F238E27FC236}">
-                <a16:creationId xmlns:a16="http://schemas.microsoft.com/office/drawing/2014/main" id="{99B7669D-B516-5FD0-EBEF-A180B9186518}"/>
+      <p:sp>
+        <p:nvSpPr>
+          <p:cNvPr id="2" name="正方形/長方形 1">
+            <a:extLst>
+              <a:ext uri="{FF2B5EF4-FFF2-40B4-BE49-F238E27FC236}">
+                <a16:creationId xmlns:a16="http://schemas.microsoft.com/office/drawing/2014/main" id="{A5F203BB-E9AD-CEA1-97D4-ED01D8270DE7}"/>
+              </a:ext>
+            </a:extLst>
+          </p:cNvPr>
+          <p:cNvSpPr/>
+          <p:nvPr/>
+        </p:nvSpPr>
+        <p:spPr>
+          <a:xfrm>
+            <a:off x="8466666" y="4549164"/>
+            <a:ext cx="1574801" cy="1089636"/>
+          </a:xfrm>
+          <a:prstGeom prst="rect">
+            <a:avLst/>
+          </a:prstGeom>
+          <a:noFill/>
+          <a:ln>
+            <a:solidFill>
+              <a:schemeClr val="accent5"/>
+            </a:solidFill>
+          </a:ln>
+        </p:spPr>
+        <p:style>
+          <a:lnRef idx="2">
+            <a:schemeClr val="accent1">
+              <a:shade val="15000"/>
+            </a:schemeClr>
+          </a:lnRef>
+          <a:fillRef idx="1">
+            <a:schemeClr val="accent1"/>
+          </a:fillRef>
+          <a:effectRef idx="0">
+            <a:schemeClr val="accent1"/>
+          </a:effectRef>
+          <a:fontRef idx="minor">
+            <a:schemeClr val="lt1"/>
+          </a:fontRef>
+        </p:style>
+        <p:txBody>
+          <a:bodyPr rtlCol="0" anchor="ctr"/>
+          <a:lstStyle/>
+          <a:p>
+            <a:pPr algn="ctr"/>
+            <a:endParaRPr kumimoji="1" lang="ja-JP" altLang="en-US"/>
+          </a:p>
+        </p:txBody>
+      </p:sp>
+      <p:sp>
+        <p:nvSpPr>
+          <p:cNvPr id="3" name="正方形/長方形 2">
+            <a:extLst>
+              <a:ext uri="{FF2B5EF4-FFF2-40B4-BE49-F238E27FC236}">
+                <a16:creationId xmlns:a16="http://schemas.microsoft.com/office/drawing/2014/main" id="{1EDAFB16-74D4-2422-5CE6-D2A8CCF5A621}"/>
+              </a:ext>
+            </a:extLst>
+          </p:cNvPr>
+          <p:cNvSpPr/>
+          <p:nvPr/>
+        </p:nvSpPr>
+        <p:spPr>
+          <a:xfrm>
+            <a:off x="7524749" y="3290561"/>
+            <a:ext cx="3306940" cy="709341"/>
+          </a:xfrm>
+          <a:prstGeom prst="rect">
+            <a:avLst/>
+          </a:prstGeom>
+          <a:noFill/>
+          <a:ln>
+            <a:solidFill>
+              <a:schemeClr val="accent5"/>
+            </a:solidFill>
+          </a:ln>
+        </p:spPr>
+        <p:style>
+          <a:lnRef idx="2">
+            <a:schemeClr val="accent1">
+              <a:shade val="15000"/>
+            </a:schemeClr>
+          </a:lnRef>
+          <a:fillRef idx="1">
+            <a:schemeClr val="accent1"/>
+          </a:fillRef>
+          <a:effectRef idx="0">
+            <a:schemeClr val="accent1"/>
+          </a:effectRef>
+          <a:fontRef idx="minor">
+            <a:schemeClr val="lt1"/>
+          </a:fontRef>
+        </p:style>
+        <p:txBody>
+          <a:bodyPr rtlCol="0" anchor="ctr"/>
+          <a:lstStyle/>
+          <a:p>
+            <a:pPr algn="ctr"/>
+            <a:endParaRPr kumimoji="1" lang="ja-JP" altLang="en-US"/>
+          </a:p>
+        </p:txBody>
+      </p:sp>
+      <p:sp>
+        <p:nvSpPr>
+          <p:cNvPr id="7" name="テキスト ボックス 6">
+            <a:extLst>
+              <a:ext uri="{FF2B5EF4-FFF2-40B4-BE49-F238E27FC236}">
+                <a16:creationId xmlns:a16="http://schemas.microsoft.com/office/drawing/2014/main" id="{09001516-0E19-7526-2C9F-DF52BE2CE9E0}"/>
               </a:ext>
             </a:extLst>
           </p:cNvPr>
@@ -8211,8 +11368,8 @@
         </p:nvSpPr>
         <p:spPr>
           <a:xfrm>
-            <a:off x="839611" y="2386895"/>
-            <a:ext cx="4494389" cy="707886"/>
+            <a:off x="8693087" y="3018380"/>
+            <a:ext cx="3409950" cy="369332"/>
           </a:xfrm>
           <a:prstGeom prst="rect">
             <a:avLst/>
@@ -8226,323 +11383,21 @@
           <a:lstStyle/>
           <a:p>
             <a:r>
-              <a:rPr kumimoji="1" lang="en-US" altLang="ja-JP" sz="2000" dirty="0">
-                <a:latin typeface="Meiryo UI" panose="020B0604030504040204" pitchFamily="50" charset="-128"/>
-                <a:ea typeface="Meiryo UI" panose="020B0604030504040204" pitchFamily="50" charset="-128"/>
-              </a:rPr>
-              <a:t>API</a:t>
-            </a:r>
-            <a:r>
-              <a:rPr kumimoji="1" lang="ja-JP" altLang="en-US" sz="2000" dirty="0">
-                <a:latin typeface="Meiryo UI" panose="020B0604030504040204" pitchFamily="50" charset="-128"/>
-                <a:ea typeface="Meiryo UI" panose="020B0604030504040204" pitchFamily="50" charset="-128"/>
-              </a:rPr>
-              <a:t>使用ﾛｸﾞを元に、ユーザ・</a:t>
-            </a:r>
-            <a:r>
-              <a:rPr kumimoji="1" lang="en-US" altLang="ja-JP" sz="2000" dirty="0">
-                <a:latin typeface="Meiryo UI" panose="020B0604030504040204" pitchFamily="50" charset="-128"/>
-                <a:ea typeface="Meiryo UI" panose="020B0604030504040204" pitchFamily="50" charset="-128"/>
+              <a:rPr kumimoji="1" lang="en-US" altLang="ja-JP" dirty="0">
+                <a:ln w="0"/>
+                <a:solidFill>
+                  <a:schemeClr val="accent1"/>
+                </a:solidFill>
+                <a:effectLst>
+                  <a:outerShdw blurRad="38100" dist="25400" dir="5400000" algn="ctr" rotWithShape="0">
+                    <a:srgbClr val="6E747A">
+                      <a:alpha val="43000"/>
+                    </a:srgbClr>
+                  </a:outerShdw>
+                </a:effectLst>
               </a:rPr>
               <a:t>AI</a:t>
             </a:r>
-            <a:r>
-              <a:rPr kumimoji="1" lang="ja-JP" altLang="en-US" sz="2000" dirty="0">
-                <a:latin typeface="Meiryo UI" panose="020B0604030504040204" pitchFamily="50" charset="-128"/>
-                <a:ea typeface="Meiryo UI" panose="020B0604030504040204" pitchFamily="50" charset="-128"/>
-              </a:rPr>
-              <a:t>モデルごとの使用量を集計可能。</a:t>
-            </a:r>
-          </a:p>
-        </p:txBody>
-      </p:sp>
-      <p:sp>
-        <p:nvSpPr>
-          <p:cNvPr id="3" name="テキスト ボックス 2">
-            <a:extLst>
-              <a:ext uri="{FF2B5EF4-FFF2-40B4-BE49-F238E27FC236}">
-                <a16:creationId xmlns:a16="http://schemas.microsoft.com/office/drawing/2014/main" id="{CF24E28B-59B6-330E-D132-333D8CA8AAAF}"/>
-              </a:ext>
-            </a:extLst>
-          </p:cNvPr>
-          <p:cNvSpPr txBox="1"/>
-          <p:nvPr/>
-        </p:nvSpPr>
-        <p:spPr>
-          <a:xfrm>
-            <a:off x="6800915" y="4007790"/>
-            <a:ext cx="4809330" cy="1785104"/>
-          </a:xfrm>
-          <a:prstGeom prst="rect">
-            <a:avLst/>
-          </a:prstGeom>
-          <a:solidFill>
-            <a:schemeClr val="bg1">
-              <a:lumMod val="95000"/>
-            </a:schemeClr>
-          </a:solidFill>
-        </p:spPr>
-        <p:txBody>
-          <a:bodyPr wrap="none" rtlCol="0">
-            <a:spAutoFit/>
-          </a:bodyPr>
-          <a:lstStyle/>
-          <a:p>
-            <a:r>
-              <a:rPr lang="en-US" altLang="ja-JP" sz="1100" dirty="0"/>
-              <a:t>SELECT </a:t>
-            </a:r>
-          </a:p>
-          <a:p>
-            <a:r>
-              <a:rPr lang="en-US" altLang="ja-JP" sz="1100" dirty="0"/>
-              <a:t>  </a:t>
-            </a:r>
-            <a:r>
-              <a:rPr lang="en-US" altLang="ja-JP" sz="1100" dirty="0" err="1"/>
-              <a:t>userIdentity.userName</a:t>
-            </a:r>
-            <a:r>
-              <a:rPr lang="en-US" altLang="ja-JP" sz="1100" dirty="0"/>
-              <a:t> AS user,</a:t>
-            </a:r>
-          </a:p>
-          <a:p>
-            <a:r>
-              <a:rPr lang="en-US" altLang="ja-JP" sz="1100" dirty="0"/>
-              <a:t>  </a:t>
-            </a:r>
-            <a:r>
-              <a:rPr lang="en-US" altLang="ja-JP" sz="1100" dirty="0" err="1"/>
-              <a:t>requestParameters.modelId</a:t>
-            </a:r>
-            <a:r>
-              <a:rPr lang="en-US" altLang="ja-JP" sz="1100" dirty="0"/>
-              <a:t> AS model,</a:t>
-            </a:r>
-          </a:p>
-          <a:p>
-            <a:r>
-              <a:rPr lang="en-US" altLang="ja-JP" sz="1100" dirty="0"/>
-              <a:t>  SUM(</a:t>
-            </a:r>
-            <a:r>
-              <a:rPr lang="en-US" altLang="ja-JP" sz="1100" dirty="0" err="1"/>
-              <a:t>responseElements.usage.inputTokens</a:t>
-            </a:r>
-            <a:r>
-              <a:rPr lang="en-US" altLang="ja-JP" sz="1100" dirty="0"/>
-              <a:t>) AS </a:t>
-            </a:r>
-            <a:r>
-              <a:rPr lang="en-US" altLang="ja-JP" sz="1100" dirty="0" err="1"/>
-              <a:t>total_input_tokens</a:t>
-            </a:r>
-            <a:r>
-              <a:rPr lang="en-US" altLang="ja-JP" sz="1100" dirty="0"/>
-              <a:t>,</a:t>
-            </a:r>
-          </a:p>
-          <a:p>
-            <a:r>
-              <a:rPr lang="en-US" altLang="ja-JP" sz="1100" dirty="0"/>
-              <a:t>  SUM(</a:t>
-            </a:r>
-            <a:r>
-              <a:rPr lang="en-US" altLang="ja-JP" sz="1100" dirty="0" err="1"/>
-              <a:t>responseElements.usage.outputTokens</a:t>
-            </a:r>
-            <a:r>
-              <a:rPr lang="en-US" altLang="ja-JP" sz="1100" dirty="0"/>
-              <a:t>) AS </a:t>
-            </a:r>
-            <a:r>
-              <a:rPr lang="en-US" altLang="ja-JP" sz="1100" dirty="0" err="1"/>
-              <a:t>total_output_tokens</a:t>
-            </a:r>
-            <a:endParaRPr lang="en-US" altLang="ja-JP" sz="1100" dirty="0"/>
-          </a:p>
-          <a:p>
-            <a:r>
-              <a:rPr lang="en-US" altLang="ja-JP" sz="1100" dirty="0"/>
-              <a:t>FROM </a:t>
-            </a:r>
-            <a:r>
-              <a:rPr lang="en-US" altLang="ja-JP" sz="1100" dirty="0" err="1"/>
-              <a:t>cloudtrail_logs</a:t>
-            </a:r>
-            <a:endParaRPr lang="en-US" altLang="ja-JP" sz="1100" dirty="0"/>
-          </a:p>
-          <a:p>
-            <a:r>
-              <a:rPr lang="en-US" altLang="ja-JP" sz="1100" dirty="0"/>
-              <a:t>WHERE </a:t>
-            </a:r>
-            <a:r>
-              <a:rPr lang="en-US" altLang="ja-JP" sz="1100" dirty="0" err="1"/>
-              <a:t>eventSource</a:t>
-            </a:r>
-            <a:r>
-              <a:rPr lang="en-US" altLang="ja-JP" sz="1100" dirty="0"/>
-              <a:t> = '</a:t>
-            </a:r>
-            <a:r>
-              <a:rPr lang="en-US" altLang="ja-JP" sz="1100" dirty="0" err="1"/>
-              <a:t>bedrock.amazonaws.com</a:t>
-            </a:r>
-            <a:r>
-              <a:rPr lang="en-US" altLang="ja-JP" sz="1100" dirty="0"/>
-              <a:t>'</a:t>
-            </a:r>
-          </a:p>
-          <a:p>
-            <a:r>
-              <a:rPr lang="en-US" altLang="ja-JP" sz="1100" dirty="0"/>
-              <a:t>  AND </a:t>
-            </a:r>
-            <a:r>
-              <a:rPr lang="en-US" altLang="ja-JP" sz="1100" dirty="0" err="1"/>
-              <a:t>eventName</a:t>
-            </a:r>
-            <a:r>
-              <a:rPr lang="en-US" altLang="ja-JP" sz="1100" dirty="0"/>
-              <a:t> = '</a:t>
-            </a:r>
-            <a:r>
-              <a:rPr lang="en-US" altLang="ja-JP" sz="1100" dirty="0" err="1"/>
-              <a:t>InvokeModel</a:t>
-            </a:r>
-            <a:r>
-              <a:rPr lang="en-US" altLang="ja-JP" sz="1100" dirty="0"/>
-              <a:t>'</a:t>
-            </a:r>
-          </a:p>
-          <a:p>
-            <a:r>
-              <a:rPr lang="en-US" altLang="ja-JP" sz="1100" dirty="0"/>
-              <a:t>GROUP BY </a:t>
-            </a:r>
-            <a:r>
-              <a:rPr lang="en-US" altLang="ja-JP" sz="1100" dirty="0" err="1"/>
-              <a:t>userIdentity.userName</a:t>
-            </a:r>
-            <a:r>
-              <a:rPr lang="en-US" altLang="ja-JP" sz="1100" dirty="0"/>
-              <a:t>, </a:t>
-            </a:r>
-            <a:r>
-              <a:rPr lang="en-US" altLang="ja-JP" sz="1100" dirty="0" err="1"/>
-              <a:t>requestParameters.modelId</a:t>
-            </a:r>
-            <a:r>
-              <a:rPr lang="en-US" altLang="ja-JP" sz="1100" dirty="0"/>
-              <a:t>;</a:t>
-            </a:r>
-          </a:p>
-          <a:p>
-            <a:endParaRPr kumimoji="1" lang="ja-JP" altLang="en-US" sz="1100" dirty="0"/>
-          </a:p>
-        </p:txBody>
-      </p:sp>
-      <p:pic>
-        <p:nvPicPr>
-          <p:cNvPr id="4" name="グラフィックス 3">
-            <a:extLst>
-              <a:ext uri="{FF2B5EF4-FFF2-40B4-BE49-F238E27FC236}">
-                <a16:creationId xmlns:a16="http://schemas.microsoft.com/office/drawing/2014/main" id="{D7267E6C-769D-7216-9FE5-20E51C124A61}"/>
-              </a:ext>
-            </a:extLst>
-          </p:cNvPr>
-          <p:cNvPicPr>
-            <a:picLocks noChangeAspect="1"/>
-          </p:cNvPicPr>
-          <p:nvPr/>
-        </p:nvPicPr>
-        <p:blipFill>
-          <a:blip r:embed="rId2">
-            <a:extLst>
-              <a:ext uri="{96DAC541-7B7A-43D3-8B79-37D633B846F1}">
-                <asvg:svgBlip xmlns:asvg="http://schemas.microsoft.com/office/drawing/2016/SVG/main" r:embed="rId3"/>
-              </a:ext>
-            </a:extLst>
-          </a:blip>
-          <a:stretch>
-            <a:fillRect/>
-          </a:stretch>
-        </p:blipFill>
-        <p:spPr>
-          <a:xfrm>
-            <a:off x="8092025" y="2268411"/>
-            <a:ext cx="609600" cy="609600"/>
-          </a:xfrm>
-          <a:prstGeom prst="rect">
-            <a:avLst/>
-          </a:prstGeom>
-        </p:spPr>
-      </p:pic>
-      <p:sp>
-        <p:nvSpPr>
-          <p:cNvPr id="5" name="テキスト ボックス 4">
-            <a:extLst>
-              <a:ext uri="{FF2B5EF4-FFF2-40B4-BE49-F238E27FC236}">
-                <a16:creationId xmlns:a16="http://schemas.microsoft.com/office/drawing/2014/main" id="{533B67AA-C8E7-8FCE-279A-0F49691FFF92}"/>
-              </a:ext>
-            </a:extLst>
-          </p:cNvPr>
-          <p:cNvSpPr txBox="1"/>
-          <p:nvPr/>
-        </p:nvSpPr>
-        <p:spPr>
-          <a:xfrm>
-            <a:off x="8051217" y="2878011"/>
-            <a:ext cx="691215" cy="276999"/>
-          </a:xfrm>
-          <a:prstGeom prst="rect">
-            <a:avLst/>
-          </a:prstGeom>
-          <a:noFill/>
-        </p:spPr>
-        <p:txBody>
-          <a:bodyPr wrap="none" rtlCol="0">
-            <a:spAutoFit/>
-          </a:bodyPr>
-          <a:lstStyle/>
-          <a:p>
-            <a:r>
-              <a:rPr kumimoji="1" lang="en-US" altLang="ja-JP" sz="1200" dirty="0"/>
-              <a:t>Athena</a:t>
-            </a:r>
-          </a:p>
-        </p:txBody>
-      </p:sp>
-      <p:sp>
-        <p:nvSpPr>
-          <p:cNvPr id="6" name="テキスト ボックス 5">
-            <a:extLst>
-              <a:ext uri="{FF2B5EF4-FFF2-40B4-BE49-F238E27FC236}">
-                <a16:creationId xmlns:a16="http://schemas.microsoft.com/office/drawing/2014/main" id="{4DDEFDBB-086D-A197-4416-2F2375F7071E}"/>
-              </a:ext>
-            </a:extLst>
-          </p:cNvPr>
-          <p:cNvSpPr txBox="1"/>
-          <p:nvPr/>
-        </p:nvSpPr>
-        <p:spPr>
-          <a:xfrm>
-            <a:off x="6691849" y="3656825"/>
-            <a:ext cx="3409950" cy="369332"/>
-          </a:xfrm>
-          <a:prstGeom prst="rect">
-            <a:avLst/>
-          </a:prstGeom>
-          <a:noFill/>
-        </p:spPr>
-        <p:txBody>
-          <a:bodyPr wrap="square" rtlCol="0">
-            <a:spAutoFit/>
-          </a:bodyPr>
-          <a:lstStyle/>
-          <a:p>
             <a:r>
               <a:rPr kumimoji="1" lang="ja-JP" altLang="en-US" dirty="0">
                 <a:ln w="0"/>
@@ -8557,100 +11412,49 @@
                   </a:outerShdw>
                 </a:effectLst>
               </a:rPr>
-              <a:t>使用状況集計ｸｴﾘのｲﾒｰｼﾞ</a:t>
-            </a:r>
-          </a:p>
-        </p:txBody>
-      </p:sp>
-      <p:pic>
-        <p:nvPicPr>
-          <p:cNvPr id="7" name="グラフィックス 6">
-            <a:extLst>
-              <a:ext uri="{FF2B5EF4-FFF2-40B4-BE49-F238E27FC236}">
-                <a16:creationId xmlns:a16="http://schemas.microsoft.com/office/drawing/2014/main" id="{6D772853-2F6A-C668-250E-27AED33F8D1C}"/>
-              </a:ext>
-            </a:extLst>
-          </p:cNvPr>
-          <p:cNvPicPr>
-            <a:picLocks noChangeAspect="1"/>
-          </p:cNvPicPr>
-          <p:nvPr/>
-        </p:nvPicPr>
-        <p:blipFill>
-          <a:blip r:embed="rId4">
-            <a:extLst>
-              <a:ext uri="{96DAC541-7B7A-43D3-8B79-37D633B846F1}">
-                <asvg:svgBlip xmlns:asvg="http://schemas.microsoft.com/office/drawing/2016/SVG/main" r:embed="rId5"/>
-              </a:ext>
-            </a:extLst>
-          </a:blip>
-          <a:stretch>
-            <a:fillRect/>
-          </a:stretch>
-        </p:blipFill>
-        <p:spPr>
-          <a:xfrm>
-            <a:off x="6800915" y="2283864"/>
-            <a:ext cx="609600" cy="609600"/>
-          </a:xfrm>
-          <a:prstGeom prst="rect">
-            <a:avLst/>
-          </a:prstGeom>
-        </p:spPr>
-      </p:pic>
-      <p:cxnSp>
-        <p:nvCxnSpPr>
-          <p:cNvPr id="8" name="直線矢印コネクタ 7">
-            <a:extLst>
-              <a:ext uri="{FF2B5EF4-FFF2-40B4-BE49-F238E27FC236}">
-                <a16:creationId xmlns:a16="http://schemas.microsoft.com/office/drawing/2014/main" id="{A3A28A2C-F6E5-EC98-B804-29476E388C6D}"/>
-              </a:ext>
-            </a:extLst>
-          </p:cNvPr>
-          <p:cNvCxnSpPr>
-            <a:cxnSpLocks/>
-            <a:stCxn id="7" idx="3"/>
-          </p:cNvCxnSpPr>
-          <p:nvPr/>
-        </p:nvCxnSpPr>
-        <p:spPr>
-          <a:xfrm>
-            <a:off x="7410515" y="2588664"/>
-            <a:ext cx="700655" cy="0"/>
-          </a:xfrm>
-          <a:prstGeom prst="straightConnector1">
-            <a:avLst/>
-          </a:prstGeom>
-          <a:ln>
-            <a:solidFill>
-              <a:schemeClr val="bg1">
-                <a:lumMod val="65000"/>
-              </a:schemeClr>
-            </a:solidFill>
-            <a:tailEnd type="triangle"/>
-          </a:ln>
-        </p:spPr>
-        <p:style>
-          <a:lnRef idx="3">
-            <a:schemeClr val="accent1"/>
-          </a:lnRef>
-          <a:fillRef idx="0">
-            <a:schemeClr val="accent1"/>
-          </a:fillRef>
-          <a:effectRef idx="2">
-            <a:schemeClr val="accent1"/>
-          </a:effectRef>
-          <a:fontRef idx="minor">
-            <a:schemeClr val="tx1"/>
-          </a:fontRef>
-        </p:style>
-      </p:cxnSp>
-      <p:sp>
-        <p:nvSpPr>
-          <p:cNvPr id="11" name="テキスト ボックス 10">
-            <a:extLst>
-              <a:ext uri="{FF2B5EF4-FFF2-40B4-BE49-F238E27FC236}">
-                <a16:creationId xmlns:a16="http://schemas.microsoft.com/office/drawing/2014/main" id="{990D2F71-24D1-8EFF-F06B-3BCF8952C121}"/>
+              <a:t> </a:t>
+            </a:r>
+            <a:r>
+              <a:rPr kumimoji="1" lang="en-US" altLang="ja-JP" dirty="0">
+                <a:ln w="0"/>
+                <a:solidFill>
+                  <a:schemeClr val="accent1"/>
+                </a:solidFill>
+                <a:effectLst>
+                  <a:outerShdw blurRad="38100" dist="25400" dir="5400000" algn="ctr" rotWithShape="0">
+                    <a:srgbClr val="6E747A">
+                      <a:alpha val="43000"/>
+                    </a:srgbClr>
+                  </a:outerShdw>
+                </a:effectLst>
+              </a:rPr>
+              <a:t>API</a:t>
+            </a:r>
+            <a:r>
+              <a:rPr kumimoji="1" lang="ja-JP" altLang="en-US" dirty="0">
+                <a:ln w="0"/>
+                <a:solidFill>
+                  <a:schemeClr val="accent1"/>
+                </a:solidFill>
+                <a:effectLst>
+                  <a:outerShdw blurRad="38100" dist="25400" dir="5400000" algn="ctr" rotWithShape="0">
+                    <a:srgbClr val="6E747A">
+                      <a:alpha val="43000"/>
+                    </a:srgbClr>
+                  </a:outerShdw>
+                </a:effectLst>
+              </a:rPr>
+              <a:t>関連の操作のみ許可</a:t>
+            </a:r>
+          </a:p>
+        </p:txBody>
+      </p:sp>
+      <p:sp>
+        <p:nvSpPr>
+          <p:cNvPr id="13" name="テキスト ボックス 12">
+            <a:extLst>
+              <a:ext uri="{FF2B5EF4-FFF2-40B4-BE49-F238E27FC236}">
+                <a16:creationId xmlns:a16="http://schemas.microsoft.com/office/drawing/2014/main" id="{755ABBDB-BAA5-50FF-51A8-5E07547637BA}"/>
               </a:ext>
             </a:extLst>
           </p:cNvPr>
@@ -8659,44 +11463,8 @@
         </p:nvSpPr>
         <p:spPr>
           <a:xfrm>
-            <a:off x="6882210" y="2831845"/>
-            <a:ext cx="365806" cy="276999"/>
-          </a:xfrm>
-          <a:prstGeom prst="rect">
-            <a:avLst/>
-          </a:prstGeom>
-          <a:noFill/>
-        </p:spPr>
-        <p:txBody>
-          <a:bodyPr wrap="none" rtlCol="0">
-            <a:spAutoFit/>
-          </a:bodyPr>
-          <a:lstStyle/>
-          <a:p>
-            <a:r>
-              <a:rPr kumimoji="1" lang="en-US" altLang="ja-JP" sz="1200" dirty="0" err="1"/>
-              <a:t>S3</a:t>
-            </a:r>
-            <a:endParaRPr kumimoji="1" lang="en-US" altLang="ja-JP" sz="1200" dirty="0"/>
-          </a:p>
-        </p:txBody>
-      </p:sp>
-      <p:sp>
-        <p:nvSpPr>
-          <p:cNvPr id="12" name="テキスト ボックス 11">
-            <a:extLst>
-              <a:ext uri="{FF2B5EF4-FFF2-40B4-BE49-F238E27FC236}">
-                <a16:creationId xmlns:a16="http://schemas.microsoft.com/office/drawing/2014/main" id="{6285E969-AC0D-0C98-4EE8-37A5CF6A21AA}"/>
-              </a:ext>
-            </a:extLst>
-          </p:cNvPr>
-          <p:cNvSpPr txBox="1"/>
-          <p:nvPr/>
-        </p:nvSpPr>
-        <p:spPr>
-          <a:xfrm>
-            <a:off x="1371918" y="91763"/>
-            <a:ext cx="6940232" cy="461665"/>
+            <a:off x="8693087" y="4272083"/>
+            <a:ext cx="3409950" cy="369332"/>
           </a:xfrm>
           <a:prstGeom prst="rect">
             <a:avLst/>
@@ -8710,32 +11478,52 @@
           <a:lstStyle/>
           <a:p>
             <a:r>
-              <a:rPr lang="ja-JP" altLang="en-US" sz="2400" dirty="0">
-                <a:latin typeface="Meiryo UI" panose="020B0604030504040204" pitchFamily="50" charset="-128"/>
-                <a:ea typeface="Meiryo UI" panose="020B0604030504040204" pitchFamily="50" charset="-128"/>
-              </a:rPr>
-              <a:t>参考情報：</a:t>
-            </a:r>
-            <a:r>
-              <a:rPr kumimoji="1" lang="ja-JP" altLang="en-US" sz="2400" dirty="0">
-                <a:latin typeface="Meiryo UI" panose="020B0604030504040204" pitchFamily="50" charset="-128"/>
-                <a:ea typeface="Meiryo UI" panose="020B0604030504040204" pitchFamily="50" charset="-128"/>
-              </a:rPr>
-              <a:t>ユーザごとの</a:t>
-            </a:r>
-            <a:r>
-              <a:rPr kumimoji="1" lang="en-US" altLang="ja-JP" sz="2400" dirty="0">
-                <a:latin typeface="Meiryo UI" panose="020B0604030504040204" pitchFamily="50" charset="-128"/>
-                <a:ea typeface="Meiryo UI" panose="020B0604030504040204" pitchFamily="50" charset="-128"/>
-              </a:rPr>
-              <a:t>API</a:t>
-            </a:r>
-            <a:r>
-              <a:rPr kumimoji="1" lang="ja-JP" altLang="en-US" sz="2400" dirty="0">
-                <a:latin typeface="Meiryo UI" panose="020B0604030504040204" pitchFamily="50" charset="-128"/>
-                <a:ea typeface="Meiryo UI" panose="020B0604030504040204" pitchFamily="50" charset="-128"/>
-              </a:rPr>
-              <a:t>使用量の集計</a:t>
+              <a:rPr kumimoji="1" lang="ja-JP" altLang="en-US" dirty="0">
+                <a:ln w="0"/>
+                <a:solidFill>
+                  <a:schemeClr val="accent1"/>
+                </a:solidFill>
+                <a:effectLst>
+                  <a:outerShdw blurRad="38100" dist="25400" dir="5400000" algn="ctr" rotWithShape="0">
+                    <a:srgbClr val="6E747A">
+                      <a:alpha val="43000"/>
+                    </a:srgbClr>
+                  </a:outerShdw>
+                </a:effectLst>
+              </a:rPr>
+              <a:t>社内</a:t>
+            </a:r>
+            <a:r>
+              <a:rPr kumimoji="1" lang="en-US" altLang="ja-JP" dirty="0">
+                <a:ln w="0"/>
+                <a:solidFill>
+                  <a:schemeClr val="accent1"/>
+                </a:solidFill>
+                <a:effectLst>
+                  <a:outerShdw blurRad="38100" dist="25400" dir="5400000" algn="ctr" rotWithShape="0">
+                    <a:srgbClr val="6E747A">
+                      <a:alpha val="43000"/>
+                    </a:srgbClr>
+                  </a:outerShdw>
+                </a:effectLst>
+              </a:rPr>
+              <a:t>LAN</a:t>
+            </a:r>
+            <a:r>
+              <a:rPr kumimoji="1" lang="ja-JP" altLang="en-US" dirty="0">
+                <a:ln w="0"/>
+                <a:solidFill>
+                  <a:schemeClr val="accent1"/>
+                </a:solidFill>
+                <a:effectLst>
+                  <a:outerShdw blurRad="38100" dist="25400" dir="5400000" algn="ctr" rotWithShape="0">
+                    <a:srgbClr val="6E747A">
+                      <a:alpha val="43000"/>
+                    </a:srgbClr>
+                  </a:outerShdw>
+                </a:effectLst>
+              </a:rPr>
+              <a:t>からの接続のみ許可</a:t>
             </a:r>
           </a:p>
         </p:txBody>
@@ -8743,7 +11531,7 @@
     </p:spTree>
     <p:extLst>
       <p:ext uri="{BB962C8B-B14F-4D97-AF65-F5344CB8AC3E}">
-        <p14:creationId xmlns:p14="http://schemas.microsoft.com/office/powerpoint/2010/main" val="3440934449"/>
+        <p14:creationId xmlns:p14="http://schemas.microsoft.com/office/powerpoint/2010/main" val="3779506609"/>
       </p:ext>
     </p:extLst>
   </p:cSld>
@@ -9046,4 +11834,299 @@
     </a:ext>
   </a:extLst>
 </a:theme>
+</file>
+
+<file path=ppt/theme/theme2.xml><?xml version="1.0" encoding="utf-8"?>
+<a:theme xmlns:a="http://schemas.openxmlformats.org/drawingml/2006/main" name="Office テーマ">
+  <a:themeElements>
+    <a:clrScheme name="Office">
+      <a:dk1>
+        <a:sysClr val="windowText" lastClr="000000"/>
+      </a:dk1>
+      <a:lt1>
+        <a:sysClr val="window" lastClr="FFFFFF"/>
+      </a:lt1>
+      <a:dk2>
+        <a:srgbClr val="44546A"/>
+      </a:dk2>
+      <a:lt2>
+        <a:srgbClr val="E7E6E6"/>
+      </a:lt2>
+      <a:accent1>
+        <a:srgbClr val="4472C4"/>
+      </a:accent1>
+      <a:accent2>
+        <a:srgbClr val="ED7D31"/>
+      </a:accent2>
+      <a:accent3>
+        <a:srgbClr val="A5A5A5"/>
+      </a:accent3>
+      <a:accent4>
+        <a:srgbClr val="FFC000"/>
+      </a:accent4>
+      <a:accent5>
+        <a:srgbClr val="5B9BD5"/>
+      </a:accent5>
+      <a:accent6>
+        <a:srgbClr val="70AD47"/>
+      </a:accent6>
+      <a:hlink>
+        <a:srgbClr val="0563C1"/>
+      </a:hlink>
+      <a:folHlink>
+        <a:srgbClr val="954F72"/>
+      </a:folHlink>
+    </a:clrScheme>
+    <a:fontScheme name="Office">
+      <a:majorFont>
+        <a:latin typeface="游ゴシック Light" panose="020F0302020204030204"/>
+        <a:ea typeface=""/>
+        <a:cs typeface=""/>
+        <a:font script="Jpan" typeface="游ゴシック Light"/>
+        <a:font script="Hang" typeface="맑은 고딕"/>
+        <a:font script="Hans" typeface="等线 Light"/>
+        <a:font script="Hant" typeface="新細明體"/>
+        <a:font script="Arab" typeface="Times New Roman"/>
+        <a:font script="Hebr" typeface="Times New Roman"/>
+        <a:font script="Thai" typeface="Angsana New"/>
+        <a:font script="Ethi" typeface="Nyala"/>
+        <a:font script="Beng" typeface="Vrinda"/>
+        <a:font script="Gujr" typeface="Shruti"/>
+        <a:font script="Khmr" typeface="MoolBoran"/>
+        <a:font script="Knda" typeface="Tunga"/>
+        <a:font script="Guru" typeface="Raavi"/>
+        <a:font script="Cans" typeface="Euphemia"/>
+        <a:font script="Cher" typeface="Plantagenet Cherokee"/>
+        <a:font script="Yiii" typeface="Microsoft Yi Baiti"/>
+        <a:font script="Tibt" typeface="Microsoft Himalaya"/>
+        <a:font script="Thaa" typeface="MV Boli"/>
+        <a:font script="Deva" typeface="Mangal"/>
+        <a:font script="Telu" typeface="Gautami"/>
+        <a:font script="Taml" typeface="Latha"/>
+        <a:font script="Syrc" typeface="Estrangelo Edessa"/>
+        <a:font script="Orya" typeface="Kalinga"/>
+        <a:font script="Mlym" typeface="Kartika"/>
+        <a:font script="Laoo" typeface="DokChampa"/>
+        <a:font script="Sinh" typeface="Iskoola Pota"/>
+        <a:font script="Mong" typeface="Mongolian Baiti"/>
+        <a:font script="Viet" typeface="Times New Roman"/>
+        <a:font script="Uigh" typeface="Microsoft Uighur"/>
+        <a:font script="Geor" typeface="Sylfaen"/>
+        <a:font script="Armn" typeface="Arial"/>
+        <a:font script="Bugi" typeface="Leelawadee UI"/>
+        <a:font script="Bopo" typeface="Microsoft JhengHei"/>
+        <a:font script="Java" typeface="Javanese Text"/>
+        <a:font script="Lisu" typeface="Segoe UI"/>
+        <a:font script="Mymr" typeface="Myanmar Text"/>
+        <a:font script="Nkoo" typeface="Ebrima"/>
+        <a:font script="Olck" typeface="Nirmala UI"/>
+        <a:font script="Osma" typeface="Ebrima"/>
+        <a:font script="Phag" typeface="Phagspa"/>
+        <a:font script="Syrn" typeface="Estrangelo Edessa"/>
+        <a:font script="Syrj" typeface="Estrangelo Edessa"/>
+        <a:font script="Syre" typeface="Estrangelo Edessa"/>
+        <a:font script="Sora" typeface="Nirmala UI"/>
+        <a:font script="Tale" typeface="Microsoft Tai Le"/>
+        <a:font script="Talu" typeface="Microsoft New Tai Lue"/>
+        <a:font script="Tfng" typeface="Ebrima"/>
+      </a:majorFont>
+      <a:minorFont>
+        <a:latin typeface="游ゴシック" panose="020F0502020204030204"/>
+        <a:ea typeface=""/>
+        <a:cs typeface=""/>
+        <a:font script="Jpan" typeface="游ゴシック"/>
+        <a:font script="Hang" typeface="맑은 고딕"/>
+        <a:font script="Hans" typeface="等线"/>
+        <a:font script="Hant" typeface="新細明體"/>
+        <a:font script="Arab" typeface="Arial"/>
+        <a:font script="Hebr" typeface="Arial"/>
+        <a:font script="Thai" typeface="Cordia New"/>
+        <a:font script="Ethi" typeface="Nyala"/>
+        <a:font script="Beng" typeface="Vrinda"/>
+        <a:font script="Gujr" typeface="Shruti"/>
+        <a:font script="Khmr" typeface="DaunPenh"/>
+        <a:font script="Knda" typeface="Tunga"/>
+        <a:font script="Guru" typeface="Raavi"/>
+        <a:font script="Cans" typeface="Euphemia"/>
+        <a:font script="Cher" typeface="Plantagenet Cherokee"/>
+        <a:font script="Yiii" typeface="Microsoft Yi Baiti"/>
+        <a:font script="Tibt" typeface="Microsoft Himalaya"/>
+        <a:font script="Thaa" typeface="MV Boli"/>
+        <a:font script="Deva" typeface="Mangal"/>
+        <a:font script="Telu" typeface="Gautami"/>
+        <a:font script="Taml" typeface="Latha"/>
+        <a:font script="Syrc" typeface="Estrangelo Edessa"/>
+        <a:font script="Orya" typeface="Kalinga"/>
+        <a:font script="Mlym" typeface="Kartika"/>
+        <a:font script="Laoo" typeface="DokChampa"/>
+        <a:font script="Sinh" typeface="Iskoola Pota"/>
+        <a:font script="Mong" typeface="Mongolian Baiti"/>
+        <a:font script="Viet" typeface="Arial"/>
+        <a:font script="Uigh" typeface="Microsoft Uighur"/>
+        <a:font script="Geor" typeface="Sylfaen"/>
+        <a:font script="Armn" typeface="Arial"/>
+        <a:font script="Bugi" typeface="Leelawadee UI"/>
+        <a:font script="Bopo" typeface="Microsoft JhengHei"/>
+        <a:font script="Java" typeface="Javanese Text"/>
+        <a:font script="Lisu" typeface="Segoe UI"/>
+        <a:font script="Mymr" typeface="Myanmar Text"/>
+        <a:font script="Nkoo" typeface="Ebrima"/>
+        <a:font script="Olck" typeface="Nirmala UI"/>
+        <a:font script="Osma" typeface="Ebrima"/>
+        <a:font script="Phag" typeface="Phagspa"/>
+        <a:font script="Syrn" typeface="Estrangelo Edessa"/>
+        <a:font script="Syrj" typeface="Estrangelo Edessa"/>
+        <a:font script="Syre" typeface="Estrangelo Edessa"/>
+        <a:font script="Sora" typeface="Nirmala UI"/>
+        <a:font script="Tale" typeface="Microsoft Tai Le"/>
+        <a:font script="Talu" typeface="Microsoft New Tai Lue"/>
+        <a:font script="Tfng" typeface="Ebrima"/>
+      </a:minorFont>
+    </a:fontScheme>
+    <a:fmtScheme name="Office">
+      <a:fillStyleLst>
+        <a:solidFill>
+          <a:schemeClr val="phClr"/>
+        </a:solidFill>
+        <a:gradFill rotWithShape="1">
+          <a:gsLst>
+            <a:gs pos="0">
+              <a:schemeClr val="phClr">
+                <a:lumMod val="110000"/>
+                <a:satMod val="105000"/>
+                <a:tint val="67000"/>
+              </a:schemeClr>
+            </a:gs>
+            <a:gs pos="50000">
+              <a:schemeClr val="phClr">
+                <a:lumMod val="105000"/>
+                <a:satMod val="103000"/>
+                <a:tint val="73000"/>
+              </a:schemeClr>
+            </a:gs>
+            <a:gs pos="100000">
+              <a:schemeClr val="phClr">
+                <a:lumMod val="105000"/>
+                <a:satMod val="109000"/>
+                <a:tint val="81000"/>
+              </a:schemeClr>
+            </a:gs>
+          </a:gsLst>
+          <a:lin ang="5400000" scaled="0"/>
+        </a:gradFill>
+        <a:gradFill rotWithShape="1">
+          <a:gsLst>
+            <a:gs pos="0">
+              <a:schemeClr val="phClr">
+                <a:satMod val="103000"/>
+                <a:lumMod val="102000"/>
+                <a:tint val="94000"/>
+              </a:schemeClr>
+            </a:gs>
+            <a:gs pos="50000">
+              <a:schemeClr val="phClr">
+                <a:satMod val="110000"/>
+                <a:lumMod val="100000"/>
+                <a:shade val="100000"/>
+              </a:schemeClr>
+            </a:gs>
+            <a:gs pos="100000">
+              <a:schemeClr val="phClr">
+                <a:lumMod val="99000"/>
+                <a:satMod val="120000"/>
+                <a:shade val="78000"/>
+              </a:schemeClr>
+            </a:gs>
+          </a:gsLst>
+          <a:lin ang="5400000" scaled="0"/>
+        </a:gradFill>
+      </a:fillStyleLst>
+      <a:lnStyleLst>
+        <a:ln w="6350" cap="flat" cmpd="sng" algn="ctr">
+          <a:solidFill>
+            <a:schemeClr val="phClr"/>
+          </a:solidFill>
+          <a:prstDash val="solid"/>
+          <a:miter lim="800000"/>
+        </a:ln>
+        <a:ln w="12700" cap="flat" cmpd="sng" algn="ctr">
+          <a:solidFill>
+            <a:schemeClr val="phClr"/>
+          </a:solidFill>
+          <a:prstDash val="solid"/>
+          <a:miter lim="800000"/>
+        </a:ln>
+        <a:ln w="19050" cap="flat" cmpd="sng" algn="ctr">
+          <a:solidFill>
+            <a:schemeClr val="phClr"/>
+          </a:solidFill>
+          <a:prstDash val="solid"/>
+          <a:miter lim="800000"/>
+        </a:ln>
+      </a:lnStyleLst>
+      <a:effectStyleLst>
+        <a:effectStyle>
+          <a:effectLst/>
+        </a:effectStyle>
+        <a:effectStyle>
+          <a:effectLst/>
+        </a:effectStyle>
+        <a:effectStyle>
+          <a:effectLst>
+            <a:outerShdw blurRad="57150" dist="19050" dir="5400000" algn="ctr" rotWithShape="0">
+              <a:srgbClr val="000000">
+                <a:alpha val="63000"/>
+              </a:srgbClr>
+            </a:outerShdw>
+          </a:effectLst>
+        </a:effectStyle>
+      </a:effectStyleLst>
+      <a:bgFillStyleLst>
+        <a:solidFill>
+          <a:schemeClr val="phClr"/>
+        </a:solidFill>
+        <a:solidFill>
+          <a:schemeClr val="phClr">
+            <a:tint val="95000"/>
+            <a:satMod val="170000"/>
+          </a:schemeClr>
+        </a:solidFill>
+        <a:gradFill rotWithShape="1">
+          <a:gsLst>
+            <a:gs pos="0">
+              <a:schemeClr val="phClr">
+                <a:tint val="93000"/>
+                <a:satMod val="150000"/>
+                <a:shade val="98000"/>
+                <a:lumMod val="102000"/>
+              </a:schemeClr>
+            </a:gs>
+            <a:gs pos="50000">
+              <a:schemeClr val="phClr">
+                <a:tint val="98000"/>
+                <a:satMod val="130000"/>
+                <a:shade val="90000"/>
+                <a:lumMod val="103000"/>
+              </a:schemeClr>
+            </a:gs>
+            <a:gs pos="100000">
+              <a:schemeClr val="phClr">
+                <a:shade val="63000"/>
+                <a:satMod val="120000"/>
+              </a:schemeClr>
+            </a:gs>
+          </a:gsLst>
+          <a:lin ang="5400000" scaled="0"/>
+        </a:gradFill>
+      </a:bgFillStyleLst>
+    </a:fmtScheme>
+  </a:themeElements>
+  <a:objectDefaults/>
+  <a:extraClrSchemeLst/>
+  <a:extLst>
+    <a:ext uri="{05A4C25C-085E-4340-85A3-A5531E510DB2}">
+      <thm15:themeFamily xmlns:thm15="http://schemas.microsoft.com/office/thememl/2012/main" name="Office Theme" id="{62F939B6-93AF-4DB8-9C6B-D6C7DFDC589F}" vid="{4A3C46E8-61CC-4603-A589-7422A47A8E4A}"/>
+    </a:ext>
+  </a:extLst>
+</a:theme>
 </file>
--- a/aws_memo.pptx
+++ b/aws_memo.pptx
@@ -8115,7 +8115,7 @@
         <p:spPr>
           <a:xfrm>
             <a:off x="675255" y="969167"/>
-            <a:ext cx="10243076" cy="707886"/>
+            <a:ext cx="7946046" cy="707886"/>
           </a:xfrm>
           <a:prstGeom prst="rect">
             <a:avLst/>
@@ -9052,7 +9052,7 @@
         <p:spPr>
           <a:xfrm>
             <a:off x="5368334" y="2268534"/>
-            <a:ext cx="954107" cy="276999"/>
+            <a:ext cx="1029449" cy="276999"/>
           </a:xfrm>
           <a:prstGeom prst="rect">
             <a:avLst/>
@@ -9067,8 +9067,21 @@
           <a:p>
             <a:r>
               <a:rPr kumimoji="1" lang="ja-JP" altLang="en-US" sz="1200" dirty="0"/>
-              <a:t>東京ﾘｰｼﾞｮﾝ</a:t>
-            </a:r>
+              <a:t>東京</a:t>
+            </a:r>
+            <a:r>
+              <a:rPr lang="ja-JP" altLang="en-US" sz="1200" dirty="0"/>
+              <a:t> </a:t>
+            </a:r>
+            <a:r>
+              <a:rPr lang="en-US" altLang="ja-JP" sz="1200" dirty="0"/>
+              <a:t>or</a:t>
+            </a:r>
+            <a:r>
+              <a:rPr lang="ja-JP" altLang="en-US" sz="1200" dirty="0"/>
+              <a:t> 北米</a:t>
+            </a:r>
+            <a:endParaRPr lang="en-US" altLang="ja-JP" sz="1200" dirty="0"/>
           </a:p>
         </p:txBody>
       </p:sp>
@@ -11554,7 +11567,7 @@
         <p:spPr>
           <a:xfrm>
             <a:off x="675255" y="969167"/>
-            <a:ext cx="10243076" cy="707886"/>
+            <a:ext cx="7814737" cy="707886"/>
           </a:xfrm>
           <a:prstGeom prst="rect">
             <a:avLst/>
@@ -12507,7 +12520,7 @@
         <p:spPr>
           <a:xfrm>
             <a:off x="5368334" y="2268534"/>
-            <a:ext cx="954107" cy="276999"/>
+            <a:ext cx="1895794" cy="276999"/>
           </a:xfrm>
           <a:prstGeom prst="rect">
             <a:avLst/>
@@ -12515,14 +12528,22 @@
           <a:noFill/>
         </p:spPr>
         <p:txBody>
-          <a:bodyPr wrap="none" rtlCol="0">
+          <a:bodyPr wrap="square" rtlCol="0">
             <a:spAutoFit/>
           </a:bodyPr>
           <a:lstStyle/>
           <a:p>
             <a:r>
               <a:rPr kumimoji="1" lang="ja-JP" altLang="en-US" sz="1200" dirty="0"/>
-              <a:t>東京ﾘｰｼﾞｮﾝ</a:t>
+              <a:t>東京 </a:t>
+            </a:r>
+            <a:r>
+              <a:rPr kumimoji="1" lang="en-US" altLang="ja-JP" sz="1200" dirty="0"/>
+              <a:t>or </a:t>
+            </a:r>
+            <a:r>
+              <a:rPr kumimoji="1" lang="ja-JP" altLang="en-US" sz="1200" dirty="0"/>
+              <a:t>北米</a:t>
             </a:r>
           </a:p>
         </p:txBody>
